--- a/Présentation-P_Prod.pptx
+++ b/Présentation-P_Prod.pptx
@@ -4,10 +4,23 @@
   <p:sldMasterIdLst>
     <p:sldMasterId id="2147483725" r:id="rId1"/>
   </p:sldMasterIdLst>
+  <p:notesMasterIdLst>
+    <p:notesMasterId r:id="rId15"/>
+  </p:notesMasterIdLst>
   <p:sldIdLst>
     <p:sldId id="256" r:id="rId2"/>
     <p:sldId id="257" r:id="rId3"/>
     <p:sldId id="258" r:id="rId4"/>
+    <p:sldId id="266" r:id="rId5"/>
+    <p:sldId id="259" r:id="rId6"/>
+    <p:sldId id="260" r:id="rId7"/>
+    <p:sldId id="261" r:id="rId8"/>
+    <p:sldId id="262" r:id="rId9"/>
+    <p:sldId id="267" r:id="rId10"/>
+    <p:sldId id="268" r:id="rId11"/>
+    <p:sldId id="263" r:id="rId12"/>
+    <p:sldId id="264" r:id="rId13"/>
+    <p:sldId id="265" r:id="rId14"/>
   </p:sldIdLst>
   <p:sldSz cx="12192000" cy="6858000"/>
   <p:notesSz cx="6858000" cy="9144000"/>
@@ -106,7 +119,2090 @@
       </a:defRPr>
     </a:lvl9pPr>
   </p:defaultTextStyle>
+  <p:extLst>
+    <p:ext uri="{EFAFB233-063F-42B5-8137-9DF3F51BA10A}">
+      <p15:sldGuideLst xmlns:p15="http://schemas.microsoft.com/office/powerpoint/2012/main"/>
+    </p:ext>
+  </p:extLst>
 </p:presentation>
+</file>
+
+<file path=ppt/revisionInfo.xml><?xml version="1.0" encoding="utf-8"?>
+<p1510:revInfo xmlns:a="http://schemas.openxmlformats.org/drawingml/2006/main" xmlns:r="http://schemas.openxmlformats.org/officeDocument/2006/relationships" xmlns:p1510="http://schemas.microsoft.com/office/powerpoint/2015/10/main">
+  <p1510:revLst>
+    <p1510:client id="{55B66068-5D84-4637-B764-A43C721F8FBE}" v="2" dt="2023-01-10T12:05:37.296"/>
+    <p1510:client id="{5F766DAC-F0C5-420D-814A-9949F2BB26F9}" v="1" dt="2022-12-20T12:40:41.135"/>
+    <p1510:client id="{5FBB1A88-3B52-4A98-8D16-8B2251604067}" v="211" dt="2022-12-20T13:19:04.596"/>
+    <p1510:client id="{5FF2731C-C401-4A68-83BB-99EB52EDEE81}" v="7" dt="2023-01-10T12:00:01.660"/>
+    <p1510:client id="{6785B1A0-6233-4EAA-9663-6D6E13993570}" v="80" dt="2022-12-20T12:51:49.931"/>
+    <p1510:client id="{78993B3E-8DDD-4216-8766-14DCF828DE97}" v="35" dt="2022-12-20T14:41:05.833"/>
+    <p1510:client id="{D34677F5-1247-46A9-9C59-FD45D0893033}" v="153" dt="2022-12-20T14:29:00.710"/>
+    <p1510:client id="{D4D131AF-498E-47E3-A6F4-58D2DEB5BB2D}" v="388" dt="2022-12-20T12:55:36.636"/>
+    <p1510:client id="{E9DBB53E-4A36-4DAF-A52E-E4D13AD91875}" v="328" dt="2022-12-20T14:06:59.022"/>
+  </p1510:revLst>
+</p1510:revInfo>
+</file>
+
+<file path=ppt/changesInfos/changesInfo1.xml><?xml version="1.0" encoding="utf-8"?>
+<pc:chgInfo xmlns:a="http://schemas.openxmlformats.org/drawingml/2006/main" xmlns:r="http://schemas.openxmlformats.org/officeDocument/2006/relationships" xmlns:ac="http://schemas.microsoft.com/office/drawing/2013/main/command" xmlns:pc="http://schemas.microsoft.com/office/powerpoint/2013/main/command">
+  <pc:docChgLst>
+    <pc:chgData name="Théo Dormond" userId="S::pb64ois@eduvaud.ch::b1a7ac2f-5ac7-49a4-a2d1-c2f45e9da961" providerId="AD" clId="Web-{78993B3E-8DDD-4216-8766-14DCF828DE97}"/>
+    <pc:docChg chg="modSld">
+      <pc:chgData name="Théo Dormond" userId="S::pb64ois@eduvaud.ch::b1a7ac2f-5ac7-49a4-a2d1-c2f45e9da961" providerId="AD" clId="Web-{78993B3E-8DDD-4216-8766-14DCF828DE97}" dt="2022-12-20T14:41:05.833" v="34" actId="14100"/>
+      <pc:docMkLst>
+        <pc:docMk/>
+      </pc:docMkLst>
+      <pc:sldChg chg="addSp delSp modSp">
+        <pc:chgData name="Théo Dormond" userId="S::pb64ois@eduvaud.ch::b1a7ac2f-5ac7-49a4-a2d1-c2f45e9da961" providerId="AD" clId="Web-{78993B3E-8DDD-4216-8766-14DCF828DE97}" dt="2022-12-20T14:41:05.833" v="34" actId="14100"/>
+        <pc:sldMkLst>
+          <pc:docMk/>
+          <pc:sldMk cId="2429557383" sldId="261"/>
+        </pc:sldMkLst>
+        <pc:picChg chg="add del mod">
+          <ac:chgData name="Théo Dormond" userId="S::pb64ois@eduvaud.ch::b1a7ac2f-5ac7-49a4-a2d1-c2f45e9da961" providerId="AD" clId="Web-{78993B3E-8DDD-4216-8766-14DCF828DE97}" dt="2022-12-20T14:40:26.489" v="21"/>
+          <ac:picMkLst>
+            <pc:docMk/>
+            <pc:sldMk cId="2429557383" sldId="261"/>
+            <ac:picMk id="4" creationId="{850D0C53-FD1D-46EE-7857-36782D9189B0}"/>
+          </ac:picMkLst>
+        </pc:picChg>
+        <pc:picChg chg="add del mod">
+          <ac:chgData name="Théo Dormond" userId="S::pb64ois@eduvaud.ch::b1a7ac2f-5ac7-49a4-a2d1-c2f45e9da961" providerId="AD" clId="Web-{78993B3E-8DDD-4216-8766-14DCF828DE97}" dt="2022-12-20T14:40:26.911" v="22"/>
+          <ac:picMkLst>
+            <pc:docMk/>
+            <pc:sldMk cId="2429557383" sldId="261"/>
+            <ac:picMk id="6" creationId="{6B421F5A-65F6-6EB3-4C54-A376642D661C}"/>
+          </ac:picMkLst>
+        </pc:picChg>
+        <pc:picChg chg="add mod">
+          <ac:chgData name="Théo Dormond" userId="S::pb64ois@eduvaud.ch::b1a7ac2f-5ac7-49a4-a2d1-c2f45e9da961" providerId="AD" clId="Web-{78993B3E-8DDD-4216-8766-14DCF828DE97}" dt="2022-12-20T14:41:05.833" v="34" actId="14100"/>
+          <ac:picMkLst>
+            <pc:docMk/>
+            <pc:sldMk cId="2429557383" sldId="261"/>
+            <ac:picMk id="8" creationId="{5A70BC4B-4E2C-45A4-9E7E-1F7C7B5D122D}"/>
+          </ac:picMkLst>
+        </pc:picChg>
+        <pc:picChg chg="add mod">
+          <ac:chgData name="Théo Dormond" userId="S::pb64ois@eduvaud.ch::b1a7ac2f-5ac7-49a4-a2d1-c2f45e9da961" providerId="AD" clId="Web-{78993B3E-8DDD-4216-8766-14DCF828DE97}" dt="2022-12-20T14:40:54.005" v="30" actId="14100"/>
+          <ac:picMkLst>
+            <pc:docMk/>
+            <pc:sldMk cId="2429557383" sldId="261"/>
+            <ac:picMk id="9" creationId="{8DCEDFF0-49B0-587A-E1C7-3ACFACDEFF2C}"/>
+          </ac:picMkLst>
+        </pc:picChg>
+      </pc:sldChg>
+    </pc:docChg>
+  </pc:docChgLst>
+  <pc:docChgLst>
+    <pc:chgData name="Natasha Shiwen Naylor" userId="S::pq87hnd@eduvaud.ch::fa136e65-7d7f-4877-b8b9-1271bde0c01b" providerId="AD" clId="Web-{5F766DAC-F0C5-420D-814A-9949F2BB26F9}"/>
+    <pc:docChg chg="modSld">
+      <pc:chgData name="Natasha Shiwen Naylor" userId="S::pq87hnd@eduvaud.ch::fa136e65-7d7f-4877-b8b9-1271bde0c01b" providerId="AD" clId="Web-{5F766DAC-F0C5-420D-814A-9949F2BB26F9}" dt="2022-12-20T12:40:41.135" v="0" actId="14100"/>
+      <pc:docMkLst>
+        <pc:docMk/>
+      </pc:docMkLst>
+      <pc:sldChg chg="modSp">
+        <pc:chgData name="Natasha Shiwen Naylor" userId="S::pq87hnd@eduvaud.ch::fa136e65-7d7f-4877-b8b9-1271bde0c01b" providerId="AD" clId="Web-{5F766DAC-F0C5-420D-814A-9949F2BB26F9}" dt="2022-12-20T12:40:41.135" v="0" actId="14100"/>
+        <pc:sldMkLst>
+          <pc:docMk/>
+          <pc:sldMk cId="2199826723" sldId="258"/>
+        </pc:sldMkLst>
+        <pc:spChg chg="mod">
+          <ac:chgData name="Natasha Shiwen Naylor" userId="S::pq87hnd@eduvaud.ch::fa136e65-7d7f-4877-b8b9-1271bde0c01b" providerId="AD" clId="Web-{5F766DAC-F0C5-420D-814A-9949F2BB26F9}" dt="2022-12-20T12:40:41.135" v="0" actId="14100"/>
+          <ac:spMkLst>
+            <pc:docMk/>
+            <pc:sldMk cId="2199826723" sldId="258"/>
+            <ac:spMk id="5" creationId="{C4F08F43-0B75-4E4D-B322-C3D34B6A205B}"/>
+          </ac:spMkLst>
+        </pc:spChg>
+      </pc:sldChg>
+    </pc:docChg>
+  </pc:docChgLst>
+  <pc:docChgLst>
+    <pc:chgData name="Sanjaey Sivathasan" userId="S::sanjaey.sivathasan@eduvaud.ch::5f85935a-1ba4-436f-b82a-13530e7cde27" providerId="AD" clId="Web-{5FF2731C-C401-4A68-83BB-99EB52EDEE81}"/>
+    <pc:docChg chg="modSld">
+      <pc:chgData name="Sanjaey Sivathasan" userId="S::sanjaey.sivathasan@eduvaud.ch::5f85935a-1ba4-436f-b82a-13530e7cde27" providerId="AD" clId="Web-{5FF2731C-C401-4A68-83BB-99EB52EDEE81}" dt="2023-01-10T12:00:01.660" v="6" actId="20577"/>
+      <pc:docMkLst>
+        <pc:docMk/>
+      </pc:docMkLst>
+      <pc:sldChg chg="modSp">
+        <pc:chgData name="Sanjaey Sivathasan" userId="S::sanjaey.sivathasan@eduvaud.ch::5f85935a-1ba4-436f-b82a-13530e7cde27" providerId="AD" clId="Web-{5FF2731C-C401-4A68-83BB-99EB52EDEE81}" dt="2023-01-10T12:00:01.660" v="6" actId="20577"/>
+        <pc:sldMkLst>
+          <pc:docMk/>
+          <pc:sldMk cId="1698774176" sldId="263"/>
+        </pc:sldMkLst>
+        <pc:spChg chg="mod">
+          <ac:chgData name="Sanjaey Sivathasan" userId="S::sanjaey.sivathasan@eduvaud.ch::5f85935a-1ba4-436f-b82a-13530e7cde27" providerId="AD" clId="Web-{5FF2731C-C401-4A68-83BB-99EB52EDEE81}" dt="2023-01-10T12:00:01.660" v="6" actId="20577"/>
+          <ac:spMkLst>
+            <pc:docMk/>
+            <pc:sldMk cId="1698774176" sldId="263"/>
+            <ac:spMk id="3" creationId="{33971947-7C05-C2A8-2946-1A8F6D15AB9C}"/>
+          </ac:spMkLst>
+        </pc:spChg>
+      </pc:sldChg>
+    </pc:docChg>
+  </pc:docChgLst>
+  <pc:docChgLst>
+    <pc:chgData name="Théo Dormond" userId="S::pb64ois@eduvaud.ch::b1a7ac2f-5ac7-49a4-a2d1-c2f45e9da961" providerId="AD" clId="Web-{D4D131AF-498E-47E3-A6F4-58D2DEB5BB2D}"/>
+    <pc:docChg chg="modSld">
+      <pc:chgData name="Théo Dormond" userId="S::pb64ois@eduvaud.ch::b1a7ac2f-5ac7-49a4-a2d1-c2f45e9da961" providerId="AD" clId="Web-{D4D131AF-498E-47E3-A6F4-58D2DEB5BB2D}" dt="2022-12-20T12:55:35.167" v="257"/>
+      <pc:docMkLst>
+        <pc:docMk/>
+      </pc:docMkLst>
+      <pc:sldChg chg="addSp delSp modSp">
+        <pc:chgData name="Théo Dormond" userId="S::pb64ois@eduvaud.ch::b1a7ac2f-5ac7-49a4-a2d1-c2f45e9da961" providerId="AD" clId="Web-{D4D131AF-498E-47E3-A6F4-58D2DEB5BB2D}" dt="2022-12-20T12:55:35.167" v="257"/>
+        <pc:sldMkLst>
+          <pc:docMk/>
+          <pc:sldMk cId="2199826723" sldId="258"/>
+        </pc:sldMkLst>
+        <pc:spChg chg="del mod">
+          <ac:chgData name="Théo Dormond" userId="S::pb64ois@eduvaud.ch::b1a7ac2f-5ac7-49a4-a2d1-c2f45e9da961" providerId="AD" clId="Web-{D4D131AF-498E-47E3-A6F4-58D2DEB5BB2D}" dt="2022-12-20T12:48:38.142" v="171"/>
+          <ac:spMkLst>
+            <pc:docMk/>
+            <pc:sldMk cId="2199826723" sldId="258"/>
+            <ac:spMk id="4" creationId="{93FF5E28-A64D-4F5E-9117-82A087BA5A75}"/>
+          </ac:spMkLst>
+        </pc:spChg>
+        <pc:spChg chg="del mod">
+          <ac:chgData name="Théo Dormond" userId="S::pb64ois@eduvaud.ch::b1a7ac2f-5ac7-49a4-a2d1-c2f45e9da961" providerId="AD" clId="Web-{D4D131AF-498E-47E3-A6F4-58D2DEB5BB2D}" dt="2022-12-20T12:48:45.642" v="175"/>
+          <ac:spMkLst>
+            <pc:docMk/>
+            <pc:sldMk cId="2199826723" sldId="258"/>
+            <ac:spMk id="5" creationId="{C4F08F43-0B75-4E4D-B322-C3D34B6A205B}"/>
+          </ac:spMkLst>
+        </pc:spChg>
+        <pc:spChg chg="del mod">
+          <ac:chgData name="Théo Dormond" userId="S::pb64ois@eduvaud.ch::b1a7ac2f-5ac7-49a4-a2d1-c2f45e9da961" providerId="AD" clId="Web-{D4D131AF-498E-47E3-A6F4-58D2DEB5BB2D}" dt="2022-12-20T12:48:30.970" v="169"/>
+          <ac:spMkLst>
+            <pc:docMk/>
+            <pc:sldMk cId="2199826723" sldId="258"/>
+            <ac:spMk id="6" creationId="{BD4E8907-5F6A-4002-B9E1-30C2E8A27177}"/>
+          </ac:spMkLst>
+        </pc:spChg>
+        <pc:spChg chg="add del mod">
+          <ac:chgData name="Théo Dormond" userId="S::pb64ois@eduvaud.ch::b1a7ac2f-5ac7-49a4-a2d1-c2f45e9da961" providerId="AD" clId="Web-{D4D131AF-498E-47E3-A6F4-58D2DEB5BB2D}" dt="2022-12-20T12:48:50.830" v="179"/>
+          <ac:spMkLst>
+            <pc:docMk/>
+            <pc:sldMk cId="2199826723" sldId="258"/>
+            <ac:spMk id="7" creationId="{6E9B3B9A-00C1-2C54-D685-B6A5F9831BE6}"/>
+          </ac:spMkLst>
+        </pc:spChg>
+        <pc:spChg chg="add del mod">
+          <ac:chgData name="Théo Dormond" userId="S::pb64ois@eduvaud.ch::b1a7ac2f-5ac7-49a4-a2d1-c2f45e9da961" providerId="AD" clId="Web-{D4D131AF-498E-47E3-A6F4-58D2DEB5BB2D}" dt="2022-12-20T12:48:56.127" v="182"/>
+          <ac:spMkLst>
+            <pc:docMk/>
+            <pc:sldMk cId="2199826723" sldId="258"/>
+            <ac:spMk id="8" creationId="{38AB9E4E-2652-726B-CAC8-E409C86A6055}"/>
+          </ac:spMkLst>
+        </pc:spChg>
+        <pc:spChg chg="add del mod">
+          <ac:chgData name="Théo Dormond" userId="S::pb64ois@eduvaud.ch::b1a7ac2f-5ac7-49a4-a2d1-c2f45e9da961" providerId="AD" clId="Web-{D4D131AF-498E-47E3-A6F4-58D2DEB5BB2D}" dt="2022-12-20T12:53:14.398" v="226"/>
+          <ac:spMkLst>
+            <pc:docMk/>
+            <pc:sldMk cId="2199826723" sldId="258"/>
+            <ac:spMk id="11" creationId="{CB614DD8-C48E-CDED-B7D7-3D8A4CE2002B}"/>
+          </ac:spMkLst>
+        </pc:spChg>
+        <pc:spChg chg="add">
+          <ac:chgData name="Théo Dormond" userId="S::pb64ois@eduvaud.ch::b1a7ac2f-5ac7-49a4-a2d1-c2f45e9da961" providerId="AD" clId="Web-{D4D131AF-498E-47E3-A6F4-58D2DEB5BB2D}" dt="2022-12-20T12:52:54.085" v="222"/>
+          <ac:spMkLst>
+            <pc:docMk/>
+            <pc:sldMk cId="2199826723" sldId="258"/>
+            <ac:spMk id="13" creationId="{916DA44B-CB65-537F-54D3-A15D60F58EED}"/>
+          </ac:spMkLst>
+        </pc:spChg>
+        <pc:spChg chg="add">
+          <ac:chgData name="Théo Dormond" userId="S::pb64ois@eduvaud.ch::b1a7ac2f-5ac7-49a4-a2d1-c2f45e9da961" providerId="AD" clId="Web-{D4D131AF-498E-47E3-A6F4-58D2DEB5BB2D}" dt="2022-12-20T12:52:59.148" v="223"/>
+          <ac:spMkLst>
+            <pc:docMk/>
+            <pc:sldMk cId="2199826723" sldId="258"/>
+            <ac:spMk id="15" creationId="{029ED103-79E6-E8DF-B2F2-CE68C0030635}"/>
+          </ac:spMkLst>
+        </pc:spChg>
+        <pc:spChg chg="add">
+          <ac:chgData name="Théo Dormond" userId="S::pb64ois@eduvaud.ch::b1a7ac2f-5ac7-49a4-a2d1-c2f45e9da961" providerId="AD" clId="Web-{D4D131AF-498E-47E3-A6F4-58D2DEB5BB2D}" dt="2022-12-20T12:53:08.773" v="224"/>
+          <ac:spMkLst>
+            <pc:docMk/>
+            <pc:sldMk cId="2199826723" sldId="258"/>
+            <ac:spMk id="17" creationId="{54AD5005-ECD7-AC70-21DE-5FC5C6CC0090}"/>
+          </ac:spMkLst>
+        </pc:spChg>
+        <pc:spChg chg="add">
+          <ac:chgData name="Théo Dormond" userId="S::pb64ois@eduvaud.ch::b1a7ac2f-5ac7-49a4-a2d1-c2f45e9da961" providerId="AD" clId="Web-{D4D131AF-498E-47E3-A6F4-58D2DEB5BB2D}" dt="2022-12-20T12:53:08.789" v="225"/>
+          <ac:spMkLst>
+            <pc:docMk/>
+            <pc:sldMk cId="2199826723" sldId="258"/>
+            <ac:spMk id="19" creationId="{D9521C28-61C2-5C0B-EF43-238E6B5F7869}"/>
+          </ac:spMkLst>
+        </pc:spChg>
+        <pc:graphicFrameChg chg="add mod modGraphic">
+          <ac:chgData name="Théo Dormond" userId="S::pb64ois@eduvaud.ch::b1a7ac2f-5ac7-49a4-a2d1-c2f45e9da961" providerId="AD" clId="Web-{D4D131AF-498E-47E3-A6F4-58D2DEB5BB2D}" dt="2022-12-20T12:55:35.167" v="257"/>
+          <ac:graphicFrameMkLst>
+            <pc:docMk/>
+            <pc:sldMk cId="2199826723" sldId="258"/>
+            <ac:graphicFrameMk id="9" creationId="{CDF13B68-6D6B-6D85-D47A-A4A687BB29CA}"/>
+          </ac:graphicFrameMkLst>
+        </pc:graphicFrameChg>
+        <pc:graphicFrameChg chg="add del modGraphic">
+          <ac:chgData name="Théo Dormond" userId="S::pb64ois@eduvaud.ch::b1a7ac2f-5ac7-49a4-a2d1-c2f45e9da961" providerId="AD" clId="Web-{D4D131AF-498E-47E3-A6F4-58D2DEB5BB2D}" dt="2022-12-20T12:50:21.301" v="193"/>
+          <ac:graphicFrameMkLst>
+            <pc:docMk/>
+            <pc:sldMk cId="2199826723" sldId="258"/>
+            <ac:graphicFrameMk id="10" creationId="{4C40EE86-C71B-D384-9143-018F64D7C9AD}"/>
+          </ac:graphicFrameMkLst>
+        </pc:graphicFrameChg>
+      </pc:sldChg>
+    </pc:docChg>
+  </pc:docChgLst>
+  <pc:docChgLst>
+    <pc:chgData name="Théo Dormond" userId="S::pb64ois@eduvaud.ch::b1a7ac2f-5ac7-49a4-a2d1-c2f45e9da961" providerId="AD" clId="Web-{55B66068-5D84-4637-B764-A43C721F8FBE}"/>
+    <pc:docChg chg="modSld">
+      <pc:chgData name="Théo Dormond" userId="S::pb64ois@eduvaud.ch::b1a7ac2f-5ac7-49a4-a2d1-c2f45e9da961" providerId="AD" clId="Web-{55B66068-5D84-4637-B764-A43C721F8FBE}" dt="2023-01-10T12:05:37.296" v="1" actId="20577"/>
+      <pc:docMkLst>
+        <pc:docMk/>
+      </pc:docMkLst>
+      <pc:sldChg chg="modSp">
+        <pc:chgData name="Théo Dormond" userId="S::pb64ois@eduvaud.ch::b1a7ac2f-5ac7-49a4-a2d1-c2f45e9da961" providerId="AD" clId="Web-{55B66068-5D84-4637-B764-A43C721F8FBE}" dt="2023-01-10T12:05:37.296" v="1" actId="20577"/>
+        <pc:sldMkLst>
+          <pc:docMk/>
+          <pc:sldMk cId="2199826723" sldId="258"/>
+        </pc:sldMkLst>
+        <pc:spChg chg="mod">
+          <ac:chgData name="Théo Dormond" userId="S::pb64ois@eduvaud.ch::b1a7ac2f-5ac7-49a4-a2d1-c2f45e9da961" providerId="AD" clId="Web-{55B66068-5D84-4637-B764-A43C721F8FBE}" dt="2023-01-10T12:05:37.296" v="1" actId="20577"/>
+          <ac:spMkLst>
+            <pc:docMk/>
+            <pc:sldMk cId="2199826723" sldId="258"/>
+            <ac:spMk id="3" creationId="{E96604EA-48B9-4D82-B0D8-F0215DEC72A2}"/>
+          </ac:spMkLst>
+        </pc:spChg>
+      </pc:sldChg>
+    </pc:docChg>
+  </pc:docChgLst>
+  <pc:docChgLst>
+    <pc:chgData name="Théo Dormond" userId="S::pb64ois@eduvaud.ch::b1a7ac2f-5ac7-49a4-a2d1-c2f45e9da961" providerId="AD" clId="Web-{E9DBB53E-4A36-4DAF-A52E-E4D13AD91875}"/>
+    <pc:docChg chg="addSld modSld">
+      <pc:chgData name="Théo Dormond" userId="S::pb64ois@eduvaud.ch::b1a7ac2f-5ac7-49a4-a2d1-c2f45e9da961" providerId="AD" clId="Web-{E9DBB53E-4A36-4DAF-A52E-E4D13AD91875}" dt="2022-12-20T14:06:59.022" v="650" actId="1076"/>
+      <pc:docMkLst>
+        <pc:docMk/>
+      </pc:docMkLst>
+      <pc:sldChg chg="modSp">
+        <pc:chgData name="Théo Dormond" userId="S::pb64ois@eduvaud.ch::b1a7ac2f-5ac7-49a4-a2d1-c2f45e9da961" providerId="AD" clId="Web-{E9DBB53E-4A36-4DAF-A52E-E4D13AD91875}" dt="2022-12-20T13:23:44.773" v="3" actId="20577"/>
+        <pc:sldMkLst>
+          <pc:docMk/>
+          <pc:sldMk cId="2517730617" sldId="257"/>
+        </pc:sldMkLst>
+        <pc:spChg chg="mod">
+          <ac:chgData name="Théo Dormond" userId="S::pb64ois@eduvaud.ch::b1a7ac2f-5ac7-49a4-a2d1-c2f45e9da961" providerId="AD" clId="Web-{E9DBB53E-4A36-4DAF-A52E-E4D13AD91875}" dt="2022-12-20T13:23:44.773" v="3" actId="20577"/>
+          <ac:spMkLst>
+            <pc:docMk/>
+            <pc:sldMk cId="2517730617" sldId="257"/>
+            <ac:spMk id="3" creationId="{4A3FF77F-A90E-486D-B6B6-321A1F6CD826}"/>
+          </ac:spMkLst>
+        </pc:spChg>
+      </pc:sldChg>
+      <pc:sldChg chg="modSp modNotes">
+        <pc:chgData name="Théo Dormond" userId="S::pb64ois@eduvaud.ch::b1a7ac2f-5ac7-49a4-a2d1-c2f45e9da961" providerId="AD" clId="Web-{E9DBB53E-4A36-4DAF-A52E-E4D13AD91875}" dt="2022-12-20T13:33:48.112" v="355"/>
+        <pc:sldMkLst>
+          <pc:docMk/>
+          <pc:sldMk cId="903314845" sldId="259"/>
+        </pc:sldMkLst>
+        <pc:spChg chg="mod">
+          <ac:chgData name="Théo Dormond" userId="S::pb64ois@eduvaud.ch::b1a7ac2f-5ac7-49a4-a2d1-c2f45e9da961" providerId="AD" clId="Web-{E9DBB53E-4A36-4DAF-A52E-E4D13AD91875}" dt="2022-12-20T13:30:42.187" v="195" actId="20577"/>
+          <ac:spMkLst>
+            <pc:docMk/>
+            <pc:sldMk cId="903314845" sldId="259"/>
+            <ac:spMk id="3" creationId="{29A8A492-80D9-3425-F055-91F2F0650A4B}"/>
+          </ac:spMkLst>
+        </pc:spChg>
+      </pc:sldChg>
+      <pc:sldChg chg="modNotes">
+        <pc:chgData name="Théo Dormond" userId="S::pb64ois@eduvaud.ch::b1a7ac2f-5ac7-49a4-a2d1-c2f45e9da961" providerId="AD" clId="Web-{E9DBB53E-4A36-4DAF-A52E-E4D13AD91875}" dt="2022-12-20T13:35:52.786" v="433"/>
+        <pc:sldMkLst>
+          <pc:docMk/>
+          <pc:sldMk cId="1750799354" sldId="260"/>
+        </pc:sldMkLst>
+      </pc:sldChg>
+      <pc:sldChg chg="addSp modSp">
+        <pc:chgData name="Théo Dormond" userId="S::pb64ois@eduvaud.ch::b1a7ac2f-5ac7-49a4-a2d1-c2f45e9da961" providerId="AD" clId="Web-{E9DBB53E-4A36-4DAF-A52E-E4D13AD91875}" dt="2022-12-20T13:45:31.406" v="549" actId="1076"/>
+        <pc:sldMkLst>
+          <pc:docMk/>
+          <pc:sldMk cId="1610194782" sldId="262"/>
+        </pc:sldMkLst>
+        <pc:spChg chg="mod">
+          <ac:chgData name="Théo Dormond" userId="S::pb64ois@eduvaud.ch::b1a7ac2f-5ac7-49a4-a2d1-c2f45e9da961" providerId="AD" clId="Web-{E9DBB53E-4A36-4DAF-A52E-E4D13AD91875}" dt="2022-12-20T13:45:25.952" v="548" actId="20577"/>
+          <ac:spMkLst>
+            <pc:docMk/>
+            <pc:sldMk cId="1610194782" sldId="262"/>
+            <ac:spMk id="3" creationId="{E7236232-8772-DB96-F08A-034BC6A7BC83}"/>
+          </ac:spMkLst>
+        </pc:spChg>
+        <pc:picChg chg="add mod">
+          <ac:chgData name="Théo Dormond" userId="S::pb64ois@eduvaud.ch::b1a7ac2f-5ac7-49a4-a2d1-c2f45e9da961" providerId="AD" clId="Web-{E9DBB53E-4A36-4DAF-A52E-E4D13AD91875}" dt="2022-12-20T13:45:31.406" v="549" actId="1076"/>
+          <ac:picMkLst>
+            <pc:docMk/>
+            <pc:sldMk cId="1610194782" sldId="262"/>
+            <ac:picMk id="4" creationId="{53CAF064-3157-07A3-CBDB-F3D268FF3054}"/>
+          </ac:picMkLst>
+        </pc:picChg>
+      </pc:sldChg>
+      <pc:sldChg chg="modSp">
+        <pc:chgData name="Théo Dormond" userId="S::pb64ois@eduvaud.ch::b1a7ac2f-5ac7-49a4-a2d1-c2f45e9da961" providerId="AD" clId="Web-{E9DBB53E-4A36-4DAF-A52E-E4D13AD91875}" dt="2022-12-20T14:03:43.456" v="618" actId="20577"/>
+        <pc:sldMkLst>
+          <pc:docMk/>
+          <pc:sldMk cId="3146676790" sldId="264"/>
+        </pc:sldMkLst>
+        <pc:spChg chg="mod">
+          <ac:chgData name="Théo Dormond" userId="S::pb64ois@eduvaud.ch::b1a7ac2f-5ac7-49a4-a2d1-c2f45e9da961" providerId="AD" clId="Web-{E9DBB53E-4A36-4DAF-A52E-E4D13AD91875}" dt="2022-12-20T14:03:43.456" v="618" actId="20577"/>
+          <ac:spMkLst>
+            <pc:docMk/>
+            <pc:sldMk cId="3146676790" sldId="264"/>
+            <ac:spMk id="3" creationId="{6FF7B4D7-EA33-AD87-0717-D86D70AE8411}"/>
+          </ac:spMkLst>
+        </pc:spChg>
+      </pc:sldChg>
+      <pc:sldChg chg="addSp delSp modSp">
+        <pc:chgData name="Théo Dormond" userId="S::pb64ois@eduvaud.ch::b1a7ac2f-5ac7-49a4-a2d1-c2f45e9da961" providerId="AD" clId="Web-{E9DBB53E-4A36-4DAF-A52E-E4D13AD91875}" dt="2022-12-20T14:06:59.022" v="650" actId="1076"/>
+        <pc:sldMkLst>
+          <pc:docMk/>
+          <pc:sldMk cId="1761380293" sldId="265"/>
+        </pc:sldMkLst>
+        <pc:spChg chg="del">
+          <ac:chgData name="Théo Dormond" userId="S::pb64ois@eduvaud.ch::b1a7ac2f-5ac7-49a4-a2d1-c2f45e9da961" providerId="AD" clId="Web-{E9DBB53E-4A36-4DAF-A52E-E4D13AD91875}" dt="2022-12-20T14:04:34.926" v="619"/>
+          <ac:spMkLst>
+            <pc:docMk/>
+            <pc:sldMk cId="1761380293" sldId="265"/>
+            <ac:spMk id="3" creationId="{4798B7DC-5800-745F-EA7E-21A28B04AC1A}"/>
+          </ac:spMkLst>
+        </pc:spChg>
+        <pc:spChg chg="add del mod">
+          <ac:chgData name="Théo Dormond" userId="S::pb64ois@eduvaud.ch::b1a7ac2f-5ac7-49a4-a2d1-c2f45e9da961" providerId="AD" clId="Web-{E9DBB53E-4A36-4DAF-A52E-E4D13AD91875}" dt="2022-12-20T14:06:35.397" v="640"/>
+          <ac:spMkLst>
+            <pc:docMk/>
+            <pc:sldMk cId="1761380293" sldId="265"/>
+            <ac:spMk id="16" creationId="{5F52DAA7-0714-3665-FBFC-62A278B14872}"/>
+          </ac:spMkLst>
+        </pc:spChg>
+        <pc:picChg chg="add del mod ord">
+          <ac:chgData name="Théo Dormond" userId="S::pb64ois@eduvaud.ch::b1a7ac2f-5ac7-49a4-a2d1-c2f45e9da961" providerId="AD" clId="Web-{E9DBB53E-4A36-4DAF-A52E-E4D13AD91875}" dt="2022-12-20T14:06:17.381" v="638"/>
+          <ac:picMkLst>
+            <pc:docMk/>
+            <pc:sldMk cId="1761380293" sldId="265"/>
+            <ac:picMk id="4" creationId="{F5E436DC-6329-F20A-E1A5-C84C2954F560}"/>
+          </ac:picMkLst>
+        </pc:picChg>
+        <pc:picChg chg="add del mod">
+          <ac:chgData name="Théo Dormond" userId="S::pb64ois@eduvaud.ch::b1a7ac2f-5ac7-49a4-a2d1-c2f45e9da961" providerId="AD" clId="Web-{E9DBB53E-4A36-4DAF-A52E-E4D13AD91875}" dt="2022-12-20T14:05:30.677" v="621"/>
+          <ac:picMkLst>
+            <pc:docMk/>
+            <pc:sldMk cId="1761380293" sldId="265"/>
+            <ac:picMk id="6" creationId="{F66BD860-70FD-3A96-1EFB-04F372740061}"/>
+          </ac:picMkLst>
+        </pc:picChg>
+        <pc:picChg chg="add del mod">
+          <ac:chgData name="Théo Dormond" userId="S::pb64ois@eduvaud.ch::b1a7ac2f-5ac7-49a4-a2d1-c2f45e9da961" providerId="AD" clId="Web-{E9DBB53E-4A36-4DAF-A52E-E4D13AD91875}" dt="2022-12-20T14:06:52.475" v="645"/>
+          <ac:picMkLst>
+            <pc:docMk/>
+            <pc:sldMk cId="1761380293" sldId="265"/>
+            <ac:picMk id="8" creationId="{7705B896-BAB5-C52C-D64D-9F6A6B15864E}"/>
+          </ac:picMkLst>
+        </pc:picChg>
+        <pc:picChg chg="add mod">
+          <ac:chgData name="Théo Dormond" userId="S::pb64ois@eduvaud.ch::b1a7ac2f-5ac7-49a4-a2d1-c2f45e9da961" providerId="AD" clId="Web-{E9DBB53E-4A36-4DAF-A52E-E4D13AD91875}" dt="2022-12-20T14:06:59.022" v="650" actId="1076"/>
+          <ac:picMkLst>
+            <pc:docMk/>
+            <pc:sldMk cId="1761380293" sldId="265"/>
+            <ac:picMk id="12" creationId="{EF8F09F0-0DB7-200D-8C2A-07B358C6CF89}"/>
+          </ac:picMkLst>
+        </pc:picChg>
+        <pc:picChg chg="add del mod">
+          <ac:chgData name="Théo Dormond" userId="S::pb64ois@eduvaud.ch::b1a7ac2f-5ac7-49a4-a2d1-c2f45e9da961" providerId="AD" clId="Web-{E9DBB53E-4A36-4DAF-A52E-E4D13AD91875}" dt="2022-12-20T14:06:16.693" v="637"/>
+          <ac:picMkLst>
+            <pc:docMk/>
+            <pc:sldMk cId="1761380293" sldId="265"/>
+            <ac:picMk id="14" creationId="{31679F35-E4A8-BC02-937A-1BFCBD09CDB8}"/>
+          </ac:picMkLst>
+        </pc:picChg>
+      </pc:sldChg>
+      <pc:sldChg chg="addSp modSp new">
+        <pc:chgData name="Théo Dormond" userId="S::pb64ois@eduvaud.ch::b1a7ac2f-5ac7-49a4-a2d1-c2f45e9da961" providerId="AD" clId="Web-{E9DBB53E-4A36-4DAF-A52E-E4D13AD91875}" dt="2022-12-20T13:39:59.181" v="534"/>
+        <pc:sldMkLst>
+          <pc:docMk/>
+          <pc:sldMk cId="2539950653" sldId="266"/>
+        </pc:sldMkLst>
+        <pc:spChg chg="mod">
+          <ac:chgData name="Théo Dormond" userId="S::pb64ois@eduvaud.ch::b1a7ac2f-5ac7-49a4-a2d1-c2f45e9da961" providerId="AD" clId="Web-{E9DBB53E-4A36-4DAF-A52E-E4D13AD91875}" dt="2022-12-20T13:38:23.773" v="442" actId="20577"/>
+          <ac:spMkLst>
+            <pc:docMk/>
+            <pc:sldMk cId="2539950653" sldId="266"/>
+            <ac:spMk id="2" creationId="{404B193E-A4C0-061D-9FB5-1F9EF5907464}"/>
+          </ac:spMkLst>
+        </pc:spChg>
+        <pc:spChg chg="mod">
+          <ac:chgData name="Théo Dormond" userId="S::pb64ois@eduvaud.ch::b1a7ac2f-5ac7-49a4-a2d1-c2f45e9da961" providerId="AD" clId="Web-{E9DBB53E-4A36-4DAF-A52E-E4D13AD91875}" dt="2022-12-20T13:39:49.134" v="530" actId="20577"/>
+          <ac:spMkLst>
+            <pc:docMk/>
+            <pc:sldMk cId="2539950653" sldId="266"/>
+            <ac:spMk id="3" creationId="{974BBFEC-DA65-A4D1-A632-6B76D8047D29}"/>
+          </ac:spMkLst>
+        </pc:spChg>
+        <pc:spChg chg="add">
+          <ac:chgData name="Théo Dormond" userId="S::pb64ois@eduvaud.ch::b1a7ac2f-5ac7-49a4-a2d1-c2f45e9da961" providerId="AD" clId="Web-{E9DBB53E-4A36-4DAF-A52E-E4D13AD91875}" dt="2022-12-20T13:39:53.759" v="531"/>
+          <ac:spMkLst>
+            <pc:docMk/>
+            <pc:sldMk cId="2539950653" sldId="266"/>
+            <ac:spMk id="5" creationId="{745B2001-A3A5-C6DE-D2E2-FC980CCEE1AE}"/>
+          </ac:spMkLst>
+        </pc:spChg>
+        <pc:spChg chg="add">
+          <ac:chgData name="Théo Dormond" userId="S::pb64ois@eduvaud.ch::b1a7ac2f-5ac7-49a4-a2d1-c2f45e9da961" providerId="AD" clId="Web-{E9DBB53E-4A36-4DAF-A52E-E4D13AD91875}" dt="2022-12-20T13:39:53.775" v="532"/>
+          <ac:spMkLst>
+            <pc:docMk/>
+            <pc:sldMk cId="2539950653" sldId="266"/>
+            <ac:spMk id="7" creationId="{7E79D4AB-2B76-EE49-0EAA-04DE6CA69763}"/>
+          </ac:spMkLst>
+        </pc:spChg>
+        <pc:spChg chg="add">
+          <ac:chgData name="Théo Dormond" userId="S::pb64ois@eduvaud.ch::b1a7ac2f-5ac7-49a4-a2d1-c2f45e9da961" providerId="AD" clId="Web-{E9DBB53E-4A36-4DAF-A52E-E4D13AD91875}" dt="2022-12-20T13:39:59.181" v="533"/>
+          <ac:spMkLst>
+            <pc:docMk/>
+            <pc:sldMk cId="2539950653" sldId="266"/>
+            <ac:spMk id="9" creationId="{9ADFD812-9CFE-261D-728D-8B8D74D7E714}"/>
+          </ac:spMkLst>
+        </pc:spChg>
+        <pc:spChg chg="add">
+          <ac:chgData name="Théo Dormond" userId="S::pb64ois@eduvaud.ch::b1a7ac2f-5ac7-49a4-a2d1-c2f45e9da961" providerId="AD" clId="Web-{E9DBB53E-4A36-4DAF-A52E-E4D13AD91875}" dt="2022-12-20T13:39:59.181" v="534"/>
+          <ac:spMkLst>
+            <pc:docMk/>
+            <pc:sldMk cId="2539950653" sldId="266"/>
+            <ac:spMk id="11" creationId="{63861B46-51FB-C796-AF07-85695652F8F4}"/>
+          </ac:spMkLst>
+        </pc:spChg>
+      </pc:sldChg>
+      <pc:sldChg chg="addSp delSp modSp add replId">
+        <pc:chgData name="Théo Dormond" userId="S::pb64ois@eduvaud.ch::b1a7ac2f-5ac7-49a4-a2d1-c2f45e9da961" providerId="AD" clId="Web-{E9DBB53E-4A36-4DAF-A52E-E4D13AD91875}" dt="2022-12-20T13:46:20.594" v="574" actId="14100"/>
+        <pc:sldMkLst>
+          <pc:docMk/>
+          <pc:sldMk cId="2065694854" sldId="267"/>
+        </pc:sldMkLst>
+        <pc:spChg chg="mod">
+          <ac:chgData name="Théo Dormond" userId="S::pb64ois@eduvaud.ch::b1a7ac2f-5ac7-49a4-a2d1-c2f45e9da961" providerId="AD" clId="Web-{E9DBB53E-4A36-4DAF-A52E-E4D13AD91875}" dt="2022-12-20T13:46:11.047" v="572" actId="20577"/>
+          <ac:spMkLst>
+            <pc:docMk/>
+            <pc:sldMk cId="2065694854" sldId="267"/>
+            <ac:spMk id="3" creationId="{E7236232-8772-DB96-F08A-034BC6A7BC83}"/>
+          </ac:spMkLst>
+        </pc:spChg>
+        <pc:picChg chg="del">
+          <ac:chgData name="Théo Dormond" userId="S::pb64ois@eduvaud.ch::b1a7ac2f-5ac7-49a4-a2d1-c2f45e9da961" providerId="AD" clId="Web-{E9DBB53E-4A36-4DAF-A52E-E4D13AD91875}" dt="2022-12-20T13:45:44.828" v="551"/>
+          <ac:picMkLst>
+            <pc:docMk/>
+            <pc:sldMk cId="2065694854" sldId="267"/>
+            <ac:picMk id="4" creationId="{53CAF064-3157-07A3-CBDB-F3D268FF3054}"/>
+          </ac:picMkLst>
+        </pc:picChg>
+        <pc:picChg chg="add mod">
+          <ac:chgData name="Théo Dormond" userId="S::pb64ois@eduvaud.ch::b1a7ac2f-5ac7-49a4-a2d1-c2f45e9da961" providerId="AD" clId="Web-{E9DBB53E-4A36-4DAF-A52E-E4D13AD91875}" dt="2022-12-20T13:46:20.594" v="574" actId="14100"/>
+          <ac:picMkLst>
+            <pc:docMk/>
+            <pc:sldMk cId="2065694854" sldId="267"/>
+            <ac:picMk id="5" creationId="{0FD4F215-A783-3B91-ECF5-4524E5CAA883}"/>
+          </ac:picMkLst>
+        </pc:picChg>
+      </pc:sldChg>
+      <pc:sldChg chg="addSp delSp modSp add replId">
+        <pc:chgData name="Théo Dormond" userId="S::pb64ois@eduvaud.ch::b1a7ac2f-5ac7-49a4-a2d1-c2f45e9da961" providerId="AD" clId="Web-{E9DBB53E-4A36-4DAF-A52E-E4D13AD91875}" dt="2022-12-20T13:47:29.048" v="599" actId="14100"/>
+        <pc:sldMkLst>
+          <pc:docMk/>
+          <pc:sldMk cId="3036917866" sldId="268"/>
+        </pc:sldMkLst>
+        <pc:spChg chg="mod">
+          <ac:chgData name="Théo Dormond" userId="S::pb64ois@eduvaud.ch::b1a7ac2f-5ac7-49a4-a2d1-c2f45e9da961" providerId="AD" clId="Web-{E9DBB53E-4A36-4DAF-A52E-E4D13AD91875}" dt="2022-12-20T13:46:46.860" v="594" actId="20577"/>
+          <ac:spMkLst>
+            <pc:docMk/>
+            <pc:sldMk cId="3036917866" sldId="268"/>
+            <ac:spMk id="3" creationId="{E7236232-8772-DB96-F08A-034BC6A7BC83}"/>
+          </ac:spMkLst>
+        </pc:spChg>
+        <pc:picChg chg="add mod">
+          <ac:chgData name="Théo Dormond" userId="S::pb64ois@eduvaud.ch::b1a7ac2f-5ac7-49a4-a2d1-c2f45e9da961" providerId="AD" clId="Web-{E9DBB53E-4A36-4DAF-A52E-E4D13AD91875}" dt="2022-12-20T13:47:29.048" v="599" actId="14100"/>
+          <ac:picMkLst>
+            <pc:docMk/>
+            <pc:sldMk cId="3036917866" sldId="268"/>
+            <ac:picMk id="4" creationId="{31BA4255-C210-6817-5D02-328F6DCA15EE}"/>
+          </ac:picMkLst>
+        </pc:picChg>
+        <pc:picChg chg="del">
+          <ac:chgData name="Théo Dormond" userId="S::pb64ois@eduvaud.ch::b1a7ac2f-5ac7-49a4-a2d1-c2f45e9da961" providerId="AD" clId="Web-{E9DBB53E-4A36-4DAF-A52E-E4D13AD91875}" dt="2022-12-20T13:46:48.907" v="595"/>
+          <ac:picMkLst>
+            <pc:docMk/>
+            <pc:sldMk cId="3036917866" sldId="268"/>
+            <ac:picMk id="5" creationId="{0FD4F215-A783-3B91-ECF5-4524E5CAA883}"/>
+          </ac:picMkLst>
+        </pc:picChg>
+      </pc:sldChg>
+    </pc:docChg>
+  </pc:docChgLst>
+  <pc:docChgLst>
+    <pc:chgData name="Sanjaey Sivathasan" userId="S::sanjaey.sivathasan@eduvaud.ch::5f85935a-1ba4-436f-b82a-13530e7cde27" providerId="AD" clId="Web-{D34677F5-1247-46A9-9C59-FD45D0893033}"/>
+    <pc:docChg chg="addSld modSld">
+      <pc:chgData name="Sanjaey Sivathasan" userId="S::sanjaey.sivathasan@eduvaud.ch::5f85935a-1ba4-436f-b82a-13530e7cde27" providerId="AD" clId="Web-{D34677F5-1247-46A9-9C59-FD45D0893033}" dt="2022-12-20T14:29:00.710" v="146" actId="20577"/>
+      <pc:docMkLst>
+        <pc:docMk/>
+      </pc:docMkLst>
+      <pc:sldChg chg="addSp delSp modSp new">
+        <pc:chgData name="Sanjaey Sivathasan" userId="S::sanjaey.sivathasan@eduvaud.ch::5f85935a-1ba4-436f-b82a-13530e7cde27" providerId="AD" clId="Web-{D34677F5-1247-46A9-9C59-FD45D0893033}" dt="2022-12-20T13:34:45.964" v="36"/>
+        <pc:sldMkLst>
+          <pc:docMk/>
+          <pc:sldMk cId="1698774176" sldId="263"/>
+        </pc:sldMkLst>
+        <pc:spChg chg="mod">
+          <ac:chgData name="Sanjaey Sivathasan" userId="S::sanjaey.sivathasan@eduvaud.ch::5f85935a-1ba4-436f-b82a-13530e7cde27" providerId="AD" clId="Web-{D34677F5-1247-46A9-9C59-FD45D0893033}" dt="2022-12-20T13:34:20.807" v="30" actId="20577"/>
+          <ac:spMkLst>
+            <pc:docMk/>
+            <pc:sldMk cId="1698774176" sldId="263"/>
+            <ac:spMk id="2" creationId="{CBBA6472-339A-3779-A1DB-3E9F8F32FD87}"/>
+          </ac:spMkLst>
+        </pc:spChg>
+        <pc:spChg chg="add">
+          <ac:chgData name="Sanjaey Sivathasan" userId="S::sanjaey.sivathasan@eduvaud.ch::5f85935a-1ba4-436f-b82a-13530e7cde27" providerId="AD" clId="Web-{D34677F5-1247-46A9-9C59-FD45D0893033}" dt="2022-12-20T13:34:28.807" v="31"/>
+          <ac:spMkLst>
+            <pc:docMk/>
+            <pc:sldMk cId="1698774176" sldId="263"/>
+            <ac:spMk id="5" creationId="{D31F7F23-E4D7-6104-93E0-B897430F4290}"/>
+          </ac:spMkLst>
+        </pc:spChg>
+        <pc:spChg chg="add">
+          <ac:chgData name="Sanjaey Sivathasan" userId="S::sanjaey.sivathasan@eduvaud.ch::5f85935a-1ba4-436f-b82a-13530e7cde27" providerId="AD" clId="Web-{D34677F5-1247-46A9-9C59-FD45D0893033}" dt="2022-12-20T13:34:32.714" v="32"/>
+          <ac:spMkLst>
+            <pc:docMk/>
+            <pc:sldMk cId="1698774176" sldId="263"/>
+            <ac:spMk id="7" creationId="{7C10A807-A2C3-6735-AAF9-3A9CFA878889}"/>
+          </ac:spMkLst>
+        </pc:spChg>
+        <pc:spChg chg="add">
+          <ac:chgData name="Sanjaey Sivathasan" userId="S::sanjaey.sivathasan@eduvaud.ch::5f85935a-1ba4-436f-b82a-13530e7cde27" providerId="AD" clId="Web-{D34677F5-1247-46A9-9C59-FD45D0893033}" dt="2022-12-20T13:34:35.589" v="33"/>
+          <ac:spMkLst>
+            <pc:docMk/>
+            <pc:sldMk cId="1698774176" sldId="263"/>
+            <ac:spMk id="9" creationId="{B2D7C0A0-7887-F785-16AB-9A98209BB348}"/>
+          </ac:spMkLst>
+        </pc:spChg>
+        <pc:spChg chg="add del">
+          <ac:chgData name="Sanjaey Sivathasan" userId="S::sanjaey.sivathasan@eduvaud.ch::5f85935a-1ba4-436f-b82a-13530e7cde27" providerId="AD" clId="Web-{D34677F5-1247-46A9-9C59-FD45D0893033}" dt="2022-12-20T13:34:41.167" v="35"/>
+          <ac:spMkLst>
+            <pc:docMk/>
+            <pc:sldMk cId="1698774176" sldId="263"/>
+            <ac:spMk id="11" creationId="{ACAA36B7-5706-BAEE-8C68-ADFC10D95083}"/>
+          </ac:spMkLst>
+        </pc:spChg>
+        <pc:spChg chg="add">
+          <ac:chgData name="Sanjaey Sivathasan" userId="S::sanjaey.sivathasan@eduvaud.ch::5f85935a-1ba4-436f-b82a-13530e7cde27" providerId="AD" clId="Web-{D34677F5-1247-46A9-9C59-FD45D0893033}" dt="2022-12-20T13:34:45.964" v="36"/>
+          <ac:spMkLst>
+            <pc:docMk/>
+            <pc:sldMk cId="1698774176" sldId="263"/>
+            <ac:spMk id="13" creationId="{561347F2-141C-322F-7C31-C72A94E19F3E}"/>
+          </ac:spMkLst>
+        </pc:spChg>
+      </pc:sldChg>
+      <pc:sldChg chg="addSp delSp modSp new">
+        <pc:chgData name="Sanjaey Sivathasan" userId="S::sanjaey.sivathasan@eduvaud.ch::5f85935a-1ba4-436f-b82a-13530e7cde27" providerId="AD" clId="Web-{D34677F5-1247-46A9-9C59-FD45D0893033}" dt="2022-12-20T14:29:00.710" v="146" actId="20577"/>
+        <pc:sldMkLst>
+          <pc:docMk/>
+          <pc:sldMk cId="3146676790" sldId="264"/>
+        </pc:sldMkLst>
+        <pc:spChg chg="mod">
+          <ac:chgData name="Sanjaey Sivathasan" userId="S::sanjaey.sivathasan@eduvaud.ch::5f85935a-1ba4-436f-b82a-13530e7cde27" providerId="AD" clId="Web-{D34677F5-1247-46A9-9C59-FD45D0893033}" dt="2022-12-20T13:35:56.419" v="43" actId="20577"/>
+          <ac:spMkLst>
+            <pc:docMk/>
+            <pc:sldMk cId="3146676790" sldId="264"/>
+            <ac:spMk id="2" creationId="{02ACD50E-11D3-9FEC-46B4-93A3BFD895A5}"/>
+          </ac:spMkLst>
+        </pc:spChg>
+        <pc:spChg chg="mod">
+          <ac:chgData name="Sanjaey Sivathasan" userId="S::sanjaey.sivathasan@eduvaud.ch::5f85935a-1ba4-436f-b82a-13530e7cde27" providerId="AD" clId="Web-{D34677F5-1247-46A9-9C59-FD45D0893033}" dt="2022-12-20T14:29:00.710" v="146" actId="20577"/>
+          <ac:spMkLst>
+            <pc:docMk/>
+            <pc:sldMk cId="3146676790" sldId="264"/>
+            <ac:spMk id="3" creationId="{6FF7B4D7-EA33-AD87-0717-D86D70AE8411}"/>
+          </ac:spMkLst>
+        </pc:spChg>
+        <pc:spChg chg="add">
+          <ac:chgData name="Sanjaey Sivathasan" userId="S::sanjaey.sivathasan@eduvaud.ch::5f85935a-1ba4-436f-b82a-13530e7cde27" providerId="AD" clId="Web-{D34677F5-1247-46A9-9C59-FD45D0893033}" dt="2022-12-20T13:36:27.248" v="53"/>
+          <ac:spMkLst>
+            <pc:docMk/>
+            <pc:sldMk cId="3146676790" sldId="264"/>
+            <ac:spMk id="5" creationId="{E72B9638-3A0B-8281-7169-B867A7B7B3B7}"/>
+          </ac:spMkLst>
+        </pc:spChg>
+        <pc:spChg chg="add del">
+          <ac:chgData name="Sanjaey Sivathasan" userId="S::sanjaey.sivathasan@eduvaud.ch::5f85935a-1ba4-436f-b82a-13530e7cde27" providerId="AD" clId="Web-{D34677F5-1247-46A9-9C59-FD45D0893033}" dt="2022-12-20T13:36:38.217" v="58"/>
+          <ac:spMkLst>
+            <pc:docMk/>
+            <pc:sldMk cId="3146676790" sldId="264"/>
+            <ac:spMk id="7" creationId="{B873617A-9952-8BC4-1C56-F9609FA10B5E}"/>
+          </ac:spMkLst>
+        </pc:spChg>
+        <pc:spChg chg="add">
+          <ac:chgData name="Sanjaey Sivathasan" userId="S::sanjaey.sivathasan@eduvaud.ch::5f85935a-1ba4-436f-b82a-13530e7cde27" providerId="AD" clId="Web-{D34677F5-1247-46A9-9C59-FD45D0893033}" dt="2022-12-20T13:36:44.936" v="59"/>
+          <ac:spMkLst>
+            <pc:docMk/>
+            <pc:sldMk cId="3146676790" sldId="264"/>
+            <ac:spMk id="9" creationId="{265C8CDC-040F-D6D0-19B6-63690432F5E7}"/>
+          </ac:spMkLst>
+        </pc:spChg>
+        <pc:spChg chg="add">
+          <ac:chgData name="Sanjaey Sivathasan" userId="S::sanjaey.sivathasan@eduvaud.ch::5f85935a-1ba4-436f-b82a-13530e7cde27" providerId="AD" clId="Web-{D34677F5-1247-46A9-9C59-FD45D0893033}" dt="2022-12-20T13:36:51.374" v="60"/>
+          <ac:spMkLst>
+            <pc:docMk/>
+            <pc:sldMk cId="3146676790" sldId="264"/>
+            <ac:spMk id="11" creationId="{EA8B9A10-7A6C-CC1D-CCE3-3441F2C3A33B}"/>
+          </ac:spMkLst>
+        </pc:spChg>
+        <pc:spChg chg="add del">
+          <ac:chgData name="Sanjaey Sivathasan" userId="S::sanjaey.sivathasan@eduvaud.ch::5f85935a-1ba4-436f-b82a-13530e7cde27" providerId="AD" clId="Web-{D34677F5-1247-46A9-9C59-FD45D0893033}" dt="2022-12-20T13:37:49.672" v="63"/>
+          <ac:spMkLst>
+            <pc:docMk/>
+            <pc:sldMk cId="3146676790" sldId="264"/>
+            <ac:spMk id="13" creationId="{873269BA-9CE6-92D5-1151-0C19E20A7059}"/>
+          </ac:spMkLst>
+        </pc:spChg>
+        <pc:spChg chg="add">
+          <ac:chgData name="Sanjaey Sivathasan" userId="S::sanjaey.sivathasan@eduvaud.ch::5f85935a-1ba4-436f-b82a-13530e7cde27" providerId="AD" clId="Web-{D34677F5-1247-46A9-9C59-FD45D0893033}" dt="2022-12-20T13:37:54.828" v="64"/>
+          <ac:spMkLst>
+            <pc:docMk/>
+            <pc:sldMk cId="3146676790" sldId="264"/>
+            <ac:spMk id="15" creationId="{0BE8C5FA-0081-B880-C838-8FA24B814784}"/>
+          </ac:spMkLst>
+        </pc:spChg>
+      </pc:sldChg>
+      <pc:sldChg chg="addSp delSp modSp new">
+        <pc:chgData name="Sanjaey Sivathasan" userId="S::sanjaey.sivathasan@eduvaud.ch::5f85935a-1ba4-436f-b82a-13530e7cde27" providerId="AD" clId="Web-{D34677F5-1247-46A9-9C59-FD45D0893033}" dt="2022-12-20T14:12:40.702" v="124"/>
+        <pc:sldMkLst>
+          <pc:docMk/>
+          <pc:sldMk cId="1761380293" sldId="265"/>
+        </pc:sldMkLst>
+        <pc:spChg chg="mod">
+          <ac:chgData name="Sanjaey Sivathasan" userId="S::sanjaey.sivathasan@eduvaud.ch::5f85935a-1ba4-436f-b82a-13530e7cde27" providerId="AD" clId="Web-{D34677F5-1247-46A9-9C59-FD45D0893033}" dt="2022-12-20T13:36:20.576" v="52" actId="20577"/>
+          <ac:spMkLst>
+            <pc:docMk/>
+            <pc:sldMk cId="1761380293" sldId="265"/>
+            <ac:spMk id="2" creationId="{590009E2-12D5-1E3C-684D-F6151B3F424D}"/>
+          </ac:spMkLst>
+        </pc:spChg>
+        <pc:spChg chg="add">
+          <ac:chgData name="Sanjaey Sivathasan" userId="S::sanjaey.sivathasan@eduvaud.ch::5f85935a-1ba4-436f-b82a-13530e7cde27" providerId="AD" clId="Web-{D34677F5-1247-46A9-9C59-FD45D0893033}" dt="2022-12-20T13:36:28.107" v="54"/>
+          <ac:spMkLst>
+            <pc:docMk/>
+            <pc:sldMk cId="1761380293" sldId="265"/>
+            <ac:spMk id="5" creationId="{2DE04699-6A82-75AF-166C-980F7F75528C}"/>
+          </ac:spMkLst>
+        </pc:spChg>
+        <pc:spChg chg="add del">
+          <ac:chgData name="Sanjaey Sivathasan" userId="S::sanjaey.sivathasan@eduvaud.ch::5f85935a-1ba4-436f-b82a-13530e7cde27" providerId="AD" clId="Web-{D34677F5-1247-46A9-9C59-FD45D0893033}" dt="2022-12-20T13:36:35.795" v="57"/>
+          <ac:spMkLst>
+            <pc:docMk/>
+            <pc:sldMk cId="1761380293" sldId="265"/>
+            <ac:spMk id="7" creationId="{C2847261-763C-993B-0D86-AF5957072378}"/>
+          </ac:spMkLst>
+        </pc:spChg>
+        <pc:spChg chg="add">
+          <ac:chgData name="Sanjaey Sivathasan" userId="S::sanjaey.sivathasan@eduvaud.ch::5f85935a-1ba4-436f-b82a-13530e7cde27" providerId="AD" clId="Web-{D34677F5-1247-46A9-9C59-FD45D0893033}" dt="2022-12-20T13:36:52.874" v="61"/>
+          <ac:spMkLst>
+            <pc:docMk/>
+            <pc:sldMk cId="1761380293" sldId="265"/>
+            <ac:spMk id="9" creationId="{1482DFF8-5229-1651-87AE-B26F10F6C679}"/>
+          </ac:spMkLst>
+        </pc:spChg>
+        <pc:spChg chg="add">
+          <ac:chgData name="Sanjaey Sivathasan" userId="S::sanjaey.sivathasan@eduvaud.ch::5f85935a-1ba4-436f-b82a-13530e7cde27" providerId="AD" clId="Web-{D34677F5-1247-46A9-9C59-FD45D0893033}" dt="2022-12-20T13:37:55.766" v="65"/>
+          <ac:spMkLst>
+            <pc:docMk/>
+            <pc:sldMk cId="1761380293" sldId="265"/>
+            <ac:spMk id="11" creationId="{0517EBFD-5F06-E2CA-AC52-B39A986BD004}"/>
+          </ac:spMkLst>
+        </pc:spChg>
+        <pc:picChg chg="mod">
+          <ac:chgData name="Sanjaey Sivathasan" userId="S::sanjaey.sivathasan@eduvaud.ch::5f85935a-1ba4-436f-b82a-13530e7cde27" providerId="AD" clId="Web-{D34677F5-1247-46A9-9C59-FD45D0893033}" dt="2022-12-20T14:12:40.702" v="124"/>
+          <ac:picMkLst>
+            <pc:docMk/>
+            <pc:sldMk cId="1761380293" sldId="265"/>
+            <ac:picMk id="12" creationId="{EF8F09F0-0DB7-200D-8C2A-07B358C6CF89}"/>
+          </ac:picMkLst>
+        </pc:picChg>
+        <pc:inkChg chg="add del">
+          <ac:chgData name="Sanjaey Sivathasan" userId="S::sanjaey.sivathasan@eduvaud.ch::5f85935a-1ba4-436f-b82a-13530e7cde27" providerId="AD" clId="Web-{D34677F5-1247-46A9-9C59-FD45D0893033}" dt="2022-12-20T14:10:37.028" v="112"/>
+          <ac:inkMkLst>
+            <pc:docMk/>
+            <pc:sldMk cId="1761380293" sldId="265"/>
+            <ac:inkMk id="4" creationId="{879197C7-B83D-254B-C0E1-954F81FA1D4B}"/>
+          </ac:inkMkLst>
+        </pc:inkChg>
+        <pc:inkChg chg="add del">
+          <ac:chgData name="Sanjaey Sivathasan" userId="S::sanjaey.sivathasan@eduvaud.ch::5f85935a-1ba4-436f-b82a-13530e7cde27" providerId="AD" clId="Web-{D34677F5-1247-46A9-9C59-FD45D0893033}" dt="2022-12-20T14:10:19.527" v="111"/>
+          <ac:inkMkLst>
+            <pc:docMk/>
+            <pc:sldMk cId="1761380293" sldId="265"/>
+            <ac:inkMk id="6" creationId="{BDA5958F-66ED-4E13-F260-AAA06D5BAD71}"/>
+          </ac:inkMkLst>
+        </pc:inkChg>
+        <pc:inkChg chg="add del">
+          <ac:chgData name="Sanjaey Sivathasan" userId="S::sanjaey.sivathasan@eduvaud.ch::5f85935a-1ba4-436f-b82a-13530e7cde27" providerId="AD" clId="Web-{D34677F5-1247-46A9-9C59-FD45D0893033}" dt="2022-12-20T14:10:18.527" v="110"/>
+          <ac:inkMkLst>
+            <pc:docMk/>
+            <pc:sldMk cId="1761380293" sldId="265"/>
+            <ac:inkMk id="7" creationId="{B63B8FB2-8C31-A685-E780-F38BE933BA72}"/>
+          </ac:inkMkLst>
+        </pc:inkChg>
+        <pc:inkChg chg="add del">
+          <ac:chgData name="Sanjaey Sivathasan" userId="S::sanjaey.sivathasan@eduvaud.ch::5f85935a-1ba4-436f-b82a-13530e7cde27" providerId="AD" clId="Web-{D34677F5-1247-46A9-9C59-FD45D0893033}" dt="2022-12-20T14:10:18.074" v="109"/>
+          <ac:inkMkLst>
+            <pc:docMk/>
+            <pc:sldMk cId="1761380293" sldId="265"/>
+            <ac:inkMk id="8" creationId="{41C47B6B-77F9-A59E-B053-A6BF60C994A8}"/>
+          </ac:inkMkLst>
+        </pc:inkChg>
+        <pc:inkChg chg="add del">
+          <ac:chgData name="Sanjaey Sivathasan" userId="S::sanjaey.sivathasan@eduvaud.ch::5f85935a-1ba4-436f-b82a-13530e7cde27" providerId="AD" clId="Web-{D34677F5-1247-46A9-9C59-FD45D0893033}" dt="2022-12-20T14:10:17.105" v="108"/>
+          <ac:inkMkLst>
+            <pc:docMk/>
+            <pc:sldMk cId="1761380293" sldId="265"/>
+            <ac:inkMk id="10" creationId="{F01171BD-0796-00D6-2271-F1DF69402D41}"/>
+          </ac:inkMkLst>
+        </pc:inkChg>
+        <pc:inkChg chg="add del">
+          <ac:chgData name="Sanjaey Sivathasan" userId="S::sanjaey.sivathasan@eduvaud.ch::5f85935a-1ba4-436f-b82a-13530e7cde27" providerId="AD" clId="Web-{D34677F5-1247-46A9-9C59-FD45D0893033}" dt="2022-12-20T14:10:16.636" v="107"/>
+          <ac:inkMkLst>
+            <pc:docMk/>
+            <pc:sldMk cId="1761380293" sldId="265"/>
+            <ac:inkMk id="13" creationId="{BFA576E0-4936-44EA-3B71-D0C395B41BF4}"/>
+          </ac:inkMkLst>
+        </pc:inkChg>
+        <pc:inkChg chg="add del">
+          <ac:chgData name="Sanjaey Sivathasan" userId="S::sanjaey.sivathasan@eduvaud.ch::5f85935a-1ba4-436f-b82a-13530e7cde27" providerId="AD" clId="Web-{D34677F5-1247-46A9-9C59-FD45D0893033}" dt="2022-12-20T14:10:15.683" v="106"/>
+          <ac:inkMkLst>
+            <pc:docMk/>
+            <pc:sldMk cId="1761380293" sldId="265"/>
+            <ac:inkMk id="14" creationId="{6F231AFA-D59E-C9F6-F109-27364A7ECF79}"/>
+          </ac:inkMkLst>
+        </pc:inkChg>
+        <pc:inkChg chg="add del">
+          <ac:chgData name="Sanjaey Sivathasan" userId="S::sanjaey.sivathasan@eduvaud.ch::5f85935a-1ba4-436f-b82a-13530e7cde27" providerId="AD" clId="Web-{D34677F5-1247-46A9-9C59-FD45D0893033}" dt="2022-12-20T14:10:14.715" v="105"/>
+          <ac:inkMkLst>
+            <pc:docMk/>
+            <pc:sldMk cId="1761380293" sldId="265"/>
+            <ac:inkMk id="15" creationId="{41124769-8B34-5048-F382-2A642E9EA00A}"/>
+          </ac:inkMkLst>
+        </pc:inkChg>
+        <pc:inkChg chg="add del">
+          <ac:chgData name="Sanjaey Sivathasan" userId="S::sanjaey.sivathasan@eduvaud.ch::5f85935a-1ba4-436f-b82a-13530e7cde27" providerId="AD" clId="Web-{D34677F5-1247-46A9-9C59-FD45D0893033}" dt="2022-12-20T14:10:13.746" v="104"/>
+          <ac:inkMkLst>
+            <pc:docMk/>
+            <pc:sldMk cId="1761380293" sldId="265"/>
+            <ac:inkMk id="16" creationId="{D53E3AF4-CE7B-AAF8-7055-7CBE767A9F52}"/>
+          </ac:inkMkLst>
+        </pc:inkChg>
+        <pc:inkChg chg="add del">
+          <ac:chgData name="Sanjaey Sivathasan" userId="S::sanjaey.sivathasan@eduvaud.ch::5f85935a-1ba4-436f-b82a-13530e7cde27" providerId="AD" clId="Web-{D34677F5-1247-46A9-9C59-FD45D0893033}" dt="2022-12-20T14:10:12.793" v="103"/>
+          <ac:inkMkLst>
+            <pc:docMk/>
+            <pc:sldMk cId="1761380293" sldId="265"/>
+            <ac:inkMk id="17" creationId="{41D9FB47-26A3-0439-6A8A-009FA85459C2}"/>
+          </ac:inkMkLst>
+        </pc:inkChg>
+        <pc:inkChg chg="add del">
+          <ac:chgData name="Sanjaey Sivathasan" userId="S::sanjaey.sivathasan@eduvaud.ch::5f85935a-1ba4-436f-b82a-13530e7cde27" providerId="AD" clId="Web-{D34677F5-1247-46A9-9C59-FD45D0893033}" dt="2022-12-20T14:10:11.839" v="102"/>
+          <ac:inkMkLst>
+            <pc:docMk/>
+            <pc:sldMk cId="1761380293" sldId="265"/>
+            <ac:inkMk id="18" creationId="{3F337B53-6F22-F6D8-CBDE-8BFB61F4FDE8}"/>
+          </ac:inkMkLst>
+        </pc:inkChg>
+        <pc:inkChg chg="add del">
+          <ac:chgData name="Sanjaey Sivathasan" userId="S::sanjaey.sivathasan@eduvaud.ch::5f85935a-1ba4-436f-b82a-13530e7cde27" providerId="AD" clId="Web-{D34677F5-1247-46A9-9C59-FD45D0893033}" dt="2022-12-20T14:10:10.839" v="101"/>
+          <ac:inkMkLst>
+            <pc:docMk/>
+            <pc:sldMk cId="1761380293" sldId="265"/>
+            <ac:inkMk id="19" creationId="{54557F72-FC72-8D2D-D111-80D283486C55}"/>
+          </ac:inkMkLst>
+        </pc:inkChg>
+        <pc:inkChg chg="add del">
+          <ac:chgData name="Sanjaey Sivathasan" userId="S::sanjaey.sivathasan@eduvaud.ch::5f85935a-1ba4-436f-b82a-13530e7cde27" providerId="AD" clId="Web-{D34677F5-1247-46A9-9C59-FD45D0893033}" dt="2022-12-20T14:10:09.839" v="100"/>
+          <ac:inkMkLst>
+            <pc:docMk/>
+            <pc:sldMk cId="1761380293" sldId="265"/>
+            <ac:inkMk id="20" creationId="{29F66DDB-9D93-2ADA-0EB8-94EFB818460B}"/>
+          </ac:inkMkLst>
+        </pc:inkChg>
+        <pc:inkChg chg="add del">
+          <ac:chgData name="Sanjaey Sivathasan" userId="S::sanjaey.sivathasan@eduvaud.ch::5f85935a-1ba4-436f-b82a-13530e7cde27" providerId="AD" clId="Web-{D34677F5-1247-46A9-9C59-FD45D0893033}" dt="2022-12-20T14:10:08.339" v="99"/>
+          <ac:inkMkLst>
+            <pc:docMk/>
+            <pc:sldMk cId="1761380293" sldId="265"/>
+            <ac:inkMk id="21" creationId="{BB174586-8FB0-0E44-BEA7-5E387131D436}"/>
+          </ac:inkMkLst>
+        </pc:inkChg>
+        <pc:inkChg chg="add del">
+          <ac:chgData name="Sanjaey Sivathasan" userId="S::sanjaey.sivathasan@eduvaud.ch::5f85935a-1ba4-436f-b82a-13530e7cde27" providerId="AD" clId="Web-{D34677F5-1247-46A9-9C59-FD45D0893033}" dt="2022-12-20T14:10:06.230" v="98"/>
+          <ac:inkMkLst>
+            <pc:docMk/>
+            <pc:sldMk cId="1761380293" sldId="265"/>
+            <ac:inkMk id="22" creationId="{802AC863-514E-7240-9DB4-1246473D09BE}"/>
+          </ac:inkMkLst>
+        </pc:inkChg>
+        <pc:inkChg chg="add del">
+          <ac:chgData name="Sanjaey Sivathasan" userId="S::sanjaey.sivathasan@eduvaud.ch::5f85935a-1ba4-436f-b82a-13530e7cde27" providerId="AD" clId="Web-{D34677F5-1247-46A9-9C59-FD45D0893033}" dt="2022-12-20T14:10:04.980" v="97"/>
+          <ac:inkMkLst>
+            <pc:docMk/>
+            <pc:sldMk cId="1761380293" sldId="265"/>
+            <ac:inkMk id="23" creationId="{B77059E6-1D4D-C88B-FF89-61C5F74DF60A}"/>
+          </ac:inkMkLst>
+        </pc:inkChg>
+        <pc:inkChg chg="add del">
+          <ac:chgData name="Sanjaey Sivathasan" userId="S::sanjaey.sivathasan@eduvaud.ch::5f85935a-1ba4-436f-b82a-13530e7cde27" providerId="AD" clId="Web-{D34677F5-1247-46A9-9C59-FD45D0893033}" dt="2022-12-20T14:10:04.183" v="96"/>
+          <ac:inkMkLst>
+            <pc:docMk/>
+            <pc:sldMk cId="1761380293" sldId="265"/>
+            <ac:inkMk id="24" creationId="{3C0C7CB8-4C1C-9E13-AEE3-6902BBAE7F58}"/>
+          </ac:inkMkLst>
+        </pc:inkChg>
+        <pc:inkChg chg="add del">
+          <ac:chgData name="Sanjaey Sivathasan" userId="S::sanjaey.sivathasan@eduvaud.ch::5f85935a-1ba4-436f-b82a-13530e7cde27" providerId="AD" clId="Web-{D34677F5-1247-46A9-9C59-FD45D0893033}" dt="2022-12-20T14:10:03.386" v="95"/>
+          <ac:inkMkLst>
+            <pc:docMk/>
+            <pc:sldMk cId="1761380293" sldId="265"/>
+            <ac:inkMk id="25" creationId="{285FF03A-3F0D-7F5C-A1F4-15E725ADAC22}"/>
+          </ac:inkMkLst>
+        </pc:inkChg>
+        <pc:inkChg chg="add del">
+          <ac:chgData name="Sanjaey Sivathasan" userId="S::sanjaey.sivathasan@eduvaud.ch::5f85935a-1ba4-436f-b82a-13530e7cde27" providerId="AD" clId="Web-{D34677F5-1247-46A9-9C59-FD45D0893033}" dt="2022-12-20T14:10:02.574" v="94"/>
+          <ac:inkMkLst>
+            <pc:docMk/>
+            <pc:sldMk cId="1761380293" sldId="265"/>
+            <ac:inkMk id="26" creationId="{69BB0505-93A6-47CC-581A-7684B31F1ECF}"/>
+          </ac:inkMkLst>
+        </pc:inkChg>
+        <pc:inkChg chg="add del">
+          <ac:chgData name="Sanjaey Sivathasan" userId="S::sanjaey.sivathasan@eduvaud.ch::5f85935a-1ba4-436f-b82a-13530e7cde27" providerId="AD" clId="Web-{D34677F5-1247-46A9-9C59-FD45D0893033}" dt="2022-12-20T14:10:02.011" v="93"/>
+          <ac:inkMkLst>
+            <pc:docMk/>
+            <pc:sldMk cId="1761380293" sldId="265"/>
+            <ac:inkMk id="27" creationId="{2900F30C-DB6C-B5FD-7F48-D745412C2A70}"/>
+          </ac:inkMkLst>
+        </pc:inkChg>
+        <pc:inkChg chg="add del">
+          <ac:chgData name="Sanjaey Sivathasan" userId="S::sanjaey.sivathasan@eduvaud.ch::5f85935a-1ba4-436f-b82a-13530e7cde27" providerId="AD" clId="Web-{D34677F5-1247-46A9-9C59-FD45D0893033}" dt="2022-12-20T14:10:01.058" v="92"/>
+          <ac:inkMkLst>
+            <pc:docMk/>
+            <pc:sldMk cId="1761380293" sldId="265"/>
+            <ac:inkMk id="28" creationId="{D37C6C5F-C56A-E217-CCA6-841E63024248}"/>
+          </ac:inkMkLst>
+        </pc:inkChg>
+      </pc:sldChg>
+    </pc:docChg>
+  </pc:docChgLst>
+  <pc:docChgLst>
+    <pc:chgData name="Théo Dormond" userId="S::pb64ois@eduvaud.ch::b1a7ac2f-5ac7-49a4-a2d1-c2f45e9da961" providerId="AD" clId="Web-{5FBB1A88-3B52-4A98-8D16-8B2251604067}"/>
+    <pc:docChg chg="addSld modSld">
+      <pc:chgData name="Théo Dormond" userId="S::pb64ois@eduvaud.ch::b1a7ac2f-5ac7-49a4-a2d1-c2f45e9da961" providerId="AD" clId="Web-{5FBB1A88-3B52-4A98-8D16-8B2251604067}" dt="2022-12-20T13:19:04.596" v="204" actId="20577"/>
+      <pc:docMkLst>
+        <pc:docMk/>
+      </pc:docMkLst>
+      <pc:sldChg chg="delSp modSp modNotes">
+        <pc:chgData name="Théo Dormond" userId="S::pb64ois@eduvaud.ch::b1a7ac2f-5ac7-49a4-a2d1-c2f45e9da961" providerId="AD" clId="Web-{5FBB1A88-3B52-4A98-8D16-8B2251604067}" dt="2022-12-20T13:01:30.851" v="35" actId="20577"/>
+        <pc:sldMkLst>
+          <pc:docMk/>
+          <pc:sldMk cId="2199826723" sldId="258"/>
+        </pc:sldMkLst>
+        <pc:spChg chg="mod">
+          <ac:chgData name="Théo Dormond" userId="S::pb64ois@eduvaud.ch::b1a7ac2f-5ac7-49a4-a2d1-c2f45e9da961" providerId="AD" clId="Web-{5FBB1A88-3B52-4A98-8D16-8B2251604067}" dt="2022-12-20T13:01:30.851" v="35" actId="20577"/>
+          <ac:spMkLst>
+            <pc:docMk/>
+            <pc:sldMk cId="2199826723" sldId="258"/>
+            <ac:spMk id="3" creationId="{E96604EA-48B9-4D82-B0D8-F0215DEC72A2}"/>
+          </ac:spMkLst>
+        </pc:spChg>
+        <pc:graphicFrameChg chg="del">
+          <ac:chgData name="Théo Dormond" userId="S::pb64ois@eduvaud.ch::b1a7ac2f-5ac7-49a4-a2d1-c2f45e9da961" providerId="AD" clId="Web-{5FBB1A88-3B52-4A98-8D16-8B2251604067}" dt="2022-12-20T12:58:34.849" v="0"/>
+          <ac:graphicFrameMkLst>
+            <pc:docMk/>
+            <pc:sldMk cId="2199826723" sldId="258"/>
+            <ac:graphicFrameMk id="9" creationId="{CDF13B68-6D6B-6D85-D47A-A4A687BB29CA}"/>
+          </ac:graphicFrameMkLst>
+        </pc:graphicFrameChg>
+      </pc:sldChg>
+      <pc:sldChg chg="addSp modSp new">
+        <pc:chgData name="Théo Dormond" userId="S::pb64ois@eduvaud.ch::b1a7ac2f-5ac7-49a4-a2d1-c2f45e9da961" providerId="AD" clId="Web-{5FBB1A88-3B52-4A98-8D16-8B2251604067}" dt="2022-12-20T13:02:03.992" v="58"/>
+        <pc:sldMkLst>
+          <pc:docMk/>
+          <pc:sldMk cId="903314845" sldId="259"/>
+        </pc:sldMkLst>
+        <pc:spChg chg="mod">
+          <ac:chgData name="Théo Dormond" userId="S::pb64ois@eduvaud.ch::b1a7ac2f-5ac7-49a4-a2d1-c2f45e9da961" providerId="AD" clId="Web-{5FBB1A88-3B52-4A98-8D16-8B2251604067}" dt="2022-12-20T13:01:47.132" v="54" actId="20577"/>
+          <ac:spMkLst>
+            <pc:docMk/>
+            <pc:sldMk cId="903314845" sldId="259"/>
+            <ac:spMk id="2" creationId="{9BC64FB9-B4E9-E376-D01E-AB01FA82A4AB}"/>
+          </ac:spMkLst>
+        </pc:spChg>
+        <pc:spChg chg="add">
+          <ac:chgData name="Théo Dormond" userId="S::pb64ois@eduvaud.ch::b1a7ac2f-5ac7-49a4-a2d1-c2f45e9da961" providerId="AD" clId="Web-{5FBB1A88-3B52-4A98-8D16-8B2251604067}" dt="2022-12-20T13:01:54.773" v="55"/>
+          <ac:spMkLst>
+            <pc:docMk/>
+            <pc:sldMk cId="903314845" sldId="259"/>
+            <ac:spMk id="5" creationId="{12EC595A-7631-1686-9CB5-866949B50E0F}"/>
+          </ac:spMkLst>
+        </pc:spChg>
+        <pc:spChg chg="add">
+          <ac:chgData name="Théo Dormond" userId="S::pb64ois@eduvaud.ch::b1a7ac2f-5ac7-49a4-a2d1-c2f45e9da961" providerId="AD" clId="Web-{5FBB1A88-3B52-4A98-8D16-8B2251604067}" dt="2022-12-20T13:01:54.788" v="56"/>
+          <ac:spMkLst>
+            <pc:docMk/>
+            <pc:sldMk cId="903314845" sldId="259"/>
+            <ac:spMk id="7" creationId="{B3A5C962-1F3E-B19D-DFCE-9027D1369392}"/>
+          </ac:spMkLst>
+        </pc:spChg>
+        <pc:spChg chg="add">
+          <ac:chgData name="Théo Dormond" userId="S::pb64ois@eduvaud.ch::b1a7ac2f-5ac7-49a4-a2d1-c2f45e9da961" providerId="AD" clId="Web-{5FBB1A88-3B52-4A98-8D16-8B2251604067}" dt="2022-12-20T13:02:03.976" v="57"/>
+          <ac:spMkLst>
+            <pc:docMk/>
+            <pc:sldMk cId="903314845" sldId="259"/>
+            <ac:spMk id="9" creationId="{1B563626-36DD-0AA6-C607-1A3874021297}"/>
+          </ac:spMkLst>
+        </pc:spChg>
+        <pc:spChg chg="add">
+          <ac:chgData name="Théo Dormond" userId="S::pb64ois@eduvaud.ch::b1a7ac2f-5ac7-49a4-a2d1-c2f45e9da961" providerId="AD" clId="Web-{5FBB1A88-3B52-4A98-8D16-8B2251604067}" dt="2022-12-20T13:02:03.992" v="58"/>
+          <ac:spMkLst>
+            <pc:docMk/>
+            <pc:sldMk cId="903314845" sldId="259"/>
+            <ac:spMk id="11" creationId="{4897D43F-CB4C-7FAC-9BFE-622996688744}"/>
+          </ac:spMkLst>
+        </pc:spChg>
+      </pc:sldChg>
+      <pc:sldChg chg="addSp delSp modSp new">
+        <pc:chgData name="Théo Dormond" userId="S::pb64ois@eduvaud.ch::b1a7ac2f-5ac7-49a4-a2d1-c2f45e9da961" providerId="AD" clId="Web-{5FBB1A88-3B52-4A98-8D16-8B2251604067}" dt="2022-12-20T13:08:32.339" v="169" actId="14100"/>
+        <pc:sldMkLst>
+          <pc:docMk/>
+          <pc:sldMk cId="1750799354" sldId="260"/>
+        </pc:sldMkLst>
+        <pc:spChg chg="mod">
+          <ac:chgData name="Théo Dormond" userId="S::pb64ois@eduvaud.ch::b1a7ac2f-5ac7-49a4-a2d1-c2f45e9da961" providerId="AD" clId="Web-{5FBB1A88-3B52-4A98-8D16-8B2251604067}" dt="2022-12-20T13:02:32.054" v="72" actId="20577"/>
+          <ac:spMkLst>
+            <pc:docMk/>
+            <pc:sldMk cId="1750799354" sldId="260"/>
+            <ac:spMk id="2" creationId="{EB50BB06-F084-3392-6CC9-6C2843FFC6D7}"/>
+          </ac:spMkLst>
+        </pc:spChg>
+        <pc:spChg chg="mod">
+          <ac:chgData name="Théo Dormond" userId="S::pb64ois@eduvaud.ch::b1a7ac2f-5ac7-49a4-a2d1-c2f45e9da961" providerId="AD" clId="Web-{5FBB1A88-3B52-4A98-8D16-8B2251604067}" dt="2022-12-20T13:07:54.901" v="166" actId="14100"/>
+          <ac:spMkLst>
+            <pc:docMk/>
+            <pc:sldMk cId="1750799354" sldId="260"/>
+            <ac:spMk id="3" creationId="{7D08FC83-C034-2BE1-4B10-C47C066A4250}"/>
+          </ac:spMkLst>
+        </pc:spChg>
+        <pc:spChg chg="add">
+          <ac:chgData name="Théo Dormond" userId="S::pb64ois@eduvaud.ch::b1a7ac2f-5ac7-49a4-a2d1-c2f45e9da961" providerId="AD" clId="Web-{5FBB1A88-3B52-4A98-8D16-8B2251604067}" dt="2022-12-20T13:02:40.883" v="73"/>
+          <ac:spMkLst>
+            <pc:docMk/>
+            <pc:sldMk cId="1750799354" sldId="260"/>
+            <ac:spMk id="5" creationId="{9FBC7DCF-30C9-ECDB-33EA-4D349628E9E4}"/>
+          </ac:spMkLst>
+        </pc:spChg>
+        <pc:spChg chg="add">
+          <ac:chgData name="Théo Dormond" userId="S::pb64ois@eduvaud.ch::b1a7ac2f-5ac7-49a4-a2d1-c2f45e9da961" providerId="AD" clId="Web-{5FBB1A88-3B52-4A98-8D16-8B2251604067}" dt="2022-12-20T13:02:40.883" v="74"/>
+          <ac:spMkLst>
+            <pc:docMk/>
+            <pc:sldMk cId="1750799354" sldId="260"/>
+            <ac:spMk id="7" creationId="{B094A8BB-9D7D-8268-A622-05C14B7DFB87}"/>
+          </ac:spMkLst>
+        </pc:spChg>
+        <pc:spChg chg="add del">
+          <ac:chgData name="Théo Dormond" userId="S::pb64ois@eduvaud.ch::b1a7ac2f-5ac7-49a4-a2d1-c2f45e9da961" providerId="AD" clId="Web-{5FBB1A88-3B52-4A98-8D16-8B2251604067}" dt="2022-12-20T13:02:49.883" v="78"/>
+          <ac:spMkLst>
+            <pc:docMk/>
+            <pc:sldMk cId="1750799354" sldId="260"/>
+            <ac:spMk id="9" creationId="{A8D7927C-8B2A-0B13-0915-ACA3E303B1B9}"/>
+          </ac:spMkLst>
+        </pc:spChg>
+        <pc:spChg chg="add del">
+          <ac:chgData name="Théo Dormond" userId="S::pb64ois@eduvaud.ch::b1a7ac2f-5ac7-49a4-a2d1-c2f45e9da961" providerId="AD" clId="Web-{5FBB1A88-3B52-4A98-8D16-8B2251604067}" dt="2022-12-20T13:02:49.883" v="77"/>
+          <ac:spMkLst>
+            <pc:docMk/>
+            <pc:sldMk cId="1750799354" sldId="260"/>
+            <ac:spMk id="11" creationId="{020C543D-B1B9-5D64-102A-0C07B403782F}"/>
+          </ac:spMkLst>
+        </pc:spChg>
+        <pc:spChg chg="add">
+          <ac:chgData name="Théo Dormond" userId="S::pb64ois@eduvaud.ch::b1a7ac2f-5ac7-49a4-a2d1-c2f45e9da961" providerId="AD" clId="Web-{5FBB1A88-3B52-4A98-8D16-8B2251604067}" dt="2022-12-20T13:02:57.477" v="79"/>
+          <ac:spMkLst>
+            <pc:docMk/>
+            <pc:sldMk cId="1750799354" sldId="260"/>
+            <ac:spMk id="13" creationId="{26D8673E-7665-C60F-078B-B6BE84DECD5D}"/>
+          </ac:spMkLst>
+        </pc:spChg>
+        <pc:spChg chg="add">
+          <ac:chgData name="Théo Dormond" userId="S::pb64ois@eduvaud.ch::b1a7ac2f-5ac7-49a4-a2d1-c2f45e9da961" providerId="AD" clId="Web-{5FBB1A88-3B52-4A98-8D16-8B2251604067}" dt="2022-12-20T13:02:57.492" v="80"/>
+          <ac:spMkLst>
+            <pc:docMk/>
+            <pc:sldMk cId="1750799354" sldId="260"/>
+            <ac:spMk id="15" creationId="{5F688D58-78D2-2D53-ABD9-08AFDD7AD7D5}"/>
+          </ac:spMkLst>
+        </pc:spChg>
+        <pc:picChg chg="add mod">
+          <ac:chgData name="Théo Dormond" userId="S::pb64ois@eduvaud.ch::b1a7ac2f-5ac7-49a4-a2d1-c2f45e9da961" providerId="AD" clId="Web-{5FBB1A88-3B52-4A98-8D16-8B2251604067}" dt="2022-12-20T13:08:32.339" v="169" actId="14100"/>
+          <ac:picMkLst>
+            <pc:docMk/>
+            <pc:sldMk cId="1750799354" sldId="260"/>
+            <ac:picMk id="16" creationId="{7C3A2667-5115-2457-9CC8-706561DA2F49}"/>
+          </ac:picMkLst>
+        </pc:picChg>
+      </pc:sldChg>
+      <pc:sldChg chg="delSp modSp add replId">
+        <pc:chgData name="Théo Dormond" userId="S::pb64ois@eduvaud.ch::b1a7ac2f-5ac7-49a4-a2d1-c2f45e9da961" providerId="AD" clId="Web-{5FBB1A88-3B52-4A98-8D16-8B2251604067}" dt="2022-12-20T13:10:30.856" v="175" actId="20577"/>
+        <pc:sldMkLst>
+          <pc:docMk/>
+          <pc:sldMk cId="2429557383" sldId="261"/>
+        </pc:sldMkLst>
+        <pc:spChg chg="mod">
+          <ac:chgData name="Théo Dormond" userId="S::pb64ois@eduvaud.ch::b1a7ac2f-5ac7-49a4-a2d1-c2f45e9da961" providerId="AD" clId="Web-{5FBB1A88-3B52-4A98-8D16-8B2251604067}" dt="2022-12-20T13:10:30.856" v="175" actId="20577"/>
+          <ac:spMkLst>
+            <pc:docMk/>
+            <pc:sldMk cId="2429557383" sldId="261"/>
+            <ac:spMk id="3" creationId="{7D08FC83-C034-2BE1-4B10-C47C066A4250}"/>
+          </ac:spMkLst>
+        </pc:spChg>
+        <pc:picChg chg="del">
+          <ac:chgData name="Théo Dormond" userId="S::pb64ois@eduvaud.ch::b1a7ac2f-5ac7-49a4-a2d1-c2f45e9da961" providerId="AD" clId="Web-{5FBB1A88-3B52-4A98-8D16-8B2251604067}" dt="2022-12-20T13:08:44.855" v="171"/>
+          <ac:picMkLst>
+            <pc:docMk/>
+            <pc:sldMk cId="2429557383" sldId="261"/>
+            <ac:picMk id="16" creationId="{7C3A2667-5115-2457-9CC8-706561DA2F49}"/>
+          </ac:picMkLst>
+        </pc:picChg>
+      </pc:sldChg>
+      <pc:sldChg chg="addSp delSp modSp new">
+        <pc:chgData name="Théo Dormond" userId="S::pb64ois@eduvaud.ch::b1a7ac2f-5ac7-49a4-a2d1-c2f45e9da961" providerId="AD" clId="Web-{5FBB1A88-3B52-4A98-8D16-8B2251604067}" dt="2022-12-20T13:19:04.596" v="204" actId="20577"/>
+        <pc:sldMkLst>
+          <pc:docMk/>
+          <pc:sldMk cId="1610194782" sldId="262"/>
+        </pc:sldMkLst>
+        <pc:spChg chg="mod">
+          <ac:chgData name="Théo Dormond" userId="S::pb64ois@eduvaud.ch::b1a7ac2f-5ac7-49a4-a2d1-c2f45e9da961" providerId="AD" clId="Web-{5FBB1A88-3B52-4A98-8D16-8B2251604067}" dt="2022-12-20T13:16:27.032" v="191" actId="20577"/>
+          <ac:spMkLst>
+            <pc:docMk/>
+            <pc:sldMk cId="1610194782" sldId="262"/>
+            <ac:spMk id="2" creationId="{7F04C049-9A7D-9EA2-8060-927F43694A39}"/>
+          </ac:spMkLst>
+        </pc:spChg>
+        <pc:spChg chg="mod">
+          <ac:chgData name="Théo Dormond" userId="S::pb64ois@eduvaud.ch::b1a7ac2f-5ac7-49a4-a2d1-c2f45e9da961" providerId="AD" clId="Web-{5FBB1A88-3B52-4A98-8D16-8B2251604067}" dt="2022-12-20T13:19:04.596" v="204" actId="20577"/>
+          <ac:spMkLst>
+            <pc:docMk/>
+            <pc:sldMk cId="1610194782" sldId="262"/>
+            <ac:spMk id="3" creationId="{E7236232-8772-DB96-F08A-034BC6A7BC83}"/>
+          </ac:spMkLst>
+        </pc:spChg>
+        <pc:spChg chg="add del mod">
+          <ac:chgData name="Théo Dormond" userId="S::pb64ois@eduvaud.ch::b1a7ac2f-5ac7-49a4-a2d1-c2f45e9da961" providerId="AD" clId="Web-{5FBB1A88-3B52-4A98-8D16-8B2251604067}" dt="2022-12-20T13:16:43.688" v="195"/>
+          <ac:spMkLst>
+            <pc:docMk/>
+            <pc:sldMk cId="1610194782" sldId="262"/>
+            <ac:spMk id="4" creationId="{F92DBE6D-B89F-DD95-8E6F-04056475D942}"/>
+          </ac:spMkLst>
+        </pc:spChg>
+        <pc:spChg chg="add">
+          <ac:chgData name="Théo Dormond" userId="S::pb64ois@eduvaud.ch::b1a7ac2f-5ac7-49a4-a2d1-c2f45e9da961" providerId="AD" clId="Web-{5FBB1A88-3B52-4A98-8D16-8B2251604067}" dt="2022-12-20T13:16:51.235" v="196"/>
+          <ac:spMkLst>
+            <pc:docMk/>
+            <pc:sldMk cId="1610194782" sldId="262"/>
+            <ac:spMk id="6" creationId="{CE8F962B-E1D4-4AB8-F26F-57941D5E5E8E}"/>
+          </ac:spMkLst>
+        </pc:spChg>
+        <pc:spChg chg="add">
+          <ac:chgData name="Théo Dormond" userId="S::pb64ois@eduvaud.ch::b1a7ac2f-5ac7-49a4-a2d1-c2f45e9da961" providerId="AD" clId="Web-{5FBB1A88-3B52-4A98-8D16-8B2251604067}" dt="2022-12-20T13:16:51.235" v="197"/>
+          <ac:spMkLst>
+            <pc:docMk/>
+            <pc:sldMk cId="1610194782" sldId="262"/>
+            <ac:spMk id="8" creationId="{90E277A4-B4A9-98B6-9FED-59E0CDA7CC98}"/>
+          </ac:spMkLst>
+        </pc:spChg>
+        <pc:spChg chg="add">
+          <ac:chgData name="Théo Dormond" userId="S::pb64ois@eduvaud.ch::b1a7ac2f-5ac7-49a4-a2d1-c2f45e9da961" providerId="AD" clId="Web-{5FBB1A88-3B52-4A98-8D16-8B2251604067}" dt="2022-12-20T13:17:20.438" v="198"/>
+          <ac:spMkLst>
+            <pc:docMk/>
+            <pc:sldMk cId="1610194782" sldId="262"/>
+            <ac:spMk id="10" creationId="{0BC81D26-B6F7-0C55-C070-25A3A3EADCCE}"/>
+          </ac:spMkLst>
+        </pc:spChg>
+        <pc:spChg chg="add">
+          <ac:chgData name="Théo Dormond" userId="S::pb64ois@eduvaud.ch::b1a7ac2f-5ac7-49a4-a2d1-c2f45e9da961" providerId="AD" clId="Web-{5FBB1A88-3B52-4A98-8D16-8B2251604067}" dt="2022-12-20T13:17:20.454" v="199"/>
+          <ac:spMkLst>
+            <pc:docMk/>
+            <pc:sldMk cId="1610194782" sldId="262"/>
+            <ac:spMk id="12" creationId="{E7AD663A-BA70-00AF-69B3-B8F19E27B332}"/>
+          </ac:spMkLst>
+        </pc:spChg>
+      </pc:sldChg>
+    </pc:docChg>
+  </pc:docChgLst>
+  <pc:docChgLst>
+    <pc:chgData name="Sanjaey Sivathasan" userId="S::sanjaey.sivathasan@eduvaud.ch::5f85935a-1ba4-436f-b82a-13530e7cde27" providerId="AD" clId="Web-{6785B1A0-6233-4EAA-9663-6D6E13993570}"/>
+    <pc:docChg chg="modSld">
+      <pc:chgData name="Sanjaey Sivathasan" userId="S::sanjaey.sivathasan@eduvaud.ch::5f85935a-1ba4-436f-b82a-13530e7cde27" providerId="AD" clId="Web-{6785B1A0-6233-4EAA-9663-6D6E13993570}" dt="2022-12-20T12:51:49.931" v="60"/>
+      <pc:docMkLst>
+        <pc:docMk/>
+      </pc:docMkLst>
+      <pc:sldChg chg="addSp modSp">
+        <pc:chgData name="Sanjaey Sivathasan" userId="S::sanjaey.sivathasan@eduvaud.ch::5f85935a-1ba4-436f-b82a-13530e7cde27" providerId="AD" clId="Web-{6785B1A0-6233-4EAA-9663-6D6E13993570}" dt="2022-12-20T12:42:38.752" v="35" actId="14100"/>
+        <pc:sldMkLst>
+          <pc:docMk/>
+          <pc:sldMk cId="2586120069" sldId="256"/>
+        </pc:sldMkLst>
+        <pc:spChg chg="mod">
+          <ac:chgData name="Sanjaey Sivathasan" userId="S::sanjaey.sivathasan@eduvaud.ch::5f85935a-1ba4-436f-b82a-13530e7cde27" providerId="AD" clId="Web-{6785B1A0-6233-4EAA-9663-6D6E13993570}" dt="2022-12-20T12:42:18.892" v="28" actId="20577"/>
+          <ac:spMkLst>
+            <pc:docMk/>
+            <pc:sldMk cId="2586120069" sldId="256"/>
+            <ac:spMk id="2" creationId="{4C25060A-6B14-42A4-8004-5619C1987255}"/>
+          </ac:spMkLst>
+        </pc:spChg>
+        <pc:spChg chg="mod">
+          <ac:chgData name="Sanjaey Sivathasan" userId="S::sanjaey.sivathasan@eduvaud.ch::5f85935a-1ba4-436f-b82a-13530e7cde27" providerId="AD" clId="Web-{6785B1A0-6233-4EAA-9663-6D6E13993570}" dt="2022-12-20T12:42:11.595" v="27" actId="20577"/>
+          <ac:spMkLst>
+            <pc:docMk/>
+            <pc:sldMk cId="2586120069" sldId="256"/>
+            <ac:spMk id="3" creationId="{2A44545C-2C83-4D2E-90D3-CF84060C2DF3}"/>
+          </ac:spMkLst>
+        </pc:spChg>
+        <pc:spChg chg="add mod">
+          <ac:chgData name="Sanjaey Sivathasan" userId="S::sanjaey.sivathasan@eduvaud.ch::5f85935a-1ba4-436f-b82a-13530e7cde27" providerId="AD" clId="Web-{6785B1A0-6233-4EAA-9663-6D6E13993570}" dt="2022-12-20T12:40:34.766" v="6" actId="14100"/>
+          <ac:spMkLst>
+            <pc:docMk/>
+            <pc:sldMk cId="2586120069" sldId="256"/>
+            <ac:spMk id="5" creationId="{F46A6C9B-3235-84CE-47A8-02C7920926D5}"/>
+          </ac:spMkLst>
+        </pc:spChg>
+        <pc:spChg chg="add mod">
+          <ac:chgData name="Sanjaey Sivathasan" userId="S::sanjaey.sivathasan@eduvaud.ch::5f85935a-1ba4-436f-b82a-13530e7cde27" providerId="AD" clId="Web-{6785B1A0-6233-4EAA-9663-6D6E13993570}" dt="2022-12-20T12:41:18.016" v="23" actId="14100"/>
+          <ac:spMkLst>
+            <pc:docMk/>
+            <pc:sldMk cId="2586120069" sldId="256"/>
+            <ac:spMk id="6" creationId="{D552BA71-2007-273A-10BE-9E855442FE68}"/>
+          </ac:spMkLst>
+        </pc:spChg>
+        <pc:spChg chg="add mod">
+          <ac:chgData name="Sanjaey Sivathasan" userId="S::sanjaey.sivathasan@eduvaud.ch::5f85935a-1ba4-436f-b82a-13530e7cde27" providerId="AD" clId="Web-{6785B1A0-6233-4EAA-9663-6D6E13993570}" dt="2022-12-20T12:42:38.752" v="35" actId="14100"/>
+          <ac:spMkLst>
+            <pc:docMk/>
+            <pc:sldMk cId="2586120069" sldId="256"/>
+            <ac:spMk id="7" creationId="{1C316B50-FE3A-485A-D6C0-0A7797510CF8}"/>
+          </ac:spMkLst>
+        </pc:spChg>
+      </pc:sldChg>
+      <pc:sldChg chg="addSp delSp modSp">
+        <pc:chgData name="Sanjaey Sivathasan" userId="S::sanjaey.sivathasan@eduvaud.ch::5f85935a-1ba4-436f-b82a-13530e7cde27" providerId="AD" clId="Web-{6785B1A0-6233-4EAA-9663-6D6E13993570}" dt="2022-12-20T12:45:16.379" v="56" actId="1076"/>
+        <pc:sldMkLst>
+          <pc:docMk/>
+          <pc:sldMk cId="2517730617" sldId="257"/>
+        </pc:sldMkLst>
+        <pc:spChg chg="add mod">
+          <ac:chgData name="Sanjaey Sivathasan" userId="S::sanjaey.sivathasan@eduvaud.ch::5f85935a-1ba4-436f-b82a-13530e7cde27" providerId="AD" clId="Web-{6785B1A0-6233-4EAA-9663-6D6E13993570}" dt="2022-12-20T12:44:18.988" v="50" actId="1076"/>
+          <ac:spMkLst>
+            <pc:docMk/>
+            <pc:sldMk cId="2517730617" sldId="257"/>
+            <ac:spMk id="5" creationId="{F97F4CB2-5AA0-74C1-253A-4800DFD6B039}"/>
+          </ac:spMkLst>
+        </pc:spChg>
+        <pc:spChg chg="add mod">
+          <ac:chgData name="Sanjaey Sivathasan" userId="S::sanjaey.sivathasan@eduvaud.ch::5f85935a-1ba4-436f-b82a-13530e7cde27" providerId="AD" clId="Web-{6785B1A0-6233-4EAA-9663-6D6E13993570}" dt="2022-12-20T12:45:16.379" v="56" actId="1076"/>
+          <ac:spMkLst>
+            <pc:docMk/>
+            <pc:sldMk cId="2517730617" sldId="257"/>
+            <ac:spMk id="7" creationId="{E1C32A2F-265E-DAD4-0D59-89E4B637CA61}"/>
+          </ac:spMkLst>
+        </pc:spChg>
+        <pc:spChg chg="add del">
+          <ac:chgData name="Sanjaey Sivathasan" userId="S::sanjaey.sivathasan@eduvaud.ch::5f85935a-1ba4-436f-b82a-13530e7cde27" providerId="AD" clId="Web-{6785B1A0-6233-4EAA-9663-6D6E13993570}" dt="2022-12-20T12:43:24.159" v="39"/>
+          <ac:spMkLst>
+            <pc:docMk/>
+            <pc:sldMk cId="2517730617" sldId="257"/>
+            <ac:spMk id="9" creationId="{01B4C910-BB48-FB4B-39A2-F7B6F82EDF41}"/>
+          </ac:spMkLst>
+        </pc:spChg>
+        <pc:spChg chg="add mod">
+          <ac:chgData name="Sanjaey Sivathasan" userId="S::sanjaey.sivathasan@eduvaud.ch::5f85935a-1ba4-436f-b82a-13530e7cde27" providerId="AD" clId="Web-{6785B1A0-6233-4EAA-9663-6D6E13993570}" dt="2022-12-20T12:45:01.473" v="54" actId="1076"/>
+          <ac:spMkLst>
+            <pc:docMk/>
+            <pc:sldMk cId="2517730617" sldId="257"/>
+            <ac:spMk id="11" creationId="{73DDF0F7-F3DA-2144-3FFB-AA05049C76ED}"/>
+          </ac:spMkLst>
+        </pc:spChg>
+        <pc:spChg chg="add mod">
+          <ac:chgData name="Sanjaey Sivathasan" userId="S::sanjaey.sivathasan@eduvaud.ch::5f85935a-1ba4-436f-b82a-13530e7cde27" providerId="AD" clId="Web-{6785B1A0-6233-4EAA-9663-6D6E13993570}" dt="2022-12-20T12:45:09.285" v="55" actId="1076"/>
+          <ac:spMkLst>
+            <pc:docMk/>
+            <pc:sldMk cId="2517730617" sldId="257"/>
+            <ac:spMk id="13" creationId="{933FDD33-7FB7-6AA9-387E-45053A93B9EF}"/>
+          </ac:spMkLst>
+        </pc:spChg>
+      </pc:sldChg>
+      <pc:sldChg chg="modSp">
+        <pc:chgData name="Sanjaey Sivathasan" userId="S::sanjaey.sivathasan@eduvaud.ch::5f85935a-1ba4-436f-b82a-13530e7cde27" providerId="AD" clId="Web-{6785B1A0-6233-4EAA-9663-6D6E13993570}" dt="2022-12-20T12:51:49.931" v="60"/>
+        <pc:sldMkLst>
+          <pc:docMk/>
+          <pc:sldMk cId="2199826723" sldId="258"/>
+        </pc:sldMkLst>
+        <pc:graphicFrameChg chg="modGraphic">
+          <ac:chgData name="Sanjaey Sivathasan" userId="S::sanjaey.sivathasan@eduvaud.ch::5f85935a-1ba4-436f-b82a-13530e7cde27" providerId="AD" clId="Web-{6785B1A0-6233-4EAA-9663-6D6E13993570}" dt="2022-12-20T12:51:49.931" v="60"/>
+          <ac:graphicFrameMkLst>
+            <pc:docMk/>
+            <pc:sldMk cId="2199826723" sldId="258"/>
+            <ac:graphicFrameMk id="9" creationId="{CDF13B68-6D6B-6D85-D47A-A4A687BB29CA}"/>
+          </ac:graphicFrameMkLst>
+        </pc:graphicFrameChg>
+      </pc:sldChg>
+    </pc:docChg>
+  </pc:docChgLst>
+</pc:chgInfo>
+</file>
+
+<file path=ppt/notesMasters/notesMaster1.xml><?xml version="1.0" encoding="utf-8"?>
+<p:notesMaster xmlns:a="http://schemas.openxmlformats.org/drawingml/2006/main" xmlns:r="http://schemas.openxmlformats.org/officeDocument/2006/relationships" xmlns:p="http://schemas.openxmlformats.org/presentationml/2006/main">
+  <p:cSld>
+    <p:bg>
+      <p:bgRef idx="1001">
+        <a:schemeClr val="bg1"/>
+      </p:bgRef>
+    </p:bg>
+    <p:spTree>
+      <p:nvGrpSpPr>
+        <p:cNvPr id="1" name=""/>
+        <p:cNvGrpSpPr/>
+        <p:nvPr/>
+      </p:nvGrpSpPr>
+      <p:grpSpPr>
+        <a:xfrm>
+          <a:off x="0" y="0"/>
+          <a:ext cx="0" cy="0"/>
+          <a:chOff x="0" y="0"/>
+          <a:chExt cx="0" cy="0"/>
+        </a:xfrm>
+      </p:grpSpPr>
+      <p:sp>
+        <p:nvSpPr>
+          <p:cNvPr id="2" name="Espace réservé de l'en-tête 1"/>
+          <p:cNvSpPr>
+            <a:spLocks noGrp="1"/>
+          </p:cNvSpPr>
+          <p:nvPr>
+            <p:ph type="hdr" sz="quarter"/>
+          </p:nvPr>
+        </p:nvSpPr>
+        <p:spPr>
+          <a:xfrm>
+            <a:off x="0" y="0"/>
+            <a:ext cx="2971800" cy="458788"/>
+          </a:xfrm>
+          <a:prstGeom prst="rect">
+            <a:avLst/>
+          </a:prstGeom>
+        </p:spPr>
+        <p:txBody>
+          <a:bodyPr vert="horz" lIns="91440" tIns="45720" rIns="91440" bIns="45720" rtlCol="0"/>
+          <a:lstStyle>
+            <a:lvl1pPr algn="l">
+              <a:defRPr sz="1200"/>
+            </a:lvl1pPr>
+          </a:lstStyle>
+          <a:p>
+            <a:endParaRPr lang="fr-FR"/>
+          </a:p>
+        </p:txBody>
+      </p:sp>
+      <p:sp>
+        <p:nvSpPr>
+          <p:cNvPr id="3" name="Espace réservé de la date 2"/>
+          <p:cNvSpPr>
+            <a:spLocks noGrp="1"/>
+          </p:cNvSpPr>
+          <p:nvPr>
+            <p:ph type="dt" idx="1"/>
+          </p:nvPr>
+        </p:nvSpPr>
+        <p:spPr>
+          <a:xfrm>
+            <a:off x="3884613" y="0"/>
+            <a:ext cx="2971800" cy="458788"/>
+          </a:xfrm>
+          <a:prstGeom prst="rect">
+            <a:avLst/>
+          </a:prstGeom>
+        </p:spPr>
+        <p:txBody>
+          <a:bodyPr vert="horz" lIns="91440" tIns="45720" rIns="91440" bIns="45720" rtlCol="0"/>
+          <a:lstStyle>
+            <a:lvl1pPr algn="r">
+              <a:defRPr sz="1200"/>
+            </a:lvl1pPr>
+          </a:lstStyle>
+          <a:p>
+            <a:fld id="{1AF575D9-F464-420B-833E-BDF78A32DBC6}" type="datetimeFigureOut">
+              <a:t>1/10/2023</a:t>
+            </a:fld>
+            <a:endParaRPr lang="fr-FR"/>
+          </a:p>
+        </p:txBody>
+      </p:sp>
+      <p:sp>
+        <p:nvSpPr>
+          <p:cNvPr id="4" name="Espace réservé de l'image des diapositives 3"/>
+          <p:cNvSpPr>
+            <a:spLocks noGrp="1" noRot="1" noChangeAspect="1"/>
+          </p:cNvSpPr>
+          <p:nvPr>
+            <p:ph type="sldImg" idx="2"/>
+          </p:nvPr>
+        </p:nvSpPr>
+        <p:spPr>
+          <a:xfrm>
+            <a:off x="685800" y="1143000"/>
+            <a:ext cx="5486400" cy="3086100"/>
+          </a:xfrm>
+          <a:prstGeom prst="rect">
+            <a:avLst/>
+          </a:prstGeom>
+          <a:noFill/>
+          <a:ln w="12700">
+            <a:solidFill>
+              <a:prstClr val="black"/>
+            </a:solidFill>
+          </a:ln>
+        </p:spPr>
+        <p:txBody>
+          <a:bodyPr vert="horz" lIns="91440" tIns="45720" rIns="91440" bIns="45720" rtlCol="0" anchor="ctr"/>
+          <a:lstStyle/>
+          <a:p>
+            <a:endParaRPr lang="fr-FR"/>
+          </a:p>
+        </p:txBody>
+      </p:sp>
+      <p:sp>
+        <p:nvSpPr>
+          <p:cNvPr id="5" name="Espace réservé des notes 4"/>
+          <p:cNvSpPr>
+            <a:spLocks noGrp="1"/>
+          </p:cNvSpPr>
+          <p:nvPr>
+            <p:ph type="body" sz="quarter" idx="3"/>
+          </p:nvPr>
+        </p:nvSpPr>
+        <p:spPr>
+          <a:xfrm>
+            <a:off x="685800" y="4400550"/>
+            <a:ext cx="5486400" cy="3600450"/>
+          </a:xfrm>
+          <a:prstGeom prst="rect">
+            <a:avLst/>
+          </a:prstGeom>
+        </p:spPr>
+        <p:txBody>
+          <a:bodyPr vert="horz" lIns="91440" tIns="45720" rIns="91440" bIns="45720" rtlCol="0"/>
+          <a:lstStyle/>
+          <a:p>
+            <a:pPr lvl="0"/>
+            <a:r>
+              <a:rPr lang="fr-FR"/>
+              <a:t>Cliquez pour modifier les styles du texte du masque</a:t>
+            </a:r>
+          </a:p>
+          <a:p>
+            <a:pPr lvl="1"/>
+            <a:r>
+              <a:rPr lang="fr-FR"/>
+              <a:t>Deuxième niveau</a:t>
+            </a:r>
+          </a:p>
+          <a:p>
+            <a:pPr lvl="2"/>
+            <a:r>
+              <a:rPr lang="fr-FR"/>
+              <a:t>Troisième niveau</a:t>
+            </a:r>
+          </a:p>
+          <a:p>
+            <a:pPr lvl="3"/>
+            <a:r>
+              <a:rPr lang="fr-FR"/>
+              <a:t>Quatrième niveau</a:t>
+            </a:r>
+          </a:p>
+          <a:p>
+            <a:pPr lvl="4"/>
+            <a:r>
+              <a:rPr lang="fr-FR"/>
+              <a:t>Cinquième niveau</a:t>
+            </a:r>
+          </a:p>
+        </p:txBody>
+      </p:sp>
+      <p:sp>
+        <p:nvSpPr>
+          <p:cNvPr id="6" name="Espace réservé du pied de page 5"/>
+          <p:cNvSpPr>
+            <a:spLocks noGrp="1"/>
+          </p:cNvSpPr>
+          <p:nvPr>
+            <p:ph type="ftr" sz="quarter" idx="4"/>
+          </p:nvPr>
+        </p:nvSpPr>
+        <p:spPr>
+          <a:xfrm>
+            <a:off x="0" y="8685213"/>
+            <a:ext cx="2971800" cy="458787"/>
+          </a:xfrm>
+          <a:prstGeom prst="rect">
+            <a:avLst/>
+          </a:prstGeom>
+        </p:spPr>
+        <p:txBody>
+          <a:bodyPr vert="horz" lIns="91440" tIns="45720" rIns="91440" bIns="45720" rtlCol="0" anchor="b"/>
+          <a:lstStyle>
+            <a:lvl1pPr algn="l">
+              <a:defRPr sz="1200"/>
+            </a:lvl1pPr>
+          </a:lstStyle>
+          <a:p>
+            <a:endParaRPr lang="fr-FR"/>
+          </a:p>
+        </p:txBody>
+      </p:sp>
+      <p:sp>
+        <p:nvSpPr>
+          <p:cNvPr id="7" name="Espace réservé du numéro de diapositive 6"/>
+          <p:cNvSpPr>
+            <a:spLocks noGrp="1"/>
+          </p:cNvSpPr>
+          <p:nvPr>
+            <p:ph type="sldNum" sz="quarter" idx="5"/>
+          </p:nvPr>
+        </p:nvSpPr>
+        <p:spPr>
+          <a:xfrm>
+            <a:off x="3884613" y="8685213"/>
+            <a:ext cx="2971800" cy="458787"/>
+          </a:xfrm>
+          <a:prstGeom prst="rect">
+            <a:avLst/>
+          </a:prstGeom>
+        </p:spPr>
+        <p:txBody>
+          <a:bodyPr vert="horz" lIns="91440" tIns="45720" rIns="91440" bIns="45720" rtlCol="0" anchor="b"/>
+          <a:lstStyle>
+            <a:lvl1pPr algn="r">
+              <a:defRPr sz="1200"/>
+            </a:lvl1pPr>
+          </a:lstStyle>
+          <a:p>
+            <a:fld id="{1255D1BD-DE89-4986-A6A8-23BF224F9E45}" type="slidenum">
+              <a:t>‹#›</a:t>
+            </a:fld>
+            <a:endParaRPr lang="fr-FR"/>
+          </a:p>
+        </p:txBody>
+      </p:sp>
+    </p:spTree>
+    <p:extLst>
+      <p:ext uri="{BB962C8B-B14F-4D97-AF65-F5344CB8AC3E}">
+        <p14:creationId xmlns:p14="http://schemas.microsoft.com/office/powerpoint/2010/main" val="3668114914"/>
+      </p:ext>
+    </p:extLst>
+  </p:cSld>
+  <p:clrMap bg1="lt1" tx1="dk1" bg2="lt2" tx2="dk2" accent1="accent1" accent2="accent2" accent3="accent3" accent4="accent4" accent5="accent5" accent6="accent6" hlink="hlink" folHlink="folHlink"/>
+  <p:notesStyle>
+    <a:lvl1pPr marL="0" algn="l" defTabSz="914400" rtl="0" eaLnBrk="1" latinLnBrk="0" hangingPunct="1">
+      <a:defRPr sz="1200" kern="1200">
+        <a:solidFill>
+          <a:schemeClr val="tx1"/>
+        </a:solidFill>
+        <a:latin typeface="+mn-lt"/>
+        <a:ea typeface="+mn-ea"/>
+        <a:cs typeface="+mn-cs"/>
+      </a:defRPr>
+    </a:lvl1pPr>
+    <a:lvl2pPr marL="457200" algn="l" defTabSz="914400" rtl="0" eaLnBrk="1" latinLnBrk="0" hangingPunct="1">
+      <a:defRPr sz="1200" kern="1200">
+        <a:solidFill>
+          <a:schemeClr val="tx1"/>
+        </a:solidFill>
+        <a:latin typeface="+mn-lt"/>
+        <a:ea typeface="+mn-ea"/>
+        <a:cs typeface="+mn-cs"/>
+      </a:defRPr>
+    </a:lvl2pPr>
+    <a:lvl3pPr marL="914400" algn="l" defTabSz="914400" rtl="0" eaLnBrk="1" latinLnBrk="0" hangingPunct="1">
+      <a:defRPr sz="1200" kern="1200">
+        <a:solidFill>
+          <a:schemeClr val="tx1"/>
+        </a:solidFill>
+        <a:latin typeface="+mn-lt"/>
+        <a:ea typeface="+mn-ea"/>
+        <a:cs typeface="+mn-cs"/>
+      </a:defRPr>
+    </a:lvl3pPr>
+    <a:lvl4pPr marL="1371600" algn="l" defTabSz="914400" rtl="0" eaLnBrk="1" latinLnBrk="0" hangingPunct="1">
+      <a:defRPr sz="1200" kern="1200">
+        <a:solidFill>
+          <a:schemeClr val="tx1"/>
+        </a:solidFill>
+        <a:latin typeface="+mn-lt"/>
+        <a:ea typeface="+mn-ea"/>
+        <a:cs typeface="+mn-cs"/>
+      </a:defRPr>
+    </a:lvl4pPr>
+    <a:lvl5pPr marL="1828800" algn="l" defTabSz="914400" rtl="0" eaLnBrk="1" latinLnBrk="0" hangingPunct="1">
+      <a:defRPr sz="1200" kern="1200">
+        <a:solidFill>
+          <a:schemeClr val="tx1"/>
+        </a:solidFill>
+        <a:latin typeface="+mn-lt"/>
+        <a:ea typeface="+mn-ea"/>
+        <a:cs typeface="+mn-cs"/>
+      </a:defRPr>
+    </a:lvl5pPr>
+    <a:lvl6pPr marL="2286000" algn="l" defTabSz="914400" rtl="0" eaLnBrk="1" latinLnBrk="0" hangingPunct="1">
+      <a:defRPr sz="1200" kern="1200">
+        <a:solidFill>
+          <a:schemeClr val="tx1"/>
+        </a:solidFill>
+        <a:latin typeface="+mn-lt"/>
+        <a:ea typeface="+mn-ea"/>
+        <a:cs typeface="+mn-cs"/>
+      </a:defRPr>
+    </a:lvl6pPr>
+    <a:lvl7pPr marL="2743200" algn="l" defTabSz="914400" rtl="0" eaLnBrk="1" latinLnBrk="0" hangingPunct="1">
+      <a:defRPr sz="1200" kern="1200">
+        <a:solidFill>
+          <a:schemeClr val="tx1"/>
+        </a:solidFill>
+        <a:latin typeface="+mn-lt"/>
+        <a:ea typeface="+mn-ea"/>
+        <a:cs typeface="+mn-cs"/>
+      </a:defRPr>
+    </a:lvl7pPr>
+    <a:lvl8pPr marL="3200400" algn="l" defTabSz="914400" rtl="0" eaLnBrk="1" latinLnBrk="0" hangingPunct="1">
+      <a:defRPr sz="1200" kern="1200">
+        <a:solidFill>
+          <a:schemeClr val="tx1"/>
+        </a:solidFill>
+        <a:latin typeface="+mn-lt"/>
+        <a:ea typeface="+mn-ea"/>
+        <a:cs typeface="+mn-cs"/>
+      </a:defRPr>
+    </a:lvl8pPr>
+    <a:lvl9pPr marL="3657600" algn="l" defTabSz="914400" rtl="0" eaLnBrk="1" latinLnBrk="0" hangingPunct="1">
+      <a:defRPr sz="1200" kern="1200">
+        <a:solidFill>
+          <a:schemeClr val="tx1"/>
+        </a:solidFill>
+        <a:latin typeface="+mn-lt"/>
+        <a:ea typeface="+mn-ea"/>
+        <a:cs typeface="+mn-cs"/>
+      </a:defRPr>
+    </a:lvl9pPr>
+  </p:notesStyle>
+</p:notesMaster>
+</file>
+
+<file path=ppt/notesSlides/notesSlide1.xml><?xml version="1.0" encoding="utf-8"?>
+<p:notes xmlns:a="http://schemas.openxmlformats.org/drawingml/2006/main" xmlns:r="http://schemas.openxmlformats.org/officeDocument/2006/relationships" xmlns:p="http://schemas.openxmlformats.org/presentationml/2006/main">
+  <p:cSld>
+    <p:spTree>
+      <p:nvGrpSpPr>
+        <p:cNvPr id="1" name=""/>
+        <p:cNvGrpSpPr/>
+        <p:nvPr/>
+      </p:nvGrpSpPr>
+      <p:grpSpPr>
+        <a:xfrm>
+          <a:off x="0" y="0"/>
+          <a:ext cx="0" cy="0"/>
+          <a:chOff x="0" y="0"/>
+          <a:chExt cx="0" cy="0"/>
+        </a:xfrm>
+      </p:grpSpPr>
+      <p:sp>
+        <p:nvSpPr>
+          <p:cNvPr id="2" name="Espace réservé de l'image des diapositives 1"/>
+          <p:cNvSpPr>
+            <a:spLocks noGrp="1" noRot="1" noChangeAspect="1"/>
+          </p:cNvSpPr>
+          <p:nvPr>
+            <p:ph type="sldImg"/>
+          </p:nvPr>
+        </p:nvSpPr>
+        <p:spPr/>
+      </p:sp>
+      <p:sp>
+        <p:nvSpPr>
+          <p:cNvPr id="3" name="Espace réservé des notes 2"/>
+          <p:cNvSpPr>
+            <a:spLocks noGrp="1"/>
+          </p:cNvSpPr>
+          <p:nvPr>
+            <p:ph type="body" idx="1"/>
+          </p:nvPr>
+        </p:nvSpPr>
+        <p:spPr/>
+        <p:txBody>
+          <a:bodyPr/>
+          <a:lstStyle/>
+          <a:p>
+            <a:r>
+              <a:rPr lang="fr-CH"/>
+              <a:t>Développer une application pour un </a:t>
+            </a:r>
+            <a:r>
+              <a:rPr lang="fr-CH" err="1"/>
+              <a:t>ranking</a:t>
+            </a:r>
+            <a:r>
+              <a:rPr lang="fr-CH"/>
+              <a:t> d’imprimantes all-in-one.</a:t>
+            </a:r>
+            <a:endParaRPr lang="fr-FR"/>
+          </a:p>
+        </p:txBody>
+      </p:sp>
+      <p:sp>
+        <p:nvSpPr>
+          <p:cNvPr id="4" name="Espace réservé du numéro de diapositive 3"/>
+          <p:cNvSpPr>
+            <a:spLocks noGrp="1"/>
+          </p:cNvSpPr>
+          <p:nvPr>
+            <p:ph type="sldNum" sz="quarter" idx="5"/>
+          </p:nvPr>
+        </p:nvSpPr>
+        <p:spPr/>
+        <p:txBody>
+          <a:bodyPr/>
+          <a:lstStyle/>
+          <a:p>
+            <a:fld id="{1255D1BD-DE89-4986-A6A8-23BF224F9E45}" type="slidenum">
+              <a:t>3</a:t>
+            </a:fld>
+            <a:endParaRPr lang="fr-FR"/>
+          </a:p>
+        </p:txBody>
+      </p:sp>
+    </p:spTree>
+    <p:extLst>
+      <p:ext uri="{BB962C8B-B14F-4D97-AF65-F5344CB8AC3E}">
+        <p14:creationId xmlns:p14="http://schemas.microsoft.com/office/powerpoint/2010/main" val="743951328"/>
+      </p:ext>
+    </p:extLst>
+  </p:cSld>
+  <p:clrMapOvr>
+    <a:masterClrMapping/>
+  </p:clrMapOvr>
+</p:notes>
+</file>
+
+<file path=ppt/notesSlides/notesSlide2.xml><?xml version="1.0" encoding="utf-8"?>
+<p:notes xmlns:a="http://schemas.openxmlformats.org/drawingml/2006/main" xmlns:r="http://schemas.openxmlformats.org/officeDocument/2006/relationships" xmlns:p="http://schemas.openxmlformats.org/presentationml/2006/main">
+  <p:cSld>
+    <p:spTree>
+      <p:nvGrpSpPr>
+        <p:cNvPr id="1" name=""/>
+        <p:cNvGrpSpPr/>
+        <p:nvPr/>
+      </p:nvGrpSpPr>
+      <p:grpSpPr>
+        <a:xfrm>
+          <a:off x="0" y="0"/>
+          <a:ext cx="0" cy="0"/>
+          <a:chOff x="0" y="0"/>
+          <a:chExt cx="0" cy="0"/>
+        </a:xfrm>
+      </p:grpSpPr>
+      <p:sp>
+        <p:nvSpPr>
+          <p:cNvPr id="2" name="Espace réservé de l'image des diapositives 1"/>
+          <p:cNvSpPr>
+            <a:spLocks noGrp="1" noRot="1" noChangeAspect="1"/>
+          </p:cNvSpPr>
+          <p:nvPr>
+            <p:ph type="sldImg"/>
+          </p:nvPr>
+        </p:nvSpPr>
+        <p:spPr/>
+      </p:sp>
+      <p:sp>
+        <p:nvSpPr>
+          <p:cNvPr id="3" name="Espace réservé des notes 2"/>
+          <p:cNvSpPr>
+            <a:spLocks noGrp="1"/>
+          </p:cNvSpPr>
+          <p:nvPr>
+            <p:ph type="body" idx="1"/>
+          </p:nvPr>
+        </p:nvSpPr>
+        <p:spPr/>
+        <p:txBody>
+          <a:bodyPr/>
+          <a:lstStyle/>
+          <a:p>
+            <a:r>
+              <a:rPr lang="en-US"/>
+              <a:t>Le chef de </a:t>
+            </a:r>
+            <a:r>
+              <a:rPr lang="en-US" err="1"/>
+              <a:t>projet</a:t>
+            </a:r>
+            <a:r>
+              <a:rPr lang="en-US"/>
+              <a:t> </a:t>
+            </a:r>
+            <a:r>
+              <a:rPr lang="en-US" err="1"/>
+              <a:t>est</a:t>
+            </a:r>
+            <a:r>
+              <a:rPr lang="en-US"/>
+              <a:t> Luca </a:t>
+            </a:r>
+            <a:r>
+              <a:rPr lang="en-US" err="1"/>
+              <a:t>est</a:t>
+            </a:r>
+            <a:r>
+              <a:rPr lang="en-US"/>
+              <a:t> il </a:t>
+            </a:r>
+            <a:r>
+              <a:rPr lang="en-US" err="1"/>
+              <a:t>répartit</a:t>
+            </a:r>
+            <a:r>
+              <a:rPr lang="en-US"/>
+              <a:t> les </a:t>
+            </a:r>
+            <a:r>
+              <a:rPr lang="en-US" err="1"/>
+              <a:t>tâches</a:t>
+            </a:r>
+            <a:r>
+              <a:rPr lang="en-US"/>
+              <a:t> pour le </a:t>
+            </a:r>
+            <a:r>
+              <a:rPr lang="en-US" err="1"/>
+              <a:t>groupe</a:t>
+            </a:r>
+            <a:endParaRPr lang="en-US">
+              <a:cs typeface="Calibri"/>
+            </a:endParaRPr>
+          </a:p>
+          <a:p>
+            <a:r>
+              <a:rPr lang="en-US" err="1">
+                <a:cs typeface="Calibri"/>
+              </a:rPr>
+              <a:t>Sanjaey</a:t>
+            </a:r>
+            <a:r>
+              <a:rPr lang="en-US">
+                <a:cs typeface="Calibri"/>
+              </a:rPr>
+              <a:t> -&gt; Excel de pour les </a:t>
+            </a:r>
+            <a:r>
+              <a:rPr lang="en-US" err="1">
+                <a:cs typeface="Calibri"/>
+              </a:rPr>
+              <a:t>imprimantes</a:t>
+            </a:r>
+            <a:r>
+              <a:rPr lang="en-US">
+                <a:cs typeface="Calibri"/>
+              </a:rPr>
+              <a:t> + PowerPoint</a:t>
+            </a:r>
+          </a:p>
+          <a:p>
+            <a:r>
+              <a:rPr lang="en-US">
+                <a:cs typeface="Calibri"/>
+              </a:rPr>
+              <a:t>Luca -&gt; </a:t>
+            </a:r>
+            <a:r>
+              <a:rPr lang="en-US" err="1">
+                <a:cs typeface="Calibri"/>
+              </a:rPr>
+              <a:t>Php</a:t>
+            </a:r>
+            <a:r>
+              <a:rPr lang="en-US">
+                <a:cs typeface="Calibri"/>
+              </a:rPr>
+              <a:t> pour la </a:t>
+            </a:r>
+            <a:r>
+              <a:rPr lang="en-US" err="1">
+                <a:cs typeface="Calibri"/>
+              </a:rPr>
+              <a:t>liste</a:t>
+            </a:r>
+            <a:r>
+              <a:rPr lang="en-US">
+                <a:cs typeface="Calibri"/>
+              </a:rPr>
+              <a:t> des </a:t>
+            </a:r>
+            <a:r>
+              <a:rPr lang="en-US" err="1">
+                <a:cs typeface="Calibri"/>
+              </a:rPr>
+              <a:t>imprimantes</a:t>
+            </a:r>
+            <a:r>
+              <a:rPr lang="en-US">
+                <a:cs typeface="Calibri"/>
+              </a:rPr>
+              <a:t> </a:t>
+            </a:r>
+          </a:p>
+          <a:p>
+            <a:r>
+              <a:rPr lang="en-US">
+                <a:cs typeface="Calibri"/>
+              </a:rPr>
+              <a:t>Natasha -&gt; Base de </a:t>
+            </a:r>
+            <a:r>
+              <a:rPr lang="en-US" err="1">
+                <a:cs typeface="Calibri"/>
+              </a:rPr>
+              <a:t>données</a:t>
+            </a:r>
+            <a:r>
+              <a:rPr lang="en-US">
+                <a:cs typeface="Calibri"/>
+              </a:rPr>
+              <a:t> + </a:t>
+            </a:r>
+            <a:r>
+              <a:rPr lang="en-US" err="1">
+                <a:cs typeface="Calibri"/>
+              </a:rPr>
+              <a:t>php</a:t>
+            </a:r>
+            <a:r>
+              <a:rPr lang="en-US">
+                <a:cs typeface="Calibri"/>
+              </a:rPr>
+              <a:t> pour </a:t>
+            </a:r>
+            <a:r>
+              <a:rPr lang="en-US" err="1">
+                <a:cs typeface="Calibri"/>
+              </a:rPr>
+              <a:t>l'ajout</a:t>
+            </a:r>
+            <a:r>
+              <a:rPr lang="en-US">
+                <a:cs typeface="Calibri"/>
+              </a:rPr>
+              <a:t> </a:t>
+            </a:r>
+            <a:r>
+              <a:rPr lang="en-US" err="1">
+                <a:cs typeface="Calibri"/>
+              </a:rPr>
+              <a:t>d'imprimante</a:t>
+            </a:r>
+          </a:p>
+          <a:p>
+            <a:r>
+              <a:rPr lang="en-US">
+                <a:cs typeface="Calibri"/>
+              </a:rPr>
+              <a:t>Théo -&gt; HTML/CSS + PowerPoint</a:t>
+            </a:r>
+          </a:p>
+        </p:txBody>
+      </p:sp>
+      <p:sp>
+        <p:nvSpPr>
+          <p:cNvPr id="4" name="Espace réservé du numéro de diapositive 3"/>
+          <p:cNvSpPr>
+            <a:spLocks noGrp="1"/>
+          </p:cNvSpPr>
+          <p:nvPr>
+            <p:ph type="sldNum" sz="quarter" idx="5"/>
+          </p:nvPr>
+        </p:nvSpPr>
+        <p:spPr/>
+        <p:txBody>
+          <a:bodyPr/>
+          <a:lstStyle/>
+          <a:p>
+            <a:fld id="{1255D1BD-DE89-4986-A6A8-23BF224F9E45}" type="slidenum">
+              <a:rPr lang="fr-FR"/>
+              <a:t>5</a:t>
+            </a:fld>
+            <a:endParaRPr lang="fr-FR"/>
+          </a:p>
+        </p:txBody>
+      </p:sp>
+    </p:spTree>
+    <p:extLst>
+      <p:ext uri="{BB962C8B-B14F-4D97-AF65-F5344CB8AC3E}">
+        <p14:creationId xmlns:p14="http://schemas.microsoft.com/office/powerpoint/2010/main" val="54375761"/>
+      </p:ext>
+    </p:extLst>
+  </p:cSld>
+  <p:clrMapOvr>
+    <a:masterClrMapping/>
+  </p:clrMapOvr>
+</p:notes>
+</file>
+
+<file path=ppt/notesSlides/notesSlide3.xml><?xml version="1.0" encoding="utf-8"?>
+<p:notes xmlns:a="http://schemas.openxmlformats.org/drawingml/2006/main" xmlns:r="http://schemas.openxmlformats.org/officeDocument/2006/relationships" xmlns:p="http://schemas.openxmlformats.org/presentationml/2006/main">
+  <p:cSld>
+    <p:spTree>
+      <p:nvGrpSpPr>
+        <p:cNvPr id="1" name=""/>
+        <p:cNvGrpSpPr/>
+        <p:nvPr/>
+      </p:nvGrpSpPr>
+      <p:grpSpPr>
+        <a:xfrm>
+          <a:off x="0" y="0"/>
+          <a:ext cx="0" cy="0"/>
+          <a:chOff x="0" y="0"/>
+          <a:chExt cx="0" cy="0"/>
+        </a:xfrm>
+      </p:grpSpPr>
+      <p:sp>
+        <p:nvSpPr>
+          <p:cNvPr id="2" name="Espace réservé de l'image des diapositives 1"/>
+          <p:cNvSpPr>
+            <a:spLocks noGrp="1" noRot="1" noChangeAspect="1"/>
+          </p:cNvSpPr>
+          <p:nvPr>
+            <p:ph type="sldImg"/>
+          </p:nvPr>
+        </p:nvSpPr>
+        <p:spPr/>
+      </p:sp>
+      <p:sp>
+        <p:nvSpPr>
+          <p:cNvPr id="3" name="Espace réservé des notes 2"/>
+          <p:cNvSpPr>
+            <a:spLocks noGrp="1"/>
+          </p:cNvSpPr>
+          <p:nvPr>
+            <p:ph type="body" idx="1"/>
+          </p:nvPr>
+        </p:nvSpPr>
+        <p:spPr/>
+        <p:txBody>
+          <a:bodyPr/>
+          <a:lstStyle/>
+          <a:p>
+            <a:r>
+              <a:rPr lang="en-US">
+                <a:cs typeface="Calibri"/>
+              </a:rPr>
+              <a:t>Bases de </a:t>
+            </a:r>
+            <a:r>
+              <a:rPr lang="en-US" err="1">
+                <a:cs typeface="Calibri"/>
+              </a:rPr>
+              <a:t>données</a:t>
+            </a:r>
+            <a:r>
+              <a:rPr lang="en-US">
+                <a:cs typeface="Calibri"/>
+              </a:rPr>
+              <a:t> </a:t>
+            </a:r>
+            <a:r>
+              <a:rPr lang="en-US" err="1">
+                <a:cs typeface="Calibri"/>
+              </a:rPr>
+              <a:t>réaliser</a:t>
+            </a:r>
+            <a:r>
+              <a:rPr lang="en-US">
+                <a:cs typeface="Calibri"/>
+              </a:rPr>
+              <a:t> avec phpMyAdmin par Natasha et la recherche </a:t>
+            </a:r>
+            <a:r>
+              <a:rPr lang="en-US" err="1">
+                <a:cs typeface="Calibri"/>
+              </a:rPr>
+              <a:t>d'imprimantes</a:t>
+            </a:r>
+            <a:r>
+              <a:rPr lang="en-US">
+                <a:cs typeface="Calibri"/>
+              </a:rPr>
+              <a:t> par </a:t>
+            </a:r>
+            <a:r>
+              <a:rPr lang="en-US" err="1">
+                <a:cs typeface="Calibri"/>
+              </a:rPr>
+              <a:t>Sanjaey</a:t>
+            </a:r>
+            <a:r>
+              <a:rPr lang="en-US">
+                <a:cs typeface="Calibri"/>
+              </a:rPr>
+              <a:t> </a:t>
+            </a:r>
+          </a:p>
+        </p:txBody>
+      </p:sp>
+      <p:sp>
+        <p:nvSpPr>
+          <p:cNvPr id="4" name="Espace réservé du numéro de diapositive 3"/>
+          <p:cNvSpPr>
+            <a:spLocks noGrp="1"/>
+          </p:cNvSpPr>
+          <p:nvPr>
+            <p:ph type="sldNum" sz="quarter" idx="5"/>
+          </p:nvPr>
+        </p:nvSpPr>
+        <p:spPr/>
+        <p:txBody>
+          <a:bodyPr/>
+          <a:lstStyle/>
+          <a:p>
+            <a:fld id="{1255D1BD-DE89-4986-A6A8-23BF224F9E45}" type="slidenum">
+              <a:rPr lang="fr-FR"/>
+              <a:t>6</a:t>
+            </a:fld>
+            <a:endParaRPr lang="fr-FR"/>
+          </a:p>
+        </p:txBody>
+      </p:sp>
+    </p:spTree>
+    <p:extLst>
+      <p:ext uri="{BB962C8B-B14F-4D97-AF65-F5344CB8AC3E}">
+        <p14:creationId xmlns:p14="http://schemas.microsoft.com/office/powerpoint/2010/main" val="4099369035"/>
+      </p:ext>
+    </p:extLst>
+  </p:cSld>
+  <p:clrMapOvr>
+    <a:masterClrMapping/>
+  </p:clrMapOvr>
+</p:notes>
 </file>
 
 <file path=ppt/slideLayouts/slideLayout1.xml><?xml version="1.0" encoding="utf-8"?>
@@ -228,7 +2324,7 @@
           <a:lstStyle/>
           <a:p>
             <a:pPr algn="ctr"/>
-            <a:endParaRPr lang="en-US" dirty="0"/>
+            <a:endParaRPr lang="en-US"/>
           </a:p>
         </p:txBody>
       </p:sp>
@@ -268,7 +2364,6 @@
               <a:rPr lang="en-US"/>
               <a:t>Click to edit Master title style</a:t>
             </a:r>
-            <a:endParaRPr lang="en-US" dirty="0"/>
           </a:p>
         </p:txBody>
       </p:sp>
@@ -339,7 +2434,6 @@
               <a:rPr lang="en-US"/>
               <a:t>Click to edit Master subtitle style</a:t>
             </a:r>
-            <a:endParaRPr lang="en-US" dirty="0"/>
           </a:p>
         </p:txBody>
       </p:sp>
@@ -366,9 +2460,9 @@
           <a:p>
             <a:fld id="{3341EE12-F28E-4B03-A404-A8FCAE0F6316}" type="datetime1">
               <a:rPr lang="en-US" smtClean="0"/>
-              <a:t>12/20/2022</a:t>
+              <a:t>1/10/2023</a:t>
             </a:fld>
-            <a:endParaRPr lang="en-US" dirty="0"/>
+            <a:endParaRPr lang="en-US"/>
           </a:p>
         </p:txBody>
       </p:sp>
@@ -420,9 +2514,9 @@
           <a:p>
             <a:fld id="{B4A918BC-4D43-4B42-B3C0-E7EBE25E6AF0}" type="slidenum">
               <a:rPr lang="en-US" smtClean="0"/>
-              <a:t>‹N°›</a:t>
+              <a:t>‹#›</a:t>
             </a:fld>
-            <a:endParaRPr lang="en-US" dirty="0"/>
+            <a:endParaRPr lang="en-US"/>
           </a:p>
         </p:txBody>
       </p:sp>
@@ -567,7 +2661,6 @@
               <a:rPr lang="en-US"/>
               <a:t>Click to edit Master title style</a:t>
             </a:r>
-            <a:endParaRPr lang="en-US" dirty="0"/>
           </a:p>
         </p:txBody>
       </p:sp>
@@ -651,7 +2744,7 @@
           <a:p>
             <a:fld id="{B68B8189-0D9C-48A6-9FA3-862227B094CE}" type="datetime1">
               <a:rPr lang="en-US" smtClean="0"/>
-              <a:t>12/20/2022</a:t>
+              <a:t>1/10/2023</a:t>
             </a:fld>
             <a:endParaRPr lang="en-US"/>
           </a:p>
@@ -705,7 +2798,7 @@
           <a:p>
             <a:fld id="{B4A918BC-4D43-4B42-B3C0-E7EBE25E6AF0}" type="slidenum">
               <a:rPr lang="en-US" smtClean="0"/>
-              <a:t>‹N°›</a:t>
+              <a:t>‹#›</a:t>
             </a:fld>
             <a:endParaRPr lang="en-US"/>
           </a:p>
@@ -920,7 +3013,6 @@
               <a:rPr lang="en-US"/>
               <a:t>Click to edit Master title style</a:t>
             </a:r>
-            <a:endParaRPr lang="en-US" dirty="0"/>
           </a:p>
         </p:txBody>
       </p:sp>
@@ -983,7 +3075,6 @@
               <a:rPr lang="en-US"/>
               <a:t>Fifth level</a:t>
             </a:r>
-            <a:endParaRPr lang="en-US" dirty="0"/>
           </a:p>
         </p:txBody>
       </p:sp>
@@ -1015,9 +3106,9 @@
           <a:p>
             <a:fld id="{26ADDCAE-6443-42C3-9C19-F95985500186}" type="datetime1">
               <a:rPr lang="en-US" smtClean="0"/>
-              <a:t>12/20/2022</a:t>
+              <a:t>1/10/2023</a:t>
             </a:fld>
-            <a:endParaRPr lang="en-US" dirty="0"/>
+            <a:endParaRPr lang="en-US"/>
           </a:p>
         </p:txBody>
       </p:sp>
@@ -1047,7 +3138,7 @@
           <a:bodyPr/>
           <a:lstStyle/>
           <a:p>
-            <a:endParaRPr lang="en-US" dirty="0"/>
+            <a:endParaRPr lang="en-US"/>
           </a:p>
         </p:txBody>
       </p:sp>
@@ -1079,9 +3170,9 @@
           <a:p>
             <a:fld id="{B4A918BC-4D43-4B42-B3C0-E7EBE25E6AF0}" type="slidenum">
               <a:rPr lang="en-US" smtClean="0"/>
-              <a:t>‹N°›</a:t>
+              <a:t>‹#›</a:t>
             </a:fld>
-            <a:endParaRPr lang="en-US" dirty="0"/>
+            <a:endParaRPr lang="en-US"/>
           </a:p>
         </p:txBody>
       </p:sp>
@@ -1188,7 +3279,6 @@
               <a:rPr lang="en-US"/>
               <a:t>Click to edit Master title style</a:t>
             </a:r>
-            <a:endParaRPr lang="en-US" dirty="0"/>
           </a:p>
         </p:txBody>
       </p:sp>
@@ -1277,7 +3367,7 @@
           <a:p>
             <a:fld id="{1962799E-EB8E-4038-8063-81BB57C732D4}" type="datetime1">
               <a:rPr lang="en-US" smtClean="0"/>
-              <a:t>12/20/2022</a:t>
+              <a:t>1/10/2023</a:t>
             </a:fld>
             <a:endParaRPr lang="en-US"/>
           </a:p>
@@ -1331,7 +3421,7 @@
           <a:p>
             <a:fld id="{B4A918BC-4D43-4B42-B3C0-E7EBE25E6AF0}" type="slidenum">
               <a:rPr lang="en-US" smtClean="0"/>
-              <a:t>‹N°›</a:t>
+              <a:t>‹#›</a:t>
             </a:fld>
             <a:endParaRPr lang="en-US"/>
           </a:p>
@@ -1469,7 +3559,7 @@
           <a:lstStyle/>
           <a:p>
             <a:pPr algn="ctr"/>
-            <a:endParaRPr lang="en-US" dirty="0"/>
+            <a:endParaRPr lang="en-US"/>
           </a:p>
         </p:txBody>
       </p:sp>
@@ -1552,7 +3642,6 @@
               <a:rPr lang="en-US"/>
               <a:t>Click to edit Master title style</a:t>
             </a:r>
-            <a:endParaRPr lang="en-US" dirty="0"/>
           </a:p>
         </p:txBody>
       </p:sp>
@@ -1707,9 +3796,9 @@
           <a:p>
             <a:fld id="{217A73C3-B243-44D3-809D-EF8FDFBD85D4}" type="datetime1">
               <a:rPr lang="en-US" smtClean="0"/>
-              <a:t>12/20/2022</a:t>
+              <a:t>1/10/2023</a:t>
             </a:fld>
-            <a:endParaRPr lang="en-US" dirty="0"/>
+            <a:endParaRPr lang="en-US"/>
           </a:p>
         </p:txBody>
       </p:sp>
@@ -1739,7 +3828,7 @@
           <a:bodyPr/>
           <a:lstStyle/>
           <a:p>
-            <a:endParaRPr lang="en-US" dirty="0"/>
+            <a:endParaRPr lang="en-US"/>
           </a:p>
         </p:txBody>
       </p:sp>
@@ -1771,7 +3860,7 @@
           <a:p>
             <a:fld id="{B4A918BC-4D43-4B42-B3C0-E7EBE25E6AF0}" type="slidenum">
               <a:rPr lang="en-US" smtClean="0"/>
-              <a:t>‹N°›</a:t>
+              <a:t>‹#›</a:t>
             </a:fld>
             <a:endParaRPr lang="en-US"/>
           </a:p>
@@ -1880,7 +3969,6 @@
               <a:rPr lang="en-US"/>
               <a:t>Click to edit Master title style</a:t>
             </a:r>
-            <a:endParaRPr lang="en-US" dirty="0"/>
           </a:p>
         </p:txBody>
       </p:sp>
@@ -1943,7 +4031,6 @@
               <a:rPr lang="en-US"/>
               <a:t>Fifth level</a:t>
             </a:r>
-            <a:endParaRPr lang="en-US" dirty="0"/>
           </a:p>
         </p:txBody>
       </p:sp>
@@ -2006,7 +4093,6 @@
               <a:rPr lang="en-US"/>
               <a:t>Fifth level</a:t>
             </a:r>
-            <a:endParaRPr lang="en-US" dirty="0"/>
           </a:p>
         </p:txBody>
       </p:sp>
@@ -2038,9 +4124,9 @@
           <a:p>
             <a:fld id="{C9B6D3E3-28E2-4380-A113-67698215C5F8}" type="datetime1">
               <a:rPr lang="en-US" smtClean="0"/>
-              <a:t>12/20/2022</a:t>
+              <a:t>1/10/2023</a:t>
             </a:fld>
-            <a:endParaRPr lang="en-US" dirty="0"/>
+            <a:endParaRPr lang="en-US"/>
           </a:p>
         </p:txBody>
       </p:sp>
@@ -2070,7 +4156,7 @@
           <a:bodyPr/>
           <a:lstStyle/>
           <a:p>
-            <a:endParaRPr lang="en-US" dirty="0"/>
+            <a:endParaRPr lang="en-US"/>
           </a:p>
         </p:txBody>
       </p:sp>
@@ -2102,7 +4188,7 @@
           <a:p>
             <a:fld id="{B4A918BC-4D43-4B42-B3C0-E7EBE25E6AF0}" type="slidenum">
               <a:rPr lang="en-US" smtClean="0"/>
-              <a:t>‹N°›</a:t>
+              <a:t>‹#›</a:t>
             </a:fld>
             <a:endParaRPr lang="en-US"/>
           </a:p>
@@ -2168,7 +4254,6 @@
               <a:rPr lang="en-US"/>
               <a:t>Click to edit Master title style</a:t>
             </a:r>
-            <a:endParaRPr lang="en-US" dirty="0"/>
           </a:p>
         </p:txBody>
       </p:sp>
@@ -2304,7 +4389,6 @@
               <a:rPr lang="en-US"/>
               <a:t>Fifth level</a:t>
             </a:r>
-            <a:endParaRPr lang="en-US" dirty="0"/>
           </a:p>
         </p:txBody>
       </p:sp>
@@ -2471,9 +4555,9 @@
           <a:p>
             <a:fld id="{A9EFCB61-04AD-47C9-BF79-2BD8B9CEC07A}" type="datetime1">
               <a:rPr lang="en-US" smtClean="0"/>
-              <a:t>12/20/2022</a:t>
+              <a:t>1/10/2023</a:t>
             </a:fld>
-            <a:endParaRPr lang="en-US" dirty="0"/>
+            <a:endParaRPr lang="en-US"/>
           </a:p>
         </p:txBody>
       </p:sp>
@@ -2503,7 +4587,7 @@
           <a:bodyPr/>
           <a:lstStyle/>
           <a:p>
-            <a:endParaRPr lang="en-US" dirty="0"/>
+            <a:endParaRPr lang="en-US"/>
           </a:p>
         </p:txBody>
       </p:sp>
@@ -2535,7 +4619,7 @@
           <a:p>
             <a:fld id="{B4A918BC-4D43-4B42-B3C0-E7EBE25E6AF0}" type="slidenum">
               <a:rPr lang="en-US" smtClean="0"/>
-              <a:t>‹N°›</a:t>
+              <a:t>‹#›</a:t>
             </a:fld>
             <a:endParaRPr lang="en-US"/>
           </a:p>
@@ -2596,7 +4680,6 @@
               <a:rPr lang="en-US"/>
               <a:t>Click to edit Master title style</a:t>
             </a:r>
-            <a:endParaRPr lang="en-US" dirty="0"/>
           </a:p>
         </p:txBody>
       </p:sp>
@@ -2623,7 +4706,7 @@
           <a:p>
             <a:fld id="{A4535E0C-D585-492F-8146-7493F4086301}" type="datetime1">
               <a:rPr lang="en-US" smtClean="0"/>
-              <a:t>12/20/2022</a:t>
+              <a:t>1/10/2023</a:t>
             </a:fld>
             <a:endParaRPr lang="en-US"/>
           </a:p>
@@ -2677,7 +4760,7 @@
           <a:p>
             <a:fld id="{B4A918BC-4D43-4B42-B3C0-E7EBE25E6AF0}" type="slidenum">
               <a:rPr lang="en-US" smtClean="0"/>
-              <a:t>‹N°›</a:t>
+              <a:t>‹#›</a:t>
             </a:fld>
             <a:endParaRPr lang="en-US"/>
           </a:p>
@@ -2786,7 +4869,7 @@
           <a:p>
             <a:fld id="{8CE48390-48B5-49AB-B019-A7C8FB8C31F6}" type="datetime1">
               <a:rPr lang="en-US" smtClean="0"/>
-              <a:t>12/20/2022</a:t>
+              <a:t>1/10/2023</a:t>
             </a:fld>
             <a:endParaRPr lang="en-US"/>
           </a:p>
@@ -2813,7 +4896,7 @@
           <a:bodyPr/>
           <a:lstStyle/>
           <a:p>
-            <a:endParaRPr lang="en-US" dirty="0"/>
+            <a:endParaRPr lang="en-US"/>
           </a:p>
         </p:txBody>
       </p:sp>
@@ -2840,7 +4923,7 @@
           <a:p>
             <a:fld id="{B4A918BC-4D43-4B42-B3C0-E7EBE25E6AF0}" type="slidenum">
               <a:rPr lang="en-US" smtClean="0"/>
-              <a:t>‹N°›</a:t>
+              <a:t>‹#›</a:t>
             </a:fld>
             <a:endParaRPr lang="en-US"/>
           </a:p>
@@ -3117,7 +5200,6 @@
               <a:rPr lang="en-US"/>
               <a:t>Click to edit Master title style</a:t>
             </a:r>
-            <a:endParaRPr lang="en-US" dirty="0"/>
           </a:p>
         </p:txBody>
       </p:sp>
@@ -3210,7 +5292,6 @@
               <a:rPr lang="en-US"/>
               <a:t>Fifth level</a:t>
             </a:r>
-            <a:endParaRPr lang="en-US" dirty="0"/>
           </a:p>
         </p:txBody>
       </p:sp>
@@ -3315,9 +5396,9 @@
           <a:p>
             <a:fld id="{962E767E-8A14-4E70-91B9-2101CBC4D7BD}" type="datetime1">
               <a:rPr lang="en-US" smtClean="0"/>
-              <a:t>12/20/2022</a:t>
+              <a:t>1/10/2023</a:t>
             </a:fld>
-            <a:endParaRPr lang="en-US" dirty="0"/>
+            <a:endParaRPr lang="en-US"/>
           </a:p>
         </p:txBody>
       </p:sp>
@@ -3351,7 +5432,7 @@
             </a:lvl1pPr>
           </a:lstStyle>
           <a:p>
-            <a:endParaRPr lang="en-US" dirty="0"/>
+            <a:endParaRPr lang="en-US"/>
           </a:p>
         </p:txBody>
       </p:sp>
@@ -3383,9 +5464,9 @@
           <a:p>
             <a:fld id="{B4A918BC-4D43-4B42-B3C0-E7EBE25E6AF0}" type="slidenum">
               <a:rPr lang="en-US" smtClean="0"/>
-              <a:t>‹N°›</a:t>
+              <a:t>‹#›</a:t>
             </a:fld>
-            <a:endParaRPr lang="en-US" dirty="0"/>
+            <a:endParaRPr lang="en-US"/>
           </a:p>
         </p:txBody>
       </p:sp>
@@ -3655,7 +5736,6 @@
               <a:rPr lang="en-US"/>
               <a:t>Click to edit Master title style</a:t>
             </a:r>
-            <a:endParaRPr lang="en-US" dirty="0"/>
           </a:p>
         </p:txBody>
       </p:sp>
@@ -3726,7 +5806,6 @@
               <a:rPr lang="en-US"/>
               <a:t>Click icon to add picture</a:t>
             </a:r>
-            <a:endParaRPr lang="en-US" dirty="0"/>
           </a:p>
         </p:txBody>
       </p:sp>
@@ -3836,9 +5915,9 @@
           <a:p>
             <a:fld id="{01AF0C4B-5A4A-45CA-ABEC-10F107160D33}" type="datetime1">
               <a:rPr lang="en-US" smtClean="0"/>
-              <a:t>12/20/2022</a:t>
+              <a:t>1/10/2023</a:t>
             </a:fld>
-            <a:endParaRPr lang="en-US" dirty="0"/>
+            <a:endParaRPr lang="en-US"/>
           </a:p>
         </p:txBody>
       </p:sp>
@@ -3872,7 +5951,7 @@
             </a:lvl1pPr>
           </a:lstStyle>
           <a:p>
-            <a:endParaRPr lang="en-US" dirty="0"/>
+            <a:endParaRPr lang="en-US"/>
           </a:p>
         </p:txBody>
       </p:sp>
@@ -3904,9 +5983,9 @@
           <a:p>
             <a:fld id="{B4A918BC-4D43-4B42-B3C0-E7EBE25E6AF0}" type="slidenum">
               <a:rPr lang="en-US" smtClean="0"/>
-              <a:t>‹N°›</a:t>
+              <a:t>‹#›</a:t>
             </a:fld>
-            <a:endParaRPr lang="en-US" dirty="0"/>
+            <a:endParaRPr lang="en-US"/>
           </a:p>
         </p:txBody>
       </p:sp>
@@ -4076,7 +6155,7 @@
           <a:lstStyle/>
           <a:p>
             <a:pPr algn="ctr"/>
-            <a:endParaRPr lang="en-US" dirty="0"/>
+            <a:endParaRPr lang="en-US"/>
           </a:p>
         </p:txBody>
       </p:sp>
@@ -4130,7 +6209,7 @@
           <a:lstStyle/>
           <a:p>
             <a:pPr algn="ctr"/>
-            <a:endParaRPr lang="en-US" dirty="0"/>
+            <a:endParaRPr lang="en-US"/>
           </a:p>
         </p:txBody>
       </p:sp>
@@ -4236,7 +6315,7 @@
           <a:lstStyle/>
           <a:p>
             <a:pPr algn="ctr"/>
-            <a:endParaRPr lang="en-US" dirty="0"/>
+            <a:endParaRPr lang="en-US"/>
           </a:p>
         </p:txBody>
       </p:sp>
@@ -4275,7 +6354,6 @@
               <a:rPr lang="en-US"/>
               <a:t>Click to edit Master title style</a:t>
             </a:r>
-            <a:endParaRPr lang="en-US" dirty="0"/>
           </a:p>
         </p:txBody>
       </p:sp>
@@ -4343,7 +6421,6 @@
               <a:rPr lang="en-US"/>
               <a:t>Fifth level</a:t>
             </a:r>
-            <a:endParaRPr lang="en-US" dirty="0"/>
           </a:p>
         </p:txBody>
       </p:sp>
@@ -4386,9 +6463,9 @@
           <a:p>
             <a:fld id="{6989806E-8E94-473C-AEE7-BE6F15F85533}" type="datetime1">
               <a:rPr lang="en-US" smtClean="0"/>
-              <a:t>12/20/2022</a:t>
+              <a:t>1/10/2023</a:t>
             </a:fld>
-            <a:endParaRPr lang="en-US" dirty="0"/>
+            <a:endParaRPr lang="en-US"/>
           </a:p>
         </p:txBody>
       </p:sp>
@@ -4429,7 +6506,7 @@
             </a:lvl1pPr>
           </a:lstStyle>
           <a:p>
-            <a:endParaRPr lang="en-US" dirty="0"/>
+            <a:endParaRPr lang="en-US"/>
           </a:p>
         </p:txBody>
       </p:sp>
@@ -4476,9 +6553,9 @@
             <a:fld id="{B4A918BC-4D43-4B42-B3C0-E7EBE25E6AF0}" type="slidenum">
               <a:rPr lang="en-US" smtClean="0"/>
               <a:pPr/>
-              <a:t>‹N°›</a:t>
+              <a:t>‹#›</a:t>
             </a:fld>
-            <a:endParaRPr lang="en-US" dirty="0"/>
+            <a:endParaRPr lang="en-US"/>
           </a:p>
         </p:txBody>
       </p:sp>
@@ -5021,7 +7098,7 @@
           <a:lstStyle/>
           <a:p>
             <a:pPr algn="ctr"/>
-            <a:endParaRPr lang="en-US" dirty="0"/>
+            <a:endParaRPr lang="en-US"/>
           </a:p>
         </p:txBody>
       </p:sp>
@@ -5054,10 +7131,9 @@
           <a:lstStyle/>
           <a:p>
             <a:r>
-              <a:rPr lang="fr-CH" dirty="0" err="1"/>
+              <a:rPr lang="fr-CH"/>
               <a:t>P_Prod</a:t>
             </a:r>
-            <a:endParaRPr lang="fr-CH" dirty="0"/>
           </a:p>
         </p:txBody>
       </p:sp>
@@ -5090,16 +7166,8 @@
           <a:lstStyle/>
           <a:p>
             <a:r>
-              <a:rPr lang="fr-CH" dirty="0"/>
-              <a:t>Par Luca, Natasha, </a:t>
-            </a:r>
-            <a:r>
-              <a:rPr lang="fr-CH" dirty="0" err="1"/>
-              <a:t>Sanjaey</a:t>
-            </a:r>
-            <a:r>
-              <a:rPr lang="fr-CH" dirty="0"/>
-              <a:t> et Théo</a:t>
+              <a:rPr lang="fr-CH"/>
+              <a:t>Luca, Natasha, Sanjaey et Théo</a:t>
             </a:r>
           </a:p>
         </p:txBody>
@@ -5185,10 +7253,1823 @@
           </a:fontRef>
         </p:style>
       </p:cxnSp>
+      <p:sp>
+        <p:nvSpPr>
+          <p:cNvPr id="5" name="ZoneTexte 4">
+            <a:extLst>
+              <a:ext uri="{FF2B5EF4-FFF2-40B4-BE49-F238E27FC236}">
+                <a16:creationId xmlns:a16="http://schemas.microsoft.com/office/drawing/2014/main" id="{F46A6C9B-3235-84CE-47A8-02C7920926D5}"/>
+              </a:ext>
+            </a:extLst>
+          </p:cNvPr>
+          <p:cNvSpPr txBox="1"/>
+          <p:nvPr/>
+        </p:nvSpPr>
+        <p:spPr>
+          <a:xfrm>
+            <a:off x="11373555" y="84665"/>
+            <a:ext cx="714963" cy="369332"/>
+          </a:xfrm>
+          <a:prstGeom prst="rect">
+            <a:avLst/>
+          </a:prstGeom>
+          <a:noFill/>
+        </p:spPr>
+        <p:txBody>
+          <a:bodyPr rot="0" spcFirstLastPara="0" vertOverflow="overflow" horzOverflow="overflow" vert="horz" wrap="square" lIns="91440" tIns="45720" rIns="91440" bIns="45720" numCol="1" spcCol="0" rtlCol="0" fromWordArt="0" anchor="t" anchorCtr="0" forceAA="0" compatLnSpc="1">
+            <a:prstTxWarp prst="textNoShape">
+              <a:avLst/>
+            </a:prstTxWarp>
+            <a:spAutoFit/>
+          </a:bodyPr>
+          <a:lstStyle/>
+          <a:p>
+            <a:pPr algn="l"/>
+            <a:r>
+              <a:rPr lang="fr-FR"/>
+              <a:t>ETML</a:t>
+            </a:r>
+          </a:p>
+        </p:txBody>
+      </p:sp>
+      <p:sp>
+        <p:nvSpPr>
+          <p:cNvPr id="6" name="ZoneTexte 5">
+            <a:extLst>
+              <a:ext uri="{FF2B5EF4-FFF2-40B4-BE49-F238E27FC236}">
+                <a16:creationId xmlns:a16="http://schemas.microsoft.com/office/drawing/2014/main" id="{D552BA71-2007-273A-10BE-9E855442FE68}"/>
+              </a:ext>
+            </a:extLst>
+          </p:cNvPr>
+          <p:cNvSpPr txBox="1"/>
+          <p:nvPr/>
+        </p:nvSpPr>
+        <p:spPr>
+          <a:xfrm>
+            <a:off x="-1" y="56443"/>
+            <a:ext cx="1335852" cy="369332"/>
+          </a:xfrm>
+          <a:prstGeom prst="rect">
+            <a:avLst/>
+          </a:prstGeom>
+          <a:noFill/>
+        </p:spPr>
+        <p:txBody>
+          <a:bodyPr rot="0" spcFirstLastPara="0" vertOverflow="overflow" horzOverflow="overflow" vert="horz" wrap="square" lIns="91440" tIns="45720" rIns="91440" bIns="45720" numCol="1" spcCol="0" rtlCol="0" fromWordArt="0" anchor="t" anchorCtr="0" forceAA="0" compatLnSpc="1">
+            <a:prstTxWarp prst="textNoShape">
+              <a:avLst/>
+            </a:prstTxWarp>
+            <a:spAutoFit/>
+          </a:bodyPr>
+          <a:lstStyle/>
+          <a:p>
+            <a:pPr algn="l"/>
+            <a:r>
+              <a:rPr lang="fr-FR"/>
+              <a:t>10.01.2023</a:t>
+            </a:r>
+          </a:p>
+        </p:txBody>
+      </p:sp>
+      <p:sp>
+        <p:nvSpPr>
+          <p:cNvPr id="7" name="ZoneTexte 6">
+            <a:extLst>
+              <a:ext uri="{FF2B5EF4-FFF2-40B4-BE49-F238E27FC236}">
+                <a16:creationId xmlns:a16="http://schemas.microsoft.com/office/drawing/2014/main" id="{1C316B50-FE3A-485A-D6C0-0A7797510CF8}"/>
+              </a:ext>
+            </a:extLst>
+          </p:cNvPr>
+          <p:cNvSpPr txBox="1"/>
+          <p:nvPr/>
+        </p:nvSpPr>
+        <p:spPr>
+          <a:xfrm>
+            <a:off x="-1" y="6491109"/>
+            <a:ext cx="884296" cy="369332"/>
+          </a:xfrm>
+          <a:prstGeom prst="rect">
+            <a:avLst/>
+          </a:prstGeom>
+          <a:noFill/>
+        </p:spPr>
+        <p:txBody>
+          <a:bodyPr rot="0" spcFirstLastPara="0" vertOverflow="overflow" horzOverflow="overflow" vert="horz" wrap="square" lIns="91440" tIns="45720" rIns="91440" bIns="45720" numCol="1" spcCol="0" rtlCol="0" fromWordArt="0" anchor="t" anchorCtr="0" forceAA="0" compatLnSpc="1">
+            <a:prstTxWarp prst="textNoShape">
+              <a:avLst/>
+            </a:prstTxWarp>
+            <a:spAutoFit/>
+          </a:bodyPr>
+          <a:lstStyle/>
+          <a:p>
+            <a:pPr algn="l"/>
+            <a:r>
+              <a:rPr lang="fr-FR"/>
+              <a:t>CIN2A</a:t>
+            </a:r>
+          </a:p>
+        </p:txBody>
+      </p:sp>
     </p:spTree>
     <p:extLst>
       <p:ext uri="{BB962C8B-B14F-4D97-AF65-F5344CB8AC3E}">
         <p14:creationId xmlns:p14="http://schemas.microsoft.com/office/powerpoint/2010/main" val="2586120069"/>
+      </p:ext>
+    </p:extLst>
+  </p:cSld>
+  <p:clrMapOvr>
+    <a:masterClrMapping/>
+  </p:clrMapOvr>
+</p:sld>
+</file>
+
+<file path=ppt/slides/slide10.xml><?xml version="1.0" encoding="utf-8"?>
+<p:sld xmlns:a="http://schemas.openxmlformats.org/drawingml/2006/main" xmlns:r="http://schemas.openxmlformats.org/officeDocument/2006/relationships" xmlns:p="http://schemas.openxmlformats.org/presentationml/2006/main">
+  <p:cSld>
+    <p:spTree>
+      <p:nvGrpSpPr>
+        <p:cNvPr id="1" name=""/>
+        <p:cNvGrpSpPr/>
+        <p:nvPr/>
+      </p:nvGrpSpPr>
+      <p:grpSpPr>
+        <a:xfrm>
+          <a:off x="0" y="0"/>
+          <a:ext cx="0" cy="0"/>
+          <a:chOff x="0" y="0"/>
+          <a:chExt cx="0" cy="0"/>
+        </a:xfrm>
+      </p:grpSpPr>
+      <p:sp>
+        <p:nvSpPr>
+          <p:cNvPr id="2" name="Titre 1">
+            <a:extLst>
+              <a:ext uri="{FF2B5EF4-FFF2-40B4-BE49-F238E27FC236}">
+                <a16:creationId xmlns:a16="http://schemas.microsoft.com/office/drawing/2014/main" id="{7F04C049-9A7D-9EA2-8060-927F43694A39}"/>
+              </a:ext>
+            </a:extLst>
+          </p:cNvPr>
+          <p:cNvSpPr>
+            <a:spLocks noGrp="1"/>
+          </p:cNvSpPr>
+          <p:nvPr>
+            <p:ph type="title"/>
+          </p:nvPr>
+        </p:nvSpPr>
+        <p:spPr/>
+        <p:txBody>
+          <a:bodyPr/>
+          <a:lstStyle/>
+          <a:p>
+            <a:r>
+              <a:rPr lang="fr-FR"/>
+              <a:t>Création du site</a:t>
+            </a:r>
+          </a:p>
+        </p:txBody>
+      </p:sp>
+      <p:sp>
+        <p:nvSpPr>
+          <p:cNvPr id="3" name="Espace réservé du contenu 2">
+            <a:extLst>
+              <a:ext uri="{FF2B5EF4-FFF2-40B4-BE49-F238E27FC236}">
+                <a16:creationId xmlns:a16="http://schemas.microsoft.com/office/drawing/2014/main" id="{E7236232-8772-DB96-F08A-034BC6A7BC83}"/>
+              </a:ext>
+            </a:extLst>
+          </p:cNvPr>
+          <p:cNvSpPr>
+            <a:spLocks noGrp="1"/>
+          </p:cNvSpPr>
+          <p:nvPr>
+            <p:ph idx="1"/>
+          </p:nvPr>
+        </p:nvSpPr>
+        <p:spPr/>
+        <p:txBody>
+          <a:bodyPr vert="horz" lIns="91440" tIns="45720" rIns="91440" bIns="45720" rtlCol="0" anchor="t">
+            <a:normAutofit/>
+          </a:bodyPr>
+          <a:lstStyle/>
+          <a:p>
+            <a:r>
+              <a:rPr lang="fr-FR"/>
+              <a:t>HTML page liste imprimante</a:t>
+            </a:r>
+          </a:p>
+        </p:txBody>
+      </p:sp>
+      <p:sp>
+        <p:nvSpPr>
+          <p:cNvPr id="6" name="ZoneTexte 5">
+            <a:extLst>
+              <a:ext uri="{FF2B5EF4-FFF2-40B4-BE49-F238E27FC236}">
+                <a16:creationId xmlns:a16="http://schemas.microsoft.com/office/drawing/2014/main" id="{CE8F962B-E1D4-4AB8-F26F-57941D5E5E8E}"/>
+              </a:ext>
+            </a:extLst>
+          </p:cNvPr>
+          <p:cNvSpPr txBox="1"/>
+          <p:nvPr/>
+        </p:nvSpPr>
+        <p:spPr>
+          <a:xfrm>
+            <a:off x="37629" y="112887"/>
+            <a:ext cx="1335852" cy="369332"/>
+          </a:xfrm>
+          <a:prstGeom prst="rect">
+            <a:avLst/>
+          </a:prstGeom>
+          <a:noFill/>
+        </p:spPr>
+        <p:txBody>
+          <a:bodyPr rot="0" spcFirstLastPara="0" vertOverflow="overflow" horzOverflow="overflow" vert="horz" wrap="square" lIns="91440" tIns="45720" rIns="91440" bIns="45720" numCol="1" spcCol="0" rtlCol="0" fromWordArt="0" anchor="t" anchorCtr="0" forceAA="0" compatLnSpc="1">
+            <a:prstTxWarp prst="textNoShape">
+              <a:avLst/>
+            </a:prstTxWarp>
+            <a:spAutoFit/>
+          </a:bodyPr>
+          <a:lstStyle/>
+          <a:p>
+            <a:pPr algn="l"/>
+            <a:r>
+              <a:rPr lang="fr-FR"/>
+              <a:t>10.01.2023</a:t>
+            </a:r>
+          </a:p>
+        </p:txBody>
+      </p:sp>
+      <p:sp>
+        <p:nvSpPr>
+          <p:cNvPr id="8" name="ZoneTexte 7">
+            <a:extLst>
+              <a:ext uri="{FF2B5EF4-FFF2-40B4-BE49-F238E27FC236}">
+                <a16:creationId xmlns:a16="http://schemas.microsoft.com/office/drawing/2014/main" id="{90E277A4-B4A9-98B6-9FED-59E0CDA7CC98}"/>
+              </a:ext>
+            </a:extLst>
+          </p:cNvPr>
+          <p:cNvSpPr txBox="1"/>
+          <p:nvPr/>
+        </p:nvSpPr>
+        <p:spPr>
+          <a:xfrm>
+            <a:off x="11307703" y="112887"/>
+            <a:ext cx="714963" cy="369332"/>
+          </a:xfrm>
+          <a:prstGeom prst="rect">
+            <a:avLst/>
+          </a:prstGeom>
+          <a:noFill/>
+        </p:spPr>
+        <p:txBody>
+          <a:bodyPr rot="0" spcFirstLastPara="0" vertOverflow="overflow" horzOverflow="overflow" vert="horz" wrap="square" lIns="91440" tIns="45720" rIns="91440" bIns="45720" numCol="1" spcCol="0" rtlCol="0" fromWordArt="0" anchor="t" anchorCtr="0" forceAA="0" compatLnSpc="1">
+            <a:prstTxWarp prst="textNoShape">
+              <a:avLst/>
+            </a:prstTxWarp>
+            <a:spAutoFit/>
+          </a:bodyPr>
+          <a:lstStyle/>
+          <a:p>
+            <a:pPr algn="l"/>
+            <a:r>
+              <a:rPr lang="fr-FR"/>
+              <a:t>ETML</a:t>
+            </a:r>
+          </a:p>
+        </p:txBody>
+      </p:sp>
+      <p:sp>
+        <p:nvSpPr>
+          <p:cNvPr id="10" name="ZoneTexte 9">
+            <a:extLst>
+              <a:ext uri="{FF2B5EF4-FFF2-40B4-BE49-F238E27FC236}">
+                <a16:creationId xmlns:a16="http://schemas.microsoft.com/office/drawing/2014/main" id="{0BC81D26-B6F7-0C55-C070-25A3A3EADCCE}"/>
+              </a:ext>
+            </a:extLst>
+          </p:cNvPr>
+          <p:cNvSpPr txBox="1"/>
+          <p:nvPr/>
+        </p:nvSpPr>
+        <p:spPr>
+          <a:xfrm>
+            <a:off x="37629" y="6415850"/>
+            <a:ext cx="884296" cy="369332"/>
+          </a:xfrm>
+          <a:prstGeom prst="rect">
+            <a:avLst/>
+          </a:prstGeom>
+          <a:noFill/>
+        </p:spPr>
+        <p:txBody>
+          <a:bodyPr rot="0" spcFirstLastPara="0" vertOverflow="overflow" horzOverflow="overflow" vert="horz" wrap="square" lIns="91440" tIns="45720" rIns="91440" bIns="45720" numCol="1" spcCol="0" rtlCol="0" fromWordArt="0" anchor="t" anchorCtr="0" forceAA="0" compatLnSpc="1">
+            <a:prstTxWarp prst="textNoShape">
+              <a:avLst/>
+            </a:prstTxWarp>
+            <a:spAutoFit/>
+          </a:bodyPr>
+          <a:lstStyle/>
+          <a:p>
+            <a:pPr algn="l"/>
+            <a:r>
+              <a:rPr lang="fr-FR"/>
+              <a:t>CIN2A</a:t>
+            </a:r>
+          </a:p>
+        </p:txBody>
+      </p:sp>
+      <p:sp>
+        <p:nvSpPr>
+          <p:cNvPr id="12" name="Sous-titre 2">
+            <a:extLst>
+              <a:ext uri="{FF2B5EF4-FFF2-40B4-BE49-F238E27FC236}">
+                <a16:creationId xmlns:a16="http://schemas.microsoft.com/office/drawing/2014/main" id="{E7AD663A-BA70-00AF-69B3-B8F19E27B332}"/>
+              </a:ext>
+            </a:extLst>
+          </p:cNvPr>
+          <p:cNvSpPr txBox="1">
+            <a:spLocks/>
+          </p:cNvSpPr>
+          <p:nvPr/>
+        </p:nvSpPr>
+        <p:spPr>
+          <a:xfrm>
+            <a:off x="9482194" y="6383335"/>
+            <a:ext cx="2602858" cy="402374"/>
+          </a:xfrm>
+          <a:prstGeom prst="rect">
+            <a:avLst/>
+          </a:prstGeom>
+        </p:spPr>
+        <p:txBody>
+          <a:bodyPr vert="horz" lIns="91440" tIns="45720" rIns="91440" bIns="45720" rtlCol="0" anchor="b">
+            <a:normAutofit fontScale="92500"/>
+          </a:bodyPr>
+          <a:lstStyle>
+            <a:lvl1pPr marL="0" indent="0" algn="l" defTabSz="914400" rtl="0" eaLnBrk="1" latinLnBrk="0" hangingPunct="1">
+              <a:lnSpc>
+                <a:spcPct val="110000"/>
+              </a:lnSpc>
+              <a:spcBef>
+                <a:spcPts val="1000"/>
+              </a:spcBef>
+              <a:buFont typeface="Arial" panose="020B0604020202020204" pitchFamily="34" charset="0"/>
+              <a:buNone/>
+              <a:defRPr sz="2200" kern="1200">
+                <a:solidFill>
+                  <a:schemeClr val="tx1"/>
+                </a:solidFill>
+                <a:latin typeface="+mn-lt"/>
+                <a:ea typeface="+mn-ea"/>
+                <a:cs typeface="+mn-cs"/>
+              </a:defRPr>
+            </a:lvl1pPr>
+            <a:lvl2pPr marL="228600" indent="0" algn="l" defTabSz="914400" rtl="0" eaLnBrk="1" latinLnBrk="0" hangingPunct="1">
+              <a:lnSpc>
+                <a:spcPct val="110000"/>
+              </a:lnSpc>
+              <a:spcBef>
+                <a:spcPts val="500"/>
+              </a:spcBef>
+              <a:buFont typeface="Arial" panose="020B0604020202020204" pitchFamily="34" charset="0"/>
+              <a:buNone/>
+              <a:defRPr sz="2000" kern="1200">
+                <a:solidFill>
+                  <a:schemeClr val="tx1"/>
+                </a:solidFill>
+                <a:latin typeface="+mn-lt"/>
+                <a:ea typeface="+mn-ea"/>
+                <a:cs typeface="+mn-cs"/>
+              </a:defRPr>
+            </a:lvl2pPr>
+            <a:lvl3pPr marL="457200" indent="0" algn="l" defTabSz="914400" rtl="0" eaLnBrk="1" latinLnBrk="0" hangingPunct="1">
+              <a:lnSpc>
+                <a:spcPct val="110000"/>
+              </a:lnSpc>
+              <a:spcBef>
+                <a:spcPts val="500"/>
+              </a:spcBef>
+              <a:buFont typeface="Arial" panose="020B0604020202020204" pitchFamily="34" charset="0"/>
+              <a:buNone/>
+              <a:defRPr sz="1800" kern="1200">
+                <a:solidFill>
+                  <a:schemeClr val="tx1"/>
+                </a:solidFill>
+                <a:latin typeface="+mn-lt"/>
+                <a:ea typeface="+mn-ea"/>
+                <a:cs typeface="+mn-cs"/>
+              </a:defRPr>
+            </a:lvl3pPr>
+            <a:lvl4pPr marL="685800" indent="0" algn="l" defTabSz="914400" rtl="0" eaLnBrk="1" latinLnBrk="0" hangingPunct="1">
+              <a:lnSpc>
+                <a:spcPct val="110000"/>
+              </a:lnSpc>
+              <a:spcBef>
+                <a:spcPts val="500"/>
+              </a:spcBef>
+              <a:buFont typeface="Arial" panose="020B0604020202020204" pitchFamily="34" charset="0"/>
+              <a:buNone/>
+              <a:defRPr sz="1600" kern="1200">
+                <a:solidFill>
+                  <a:schemeClr val="tx1"/>
+                </a:solidFill>
+                <a:latin typeface="+mn-lt"/>
+                <a:ea typeface="+mn-ea"/>
+                <a:cs typeface="+mn-cs"/>
+              </a:defRPr>
+            </a:lvl4pPr>
+            <a:lvl5pPr marL="914400" indent="0" algn="l" defTabSz="914400" rtl="0" eaLnBrk="1" latinLnBrk="0" hangingPunct="1">
+              <a:lnSpc>
+                <a:spcPct val="110000"/>
+              </a:lnSpc>
+              <a:spcBef>
+                <a:spcPts val="500"/>
+              </a:spcBef>
+              <a:buFont typeface="Arial" panose="020B0604020202020204" pitchFamily="34" charset="0"/>
+              <a:buNone/>
+              <a:defRPr sz="1600" kern="1200">
+                <a:solidFill>
+                  <a:schemeClr val="tx1"/>
+                </a:solidFill>
+                <a:latin typeface="+mn-lt"/>
+                <a:ea typeface="+mn-ea"/>
+                <a:cs typeface="+mn-cs"/>
+              </a:defRPr>
+            </a:lvl5pPr>
+            <a:lvl6pPr marL="2514600" indent="-228600" algn="l" defTabSz="914400" rtl="0" eaLnBrk="1" latinLnBrk="0" hangingPunct="1">
+              <a:lnSpc>
+                <a:spcPct val="90000"/>
+              </a:lnSpc>
+              <a:spcBef>
+                <a:spcPts val="500"/>
+              </a:spcBef>
+              <a:buFont typeface="Arial" panose="020B0604020202020204" pitchFamily="34" charset="0"/>
+              <a:buChar char="•"/>
+              <a:defRPr sz="1800" kern="1200">
+                <a:solidFill>
+                  <a:schemeClr val="tx1"/>
+                </a:solidFill>
+                <a:latin typeface="+mn-lt"/>
+                <a:ea typeface="+mn-ea"/>
+                <a:cs typeface="+mn-cs"/>
+              </a:defRPr>
+            </a:lvl6pPr>
+            <a:lvl7pPr marL="2971800" indent="-228600" algn="l" defTabSz="914400" rtl="0" eaLnBrk="1" latinLnBrk="0" hangingPunct="1">
+              <a:lnSpc>
+                <a:spcPct val="90000"/>
+              </a:lnSpc>
+              <a:spcBef>
+                <a:spcPts val="500"/>
+              </a:spcBef>
+              <a:buFont typeface="Arial" panose="020B0604020202020204" pitchFamily="34" charset="0"/>
+              <a:buChar char="•"/>
+              <a:defRPr sz="1800" kern="1200">
+                <a:solidFill>
+                  <a:schemeClr val="tx1"/>
+                </a:solidFill>
+                <a:latin typeface="+mn-lt"/>
+                <a:ea typeface="+mn-ea"/>
+                <a:cs typeface="+mn-cs"/>
+              </a:defRPr>
+            </a:lvl7pPr>
+            <a:lvl8pPr marL="3429000" indent="-228600" algn="l" defTabSz="914400" rtl="0" eaLnBrk="1" latinLnBrk="0" hangingPunct="1">
+              <a:lnSpc>
+                <a:spcPct val="90000"/>
+              </a:lnSpc>
+              <a:spcBef>
+                <a:spcPts val="500"/>
+              </a:spcBef>
+              <a:buFont typeface="Arial" panose="020B0604020202020204" pitchFamily="34" charset="0"/>
+              <a:buChar char="•"/>
+              <a:defRPr sz="1800" kern="1200">
+                <a:solidFill>
+                  <a:schemeClr val="tx1"/>
+                </a:solidFill>
+                <a:latin typeface="+mn-lt"/>
+                <a:ea typeface="+mn-ea"/>
+                <a:cs typeface="+mn-cs"/>
+              </a:defRPr>
+            </a:lvl8pPr>
+            <a:lvl9pPr marL="3886200" indent="-228600" algn="l" defTabSz="914400" rtl="0" eaLnBrk="1" latinLnBrk="0" hangingPunct="1">
+              <a:lnSpc>
+                <a:spcPct val="90000"/>
+              </a:lnSpc>
+              <a:spcBef>
+                <a:spcPts val="500"/>
+              </a:spcBef>
+              <a:buFont typeface="Arial" panose="020B0604020202020204" pitchFamily="34" charset="0"/>
+              <a:buChar char="•"/>
+              <a:defRPr sz="1800" kern="1200">
+                <a:solidFill>
+                  <a:schemeClr val="tx1"/>
+                </a:solidFill>
+                <a:latin typeface="+mn-lt"/>
+                <a:ea typeface="+mn-ea"/>
+                <a:cs typeface="+mn-cs"/>
+              </a:defRPr>
+            </a:lvl9pPr>
+          </a:lstStyle>
+          <a:p>
+            <a:r>
+              <a:rPr lang="fr-CH" sz="1400"/>
+              <a:t>Luca, Natasha, Sanjaey et Théo</a:t>
+            </a:r>
+          </a:p>
+        </p:txBody>
+      </p:sp>
+      <p:pic>
+        <p:nvPicPr>
+          <p:cNvPr id="4" name="Image 6" descr="Une image contenant texte&#10;&#10;Description générée automatiquement">
+            <a:extLst>
+              <a:ext uri="{FF2B5EF4-FFF2-40B4-BE49-F238E27FC236}">
+                <a16:creationId xmlns:a16="http://schemas.microsoft.com/office/drawing/2014/main" id="{31BA4255-C210-6817-5D02-328F6DCA15EE}"/>
+              </a:ext>
+            </a:extLst>
+          </p:cNvPr>
+          <p:cNvPicPr>
+            <a:picLocks noChangeAspect="1"/>
+          </p:cNvPicPr>
+          <p:nvPr/>
+        </p:nvPicPr>
+        <p:blipFill>
+          <a:blip r:embed="rId2"/>
+          <a:stretch>
+            <a:fillRect/>
+          </a:stretch>
+        </p:blipFill>
+        <p:spPr>
+          <a:xfrm>
+            <a:off x="4229595" y="2749498"/>
+            <a:ext cx="7305304" cy="3338223"/>
+          </a:xfrm>
+          <a:prstGeom prst="rect">
+            <a:avLst/>
+          </a:prstGeom>
+        </p:spPr>
+      </p:pic>
+    </p:spTree>
+    <p:extLst>
+      <p:ext uri="{BB962C8B-B14F-4D97-AF65-F5344CB8AC3E}">
+        <p14:creationId xmlns:p14="http://schemas.microsoft.com/office/powerpoint/2010/main" val="3036917866"/>
+      </p:ext>
+    </p:extLst>
+  </p:cSld>
+  <p:clrMapOvr>
+    <a:masterClrMapping/>
+  </p:clrMapOvr>
+</p:sld>
+</file>
+
+<file path=ppt/slides/slide11.xml><?xml version="1.0" encoding="utf-8"?>
+<p:sld xmlns:a="http://schemas.openxmlformats.org/drawingml/2006/main" xmlns:r="http://schemas.openxmlformats.org/officeDocument/2006/relationships" xmlns:p="http://schemas.openxmlformats.org/presentationml/2006/main">
+  <p:cSld>
+    <p:spTree>
+      <p:nvGrpSpPr>
+        <p:cNvPr id="1" name=""/>
+        <p:cNvGrpSpPr/>
+        <p:nvPr/>
+      </p:nvGrpSpPr>
+      <p:grpSpPr>
+        <a:xfrm>
+          <a:off x="0" y="0"/>
+          <a:ext cx="0" cy="0"/>
+          <a:chOff x="0" y="0"/>
+          <a:chExt cx="0" cy="0"/>
+        </a:xfrm>
+      </p:grpSpPr>
+      <p:sp>
+        <p:nvSpPr>
+          <p:cNvPr id="2" name="Titre 1">
+            <a:extLst>
+              <a:ext uri="{FF2B5EF4-FFF2-40B4-BE49-F238E27FC236}">
+                <a16:creationId xmlns:a16="http://schemas.microsoft.com/office/drawing/2014/main" id="{CBBA6472-339A-3779-A1DB-3E9F8F32FD87}"/>
+              </a:ext>
+            </a:extLst>
+          </p:cNvPr>
+          <p:cNvSpPr>
+            <a:spLocks noGrp="1"/>
+          </p:cNvSpPr>
+          <p:nvPr>
+            <p:ph type="title"/>
+          </p:nvPr>
+        </p:nvSpPr>
+        <p:spPr/>
+        <p:txBody>
+          <a:bodyPr/>
+          <a:lstStyle/>
+          <a:p>
+            <a:r>
+              <a:rPr lang="fr-FR"/>
+              <a:t>Problématiques rencontrées</a:t>
+            </a:r>
+          </a:p>
+        </p:txBody>
+      </p:sp>
+      <p:sp>
+        <p:nvSpPr>
+          <p:cNvPr id="3" name="Espace réservé du contenu 2">
+            <a:extLst>
+              <a:ext uri="{FF2B5EF4-FFF2-40B4-BE49-F238E27FC236}">
+                <a16:creationId xmlns:a16="http://schemas.microsoft.com/office/drawing/2014/main" id="{33971947-7C05-C2A8-2946-1A8F6D15AB9C}"/>
+              </a:ext>
+            </a:extLst>
+          </p:cNvPr>
+          <p:cNvSpPr>
+            <a:spLocks noGrp="1"/>
+          </p:cNvSpPr>
+          <p:nvPr>
+            <p:ph idx="1"/>
+          </p:nvPr>
+        </p:nvSpPr>
+        <p:spPr/>
+        <p:txBody>
+          <a:bodyPr vert="horz" lIns="91440" tIns="45720" rIns="91440" bIns="45720" rtlCol="0" anchor="t">
+            <a:normAutofit/>
+          </a:bodyPr>
+          <a:lstStyle/>
+          <a:p>
+            <a:pPr marL="342900" indent="-342900">
+              <a:buChar char="•"/>
+            </a:pPr>
+            <a:r>
+              <a:rPr lang="fr-FR"/>
+              <a:t>Push GitHub</a:t>
+            </a:r>
+          </a:p>
+          <a:p>
+            <a:pPr marL="342900" indent="-342900">
+              <a:buChar char="•"/>
+            </a:pPr>
+            <a:endParaRPr lang="fr-FR"/>
+          </a:p>
+        </p:txBody>
+      </p:sp>
+      <p:sp>
+        <p:nvSpPr>
+          <p:cNvPr id="5" name="ZoneTexte 4">
+            <a:extLst>
+              <a:ext uri="{FF2B5EF4-FFF2-40B4-BE49-F238E27FC236}">
+                <a16:creationId xmlns:a16="http://schemas.microsoft.com/office/drawing/2014/main" id="{D31F7F23-E4D7-6104-93E0-B897430F4290}"/>
+              </a:ext>
+            </a:extLst>
+          </p:cNvPr>
+          <p:cNvSpPr txBox="1"/>
+          <p:nvPr/>
+        </p:nvSpPr>
+        <p:spPr>
+          <a:xfrm>
+            <a:off x="37629" y="112887"/>
+            <a:ext cx="1335852" cy="369332"/>
+          </a:xfrm>
+          <a:prstGeom prst="rect">
+            <a:avLst/>
+          </a:prstGeom>
+          <a:noFill/>
+        </p:spPr>
+        <p:txBody>
+          <a:bodyPr rot="0" spcFirstLastPara="0" vertOverflow="overflow" horzOverflow="overflow" vert="horz" wrap="square" lIns="91440" tIns="45720" rIns="91440" bIns="45720" numCol="1" spcCol="0" rtlCol="0" fromWordArt="0" anchor="t" anchorCtr="0" forceAA="0" compatLnSpc="1">
+            <a:prstTxWarp prst="textNoShape">
+              <a:avLst/>
+            </a:prstTxWarp>
+            <a:spAutoFit/>
+          </a:bodyPr>
+          <a:lstStyle/>
+          <a:p>
+            <a:pPr algn="l"/>
+            <a:r>
+              <a:rPr lang="fr-FR"/>
+              <a:t>10.01.2023</a:t>
+            </a:r>
+          </a:p>
+        </p:txBody>
+      </p:sp>
+      <p:sp>
+        <p:nvSpPr>
+          <p:cNvPr id="7" name="ZoneTexte 6">
+            <a:extLst>
+              <a:ext uri="{FF2B5EF4-FFF2-40B4-BE49-F238E27FC236}">
+                <a16:creationId xmlns:a16="http://schemas.microsoft.com/office/drawing/2014/main" id="{7C10A807-A2C3-6735-AAF9-3A9CFA878889}"/>
+              </a:ext>
+            </a:extLst>
+          </p:cNvPr>
+          <p:cNvSpPr txBox="1"/>
+          <p:nvPr/>
+        </p:nvSpPr>
+        <p:spPr>
+          <a:xfrm>
+            <a:off x="11307703" y="112887"/>
+            <a:ext cx="714963" cy="369332"/>
+          </a:xfrm>
+          <a:prstGeom prst="rect">
+            <a:avLst/>
+          </a:prstGeom>
+          <a:noFill/>
+        </p:spPr>
+        <p:txBody>
+          <a:bodyPr rot="0" spcFirstLastPara="0" vertOverflow="overflow" horzOverflow="overflow" vert="horz" wrap="square" lIns="91440" tIns="45720" rIns="91440" bIns="45720" numCol="1" spcCol="0" rtlCol="0" fromWordArt="0" anchor="t" anchorCtr="0" forceAA="0" compatLnSpc="1">
+            <a:prstTxWarp prst="textNoShape">
+              <a:avLst/>
+            </a:prstTxWarp>
+            <a:spAutoFit/>
+          </a:bodyPr>
+          <a:lstStyle/>
+          <a:p>
+            <a:pPr algn="l"/>
+            <a:r>
+              <a:rPr lang="fr-FR"/>
+              <a:t>ETML</a:t>
+            </a:r>
+          </a:p>
+        </p:txBody>
+      </p:sp>
+      <p:sp>
+        <p:nvSpPr>
+          <p:cNvPr id="9" name="ZoneTexte 8">
+            <a:extLst>
+              <a:ext uri="{FF2B5EF4-FFF2-40B4-BE49-F238E27FC236}">
+                <a16:creationId xmlns:a16="http://schemas.microsoft.com/office/drawing/2014/main" id="{B2D7C0A0-7887-F785-16AB-9A98209BB348}"/>
+              </a:ext>
+            </a:extLst>
+          </p:cNvPr>
+          <p:cNvSpPr txBox="1"/>
+          <p:nvPr/>
+        </p:nvSpPr>
+        <p:spPr>
+          <a:xfrm>
+            <a:off x="37629" y="6415850"/>
+            <a:ext cx="884296" cy="369332"/>
+          </a:xfrm>
+          <a:prstGeom prst="rect">
+            <a:avLst/>
+          </a:prstGeom>
+          <a:noFill/>
+        </p:spPr>
+        <p:txBody>
+          <a:bodyPr rot="0" spcFirstLastPara="0" vertOverflow="overflow" horzOverflow="overflow" vert="horz" wrap="square" lIns="91440" tIns="45720" rIns="91440" bIns="45720" numCol="1" spcCol="0" rtlCol="0" fromWordArt="0" anchor="t" anchorCtr="0" forceAA="0" compatLnSpc="1">
+            <a:prstTxWarp prst="textNoShape">
+              <a:avLst/>
+            </a:prstTxWarp>
+            <a:spAutoFit/>
+          </a:bodyPr>
+          <a:lstStyle/>
+          <a:p>
+            <a:pPr algn="l"/>
+            <a:r>
+              <a:rPr lang="fr-FR"/>
+              <a:t>CIN2A</a:t>
+            </a:r>
+          </a:p>
+        </p:txBody>
+      </p:sp>
+      <p:sp>
+        <p:nvSpPr>
+          <p:cNvPr id="13" name="Sous-titre 2">
+            <a:extLst>
+              <a:ext uri="{FF2B5EF4-FFF2-40B4-BE49-F238E27FC236}">
+                <a16:creationId xmlns:a16="http://schemas.microsoft.com/office/drawing/2014/main" id="{561347F2-141C-322F-7C31-C72A94E19F3E}"/>
+              </a:ext>
+            </a:extLst>
+          </p:cNvPr>
+          <p:cNvSpPr txBox="1">
+            <a:spLocks/>
+          </p:cNvSpPr>
+          <p:nvPr/>
+        </p:nvSpPr>
+        <p:spPr>
+          <a:xfrm>
+            <a:off x="9482194" y="6383335"/>
+            <a:ext cx="2602858" cy="402374"/>
+          </a:xfrm>
+          <a:prstGeom prst="rect">
+            <a:avLst/>
+          </a:prstGeom>
+        </p:spPr>
+        <p:txBody>
+          <a:bodyPr vert="horz" lIns="91440" tIns="45720" rIns="91440" bIns="45720" rtlCol="0" anchor="b">
+            <a:normAutofit fontScale="92500"/>
+          </a:bodyPr>
+          <a:lstStyle>
+            <a:lvl1pPr marL="0" indent="0" algn="l" defTabSz="914400" rtl="0" eaLnBrk="1" latinLnBrk="0" hangingPunct="1">
+              <a:lnSpc>
+                <a:spcPct val="110000"/>
+              </a:lnSpc>
+              <a:spcBef>
+                <a:spcPts val="1000"/>
+              </a:spcBef>
+              <a:buFont typeface="Arial" panose="020B0604020202020204" pitchFamily="34" charset="0"/>
+              <a:buNone/>
+              <a:defRPr sz="2200" kern="1200">
+                <a:solidFill>
+                  <a:schemeClr val="tx1"/>
+                </a:solidFill>
+                <a:latin typeface="+mn-lt"/>
+                <a:ea typeface="+mn-ea"/>
+                <a:cs typeface="+mn-cs"/>
+              </a:defRPr>
+            </a:lvl1pPr>
+            <a:lvl2pPr marL="228600" indent="0" algn="l" defTabSz="914400" rtl="0" eaLnBrk="1" latinLnBrk="0" hangingPunct="1">
+              <a:lnSpc>
+                <a:spcPct val="110000"/>
+              </a:lnSpc>
+              <a:spcBef>
+                <a:spcPts val="500"/>
+              </a:spcBef>
+              <a:buFont typeface="Arial" panose="020B0604020202020204" pitchFamily="34" charset="0"/>
+              <a:buNone/>
+              <a:defRPr sz="2000" kern="1200">
+                <a:solidFill>
+                  <a:schemeClr val="tx1"/>
+                </a:solidFill>
+                <a:latin typeface="+mn-lt"/>
+                <a:ea typeface="+mn-ea"/>
+                <a:cs typeface="+mn-cs"/>
+              </a:defRPr>
+            </a:lvl2pPr>
+            <a:lvl3pPr marL="457200" indent="0" algn="l" defTabSz="914400" rtl="0" eaLnBrk="1" latinLnBrk="0" hangingPunct="1">
+              <a:lnSpc>
+                <a:spcPct val="110000"/>
+              </a:lnSpc>
+              <a:spcBef>
+                <a:spcPts val="500"/>
+              </a:spcBef>
+              <a:buFont typeface="Arial" panose="020B0604020202020204" pitchFamily="34" charset="0"/>
+              <a:buNone/>
+              <a:defRPr sz="1800" kern="1200">
+                <a:solidFill>
+                  <a:schemeClr val="tx1"/>
+                </a:solidFill>
+                <a:latin typeface="+mn-lt"/>
+                <a:ea typeface="+mn-ea"/>
+                <a:cs typeface="+mn-cs"/>
+              </a:defRPr>
+            </a:lvl3pPr>
+            <a:lvl4pPr marL="685800" indent="0" algn="l" defTabSz="914400" rtl="0" eaLnBrk="1" latinLnBrk="0" hangingPunct="1">
+              <a:lnSpc>
+                <a:spcPct val="110000"/>
+              </a:lnSpc>
+              <a:spcBef>
+                <a:spcPts val="500"/>
+              </a:spcBef>
+              <a:buFont typeface="Arial" panose="020B0604020202020204" pitchFamily="34" charset="0"/>
+              <a:buNone/>
+              <a:defRPr sz="1600" kern="1200">
+                <a:solidFill>
+                  <a:schemeClr val="tx1"/>
+                </a:solidFill>
+                <a:latin typeface="+mn-lt"/>
+                <a:ea typeface="+mn-ea"/>
+                <a:cs typeface="+mn-cs"/>
+              </a:defRPr>
+            </a:lvl4pPr>
+            <a:lvl5pPr marL="914400" indent="0" algn="l" defTabSz="914400" rtl="0" eaLnBrk="1" latinLnBrk="0" hangingPunct="1">
+              <a:lnSpc>
+                <a:spcPct val="110000"/>
+              </a:lnSpc>
+              <a:spcBef>
+                <a:spcPts val="500"/>
+              </a:spcBef>
+              <a:buFont typeface="Arial" panose="020B0604020202020204" pitchFamily="34" charset="0"/>
+              <a:buNone/>
+              <a:defRPr sz="1600" kern="1200">
+                <a:solidFill>
+                  <a:schemeClr val="tx1"/>
+                </a:solidFill>
+                <a:latin typeface="+mn-lt"/>
+                <a:ea typeface="+mn-ea"/>
+                <a:cs typeface="+mn-cs"/>
+              </a:defRPr>
+            </a:lvl5pPr>
+            <a:lvl6pPr marL="2514600" indent="-228600" algn="l" defTabSz="914400" rtl="0" eaLnBrk="1" latinLnBrk="0" hangingPunct="1">
+              <a:lnSpc>
+                <a:spcPct val="90000"/>
+              </a:lnSpc>
+              <a:spcBef>
+                <a:spcPts val="500"/>
+              </a:spcBef>
+              <a:buFont typeface="Arial" panose="020B0604020202020204" pitchFamily="34" charset="0"/>
+              <a:buChar char="•"/>
+              <a:defRPr sz="1800" kern="1200">
+                <a:solidFill>
+                  <a:schemeClr val="tx1"/>
+                </a:solidFill>
+                <a:latin typeface="+mn-lt"/>
+                <a:ea typeface="+mn-ea"/>
+                <a:cs typeface="+mn-cs"/>
+              </a:defRPr>
+            </a:lvl6pPr>
+            <a:lvl7pPr marL="2971800" indent="-228600" algn="l" defTabSz="914400" rtl="0" eaLnBrk="1" latinLnBrk="0" hangingPunct="1">
+              <a:lnSpc>
+                <a:spcPct val="90000"/>
+              </a:lnSpc>
+              <a:spcBef>
+                <a:spcPts val="500"/>
+              </a:spcBef>
+              <a:buFont typeface="Arial" panose="020B0604020202020204" pitchFamily="34" charset="0"/>
+              <a:buChar char="•"/>
+              <a:defRPr sz="1800" kern="1200">
+                <a:solidFill>
+                  <a:schemeClr val="tx1"/>
+                </a:solidFill>
+                <a:latin typeface="+mn-lt"/>
+                <a:ea typeface="+mn-ea"/>
+                <a:cs typeface="+mn-cs"/>
+              </a:defRPr>
+            </a:lvl7pPr>
+            <a:lvl8pPr marL="3429000" indent="-228600" algn="l" defTabSz="914400" rtl="0" eaLnBrk="1" latinLnBrk="0" hangingPunct="1">
+              <a:lnSpc>
+                <a:spcPct val="90000"/>
+              </a:lnSpc>
+              <a:spcBef>
+                <a:spcPts val="500"/>
+              </a:spcBef>
+              <a:buFont typeface="Arial" panose="020B0604020202020204" pitchFamily="34" charset="0"/>
+              <a:buChar char="•"/>
+              <a:defRPr sz="1800" kern="1200">
+                <a:solidFill>
+                  <a:schemeClr val="tx1"/>
+                </a:solidFill>
+                <a:latin typeface="+mn-lt"/>
+                <a:ea typeface="+mn-ea"/>
+                <a:cs typeface="+mn-cs"/>
+              </a:defRPr>
+            </a:lvl8pPr>
+            <a:lvl9pPr marL="3886200" indent="-228600" algn="l" defTabSz="914400" rtl="0" eaLnBrk="1" latinLnBrk="0" hangingPunct="1">
+              <a:lnSpc>
+                <a:spcPct val="90000"/>
+              </a:lnSpc>
+              <a:spcBef>
+                <a:spcPts val="500"/>
+              </a:spcBef>
+              <a:buFont typeface="Arial" panose="020B0604020202020204" pitchFamily="34" charset="0"/>
+              <a:buChar char="•"/>
+              <a:defRPr sz="1800" kern="1200">
+                <a:solidFill>
+                  <a:schemeClr val="tx1"/>
+                </a:solidFill>
+                <a:latin typeface="+mn-lt"/>
+                <a:ea typeface="+mn-ea"/>
+                <a:cs typeface="+mn-cs"/>
+              </a:defRPr>
+            </a:lvl9pPr>
+          </a:lstStyle>
+          <a:p>
+            <a:r>
+              <a:rPr lang="fr-CH" sz="1400"/>
+              <a:t>Luca, Natasha, Sanjaey et Théo</a:t>
+            </a:r>
+          </a:p>
+        </p:txBody>
+      </p:sp>
+    </p:spTree>
+    <p:extLst>
+      <p:ext uri="{BB962C8B-B14F-4D97-AF65-F5344CB8AC3E}">
+        <p14:creationId xmlns:p14="http://schemas.microsoft.com/office/powerpoint/2010/main" val="1698774176"/>
+      </p:ext>
+    </p:extLst>
+  </p:cSld>
+  <p:clrMapOvr>
+    <a:masterClrMapping/>
+  </p:clrMapOvr>
+</p:sld>
+</file>
+
+<file path=ppt/slides/slide12.xml><?xml version="1.0" encoding="utf-8"?>
+<p:sld xmlns:a="http://schemas.openxmlformats.org/drawingml/2006/main" xmlns:r="http://schemas.openxmlformats.org/officeDocument/2006/relationships" xmlns:p="http://schemas.openxmlformats.org/presentationml/2006/main">
+  <p:cSld>
+    <p:spTree>
+      <p:nvGrpSpPr>
+        <p:cNvPr id="1" name=""/>
+        <p:cNvGrpSpPr/>
+        <p:nvPr/>
+      </p:nvGrpSpPr>
+      <p:grpSpPr>
+        <a:xfrm>
+          <a:off x="0" y="0"/>
+          <a:ext cx="0" cy="0"/>
+          <a:chOff x="0" y="0"/>
+          <a:chExt cx="0" cy="0"/>
+        </a:xfrm>
+      </p:grpSpPr>
+      <p:sp>
+        <p:nvSpPr>
+          <p:cNvPr id="2" name="Titre 1">
+            <a:extLst>
+              <a:ext uri="{FF2B5EF4-FFF2-40B4-BE49-F238E27FC236}">
+                <a16:creationId xmlns:a16="http://schemas.microsoft.com/office/drawing/2014/main" id="{02ACD50E-11D3-9FEC-46B4-93A3BFD895A5}"/>
+              </a:ext>
+            </a:extLst>
+          </p:cNvPr>
+          <p:cNvSpPr>
+            <a:spLocks noGrp="1"/>
+          </p:cNvSpPr>
+          <p:nvPr>
+            <p:ph type="title"/>
+          </p:nvPr>
+        </p:nvSpPr>
+        <p:spPr/>
+        <p:txBody>
+          <a:bodyPr/>
+          <a:lstStyle/>
+          <a:p>
+            <a:r>
+              <a:rPr lang="fr-FR"/>
+              <a:t>Source</a:t>
+            </a:r>
+          </a:p>
+        </p:txBody>
+      </p:sp>
+      <p:sp>
+        <p:nvSpPr>
+          <p:cNvPr id="3" name="Espace réservé du contenu 2">
+            <a:extLst>
+              <a:ext uri="{FF2B5EF4-FFF2-40B4-BE49-F238E27FC236}">
+                <a16:creationId xmlns:a16="http://schemas.microsoft.com/office/drawing/2014/main" id="{6FF7B4D7-EA33-AD87-0717-D86D70AE8411}"/>
+              </a:ext>
+            </a:extLst>
+          </p:cNvPr>
+          <p:cNvSpPr>
+            <a:spLocks noGrp="1"/>
+          </p:cNvSpPr>
+          <p:nvPr>
+            <p:ph idx="1"/>
+          </p:nvPr>
+        </p:nvSpPr>
+        <p:spPr/>
+        <p:txBody>
+          <a:bodyPr vert="horz" lIns="91440" tIns="45720" rIns="91440" bIns="45720" rtlCol="0" anchor="t">
+            <a:normAutofit/>
+          </a:bodyPr>
+          <a:lstStyle/>
+          <a:p>
+            <a:pPr marL="342900" indent="-342900">
+              <a:buChar char="•"/>
+            </a:pPr>
+            <a:r>
+              <a:rPr lang="fr-FR">
+                <a:ea typeface="+mn-lt"/>
+                <a:cs typeface="+mn-lt"/>
+                <a:hlinkClick r:id="rId2"/>
+              </a:rPr>
+              <a:t>https://www.w3schools.com/</a:t>
+            </a:r>
+            <a:r>
+              <a:rPr lang="fr-FR">
+                <a:ea typeface="+mn-lt"/>
+                <a:cs typeface="+mn-lt"/>
+              </a:rPr>
+              <a:t> pour l'HTML/CSS</a:t>
+            </a:r>
+          </a:p>
+          <a:p>
+            <a:pPr marL="342900" indent="-342900">
+              <a:buChar char="•"/>
+            </a:pPr>
+            <a:r>
+              <a:rPr lang="fr-FR">
+                <a:ea typeface="+mn-lt"/>
+                <a:cs typeface="+mn-lt"/>
+                <a:hlinkClick r:id="rId3"/>
+              </a:rPr>
+              <a:t>https://www.php.net/</a:t>
+            </a:r>
+            <a:r>
+              <a:rPr lang="fr-FR">
+                <a:ea typeface="+mn-lt"/>
+                <a:cs typeface="+mn-lt"/>
+              </a:rPr>
+              <a:t> pour le </a:t>
+            </a:r>
+            <a:r>
+              <a:rPr lang="fr-FR" err="1">
+                <a:ea typeface="+mn-lt"/>
+                <a:cs typeface="+mn-lt"/>
+              </a:rPr>
+              <a:t>php</a:t>
+            </a:r>
+          </a:p>
+          <a:p>
+            <a:pPr marL="342900" indent="-342900">
+              <a:buChar char="•"/>
+            </a:pPr>
+            <a:r>
+              <a:rPr lang="fr-FR">
+                <a:ea typeface="+mn-lt"/>
+                <a:cs typeface="+mn-lt"/>
+                <a:hlinkClick r:id="rId4"/>
+              </a:rPr>
+              <a:t>https://www.github.com/</a:t>
+            </a:r>
+            <a:r>
+              <a:rPr lang="fr-FR">
+                <a:ea typeface="+mn-lt"/>
+                <a:cs typeface="+mn-lt"/>
+              </a:rPr>
+              <a:t> pour le git</a:t>
+            </a:r>
+          </a:p>
+          <a:p>
+            <a:pPr marL="342900" indent="-342900">
+              <a:buChar char="•"/>
+            </a:pPr>
+            <a:endParaRPr lang="fr-FR">
+              <a:ea typeface="+mn-lt"/>
+              <a:cs typeface="+mn-lt"/>
+            </a:endParaRPr>
+          </a:p>
+        </p:txBody>
+      </p:sp>
+      <p:sp>
+        <p:nvSpPr>
+          <p:cNvPr id="5" name="ZoneTexte 4">
+            <a:extLst>
+              <a:ext uri="{FF2B5EF4-FFF2-40B4-BE49-F238E27FC236}">
+                <a16:creationId xmlns:a16="http://schemas.microsoft.com/office/drawing/2014/main" id="{E72B9638-3A0B-8281-7169-B867A7B7B3B7}"/>
+              </a:ext>
+            </a:extLst>
+          </p:cNvPr>
+          <p:cNvSpPr txBox="1"/>
+          <p:nvPr/>
+        </p:nvSpPr>
+        <p:spPr>
+          <a:xfrm>
+            <a:off x="37629" y="112887"/>
+            <a:ext cx="1335852" cy="369332"/>
+          </a:xfrm>
+          <a:prstGeom prst="rect">
+            <a:avLst/>
+          </a:prstGeom>
+          <a:noFill/>
+        </p:spPr>
+        <p:txBody>
+          <a:bodyPr rot="0" spcFirstLastPara="0" vertOverflow="overflow" horzOverflow="overflow" vert="horz" wrap="square" lIns="91440" tIns="45720" rIns="91440" bIns="45720" numCol="1" spcCol="0" rtlCol="0" fromWordArt="0" anchor="t" anchorCtr="0" forceAA="0" compatLnSpc="1">
+            <a:prstTxWarp prst="textNoShape">
+              <a:avLst/>
+            </a:prstTxWarp>
+            <a:spAutoFit/>
+          </a:bodyPr>
+          <a:lstStyle/>
+          <a:p>
+            <a:pPr algn="l"/>
+            <a:r>
+              <a:rPr lang="fr-FR"/>
+              <a:t>10.01.2023</a:t>
+            </a:r>
+          </a:p>
+        </p:txBody>
+      </p:sp>
+      <p:sp>
+        <p:nvSpPr>
+          <p:cNvPr id="9" name="ZoneTexte 8">
+            <a:extLst>
+              <a:ext uri="{FF2B5EF4-FFF2-40B4-BE49-F238E27FC236}">
+                <a16:creationId xmlns:a16="http://schemas.microsoft.com/office/drawing/2014/main" id="{265C8CDC-040F-D6D0-19B6-63690432F5E7}"/>
+              </a:ext>
+            </a:extLst>
+          </p:cNvPr>
+          <p:cNvSpPr txBox="1"/>
+          <p:nvPr/>
+        </p:nvSpPr>
+        <p:spPr>
+          <a:xfrm>
+            <a:off x="11307703" y="112887"/>
+            <a:ext cx="714963" cy="369332"/>
+          </a:xfrm>
+          <a:prstGeom prst="rect">
+            <a:avLst/>
+          </a:prstGeom>
+          <a:noFill/>
+        </p:spPr>
+        <p:txBody>
+          <a:bodyPr rot="0" spcFirstLastPara="0" vertOverflow="overflow" horzOverflow="overflow" vert="horz" wrap="square" lIns="91440" tIns="45720" rIns="91440" bIns="45720" numCol="1" spcCol="0" rtlCol="0" fromWordArt="0" anchor="t" anchorCtr="0" forceAA="0" compatLnSpc="1">
+            <a:prstTxWarp prst="textNoShape">
+              <a:avLst/>
+            </a:prstTxWarp>
+            <a:spAutoFit/>
+          </a:bodyPr>
+          <a:lstStyle/>
+          <a:p>
+            <a:pPr algn="l"/>
+            <a:r>
+              <a:rPr lang="fr-FR"/>
+              <a:t>ETML</a:t>
+            </a:r>
+          </a:p>
+        </p:txBody>
+      </p:sp>
+      <p:sp>
+        <p:nvSpPr>
+          <p:cNvPr id="11" name="ZoneTexte 10">
+            <a:extLst>
+              <a:ext uri="{FF2B5EF4-FFF2-40B4-BE49-F238E27FC236}">
+                <a16:creationId xmlns:a16="http://schemas.microsoft.com/office/drawing/2014/main" id="{EA8B9A10-7A6C-CC1D-CCE3-3441F2C3A33B}"/>
+              </a:ext>
+            </a:extLst>
+          </p:cNvPr>
+          <p:cNvSpPr txBox="1"/>
+          <p:nvPr/>
+        </p:nvSpPr>
+        <p:spPr>
+          <a:xfrm>
+            <a:off x="37629" y="6415850"/>
+            <a:ext cx="884296" cy="369332"/>
+          </a:xfrm>
+          <a:prstGeom prst="rect">
+            <a:avLst/>
+          </a:prstGeom>
+          <a:noFill/>
+        </p:spPr>
+        <p:txBody>
+          <a:bodyPr rot="0" spcFirstLastPara="0" vertOverflow="overflow" horzOverflow="overflow" vert="horz" wrap="square" lIns="91440" tIns="45720" rIns="91440" bIns="45720" numCol="1" spcCol="0" rtlCol="0" fromWordArt="0" anchor="t" anchorCtr="0" forceAA="0" compatLnSpc="1">
+            <a:prstTxWarp prst="textNoShape">
+              <a:avLst/>
+            </a:prstTxWarp>
+            <a:spAutoFit/>
+          </a:bodyPr>
+          <a:lstStyle/>
+          <a:p>
+            <a:pPr algn="l"/>
+            <a:r>
+              <a:rPr lang="fr-FR"/>
+              <a:t>CIN2A</a:t>
+            </a:r>
+          </a:p>
+        </p:txBody>
+      </p:sp>
+      <p:sp>
+        <p:nvSpPr>
+          <p:cNvPr id="15" name="Sous-titre 2">
+            <a:extLst>
+              <a:ext uri="{FF2B5EF4-FFF2-40B4-BE49-F238E27FC236}">
+                <a16:creationId xmlns:a16="http://schemas.microsoft.com/office/drawing/2014/main" id="{0BE8C5FA-0081-B880-C838-8FA24B814784}"/>
+              </a:ext>
+            </a:extLst>
+          </p:cNvPr>
+          <p:cNvSpPr txBox="1">
+            <a:spLocks/>
+          </p:cNvSpPr>
+          <p:nvPr/>
+        </p:nvSpPr>
+        <p:spPr>
+          <a:xfrm>
+            <a:off x="9482194" y="6383335"/>
+            <a:ext cx="2602858" cy="402374"/>
+          </a:xfrm>
+          <a:prstGeom prst="rect">
+            <a:avLst/>
+          </a:prstGeom>
+        </p:spPr>
+        <p:txBody>
+          <a:bodyPr vert="horz" lIns="91440" tIns="45720" rIns="91440" bIns="45720" rtlCol="0" anchor="b">
+            <a:normAutofit fontScale="92500"/>
+          </a:bodyPr>
+          <a:lstStyle>
+            <a:lvl1pPr marL="0" indent="0" algn="l" defTabSz="914400" rtl="0" eaLnBrk="1" latinLnBrk="0" hangingPunct="1">
+              <a:lnSpc>
+                <a:spcPct val="110000"/>
+              </a:lnSpc>
+              <a:spcBef>
+                <a:spcPts val="1000"/>
+              </a:spcBef>
+              <a:buFont typeface="Arial" panose="020B0604020202020204" pitchFamily="34" charset="0"/>
+              <a:buNone/>
+              <a:defRPr sz="2200" kern="1200">
+                <a:solidFill>
+                  <a:schemeClr val="tx1"/>
+                </a:solidFill>
+                <a:latin typeface="+mn-lt"/>
+                <a:ea typeface="+mn-ea"/>
+                <a:cs typeface="+mn-cs"/>
+              </a:defRPr>
+            </a:lvl1pPr>
+            <a:lvl2pPr marL="228600" indent="0" algn="l" defTabSz="914400" rtl="0" eaLnBrk="1" latinLnBrk="0" hangingPunct="1">
+              <a:lnSpc>
+                <a:spcPct val="110000"/>
+              </a:lnSpc>
+              <a:spcBef>
+                <a:spcPts val="500"/>
+              </a:spcBef>
+              <a:buFont typeface="Arial" panose="020B0604020202020204" pitchFamily="34" charset="0"/>
+              <a:buNone/>
+              <a:defRPr sz="2000" kern="1200">
+                <a:solidFill>
+                  <a:schemeClr val="tx1"/>
+                </a:solidFill>
+                <a:latin typeface="+mn-lt"/>
+                <a:ea typeface="+mn-ea"/>
+                <a:cs typeface="+mn-cs"/>
+              </a:defRPr>
+            </a:lvl2pPr>
+            <a:lvl3pPr marL="457200" indent="0" algn="l" defTabSz="914400" rtl="0" eaLnBrk="1" latinLnBrk="0" hangingPunct="1">
+              <a:lnSpc>
+                <a:spcPct val="110000"/>
+              </a:lnSpc>
+              <a:spcBef>
+                <a:spcPts val="500"/>
+              </a:spcBef>
+              <a:buFont typeface="Arial" panose="020B0604020202020204" pitchFamily="34" charset="0"/>
+              <a:buNone/>
+              <a:defRPr sz="1800" kern="1200">
+                <a:solidFill>
+                  <a:schemeClr val="tx1"/>
+                </a:solidFill>
+                <a:latin typeface="+mn-lt"/>
+                <a:ea typeface="+mn-ea"/>
+                <a:cs typeface="+mn-cs"/>
+              </a:defRPr>
+            </a:lvl3pPr>
+            <a:lvl4pPr marL="685800" indent="0" algn="l" defTabSz="914400" rtl="0" eaLnBrk="1" latinLnBrk="0" hangingPunct="1">
+              <a:lnSpc>
+                <a:spcPct val="110000"/>
+              </a:lnSpc>
+              <a:spcBef>
+                <a:spcPts val="500"/>
+              </a:spcBef>
+              <a:buFont typeface="Arial" panose="020B0604020202020204" pitchFamily="34" charset="0"/>
+              <a:buNone/>
+              <a:defRPr sz="1600" kern="1200">
+                <a:solidFill>
+                  <a:schemeClr val="tx1"/>
+                </a:solidFill>
+                <a:latin typeface="+mn-lt"/>
+                <a:ea typeface="+mn-ea"/>
+                <a:cs typeface="+mn-cs"/>
+              </a:defRPr>
+            </a:lvl4pPr>
+            <a:lvl5pPr marL="914400" indent="0" algn="l" defTabSz="914400" rtl="0" eaLnBrk="1" latinLnBrk="0" hangingPunct="1">
+              <a:lnSpc>
+                <a:spcPct val="110000"/>
+              </a:lnSpc>
+              <a:spcBef>
+                <a:spcPts val="500"/>
+              </a:spcBef>
+              <a:buFont typeface="Arial" panose="020B0604020202020204" pitchFamily="34" charset="0"/>
+              <a:buNone/>
+              <a:defRPr sz="1600" kern="1200">
+                <a:solidFill>
+                  <a:schemeClr val="tx1"/>
+                </a:solidFill>
+                <a:latin typeface="+mn-lt"/>
+                <a:ea typeface="+mn-ea"/>
+                <a:cs typeface="+mn-cs"/>
+              </a:defRPr>
+            </a:lvl5pPr>
+            <a:lvl6pPr marL="2514600" indent="-228600" algn="l" defTabSz="914400" rtl="0" eaLnBrk="1" latinLnBrk="0" hangingPunct="1">
+              <a:lnSpc>
+                <a:spcPct val="90000"/>
+              </a:lnSpc>
+              <a:spcBef>
+                <a:spcPts val="500"/>
+              </a:spcBef>
+              <a:buFont typeface="Arial" panose="020B0604020202020204" pitchFamily="34" charset="0"/>
+              <a:buChar char="•"/>
+              <a:defRPr sz="1800" kern="1200">
+                <a:solidFill>
+                  <a:schemeClr val="tx1"/>
+                </a:solidFill>
+                <a:latin typeface="+mn-lt"/>
+                <a:ea typeface="+mn-ea"/>
+                <a:cs typeface="+mn-cs"/>
+              </a:defRPr>
+            </a:lvl6pPr>
+            <a:lvl7pPr marL="2971800" indent="-228600" algn="l" defTabSz="914400" rtl="0" eaLnBrk="1" latinLnBrk="0" hangingPunct="1">
+              <a:lnSpc>
+                <a:spcPct val="90000"/>
+              </a:lnSpc>
+              <a:spcBef>
+                <a:spcPts val="500"/>
+              </a:spcBef>
+              <a:buFont typeface="Arial" panose="020B0604020202020204" pitchFamily="34" charset="0"/>
+              <a:buChar char="•"/>
+              <a:defRPr sz="1800" kern="1200">
+                <a:solidFill>
+                  <a:schemeClr val="tx1"/>
+                </a:solidFill>
+                <a:latin typeface="+mn-lt"/>
+                <a:ea typeface="+mn-ea"/>
+                <a:cs typeface="+mn-cs"/>
+              </a:defRPr>
+            </a:lvl7pPr>
+            <a:lvl8pPr marL="3429000" indent="-228600" algn="l" defTabSz="914400" rtl="0" eaLnBrk="1" latinLnBrk="0" hangingPunct="1">
+              <a:lnSpc>
+                <a:spcPct val="90000"/>
+              </a:lnSpc>
+              <a:spcBef>
+                <a:spcPts val="500"/>
+              </a:spcBef>
+              <a:buFont typeface="Arial" panose="020B0604020202020204" pitchFamily="34" charset="0"/>
+              <a:buChar char="•"/>
+              <a:defRPr sz="1800" kern="1200">
+                <a:solidFill>
+                  <a:schemeClr val="tx1"/>
+                </a:solidFill>
+                <a:latin typeface="+mn-lt"/>
+                <a:ea typeface="+mn-ea"/>
+                <a:cs typeface="+mn-cs"/>
+              </a:defRPr>
+            </a:lvl8pPr>
+            <a:lvl9pPr marL="3886200" indent="-228600" algn="l" defTabSz="914400" rtl="0" eaLnBrk="1" latinLnBrk="0" hangingPunct="1">
+              <a:lnSpc>
+                <a:spcPct val="90000"/>
+              </a:lnSpc>
+              <a:spcBef>
+                <a:spcPts val="500"/>
+              </a:spcBef>
+              <a:buFont typeface="Arial" panose="020B0604020202020204" pitchFamily="34" charset="0"/>
+              <a:buChar char="•"/>
+              <a:defRPr sz="1800" kern="1200">
+                <a:solidFill>
+                  <a:schemeClr val="tx1"/>
+                </a:solidFill>
+                <a:latin typeface="+mn-lt"/>
+                <a:ea typeface="+mn-ea"/>
+                <a:cs typeface="+mn-cs"/>
+              </a:defRPr>
+            </a:lvl9pPr>
+          </a:lstStyle>
+          <a:p>
+            <a:r>
+              <a:rPr lang="fr-CH" sz="1400"/>
+              <a:t>Luca, Natasha, Sanjaey et Théo</a:t>
+            </a:r>
+          </a:p>
+        </p:txBody>
+      </p:sp>
+    </p:spTree>
+    <p:extLst>
+      <p:ext uri="{BB962C8B-B14F-4D97-AF65-F5344CB8AC3E}">
+        <p14:creationId xmlns:p14="http://schemas.microsoft.com/office/powerpoint/2010/main" val="3146676790"/>
+      </p:ext>
+    </p:extLst>
+  </p:cSld>
+  <p:clrMapOvr>
+    <a:masterClrMapping/>
+  </p:clrMapOvr>
+</p:sld>
+</file>
+
+<file path=ppt/slides/slide13.xml><?xml version="1.0" encoding="utf-8"?>
+<p:sld xmlns:a="http://schemas.openxmlformats.org/drawingml/2006/main" xmlns:r="http://schemas.openxmlformats.org/officeDocument/2006/relationships" xmlns:p="http://schemas.openxmlformats.org/presentationml/2006/main">
+  <p:cSld>
+    <p:spTree>
+      <p:nvGrpSpPr>
+        <p:cNvPr id="1" name=""/>
+        <p:cNvGrpSpPr/>
+        <p:nvPr/>
+      </p:nvGrpSpPr>
+      <p:grpSpPr>
+        <a:xfrm>
+          <a:off x="0" y="0"/>
+          <a:ext cx="0" cy="0"/>
+          <a:chOff x="0" y="0"/>
+          <a:chExt cx="0" cy="0"/>
+        </a:xfrm>
+      </p:grpSpPr>
+      <p:sp>
+        <p:nvSpPr>
+          <p:cNvPr id="2" name="Titre 1">
+            <a:extLst>
+              <a:ext uri="{FF2B5EF4-FFF2-40B4-BE49-F238E27FC236}">
+                <a16:creationId xmlns:a16="http://schemas.microsoft.com/office/drawing/2014/main" id="{590009E2-12D5-1E3C-684D-F6151B3F424D}"/>
+              </a:ext>
+            </a:extLst>
+          </p:cNvPr>
+          <p:cNvSpPr>
+            <a:spLocks noGrp="1"/>
+          </p:cNvSpPr>
+          <p:nvPr>
+            <p:ph type="title"/>
+          </p:nvPr>
+        </p:nvSpPr>
+        <p:spPr/>
+        <p:txBody>
+          <a:bodyPr/>
+          <a:lstStyle/>
+          <a:p>
+            <a:r>
+              <a:rPr lang="fr-FR"/>
+              <a:t>Question</a:t>
+            </a:r>
+          </a:p>
+        </p:txBody>
+      </p:sp>
+      <p:sp>
+        <p:nvSpPr>
+          <p:cNvPr id="5" name="ZoneTexte 4">
+            <a:extLst>
+              <a:ext uri="{FF2B5EF4-FFF2-40B4-BE49-F238E27FC236}">
+                <a16:creationId xmlns:a16="http://schemas.microsoft.com/office/drawing/2014/main" id="{2DE04699-6A82-75AF-166C-980F7F75528C}"/>
+              </a:ext>
+            </a:extLst>
+          </p:cNvPr>
+          <p:cNvSpPr txBox="1"/>
+          <p:nvPr/>
+        </p:nvSpPr>
+        <p:spPr>
+          <a:xfrm>
+            <a:off x="37629" y="112887"/>
+            <a:ext cx="1335852" cy="369332"/>
+          </a:xfrm>
+          <a:prstGeom prst="rect">
+            <a:avLst/>
+          </a:prstGeom>
+          <a:noFill/>
+        </p:spPr>
+        <p:txBody>
+          <a:bodyPr rot="0" spcFirstLastPara="0" vertOverflow="overflow" horzOverflow="overflow" vert="horz" wrap="square" lIns="91440" tIns="45720" rIns="91440" bIns="45720" numCol="1" spcCol="0" rtlCol="0" fromWordArt="0" anchor="t" anchorCtr="0" forceAA="0" compatLnSpc="1">
+            <a:prstTxWarp prst="textNoShape">
+              <a:avLst/>
+            </a:prstTxWarp>
+            <a:spAutoFit/>
+          </a:bodyPr>
+          <a:lstStyle/>
+          <a:p>
+            <a:pPr algn="l"/>
+            <a:r>
+              <a:rPr lang="fr-FR"/>
+              <a:t>10.01.2023</a:t>
+            </a:r>
+          </a:p>
+        </p:txBody>
+      </p:sp>
+      <p:sp>
+        <p:nvSpPr>
+          <p:cNvPr id="9" name="ZoneTexte 8">
+            <a:extLst>
+              <a:ext uri="{FF2B5EF4-FFF2-40B4-BE49-F238E27FC236}">
+                <a16:creationId xmlns:a16="http://schemas.microsoft.com/office/drawing/2014/main" id="{1482DFF8-5229-1651-87AE-B26F10F6C679}"/>
+              </a:ext>
+            </a:extLst>
+          </p:cNvPr>
+          <p:cNvSpPr txBox="1"/>
+          <p:nvPr/>
+        </p:nvSpPr>
+        <p:spPr>
+          <a:xfrm>
+            <a:off x="37629" y="6415850"/>
+            <a:ext cx="884296" cy="369332"/>
+          </a:xfrm>
+          <a:prstGeom prst="rect">
+            <a:avLst/>
+          </a:prstGeom>
+          <a:noFill/>
+        </p:spPr>
+        <p:txBody>
+          <a:bodyPr rot="0" spcFirstLastPara="0" vertOverflow="overflow" horzOverflow="overflow" vert="horz" wrap="square" lIns="91440" tIns="45720" rIns="91440" bIns="45720" numCol="1" spcCol="0" rtlCol="0" fromWordArt="0" anchor="t" anchorCtr="0" forceAA="0" compatLnSpc="1">
+            <a:prstTxWarp prst="textNoShape">
+              <a:avLst/>
+            </a:prstTxWarp>
+            <a:spAutoFit/>
+          </a:bodyPr>
+          <a:lstStyle/>
+          <a:p>
+            <a:pPr algn="l"/>
+            <a:r>
+              <a:rPr lang="fr-FR"/>
+              <a:t>CIN2A</a:t>
+            </a:r>
+          </a:p>
+        </p:txBody>
+      </p:sp>
+      <p:sp>
+        <p:nvSpPr>
+          <p:cNvPr id="11" name="Sous-titre 2">
+            <a:extLst>
+              <a:ext uri="{FF2B5EF4-FFF2-40B4-BE49-F238E27FC236}">
+                <a16:creationId xmlns:a16="http://schemas.microsoft.com/office/drawing/2014/main" id="{0517EBFD-5F06-E2CA-AC52-B39A986BD004}"/>
+              </a:ext>
+            </a:extLst>
+          </p:cNvPr>
+          <p:cNvSpPr txBox="1">
+            <a:spLocks/>
+          </p:cNvSpPr>
+          <p:nvPr/>
+        </p:nvSpPr>
+        <p:spPr>
+          <a:xfrm>
+            <a:off x="9482194" y="6383335"/>
+            <a:ext cx="2602858" cy="402374"/>
+          </a:xfrm>
+          <a:prstGeom prst="rect">
+            <a:avLst/>
+          </a:prstGeom>
+        </p:spPr>
+        <p:txBody>
+          <a:bodyPr vert="horz" lIns="91440" tIns="45720" rIns="91440" bIns="45720" rtlCol="0" anchor="b">
+            <a:normAutofit fontScale="92500"/>
+          </a:bodyPr>
+          <a:lstStyle>
+            <a:lvl1pPr marL="0" indent="0" algn="l" defTabSz="914400" rtl="0" eaLnBrk="1" latinLnBrk="0" hangingPunct="1">
+              <a:lnSpc>
+                <a:spcPct val="110000"/>
+              </a:lnSpc>
+              <a:spcBef>
+                <a:spcPts val="1000"/>
+              </a:spcBef>
+              <a:buFont typeface="Arial" panose="020B0604020202020204" pitchFamily="34" charset="0"/>
+              <a:buNone/>
+              <a:defRPr sz="2200" kern="1200">
+                <a:solidFill>
+                  <a:schemeClr val="tx1"/>
+                </a:solidFill>
+                <a:latin typeface="+mn-lt"/>
+                <a:ea typeface="+mn-ea"/>
+                <a:cs typeface="+mn-cs"/>
+              </a:defRPr>
+            </a:lvl1pPr>
+            <a:lvl2pPr marL="228600" indent="0" algn="l" defTabSz="914400" rtl="0" eaLnBrk="1" latinLnBrk="0" hangingPunct="1">
+              <a:lnSpc>
+                <a:spcPct val="110000"/>
+              </a:lnSpc>
+              <a:spcBef>
+                <a:spcPts val="500"/>
+              </a:spcBef>
+              <a:buFont typeface="Arial" panose="020B0604020202020204" pitchFamily="34" charset="0"/>
+              <a:buNone/>
+              <a:defRPr sz="2000" kern="1200">
+                <a:solidFill>
+                  <a:schemeClr val="tx1"/>
+                </a:solidFill>
+                <a:latin typeface="+mn-lt"/>
+                <a:ea typeface="+mn-ea"/>
+                <a:cs typeface="+mn-cs"/>
+              </a:defRPr>
+            </a:lvl2pPr>
+            <a:lvl3pPr marL="457200" indent="0" algn="l" defTabSz="914400" rtl="0" eaLnBrk="1" latinLnBrk="0" hangingPunct="1">
+              <a:lnSpc>
+                <a:spcPct val="110000"/>
+              </a:lnSpc>
+              <a:spcBef>
+                <a:spcPts val="500"/>
+              </a:spcBef>
+              <a:buFont typeface="Arial" panose="020B0604020202020204" pitchFamily="34" charset="0"/>
+              <a:buNone/>
+              <a:defRPr sz="1800" kern="1200">
+                <a:solidFill>
+                  <a:schemeClr val="tx1"/>
+                </a:solidFill>
+                <a:latin typeface="+mn-lt"/>
+                <a:ea typeface="+mn-ea"/>
+                <a:cs typeface="+mn-cs"/>
+              </a:defRPr>
+            </a:lvl3pPr>
+            <a:lvl4pPr marL="685800" indent="0" algn="l" defTabSz="914400" rtl="0" eaLnBrk="1" latinLnBrk="0" hangingPunct="1">
+              <a:lnSpc>
+                <a:spcPct val="110000"/>
+              </a:lnSpc>
+              <a:spcBef>
+                <a:spcPts val="500"/>
+              </a:spcBef>
+              <a:buFont typeface="Arial" panose="020B0604020202020204" pitchFamily="34" charset="0"/>
+              <a:buNone/>
+              <a:defRPr sz="1600" kern="1200">
+                <a:solidFill>
+                  <a:schemeClr val="tx1"/>
+                </a:solidFill>
+                <a:latin typeface="+mn-lt"/>
+                <a:ea typeface="+mn-ea"/>
+                <a:cs typeface="+mn-cs"/>
+              </a:defRPr>
+            </a:lvl4pPr>
+            <a:lvl5pPr marL="914400" indent="0" algn="l" defTabSz="914400" rtl="0" eaLnBrk="1" latinLnBrk="0" hangingPunct="1">
+              <a:lnSpc>
+                <a:spcPct val="110000"/>
+              </a:lnSpc>
+              <a:spcBef>
+                <a:spcPts val="500"/>
+              </a:spcBef>
+              <a:buFont typeface="Arial" panose="020B0604020202020204" pitchFamily="34" charset="0"/>
+              <a:buNone/>
+              <a:defRPr sz="1600" kern="1200">
+                <a:solidFill>
+                  <a:schemeClr val="tx1"/>
+                </a:solidFill>
+                <a:latin typeface="+mn-lt"/>
+                <a:ea typeface="+mn-ea"/>
+                <a:cs typeface="+mn-cs"/>
+              </a:defRPr>
+            </a:lvl5pPr>
+            <a:lvl6pPr marL="2514600" indent="-228600" algn="l" defTabSz="914400" rtl="0" eaLnBrk="1" latinLnBrk="0" hangingPunct="1">
+              <a:lnSpc>
+                <a:spcPct val="90000"/>
+              </a:lnSpc>
+              <a:spcBef>
+                <a:spcPts val="500"/>
+              </a:spcBef>
+              <a:buFont typeface="Arial" panose="020B0604020202020204" pitchFamily="34" charset="0"/>
+              <a:buChar char="•"/>
+              <a:defRPr sz="1800" kern="1200">
+                <a:solidFill>
+                  <a:schemeClr val="tx1"/>
+                </a:solidFill>
+                <a:latin typeface="+mn-lt"/>
+                <a:ea typeface="+mn-ea"/>
+                <a:cs typeface="+mn-cs"/>
+              </a:defRPr>
+            </a:lvl6pPr>
+            <a:lvl7pPr marL="2971800" indent="-228600" algn="l" defTabSz="914400" rtl="0" eaLnBrk="1" latinLnBrk="0" hangingPunct="1">
+              <a:lnSpc>
+                <a:spcPct val="90000"/>
+              </a:lnSpc>
+              <a:spcBef>
+                <a:spcPts val="500"/>
+              </a:spcBef>
+              <a:buFont typeface="Arial" panose="020B0604020202020204" pitchFamily="34" charset="0"/>
+              <a:buChar char="•"/>
+              <a:defRPr sz="1800" kern="1200">
+                <a:solidFill>
+                  <a:schemeClr val="tx1"/>
+                </a:solidFill>
+                <a:latin typeface="+mn-lt"/>
+                <a:ea typeface="+mn-ea"/>
+                <a:cs typeface="+mn-cs"/>
+              </a:defRPr>
+            </a:lvl7pPr>
+            <a:lvl8pPr marL="3429000" indent="-228600" algn="l" defTabSz="914400" rtl="0" eaLnBrk="1" latinLnBrk="0" hangingPunct="1">
+              <a:lnSpc>
+                <a:spcPct val="90000"/>
+              </a:lnSpc>
+              <a:spcBef>
+                <a:spcPts val="500"/>
+              </a:spcBef>
+              <a:buFont typeface="Arial" panose="020B0604020202020204" pitchFamily="34" charset="0"/>
+              <a:buChar char="•"/>
+              <a:defRPr sz="1800" kern="1200">
+                <a:solidFill>
+                  <a:schemeClr val="tx1"/>
+                </a:solidFill>
+                <a:latin typeface="+mn-lt"/>
+                <a:ea typeface="+mn-ea"/>
+                <a:cs typeface="+mn-cs"/>
+              </a:defRPr>
+            </a:lvl8pPr>
+            <a:lvl9pPr marL="3886200" indent="-228600" algn="l" defTabSz="914400" rtl="0" eaLnBrk="1" latinLnBrk="0" hangingPunct="1">
+              <a:lnSpc>
+                <a:spcPct val="90000"/>
+              </a:lnSpc>
+              <a:spcBef>
+                <a:spcPts val="500"/>
+              </a:spcBef>
+              <a:buFont typeface="Arial" panose="020B0604020202020204" pitchFamily="34" charset="0"/>
+              <a:buChar char="•"/>
+              <a:defRPr sz="1800" kern="1200">
+                <a:solidFill>
+                  <a:schemeClr val="tx1"/>
+                </a:solidFill>
+                <a:latin typeface="+mn-lt"/>
+                <a:ea typeface="+mn-ea"/>
+                <a:cs typeface="+mn-cs"/>
+              </a:defRPr>
+            </a:lvl9pPr>
+          </a:lstStyle>
+          <a:p>
+            <a:r>
+              <a:rPr lang="fr-CH" sz="1400"/>
+              <a:t>Luca, Natasha, Sanjaey et Théo</a:t>
+            </a:r>
+          </a:p>
+        </p:txBody>
+      </p:sp>
+      <p:pic>
+        <p:nvPicPr>
+          <p:cNvPr id="12" name="Image 5" descr="Une image contenant texte, silhouette&#10;&#10;Description générée automatiquement">
+            <a:extLst>
+              <a:ext uri="{FF2B5EF4-FFF2-40B4-BE49-F238E27FC236}">
+                <a16:creationId xmlns:a16="http://schemas.microsoft.com/office/drawing/2014/main" id="{EF8F09F0-0DB7-200D-8C2A-07B358C6CF89}"/>
+              </a:ext>
+            </a:extLst>
+          </p:cNvPr>
+          <p:cNvPicPr>
+            <a:picLocks noChangeAspect="1"/>
+          </p:cNvPicPr>
+          <p:nvPr/>
+        </p:nvPicPr>
+        <p:blipFill>
+          <a:blip r:embed="rId2"/>
+          <a:stretch>
+            <a:fillRect/>
+          </a:stretch>
+        </p:blipFill>
+        <p:spPr>
+          <a:xfrm>
+            <a:off x="3554224" y="3179616"/>
+            <a:ext cx="4230298" cy="3143035"/>
+          </a:xfrm>
+          <a:prstGeom prst="rect">
+            <a:avLst/>
+          </a:prstGeom>
+          <a:ln>
+            <a:noFill/>
+          </a:ln>
+          <a:effectLst>
+            <a:outerShdw blurRad="292100" dist="139700" dir="2700000" algn="tl" rotWithShape="0">
+              <a:srgbClr val="333333">
+                <a:alpha val="65000"/>
+              </a:srgbClr>
+            </a:outerShdw>
+          </a:effectLst>
+        </p:spPr>
+      </p:pic>
+    </p:spTree>
+    <p:extLst>
+      <p:ext uri="{BB962C8B-B14F-4D97-AF65-F5344CB8AC3E}">
+        <p14:creationId xmlns:p14="http://schemas.microsoft.com/office/powerpoint/2010/main" val="1761380293"/>
       </p:ext>
     </p:extLst>
   </p:cSld>
@@ -5237,7 +9118,7 @@
           <a:lstStyle/>
           <a:p>
             <a:r>
-              <a:rPr lang="fr-CH" dirty="0"/>
+              <a:rPr lang="fr-CH"/>
               <a:t>Sommaire </a:t>
             </a:r>
           </a:p>
@@ -5271,7 +9152,7 @@
               <a:buChar char="•"/>
             </a:pPr>
             <a:r>
-              <a:rPr lang="fr-CH" dirty="0"/>
+              <a:rPr lang="fr-CH"/>
               <a:t>Explication du projet </a:t>
             </a:r>
           </a:p>
@@ -5281,7 +9162,7 @@
               <a:buChar char="•"/>
             </a:pPr>
             <a:r>
-              <a:rPr lang="fr-CH" dirty="0"/>
+              <a:rPr lang="fr-CH"/>
               <a:t>Répartition des tâches </a:t>
             </a:r>
           </a:p>
@@ -5291,7 +9172,7 @@
               <a:buChar char="•"/>
             </a:pPr>
             <a:r>
-              <a:rPr lang="fr-CH" dirty="0"/>
+              <a:rPr lang="fr-CH"/>
               <a:t>Base de données</a:t>
             </a:r>
           </a:p>
@@ -5301,7 +9182,7 @@
               <a:buChar char="•"/>
             </a:pPr>
             <a:r>
-              <a:rPr lang="fr-CH" dirty="0"/>
+              <a:rPr lang="fr-CH"/>
               <a:t>Création du site</a:t>
             </a:r>
           </a:p>
@@ -5311,8 +9192,324 @@
               <a:buChar char="•"/>
             </a:pPr>
             <a:r>
-              <a:rPr lang="fr-CH" dirty="0"/>
+              <a:rPr lang="fr-CH"/>
               <a:t>Problématiques rencontrées</a:t>
+            </a:r>
+          </a:p>
+        </p:txBody>
+      </p:sp>
+      <p:sp>
+        <p:nvSpPr>
+          <p:cNvPr id="5" name="ZoneTexte 4">
+            <a:extLst>
+              <a:ext uri="{FF2B5EF4-FFF2-40B4-BE49-F238E27FC236}">
+                <a16:creationId xmlns:a16="http://schemas.microsoft.com/office/drawing/2014/main" id="{F97F4CB2-5AA0-74C1-253A-4800DFD6B039}"/>
+              </a:ext>
+            </a:extLst>
+          </p:cNvPr>
+          <p:cNvSpPr txBox="1"/>
+          <p:nvPr/>
+        </p:nvSpPr>
+        <p:spPr>
+          <a:xfrm>
+            <a:off x="37629" y="112887"/>
+            <a:ext cx="1335852" cy="369332"/>
+          </a:xfrm>
+          <a:prstGeom prst="rect">
+            <a:avLst/>
+          </a:prstGeom>
+          <a:noFill/>
+        </p:spPr>
+        <p:txBody>
+          <a:bodyPr rot="0" spcFirstLastPara="0" vertOverflow="overflow" horzOverflow="overflow" vert="horz" wrap="square" lIns="91440" tIns="45720" rIns="91440" bIns="45720" numCol="1" spcCol="0" rtlCol="0" fromWordArt="0" anchor="t" anchorCtr="0" forceAA="0" compatLnSpc="1">
+            <a:prstTxWarp prst="textNoShape">
+              <a:avLst/>
+            </a:prstTxWarp>
+            <a:spAutoFit/>
+          </a:bodyPr>
+          <a:lstStyle/>
+          <a:p>
+            <a:pPr algn="l"/>
+            <a:r>
+              <a:rPr lang="fr-FR"/>
+              <a:t>10.01.2023</a:t>
+            </a:r>
+          </a:p>
+        </p:txBody>
+      </p:sp>
+      <p:sp>
+        <p:nvSpPr>
+          <p:cNvPr id="7" name="ZoneTexte 6">
+            <a:extLst>
+              <a:ext uri="{FF2B5EF4-FFF2-40B4-BE49-F238E27FC236}">
+                <a16:creationId xmlns:a16="http://schemas.microsoft.com/office/drawing/2014/main" id="{E1C32A2F-265E-DAD4-0D59-89E4B637CA61}"/>
+              </a:ext>
+            </a:extLst>
+          </p:cNvPr>
+          <p:cNvSpPr txBox="1"/>
+          <p:nvPr/>
+        </p:nvSpPr>
+        <p:spPr>
+          <a:xfrm>
+            <a:off x="11307703" y="112887"/>
+            <a:ext cx="714963" cy="369332"/>
+          </a:xfrm>
+          <a:prstGeom prst="rect">
+            <a:avLst/>
+          </a:prstGeom>
+          <a:noFill/>
+        </p:spPr>
+        <p:txBody>
+          <a:bodyPr rot="0" spcFirstLastPara="0" vertOverflow="overflow" horzOverflow="overflow" vert="horz" wrap="square" lIns="91440" tIns="45720" rIns="91440" bIns="45720" numCol="1" spcCol="0" rtlCol="0" fromWordArt="0" anchor="t" anchorCtr="0" forceAA="0" compatLnSpc="1">
+            <a:prstTxWarp prst="textNoShape">
+              <a:avLst/>
+            </a:prstTxWarp>
+            <a:spAutoFit/>
+          </a:bodyPr>
+          <a:lstStyle/>
+          <a:p>
+            <a:pPr algn="l"/>
+            <a:r>
+              <a:rPr lang="fr-FR"/>
+              <a:t>ETML</a:t>
+            </a:r>
+          </a:p>
+        </p:txBody>
+      </p:sp>
+      <p:sp>
+        <p:nvSpPr>
+          <p:cNvPr id="11" name="ZoneTexte 10">
+            <a:extLst>
+              <a:ext uri="{FF2B5EF4-FFF2-40B4-BE49-F238E27FC236}">
+                <a16:creationId xmlns:a16="http://schemas.microsoft.com/office/drawing/2014/main" id="{73DDF0F7-F3DA-2144-3FFB-AA05049C76ED}"/>
+              </a:ext>
+            </a:extLst>
+          </p:cNvPr>
+          <p:cNvSpPr txBox="1"/>
+          <p:nvPr/>
+        </p:nvSpPr>
+        <p:spPr>
+          <a:xfrm>
+            <a:off x="37629" y="6415850"/>
+            <a:ext cx="884296" cy="369332"/>
+          </a:xfrm>
+          <a:prstGeom prst="rect">
+            <a:avLst/>
+          </a:prstGeom>
+          <a:noFill/>
+        </p:spPr>
+        <p:txBody>
+          <a:bodyPr rot="0" spcFirstLastPara="0" vertOverflow="overflow" horzOverflow="overflow" vert="horz" wrap="square" lIns="91440" tIns="45720" rIns="91440" bIns="45720" numCol="1" spcCol="0" rtlCol="0" fromWordArt="0" anchor="t" anchorCtr="0" forceAA="0" compatLnSpc="1">
+            <a:prstTxWarp prst="textNoShape">
+              <a:avLst/>
+            </a:prstTxWarp>
+            <a:spAutoFit/>
+          </a:bodyPr>
+          <a:lstStyle/>
+          <a:p>
+            <a:pPr algn="l"/>
+            <a:r>
+              <a:rPr lang="fr-FR"/>
+              <a:t>CIN2A</a:t>
+            </a:r>
+          </a:p>
+        </p:txBody>
+      </p:sp>
+      <p:sp>
+        <p:nvSpPr>
+          <p:cNvPr id="13" name="Sous-titre 2">
+            <a:extLst>
+              <a:ext uri="{FF2B5EF4-FFF2-40B4-BE49-F238E27FC236}">
+                <a16:creationId xmlns:a16="http://schemas.microsoft.com/office/drawing/2014/main" id="{933FDD33-7FB7-6AA9-387E-45053A93B9EF}"/>
+              </a:ext>
+            </a:extLst>
+          </p:cNvPr>
+          <p:cNvSpPr txBox="1">
+            <a:spLocks/>
+          </p:cNvSpPr>
+          <p:nvPr/>
+        </p:nvSpPr>
+        <p:spPr>
+          <a:xfrm>
+            <a:off x="9482194" y="6383335"/>
+            <a:ext cx="2602858" cy="402374"/>
+          </a:xfrm>
+          <a:prstGeom prst="rect">
+            <a:avLst/>
+          </a:prstGeom>
+        </p:spPr>
+        <p:txBody>
+          <a:bodyPr vert="horz" lIns="91440" tIns="45720" rIns="91440" bIns="45720" rtlCol="0" anchor="b">
+            <a:normAutofit fontScale="92500"/>
+          </a:bodyPr>
+          <a:lstStyle>
+            <a:lvl1pPr marL="0" indent="0" algn="l" defTabSz="914400" rtl="0" eaLnBrk="1" latinLnBrk="0" hangingPunct="1">
+              <a:lnSpc>
+                <a:spcPct val="110000"/>
+              </a:lnSpc>
+              <a:spcBef>
+                <a:spcPts val="1000"/>
+              </a:spcBef>
+              <a:buFont typeface="Arial" panose="020B0604020202020204" pitchFamily="34" charset="0"/>
+              <a:buNone/>
+              <a:defRPr sz="2200" kern="1200">
+                <a:solidFill>
+                  <a:schemeClr val="tx1"/>
+                </a:solidFill>
+                <a:latin typeface="+mn-lt"/>
+                <a:ea typeface="+mn-ea"/>
+                <a:cs typeface="+mn-cs"/>
+              </a:defRPr>
+            </a:lvl1pPr>
+            <a:lvl2pPr marL="228600" indent="0" algn="l" defTabSz="914400" rtl="0" eaLnBrk="1" latinLnBrk="0" hangingPunct="1">
+              <a:lnSpc>
+                <a:spcPct val="110000"/>
+              </a:lnSpc>
+              <a:spcBef>
+                <a:spcPts val="500"/>
+              </a:spcBef>
+              <a:buFont typeface="Arial" panose="020B0604020202020204" pitchFamily="34" charset="0"/>
+              <a:buNone/>
+              <a:defRPr sz="2000" kern="1200">
+                <a:solidFill>
+                  <a:schemeClr val="tx1"/>
+                </a:solidFill>
+                <a:latin typeface="+mn-lt"/>
+                <a:ea typeface="+mn-ea"/>
+                <a:cs typeface="+mn-cs"/>
+              </a:defRPr>
+            </a:lvl2pPr>
+            <a:lvl3pPr marL="457200" indent="0" algn="l" defTabSz="914400" rtl="0" eaLnBrk="1" latinLnBrk="0" hangingPunct="1">
+              <a:lnSpc>
+                <a:spcPct val="110000"/>
+              </a:lnSpc>
+              <a:spcBef>
+                <a:spcPts val="500"/>
+              </a:spcBef>
+              <a:buFont typeface="Arial" panose="020B0604020202020204" pitchFamily="34" charset="0"/>
+              <a:buNone/>
+              <a:defRPr sz="1800" kern="1200">
+                <a:solidFill>
+                  <a:schemeClr val="tx1"/>
+                </a:solidFill>
+                <a:latin typeface="+mn-lt"/>
+                <a:ea typeface="+mn-ea"/>
+                <a:cs typeface="+mn-cs"/>
+              </a:defRPr>
+            </a:lvl3pPr>
+            <a:lvl4pPr marL="685800" indent="0" algn="l" defTabSz="914400" rtl="0" eaLnBrk="1" latinLnBrk="0" hangingPunct="1">
+              <a:lnSpc>
+                <a:spcPct val="110000"/>
+              </a:lnSpc>
+              <a:spcBef>
+                <a:spcPts val="500"/>
+              </a:spcBef>
+              <a:buFont typeface="Arial" panose="020B0604020202020204" pitchFamily="34" charset="0"/>
+              <a:buNone/>
+              <a:defRPr sz="1600" kern="1200">
+                <a:solidFill>
+                  <a:schemeClr val="tx1"/>
+                </a:solidFill>
+                <a:latin typeface="+mn-lt"/>
+                <a:ea typeface="+mn-ea"/>
+                <a:cs typeface="+mn-cs"/>
+              </a:defRPr>
+            </a:lvl4pPr>
+            <a:lvl5pPr marL="914400" indent="0" algn="l" defTabSz="914400" rtl="0" eaLnBrk="1" latinLnBrk="0" hangingPunct="1">
+              <a:lnSpc>
+                <a:spcPct val="110000"/>
+              </a:lnSpc>
+              <a:spcBef>
+                <a:spcPts val="500"/>
+              </a:spcBef>
+              <a:buFont typeface="Arial" panose="020B0604020202020204" pitchFamily="34" charset="0"/>
+              <a:buNone/>
+              <a:defRPr sz="1600" kern="1200">
+                <a:solidFill>
+                  <a:schemeClr val="tx1"/>
+                </a:solidFill>
+                <a:latin typeface="+mn-lt"/>
+                <a:ea typeface="+mn-ea"/>
+                <a:cs typeface="+mn-cs"/>
+              </a:defRPr>
+            </a:lvl5pPr>
+            <a:lvl6pPr marL="2514600" indent="-228600" algn="l" defTabSz="914400" rtl="0" eaLnBrk="1" latinLnBrk="0" hangingPunct="1">
+              <a:lnSpc>
+                <a:spcPct val="90000"/>
+              </a:lnSpc>
+              <a:spcBef>
+                <a:spcPts val="500"/>
+              </a:spcBef>
+              <a:buFont typeface="Arial" panose="020B0604020202020204" pitchFamily="34" charset="0"/>
+              <a:buChar char="•"/>
+              <a:defRPr sz="1800" kern="1200">
+                <a:solidFill>
+                  <a:schemeClr val="tx1"/>
+                </a:solidFill>
+                <a:latin typeface="+mn-lt"/>
+                <a:ea typeface="+mn-ea"/>
+                <a:cs typeface="+mn-cs"/>
+              </a:defRPr>
+            </a:lvl6pPr>
+            <a:lvl7pPr marL="2971800" indent="-228600" algn="l" defTabSz="914400" rtl="0" eaLnBrk="1" latinLnBrk="0" hangingPunct="1">
+              <a:lnSpc>
+                <a:spcPct val="90000"/>
+              </a:lnSpc>
+              <a:spcBef>
+                <a:spcPts val="500"/>
+              </a:spcBef>
+              <a:buFont typeface="Arial" panose="020B0604020202020204" pitchFamily="34" charset="0"/>
+              <a:buChar char="•"/>
+              <a:defRPr sz="1800" kern="1200">
+                <a:solidFill>
+                  <a:schemeClr val="tx1"/>
+                </a:solidFill>
+                <a:latin typeface="+mn-lt"/>
+                <a:ea typeface="+mn-ea"/>
+                <a:cs typeface="+mn-cs"/>
+              </a:defRPr>
+            </a:lvl7pPr>
+            <a:lvl8pPr marL="3429000" indent="-228600" algn="l" defTabSz="914400" rtl="0" eaLnBrk="1" latinLnBrk="0" hangingPunct="1">
+              <a:lnSpc>
+                <a:spcPct val="90000"/>
+              </a:lnSpc>
+              <a:spcBef>
+                <a:spcPts val="500"/>
+              </a:spcBef>
+              <a:buFont typeface="Arial" panose="020B0604020202020204" pitchFamily="34" charset="0"/>
+              <a:buChar char="•"/>
+              <a:defRPr sz="1800" kern="1200">
+                <a:solidFill>
+                  <a:schemeClr val="tx1"/>
+                </a:solidFill>
+                <a:latin typeface="+mn-lt"/>
+                <a:ea typeface="+mn-ea"/>
+                <a:cs typeface="+mn-cs"/>
+              </a:defRPr>
+            </a:lvl8pPr>
+            <a:lvl9pPr marL="3886200" indent="-228600" algn="l" defTabSz="914400" rtl="0" eaLnBrk="1" latinLnBrk="0" hangingPunct="1">
+              <a:lnSpc>
+                <a:spcPct val="90000"/>
+              </a:lnSpc>
+              <a:spcBef>
+                <a:spcPts val="500"/>
+              </a:spcBef>
+              <a:buFont typeface="Arial" panose="020B0604020202020204" pitchFamily="34" charset="0"/>
+              <a:buChar char="•"/>
+              <a:defRPr sz="1800" kern="1200">
+                <a:solidFill>
+                  <a:schemeClr val="tx1"/>
+                </a:solidFill>
+                <a:latin typeface="+mn-lt"/>
+                <a:ea typeface="+mn-ea"/>
+                <a:cs typeface="+mn-cs"/>
+              </a:defRPr>
+            </a:lvl9pPr>
+          </a:lstStyle>
+          <a:p>
+            <a:r>
+              <a:rPr lang="fr-CH" sz="1400"/>
+              <a:t>Luca, Natasha, Sanjaey et Théo</a:t>
             </a:r>
           </a:p>
         </p:txBody>
@@ -5371,7 +9568,7 @@
           <a:lstStyle/>
           <a:p>
             <a:r>
-              <a:rPr lang="fr-CH" dirty="0"/>
+              <a:rPr lang="fr-CH"/>
               <a:t>Explication du projet </a:t>
             </a:r>
           </a:p>
@@ -5395,30 +9592,33 @@
         </p:nvSpPr>
         <p:spPr/>
         <p:txBody>
-          <a:bodyPr/>
-          <a:lstStyle/>
-          <a:p>
-            <a:r>
-              <a:rPr lang="fr-CH" dirty="0"/>
-              <a:t>Développer une application pour un </a:t>
-            </a:r>
-            <a:r>
-              <a:rPr lang="fr-CH" dirty="0" err="1"/>
-              <a:t>ranking</a:t>
-            </a:r>
-            <a:r>
-              <a:rPr lang="fr-CH" dirty="0"/>
-              <a:t> d’imprimantes all-in-one.</a:t>
-            </a:r>
-          </a:p>
-        </p:txBody>
-      </p:sp>
-      <p:sp>
-        <p:nvSpPr>
-          <p:cNvPr id="4" name="ZoneTexte 3">
-            <a:extLst>
-              <a:ext uri="{FF2B5EF4-FFF2-40B4-BE49-F238E27FC236}">
-                <a16:creationId xmlns:a16="http://schemas.microsoft.com/office/drawing/2014/main" id="{93FF5E28-A64D-4F5E-9117-82A087BA5A75}"/>
+          <a:bodyPr vert="horz" lIns="91440" tIns="45720" rIns="91440" bIns="45720" rtlCol="0" anchor="t">
+            <a:normAutofit/>
+          </a:bodyPr>
+          <a:lstStyle/>
+          <a:p>
+            <a:r>
+              <a:rPr lang="fr-CH"/>
+              <a:t>- Application </a:t>
+            </a:r>
+          </a:p>
+          <a:p>
+            <a:r>
+              <a:rPr lang="fr-CH"/>
+              <a:t>- Imprimantes</a:t>
+            </a:r>
+          </a:p>
+          <a:p>
+            <a:endParaRPr lang="fr-CH"/>
+          </a:p>
+        </p:txBody>
+      </p:sp>
+      <p:sp>
+        <p:nvSpPr>
+          <p:cNvPr id="13" name="ZoneTexte 12">
+            <a:extLst>
+              <a:ext uri="{FF2B5EF4-FFF2-40B4-BE49-F238E27FC236}">
+                <a16:creationId xmlns:a16="http://schemas.microsoft.com/office/drawing/2014/main" id="{916DA44B-CB65-537F-54D3-A15D60F58EED}"/>
               </a:ext>
             </a:extLst>
           </p:cNvPr>
@@ -5427,8 +9627,8 @@
         </p:nvSpPr>
         <p:spPr>
           <a:xfrm>
-            <a:off x="2038526" y="215445"/>
-            <a:ext cx="2189526" cy="369332"/>
+            <a:off x="37629" y="112887"/>
+            <a:ext cx="1335852" cy="369332"/>
           </a:xfrm>
           <a:prstGeom prst="rect">
             <a:avLst/>
@@ -5436,24 +9636,28 @@
           <a:noFill/>
         </p:spPr>
         <p:txBody>
-          <a:bodyPr wrap="square" rtlCol="0">
+          <a:bodyPr rot="0" spcFirstLastPara="0" vertOverflow="overflow" horzOverflow="overflow" vert="horz" wrap="square" lIns="91440" tIns="45720" rIns="91440" bIns="45720" numCol="1" spcCol="0" rtlCol="0" fromWordArt="0" anchor="t" anchorCtr="0" forceAA="0" compatLnSpc="1">
+            <a:prstTxWarp prst="textNoShape">
+              <a:avLst/>
+            </a:prstTxWarp>
             <a:spAutoFit/>
           </a:bodyPr>
           <a:lstStyle/>
           <a:p>
-            <a:r>
-              <a:rPr lang="fr-CH" dirty="0"/>
-              <a:t>Explication du projet </a:t>
-            </a:r>
-          </a:p>
-        </p:txBody>
-      </p:sp>
-      <p:sp>
-        <p:nvSpPr>
-          <p:cNvPr id="5" name="ZoneTexte 4">
-            <a:extLst>
-              <a:ext uri="{FF2B5EF4-FFF2-40B4-BE49-F238E27FC236}">
-                <a16:creationId xmlns:a16="http://schemas.microsoft.com/office/drawing/2014/main" id="{C4F08F43-0B75-4E4D-B322-C3D34B6A205B}"/>
+            <a:pPr algn="l"/>
+            <a:r>
+              <a:rPr lang="fr-FR"/>
+              <a:t>10.01.2023</a:t>
+            </a:r>
+          </a:p>
+        </p:txBody>
+      </p:sp>
+      <p:sp>
+        <p:nvSpPr>
+          <p:cNvPr id="15" name="ZoneTexte 14">
+            <a:extLst>
+              <a:ext uri="{FF2B5EF4-FFF2-40B4-BE49-F238E27FC236}">
+                <a16:creationId xmlns:a16="http://schemas.microsoft.com/office/drawing/2014/main" id="{029ED103-79E6-E8DF-B2F2-CE68C0030635}"/>
               </a:ext>
             </a:extLst>
           </p:cNvPr>
@@ -5462,8 +9666,8 @@
         </p:nvSpPr>
         <p:spPr>
           <a:xfrm>
-            <a:off x="4295164" y="215445"/>
-            <a:ext cx="2189526" cy="369332"/>
+            <a:off x="11307703" y="112887"/>
+            <a:ext cx="714963" cy="369332"/>
           </a:xfrm>
           <a:prstGeom prst="rect">
             <a:avLst/>
@@ -5471,24 +9675,28 @@
           <a:noFill/>
         </p:spPr>
         <p:txBody>
-          <a:bodyPr wrap="square" rtlCol="0">
+          <a:bodyPr rot="0" spcFirstLastPara="0" vertOverflow="overflow" horzOverflow="overflow" vert="horz" wrap="square" lIns="91440" tIns="45720" rIns="91440" bIns="45720" numCol="1" spcCol="0" rtlCol="0" fromWordArt="0" anchor="t" anchorCtr="0" forceAA="0" compatLnSpc="1">
+            <a:prstTxWarp prst="textNoShape">
+              <a:avLst/>
+            </a:prstTxWarp>
             <a:spAutoFit/>
           </a:bodyPr>
           <a:lstStyle/>
           <a:p>
-            <a:r>
-              <a:rPr lang="fr-CH" dirty="0"/>
-              <a:t>Explication du projet </a:t>
-            </a:r>
-          </a:p>
-        </p:txBody>
-      </p:sp>
-      <p:sp>
-        <p:nvSpPr>
-          <p:cNvPr id="6" name="ZoneTexte 5">
-            <a:extLst>
-              <a:ext uri="{FF2B5EF4-FFF2-40B4-BE49-F238E27FC236}">
-                <a16:creationId xmlns:a16="http://schemas.microsoft.com/office/drawing/2014/main" id="{BD4E8907-5F6A-4002-B9E1-30C2E8A27177}"/>
+            <a:pPr algn="l"/>
+            <a:r>
+              <a:rPr lang="fr-FR"/>
+              <a:t>ETML</a:t>
+            </a:r>
+          </a:p>
+        </p:txBody>
+      </p:sp>
+      <p:sp>
+        <p:nvSpPr>
+          <p:cNvPr id="17" name="ZoneTexte 16">
+            <a:extLst>
+              <a:ext uri="{FF2B5EF4-FFF2-40B4-BE49-F238E27FC236}">
+                <a16:creationId xmlns:a16="http://schemas.microsoft.com/office/drawing/2014/main" id="{54AD5005-ECD7-AC70-21DE-5FC5C6CC0090}"/>
               </a:ext>
             </a:extLst>
           </p:cNvPr>
@@ -5497,8 +9705,8 @@
         </p:nvSpPr>
         <p:spPr>
           <a:xfrm>
-            <a:off x="0" y="215445"/>
-            <a:ext cx="2189526" cy="369332"/>
+            <a:off x="37629" y="6415850"/>
+            <a:ext cx="884296" cy="369332"/>
           </a:xfrm>
           <a:prstGeom prst="rect">
             <a:avLst/>
@@ -5506,14 +9714,217 @@
           <a:noFill/>
         </p:spPr>
         <p:txBody>
-          <a:bodyPr wrap="square" rtlCol="0">
+          <a:bodyPr rot="0" spcFirstLastPara="0" vertOverflow="overflow" horzOverflow="overflow" vert="horz" wrap="square" lIns="91440" tIns="45720" rIns="91440" bIns="45720" numCol="1" spcCol="0" rtlCol="0" fromWordArt="0" anchor="t" anchorCtr="0" forceAA="0" compatLnSpc="1">
+            <a:prstTxWarp prst="textNoShape">
+              <a:avLst/>
+            </a:prstTxWarp>
             <a:spAutoFit/>
           </a:bodyPr>
           <a:lstStyle/>
           <a:p>
-            <a:r>
-              <a:rPr lang="fr-CH" dirty="0"/>
-              <a:t>Explication du projet </a:t>
+            <a:pPr algn="l"/>
+            <a:r>
+              <a:rPr lang="fr-FR"/>
+              <a:t>CIN2A</a:t>
+            </a:r>
+          </a:p>
+        </p:txBody>
+      </p:sp>
+      <p:sp>
+        <p:nvSpPr>
+          <p:cNvPr id="19" name="Sous-titre 2">
+            <a:extLst>
+              <a:ext uri="{FF2B5EF4-FFF2-40B4-BE49-F238E27FC236}">
+                <a16:creationId xmlns:a16="http://schemas.microsoft.com/office/drawing/2014/main" id="{D9521C28-61C2-5C0B-EF43-238E6B5F7869}"/>
+              </a:ext>
+            </a:extLst>
+          </p:cNvPr>
+          <p:cNvSpPr txBox="1">
+            <a:spLocks/>
+          </p:cNvSpPr>
+          <p:nvPr/>
+        </p:nvSpPr>
+        <p:spPr>
+          <a:xfrm>
+            <a:off x="9482194" y="6383335"/>
+            <a:ext cx="2602858" cy="402374"/>
+          </a:xfrm>
+          <a:prstGeom prst="rect">
+            <a:avLst/>
+          </a:prstGeom>
+        </p:spPr>
+        <p:txBody>
+          <a:bodyPr vert="horz" lIns="91440" tIns="45720" rIns="91440" bIns="45720" rtlCol="0" anchor="b">
+            <a:normAutofit fontScale="92500"/>
+          </a:bodyPr>
+          <a:lstStyle>
+            <a:lvl1pPr marL="0" indent="0" algn="l" defTabSz="914400" rtl="0" eaLnBrk="1" latinLnBrk="0" hangingPunct="1">
+              <a:lnSpc>
+                <a:spcPct val="110000"/>
+              </a:lnSpc>
+              <a:spcBef>
+                <a:spcPts val="1000"/>
+              </a:spcBef>
+              <a:buFont typeface="Arial" panose="020B0604020202020204" pitchFamily="34" charset="0"/>
+              <a:buNone/>
+              <a:defRPr sz="2200" kern="1200">
+                <a:solidFill>
+                  <a:schemeClr val="tx1"/>
+                </a:solidFill>
+                <a:latin typeface="+mn-lt"/>
+                <a:ea typeface="+mn-ea"/>
+                <a:cs typeface="+mn-cs"/>
+              </a:defRPr>
+            </a:lvl1pPr>
+            <a:lvl2pPr marL="228600" indent="0" algn="l" defTabSz="914400" rtl="0" eaLnBrk="1" latinLnBrk="0" hangingPunct="1">
+              <a:lnSpc>
+                <a:spcPct val="110000"/>
+              </a:lnSpc>
+              <a:spcBef>
+                <a:spcPts val="500"/>
+              </a:spcBef>
+              <a:buFont typeface="Arial" panose="020B0604020202020204" pitchFamily="34" charset="0"/>
+              <a:buNone/>
+              <a:defRPr sz="2000" kern="1200">
+                <a:solidFill>
+                  <a:schemeClr val="tx1"/>
+                </a:solidFill>
+                <a:latin typeface="+mn-lt"/>
+                <a:ea typeface="+mn-ea"/>
+                <a:cs typeface="+mn-cs"/>
+              </a:defRPr>
+            </a:lvl2pPr>
+            <a:lvl3pPr marL="457200" indent="0" algn="l" defTabSz="914400" rtl="0" eaLnBrk="1" latinLnBrk="0" hangingPunct="1">
+              <a:lnSpc>
+                <a:spcPct val="110000"/>
+              </a:lnSpc>
+              <a:spcBef>
+                <a:spcPts val="500"/>
+              </a:spcBef>
+              <a:buFont typeface="Arial" panose="020B0604020202020204" pitchFamily="34" charset="0"/>
+              <a:buNone/>
+              <a:defRPr sz="1800" kern="1200">
+                <a:solidFill>
+                  <a:schemeClr val="tx1"/>
+                </a:solidFill>
+                <a:latin typeface="+mn-lt"/>
+                <a:ea typeface="+mn-ea"/>
+                <a:cs typeface="+mn-cs"/>
+              </a:defRPr>
+            </a:lvl3pPr>
+            <a:lvl4pPr marL="685800" indent="0" algn="l" defTabSz="914400" rtl="0" eaLnBrk="1" latinLnBrk="0" hangingPunct="1">
+              <a:lnSpc>
+                <a:spcPct val="110000"/>
+              </a:lnSpc>
+              <a:spcBef>
+                <a:spcPts val="500"/>
+              </a:spcBef>
+              <a:buFont typeface="Arial" panose="020B0604020202020204" pitchFamily="34" charset="0"/>
+              <a:buNone/>
+              <a:defRPr sz="1600" kern="1200">
+                <a:solidFill>
+                  <a:schemeClr val="tx1"/>
+                </a:solidFill>
+                <a:latin typeface="+mn-lt"/>
+                <a:ea typeface="+mn-ea"/>
+                <a:cs typeface="+mn-cs"/>
+              </a:defRPr>
+            </a:lvl4pPr>
+            <a:lvl5pPr marL="914400" indent="0" algn="l" defTabSz="914400" rtl="0" eaLnBrk="1" latinLnBrk="0" hangingPunct="1">
+              <a:lnSpc>
+                <a:spcPct val="110000"/>
+              </a:lnSpc>
+              <a:spcBef>
+                <a:spcPts val="500"/>
+              </a:spcBef>
+              <a:buFont typeface="Arial" panose="020B0604020202020204" pitchFamily="34" charset="0"/>
+              <a:buNone/>
+              <a:defRPr sz="1600" kern="1200">
+                <a:solidFill>
+                  <a:schemeClr val="tx1"/>
+                </a:solidFill>
+                <a:latin typeface="+mn-lt"/>
+                <a:ea typeface="+mn-ea"/>
+                <a:cs typeface="+mn-cs"/>
+              </a:defRPr>
+            </a:lvl5pPr>
+            <a:lvl6pPr marL="2514600" indent="-228600" algn="l" defTabSz="914400" rtl="0" eaLnBrk="1" latinLnBrk="0" hangingPunct="1">
+              <a:lnSpc>
+                <a:spcPct val="90000"/>
+              </a:lnSpc>
+              <a:spcBef>
+                <a:spcPts val="500"/>
+              </a:spcBef>
+              <a:buFont typeface="Arial" panose="020B0604020202020204" pitchFamily="34" charset="0"/>
+              <a:buChar char="•"/>
+              <a:defRPr sz="1800" kern="1200">
+                <a:solidFill>
+                  <a:schemeClr val="tx1"/>
+                </a:solidFill>
+                <a:latin typeface="+mn-lt"/>
+                <a:ea typeface="+mn-ea"/>
+                <a:cs typeface="+mn-cs"/>
+              </a:defRPr>
+            </a:lvl6pPr>
+            <a:lvl7pPr marL="2971800" indent="-228600" algn="l" defTabSz="914400" rtl="0" eaLnBrk="1" latinLnBrk="0" hangingPunct="1">
+              <a:lnSpc>
+                <a:spcPct val="90000"/>
+              </a:lnSpc>
+              <a:spcBef>
+                <a:spcPts val="500"/>
+              </a:spcBef>
+              <a:buFont typeface="Arial" panose="020B0604020202020204" pitchFamily="34" charset="0"/>
+              <a:buChar char="•"/>
+              <a:defRPr sz="1800" kern="1200">
+                <a:solidFill>
+                  <a:schemeClr val="tx1"/>
+                </a:solidFill>
+                <a:latin typeface="+mn-lt"/>
+                <a:ea typeface="+mn-ea"/>
+                <a:cs typeface="+mn-cs"/>
+              </a:defRPr>
+            </a:lvl7pPr>
+            <a:lvl8pPr marL="3429000" indent="-228600" algn="l" defTabSz="914400" rtl="0" eaLnBrk="1" latinLnBrk="0" hangingPunct="1">
+              <a:lnSpc>
+                <a:spcPct val="90000"/>
+              </a:lnSpc>
+              <a:spcBef>
+                <a:spcPts val="500"/>
+              </a:spcBef>
+              <a:buFont typeface="Arial" panose="020B0604020202020204" pitchFamily="34" charset="0"/>
+              <a:buChar char="•"/>
+              <a:defRPr sz="1800" kern="1200">
+                <a:solidFill>
+                  <a:schemeClr val="tx1"/>
+                </a:solidFill>
+                <a:latin typeface="+mn-lt"/>
+                <a:ea typeface="+mn-ea"/>
+                <a:cs typeface="+mn-cs"/>
+              </a:defRPr>
+            </a:lvl8pPr>
+            <a:lvl9pPr marL="3886200" indent="-228600" algn="l" defTabSz="914400" rtl="0" eaLnBrk="1" latinLnBrk="0" hangingPunct="1">
+              <a:lnSpc>
+                <a:spcPct val="90000"/>
+              </a:lnSpc>
+              <a:spcBef>
+                <a:spcPts val="500"/>
+              </a:spcBef>
+              <a:buFont typeface="Arial" panose="020B0604020202020204" pitchFamily="34" charset="0"/>
+              <a:buChar char="•"/>
+              <a:defRPr sz="1800" kern="1200">
+                <a:solidFill>
+                  <a:schemeClr val="tx1"/>
+                </a:solidFill>
+                <a:latin typeface="+mn-lt"/>
+                <a:ea typeface="+mn-ea"/>
+                <a:cs typeface="+mn-cs"/>
+              </a:defRPr>
+            </a:lvl9pPr>
+          </a:lstStyle>
+          <a:p>
+            <a:r>
+              <a:rPr lang="fr-CH" sz="1400"/>
+              <a:t>Luca, Natasha, Sanjaey et Théo</a:t>
             </a:r>
           </a:p>
         </p:txBody>
@@ -5522,6 +9933,2664 @@
     <p:extLst>
       <p:ext uri="{BB962C8B-B14F-4D97-AF65-F5344CB8AC3E}">
         <p14:creationId xmlns:p14="http://schemas.microsoft.com/office/powerpoint/2010/main" val="2199826723"/>
+      </p:ext>
+    </p:extLst>
+  </p:cSld>
+  <p:clrMapOvr>
+    <a:masterClrMapping/>
+  </p:clrMapOvr>
+</p:sld>
+</file>
+
+<file path=ppt/slides/slide4.xml><?xml version="1.0" encoding="utf-8"?>
+<p:sld xmlns:a="http://schemas.openxmlformats.org/drawingml/2006/main" xmlns:r="http://schemas.openxmlformats.org/officeDocument/2006/relationships" xmlns:p="http://schemas.openxmlformats.org/presentationml/2006/main">
+  <p:cSld>
+    <p:spTree>
+      <p:nvGrpSpPr>
+        <p:cNvPr id="1" name=""/>
+        <p:cNvGrpSpPr/>
+        <p:nvPr/>
+      </p:nvGrpSpPr>
+      <p:grpSpPr>
+        <a:xfrm>
+          <a:off x="0" y="0"/>
+          <a:ext cx="0" cy="0"/>
+          <a:chOff x="0" y="0"/>
+          <a:chExt cx="0" cy="0"/>
+        </a:xfrm>
+      </p:grpSpPr>
+      <p:sp>
+        <p:nvSpPr>
+          <p:cNvPr id="2" name="Titre 1">
+            <a:extLst>
+              <a:ext uri="{FF2B5EF4-FFF2-40B4-BE49-F238E27FC236}">
+                <a16:creationId xmlns:a16="http://schemas.microsoft.com/office/drawing/2014/main" id="{404B193E-A4C0-061D-9FB5-1F9EF5907464}"/>
+              </a:ext>
+            </a:extLst>
+          </p:cNvPr>
+          <p:cNvSpPr>
+            <a:spLocks noGrp="1"/>
+          </p:cNvSpPr>
+          <p:nvPr>
+            <p:ph type="title"/>
+          </p:nvPr>
+        </p:nvSpPr>
+        <p:spPr/>
+        <p:txBody>
+          <a:bodyPr/>
+          <a:lstStyle/>
+          <a:p>
+            <a:r>
+              <a:rPr lang="fr-CH">
+                <a:ea typeface="+mj-lt"/>
+                <a:cs typeface="+mj-lt"/>
+              </a:rPr>
+              <a:t>Explication du projet </a:t>
+            </a:r>
+            <a:endParaRPr lang="fr-FR">
+              <a:ea typeface="+mj-lt"/>
+              <a:cs typeface="+mj-lt"/>
+            </a:endParaRPr>
+          </a:p>
+        </p:txBody>
+      </p:sp>
+      <p:sp>
+        <p:nvSpPr>
+          <p:cNvPr id="3" name="Espace réservé du contenu 2">
+            <a:extLst>
+              <a:ext uri="{FF2B5EF4-FFF2-40B4-BE49-F238E27FC236}">
+                <a16:creationId xmlns:a16="http://schemas.microsoft.com/office/drawing/2014/main" id="{974BBFEC-DA65-A4D1-A632-6B76D8047D29}"/>
+              </a:ext>
+            </a:extLst>
+          </p:cNvPr>
+          <p:cNvSpPr>
+            <a:spLocks noGrp="1"/>
+          </p:cNvSpPr>
+          <p:nvPr>
+            <p:ph idx="1"/>
+          </p:nvPr>
+        </p:nvSpPr>
+        <p:spPr/>
+        <p:txBody>
+          <a:bodyPr vert="horz" lIns="91440" tIns="45720" rIns="91440" bIns="45720" rtlCol="0" anchor="t">
+            <a:normAutofit/>
+          </a:bodyPr>
+          <a:lstStyle/>
+          <a:p>
+            <a:r>
+              <a:rPr lang="fr-FR"/>
+              <a:t>Matériel / logiciel utilisé : </a:t>
+            </a:r>
+          </a:p>
+          <a:p>
+            <a:pPr marL="342900" indent="-342900">
+              <a:buChar char="•"/>
+            </a:pPr>
+            <a:r>
+              <a:rPr lang="fr-FR" err="1"/>
+              <a:t>Uwamp</a:t>
+            </a:r>
+          </a:p>
+          <a:p>
+            <a:pPr marL="342900" indent="-342900">
+              <a:buChar char="•"/>
+            </a:pPr>
+            <a:r>
+              <a:rPr lang="fr-FR"/>
+              <a:t>Visual Studio</a:t>
+            </a:r>
+          </a:p>
+          <a:p>
+            <a:pPr marL="342900" indent="-342900">
+              <a:buChar char="•"/>
+            </a:pPr>
+            <a:r>
+              <a:rPr lang="fr-FR"/>
+              <a:t>PhpMyAdmin</a:t>
+            </a:r>
+          </a:p>
+          <a:p>
+            <a:pPr marL="342900" indent="-342900">
+              <a:buChar char="•"/>
+            </a:pPr>
+            <a:r>
+              <a:rPr lang="fr-FR"/>
+              <a:t>Suite office </a:t>
+            </a:r>
+          </a:p>
+          <a:p>
+            <a:pPr marL="342900" indent="-342900">
+              <a:buChar char="•"/>
+            </a:pPr>
+            <a:r>
+              <a:rPr lang="fr-FR"/>
+              <a:t>GitHub</a:t>
+            </a:r>
+          </a:p>
+        </p:txBody>
+      </p:sp>
+      <p:sp>
+        <p:nvSpPr>
+          <p:cNvPr id="5" name="ZoneTexte 4">
+            <a:extLst>
+              <a:ext uri="{FF2B5EF4-FFF2-40B4-BE49-F238E27FC236}">
+                <a16:creationId xmlns:a16="http://schemas.microsoft.com/office/drawing/2014/main" id="{745B2001-A3A5-C6DE-D2E2-FC980CCEE1AE}"/>
+              </a:ext>
+            </a:extLst>
+          </p:cNvPr>
+          <p:cNvSpPr txBox="1"/>
+          <p:nvPr/>
+        </p:nvSpPr>
+        <p:spPr>
+          <a:xfrm>
+            <a:off x="37629" y="112887"/>
+            <a:ext cx="1335852" cy="369332"/>
+          </a:xfrm>
+          <a:prstGeom prst="rect">
+            <a:avLst/>
+          </a:prstGeom>
+          <a:noFill/>
+        </p:spPr>
+        <p:txBody>
+          <a:bodyPr rot="0" spcFirstLastPara="0" vertOverflow="overflow" horzOverflow="overflow" vert="horz" wrap="square" lIns="91440" tIns="45720" rIns="91440" bIns="45720" numCol="1" spcCol="0" rtlCol="0" fromWordArt="0" anchor="t" anchorCtr="0" forceAA="0" compatLnSpc="1">
+            <a:prstTxWarp prst="textNoShape">
+              <a:avLst/>
+            </a:prstTxWarp>
+            <a:spAutoFit/>
+          </a:bodyPr>
+          <a:lstStyle/>
+          <a:p>
+            <a:pPr algn="l"/>
+            <a:r>
+              <a:rPr lang="fr-FR"/>
+              <a:t>10.01.2023</a:t>
+            </a:r>
+          </a:p>
+        </p:txBody>
+      </p:sp>
+      <p:sp>
+        <p:nvSpPr>
+          <p:cNvPr id="7" name="ZoneTexte 6">
+            <a:extLst>
+              <a:ext uri="{FF2B5EF4-FFF2-40B4-BE49-F238E27FC236}">
+                <a16:creationId xmlns:a16="http://schemas.microsoft.com/office/drawing/2014/main" id="{7E79D4AB-2B76-EE49-0EAA-04DE6CA69763}"/>
+              </a:ext>
+            </a:extLst>
+          </p:cNvPr>
+          <p:cNvSpPr txBox="1"/>
+          <p:nvPr/>
+        </p:nvSpPr>
+        <p:spPr>
+          <a:xfrm>
+            <a:off x="11307703" y="112887"/>
+            <a:ext cx="714963" cy="369332"/>
+          </a:xfrm>
+          <a:prstGeom prst="rect">
+            <a:avLst/>
+          </a:prstGeom>
+          <a:noFill/>
+        </p:spPr>
+        <p:txBody>
+          <a:bodyPr rot="0" spcFirstLastPara="0" vertOverflow="overflow" horzOverflow="overflow" vert="horz" wrap="square" lIns="91440" tIns="45720" rIns="91440" bIns="45720" numCol="1" spcCol="0" rtlCol="0" fromWordArt="0" anchor="t" anchorCtr="0" forceAA="0" compatLnSpc="1">
+            <a:prstTxWarp prst="textNoShape">
+              <a:avLst/>
+            </a:prstTxWarp>
+            <a:spAutoFit/>
+          </a:bodyPr>
+          <a:lstStyle/>
+          <a:p>
+            <a:pPr algn="l"/>
+            <a:r>
+              <a:rPr lang="fr-FR"/>
+              <a:t>ETML</a:t>
+            </a:r>
+          </a:p>
+        </p:txBody>
+      </p:sp>
+      <p:sp>
+        <p:nvSpPr>
+          <p:cNvPr id="9" name="ZoneTexte 8">
+            <a:extLst>
+              <a:ext uri="{FF2B5EF4-FFF2-40B4-BE49-F238E27FC236}">
+                <a16:creationId xmlns:a16="http://schemas.microsoft.com/office/drawing/2014/main" id="{9ADFD812-9CFE-261D-728D-8B8D74D7E714}"/>
+              </a:ext>
+            </a:extLst>
+          </p:cNvPr>
+          <p:cNvSpPr txBox="1"/>
+          <p:nvPr/>
+        </p:nvSpPr>
+        <p:spPr>
+          <a:xfrm>
+            <a:off x="37629" y="6415850"/>
+            <a:ext cx="884296" cy="369332"/>
+          </a:xfrm>
+          <a:prstGeom prst="rect">
+            <a:avLst/>
+          </a:prstGeom>
+          <a:noFill/>
+        </p:spPr>
+        <p:txBody>
+          <a:bodyPr rot="0" spcFirstLastPara="0" vertOverflow="overflow" horzOverflow="overflow" vert="horz" wrap="square" lIns="91440" tIns="45720" rIns="91440" bIns="45720" numCol="1" spcCol="0" rtlCol="0" fromWordArt="0" anchor="t" anchorCtr="0" forceAA="0" compatLnSpc="1">
+            <a:prstTxWarp prst="textNoShape">
+              <a:avLst/>
+            </a:prstTxWarp>
+            <a:spAutoFit/>
+          </a:bodyPr>
+          <a:lstStyle/>
+          <a:p>
+            <a:pPr algn="l"/>
+            <a:r>
+              <a:rPr lang="fr-FR"/>
+              <a:t>CIN2A</a:t>
+            </a:r>
+          </a:p>
+        </p:txBody>
+      </p:sp>
+      <p:sp>
+        <p:nvSpPr>
+          <p:cNvPr id="11" name="Sous-titre 2">
+            <a:extLst>
+              <a:ext uri="{FF2B5EF4-FFF2-40B4-BE49-F238E27FC236}">
+                <a16:creationId xmlns:a16="http://schemas.microsoft.com/office/drawing/2014/main" id="{63861B46-51FB-C796-AF07-85695652F8F4}"/>
+              </a:ext>
+            </a:extLst>
+          </p:cNvPr>
+          <p:cNvSpPr txBox="1">
+            <a:spLocks/>
+          </p:cNvSpPr>
+          <p:nvPr/>
+        </p:nvSpPr>
+        <p:spPr>
+          <a:xfrm>
+            <a:off x="9482194" y="6383335"/>
+            <a:ext cx="2602858" cy="402374"/>
+          </a:xfrm>
+          <a:prstGeom prst="rect">
+            <a:avLst/>
+          </a:prstGeom>
+        </p:spPr>
+        <p:txBody>
+          <a:bodyPr vert="horz" lIns="91440" tIns="45720" rIns="91440" bIns="45720" rtlCol="0" anchor="b">
+            <a:normAutofit fontScale="92500"/>
+          </a:bodyPr>
+          <a:lstStyle>
+            <a:lvl1pPr marL="0" indent="0" algn="l" defTabSz="914400" rtl="0" eaLnBrk="1" latinLnBrk="0" hangingPunct="1">
+              <a:lnSpc>
+                <a:spcPct val="110000"/>
+              </a:lnSpc>
+              <a:spcBef>
+                <a:spcPts val="1000"/>
+              </a:spcBef>
+              <a:buFont typeface="Arial" panose="020B0604020202020204" pitchFamily="34" charset="0"/>
+              <a:buNone/>
+              <a:defRPr sz="2200" kern="1200">
+                <a:solidFill>
+                  <a:schemeClr val="tx1"/>
+                </a:solidFill>
+                <a:latin typeface="+mn-lt"/>
+                <a:ea typeface="+mn-ea"/>
+                <a:cs typeface="+mn-cs"/>
+              </a:defRPr>
+            </a:lvl1pPr>
+            <a:lvl2pPr marL="228600" indent="0" algn="l" defTabSz="914400" rtl="0" eaLnBrk="1" latinLnBrk="0" hangingPunct="1">
+              <a:lnSpc>
+                <a:spcPct val="110000"/>
+              </a:lnSpc>
+              <a:spcBef>
+                <a:spcPts val="500"/>
+              </a:spcBef>
+              <a:buFont typeface="Arial" panose="020B0604020202020204" pitchFamily="34" charset="0"/>
+              <a:buNone/>
+              <a:defRPr sz="2000" kern="1200">
+                <a:solidFill>
+                  <a:schemeClr val="tx1"/>
+                </a:solidFill>
+                <a:latin typeface="+mn-lt"/>
+                <a:ea typeface="+mn-ea"/>
+                <a:cs typeface="+mn-cs"/>
+              </a:defRPr>
+            </a:lvl2pPr>
+            <a:lvl3pPr marL="457200" indent="0" algn="l" defTabSz="914400" rtl="0" eaLnBrk="1" latinLnBrk="0" hangingPunct="1">
+              <a:lnSpc>
+                <a:spcPct val="110000"/>
+              </a:lnSpc>
+              <a:spcBef>
+                <a:spcPts val="500"/>
+              </a:spcBef>
+              <a:buFont typeface="Arial" panose="020B0604020202020204" pitchFamily="34" charset="0"/>
+              <a:buNone/>
+              <a:defRPr sz="1800" kern="1200">
+                <a:solidFill>
+                  <a:schemeClr val="tx1"/>
+                </a:solidFill>
+                <a:latin typeface="+mn-lt"/>
+                <a:ea typeface="+mn-ea"/>
+                <a:cs typeface="+mn-cs"/>
+              </a:defRPr>
+            </a:lvl3pPr>
+            <a:lvl4pPr marL="685800" indent="0" algn="l" defTabSz="914400" rtl="0" eaLnBrk="1" latinLnBrk="0" hangingPunct="1">
+              <a:lnSpc>
+                <a:spcPct val="110000"/>
+              </a:lnSpc>
+              <a:spcBef>
+                <a:spcPts val="500"/>
+              </a:spcBef>
+              <a:buFont typeface="Arial" panose="020B0604020202020204" pitchFamily="34" charset="0"/>
+              <a:buNone/>
+              <a:defRPr sz="1600" kern="1200">
+                <a:solidFill>
+                  <a:schemeClr val="tx1"/>
+                </a:solidFill>
+                <a:latin typeface="+mn-lt"/>
+                <a:ea typeface="+mn-ea"/>
+                <a:cs typeface="+mn-cs"/>
+              </a:defRPr>
+            </a:lvl4pPr>
+            <a:lvl5pPr marL="914400" indent="0" algn="l" defTabSz="914400" rtl="0" eaLnBrk="1" latinLnBrk="0" hangingPunct="1">
+              <a:lnSpc>
+                <a:spcPct val="110000"/>
+              </a:lnSpc>
+              <a:spcBef>
+                <a:spcPts val="500"/>
+              </a:spcBef>
+              <a:buFont typeface="Arial" panose="020B0604020202020204" pitchFamily="34" charset="0"/>
+              <a:buNone/>
+              <a:defRPr sz="1600" kern="1200">
+                <a:solidFill>
+                  <a:schemeClr val="tx1"/>
+                </a:solidFill>
+                <a:latin typeface="+mn-lt"/>
+                <a:ea typeface="+mn-ea"/>
+                <a:cs typeface="+mn-cs"/>
+              </a:defRPr>
+            </a:lvl5pPr>
+            <a:lvl6pPr marL="2514600" indent="-228600" algn="l" defTabSz="914400" rtl="0" eaLnBrk="1" latinLnBrk="0" hangingPunct="1">
+              <a:lnSpc>
+                <a:spcPct val="90000"/>
+              </a:lnSpc>
+              <a:spcBef>
+                <a:spcPts val="500"/>
+              </a:spcBef>
+              <a:buFont typeface="Arial" panose="020B0604020202020204" pitchFamily="34" charset="0"/>
+              <a:buChar char="•"/>
+              <a:defRPr sz="1800" kern="1200">
+                <a:solidFill>
+                  <a:schemeClr val="tx1"/>
+                </a:solidFill>
+                <a:latin typeface="+mn-lt"/>
+                <a:ea typeface="+mn-ea"/>
+                <a:cs typeface="+mn-cs"/>
+              </a:defRPr>
+            </a:lvl6pPr>
+            <a:lvl7pPr marL="2971800" indent="-228600" algn="l" defTabSz="914400" rtl="0" eaLnBrk="1" latinLnBrk="0" hangingPunct="1">
+              <a:lnSpc>
+                <a:spcPct val="90000"/>
+              </a:lnSpc>
+              <a:spcBef>
+                <a:spcPts val="500"/>
+              </a:spcBef>
+              <a:buFont typeface="Arial" panose="020B0604020202020204" pitchFamily="34" charset="0"/>
+              <a:buChar char="•"/>
+              <a:defRPr sz="1800" kern="1200">
+                <a:solidFill>
+                  <a:schemeClr val="tx1"/>
+                </a:solidFill>
+                <a:latin typeface="+mn-lt"/>
+                <a:ea typeface="+mn-ea"/>
+                <a:cs typeface="+mn-cs"/>
+              </a:defRPr>
+            </a:lvl7pPr>
+            <a:lvl8pPr marL="3429000" indent="-228600" algn="l" defTabSz="914400" rtl="0" eaLnBrk="1" latinLnBrk="0" hangingPunct="1">
+              <a:lnSpc>
+                <a:spcPct val="90000"/>
+              </a:lnSpc>
+              <a:spcBef>
+                <a:spcPts val="500"/>
+              </a:spcBef>
+              <a:buFont typeface="Arial" panose="020B0604020202020204" pitchFamily="34" charset="0"/>
+              <a:buChar char="•"/>
+              <a:defRPr sz="1800" kern="1200">
+                <a:solidFill>
+                  <a:schemeClr val="tx1"/>
+                </a:solidFill>
+                <a:latin typeface="+mn-lt"/>
+                <a:ea typeface="+mn-ea"/>
+                <a:cs typeface="+mn-cs"/>
+              </a:defRPr>
+            </a:lvl8pPr>
+            <a:lvl9pPr marL="3886200" indent="-228600" algn="l" defTabSz="914400" rtl="0" eaLnBrk="1" latinLnBrk="0" hangingPunct="1">
+              <a:lnSpc>
+                <a:spcPct val="90000"/>
+              </a:lnSpc>
+              <a:spcBef>
+                <a:spcPts val="500"/>
+              </a:spcBef>
+              <a:buFont typeface="Arial" panose="020B0604020202020204" pitchFamily="34" charset="0"/>
+              <a:buChar char="•"/>
+              <a:defRPr sz="1800" kern="1200">
+                <a:solidFill>
+                  <a:schemeClr val="tx1"/>
+                </a:solidFill>
+                <a:latin typeface="+mn-lt"/>
+                <a:ea typeface="+mn-ea"/>
+                <a:cs typeface="+mn-cs"/>
+              </a:defRPr>
+            </a:lvl9pPr>
+          </a:lstStyle>
+          <a:p>
+            <a:r>
+              <a:rPr lang="fr-CH" sz="1400"/>
+              <a:t>Luca, Natasha, Sanjaey et Théo</a:t>
+            </a:r>
+          </a:p>
+        </p:txBody>
+      </p:sp>
+    </p:spTree>
+    <p:extLst>
+      <p:ext uri="{BB962C8B-B14F-4D97-AF65-F5344CB8AC3E}">
+        <p14:creationId xmlns:p14="http://schemas.microsoft.com/office/powerpoint/2010/main" val="2539950653"/>
+      </p:ext>
+    </p:extLst>
+  </p:cSld>
+  <p:clrMapOvr>
+    <a:masterClrMapping/>
+  </p:clrMapOvr>
+</p:sld>
+</file>
+
+<file path=ppt/slides/slide5.xml><?xml version="1.0" encoding="utf-8"?>
+<p:sld xmlns:a="http://schemas.openxmlformats.org/drawingml/2006/main" xmlns:r="http://schemas.openxmlformats.org/officeDocument/2006/relationships" xmlns:p="http://schemas.openxmlformats.org/presentationml/2006/main">
+  <p:cSld>
+    <p:spTree>
+      <p:nvGrpSpPr>
+        <p:cNvPr id="1" name=""/>
+        <p:cNvGrpSpPr/>
+        <p:nvPr/>
+      </p:nvGrpSpPr>
+      <p:grpSpPr>
+        <a:xfrm>
+          <a:off x="0" y="0"/>
+          <a:ext cx="0" cy="0"/>
+          <a:chOff x="0" y="0"/>
+          <a:chExt cx="0" cy="0"/>
+        </a:xfrm>
+      </p:grpSpPr>
+      <p:sp>
+        <p:nvSpPr>
+          <p:cNvPr id="2" name="Titre 1">
+            <a:extLst>
+              <a:ext uri="{FF2B5EF4-FFF2-40B4-BE49-F238E27FC236}">
+                <a16:creationId xmlns:a16="http://schemas.microsoft.com/office/drawing/2014/main" id="{9BC64FB9-B4E9-E376-D01E-AB01FA82A4AB}"/>
+              </a:ext>
+            </a:extLst>
+          </p:cNvPr>
+          <p:cNvSpPr>
+            <a:spLocks noGrp="1"/>
+          </p:cNvSpPr>
+          <p:nvPr>
+            <p:ph type="title"/>
+          </p:nvPr>
+        </p:nvSpPr>
+        <p:spPr/>
+        <p:txBody>
+          <a:bodyPr/>
+          <a:lstStyle/>
+          <a:p>
+            <a:r>
+              <a:rPr lang="fr-FR"/>
+              <a:t>Répartition des tâches</a:t>
+            </a:r>
+          </a:p>
+        </p:txBody>
+      </p:sp>
+      <p:sp>
+        <p:nvSpPr>
+          <p:cNvPr id="3" name="Espace réservé du contenu 2">
+            <a:extLst>
+              <a:ext uri="{FF2B5EF4-FFF2-40B4-BE49-F238E27FC236}">
+                <a16:creationId xmlns:a16="http://schemas.microsoft.com/office/drawing/2014/main" id="{29A8A492-80D9-3425-F055-91F2F0650A4B}"/>
+              </a:ext>
+            </a:extLst>
+          </p:cNvPr>
+          <p:cNvSpPr>
+            <a:spLocks noGrp="1"/>
+          </p:cNvSpPr>
+          <p:nvPr>
+            <p:ph idx="1"/>
+          </p:nvPr>
+        </p:nvSpPr>
+        <p:spPr/>
+        <p:txBody>
+          <a:bodyPr vert="horz" lIns="91440" tIns="45720" rIns="91440" bIns="45720" rtlCol="0" anchor="t">
+            <a:normAutofit/>
+          </a:bodyPr>
+          <a:lstStyle/>
+          <a:p>
+            <a:r>
+              <a:rPr lang="fr-FR"/>
+              <a:t>Nommage chef de projet </a:t>
+            </a:r>
+          </a:p>
+          <a:p>
+            <a:r>
+              <a:rPr lang="fr-FR"/>
+              <a:t>Répartition des tâches</a:t>
+            </a:r>
+          </a:p>
+          <a:p>
+            <a:r>
+              <a:rPr lang="fr-FR">
+                <a:ea typeface="+mn-lt"/>
+                <a:cs typeface="+mn-lt"/>
+              </a:rPr>
+              <a:t>Exécution de nos tâches</a:t>
+            </a:r>
+            <a:endParaRPr lang="fr-FR"/>
+          </a:p>
+          <a:p>
+            <a:endParaRPr lang="fr-FR"/>
+          </a:p>
+          <a:p>
+            <a:endParaRPr lang="en-US"/>
+          </a:p>
+        </p:txBody>
+      </p:sp>
+      <p:sp>
+        <p:nvSpPr>
+          <p:cNvPr id="5" name="ZoneTexte 4">
+            <a:extLst>
+              <a:ext uri="{FF2B5EF4-FFF2-40B4-BE49-F238E27FC236}">
+                <a16:creationId xmlns:a16="http://schemas.microsoft.com/office/drawing/2014/main" id="{12EC595A-7631-1686-9CB5-866949B50E0F}"/>
+              </a:ext>
+            </a:extLst>
+          </p:cNvPr>
+          <p:cNvSpPr txBox="1"/>
+          <p:nvPr/>
+        </p:nvSpPr>
+        <p:spPr>
+          <a:xfrm>
+            <a:off x="37629" y="112887"/>
+            <a:ext cx="1335852" cy="369332"/>
+          </a:xfrm>
+          <a:prstGeom prst="rect">
+            <a:avLst/>
+          </a:prstGeom>
+          <a:noFill/>
+        </p:spPr>
+        <p:txBody>
+          <a:bodyPr rot="0" spcFirstLastPara="0" vertOverflow="overflow" horzOverflow="overflow" vert="horz" wrap="square" lIns="91440" tIns="45720" rIns="91440" bIns="45720" numCol="1" spcCol="0" rtlCol="0" fromWordArt="0" anchor="t" anchorCtr="0" forceAA="0" compatLnSpc="1">
+            <a:prstTxWarp prst="textNoShape">
+              <a:avLst/>
+            </a:prstTxWarp>
+            <a:spAutoFit/>
+          </a:bodyPr>
+          <a:lstStyle/>
+          <a:p>
+            <a:pPr algn="l"/>
+            <a:r>
+              <a:rPr lang="fr-FR"/>
+              <a:t>10.01.2023</a:t>
+            </a:r>
+          </a:p>
+        </p:txBody>
+      </p:sp>
+      <p:sp>
+        <p:nvSpPr>
+          <p:cNvPr id="7" name="ZoneTexte 6">
+            <a:extLst>
+              <a:ext uri="{FF2B5EF4-FFF2-40B4-BE49-F238E27FC236}">
+                <a16:creationId xmlns:a16="http://schemas.microsoft.com/office/drawing/2014/main" id="{B3A5C962-1F3E-B19D-DFCE-9027D1369392}"/>
+              </a:ext>
+            </a:extLst>
+          </p:cNvPr>
+          <p:cNvSpPr txBox="1"/>
+          <p:nvPr/>
+        </p:nvSpPr>
+        <p:spPr>
+          <a:xfrm>
+            <a:off x="11307703" y="112887"/>
+            <a:ext cx="714963" cy="369332"/>
+          </a:xfrm>
+          <a:prstGeom prst="rect">
+            <a:avLst/>
+          </a:prstGeom>
+          <a:noFill/>
+        </p:spPr>
+        <p:txBody>
+          <a:bodyPr rot="0" spcFirstLastPara="0" vertOverflow="overflow" horzOverflow="overflow" vert="horz" wrap="square" lIns="91440" tIns="45720" rIns="91440" bIns="45720" numCol="1" spcCol="0" rtlCol="0" fromWordArt="0" anchor="t" anchorCtr="0" forceAA="0" compatLnSpc="1">
+            <a:prstTxWarp prst="textNoShape">
+              <a:avLst/>
+            </a:prstTxWarp>
+            <a:spAutoFit/>
+          </a:bodyPr>
+          <a:lstStyle/>
+          <a:p>
+            <a:pPr algn="l"/>
+            <a:r>
+              <a:rPr lang="fr-FR"/>
+              <a:t>ETML</a:t>
+            </a:r>
+          </a:p>
+        </p:txBody>
+      </p:sp>
+      <p:sp>
+        <p:nvSpPr>
+          <p:cNvPr id="9" name="ZoneTexte 8">
+            <a:extLst>
+              <a:ext uri="{FF2B5EF4-FFF2-40B4-BE49-F238E27FC236}">
+                <a16:creationId xmlns:a16="http://schemas.microsoft.com/office/drawing/2014/main" id="{1B563626-36DD-0AA6-C607-1A3874021297}"/>
+              </a:ext>
+            </a:extLst>
+          </p:cNvPr>
+          <p:cNvSpPr txBox="1"/>
+          <p:nvPr/>
+        </p:nvSpPr>
+        <p:spPr>
+          <a:xfrm>
+            <a:off x="37629" y="6415850"/>
+            <a:ext cx="884296" cy="369332"/>
+          </a:xfrm>
+          <a:prstGeom prst="rect">
+            <a:avLst/>
+          </a:prstGeom>
+          <a:noFill/>
+        </p:spPr>
+        <p:txBody>
+          <a:bodyPr rot="0" spcFirstLastPara="0" vertOverflow="overflow" horzOverflow="overflow" vert="horz" wrap="square" lIns="91440" tIns="45720" rIns="91440" bIns="45720" numCol="1" spcCol="0" rtlCol="0" fromWordArt="0" anchor="t" anchorCtr="0" forceAA="0" compatLnSpc="1">
+            <a:prstTxWarp prst="textNoShape">
+              <a:avLst/>
+            </a:prstTxWarp>
+            <a:spAutoFit/>
+          </a:bodyPr>
+          <a:lstStyle/>
+          <a:p>
+            <a:pPr algn="l"/>
+            <a:r>
+              <a:rPr lang="fr-FR"/>
+              <a:t>CIN2A</a:t>
+            </a:r>
+          </a:p>
+        </p:txBody>
+      </p:sp>
+      <p:sp>
+        <p:nvSpPr>
+          <p:cNvPr id="11" name="Sous-titre 2">
+            <a:extLst>
+              <a:ext uri="{FF2B5EF4-FFF2-40B4-BE49-F238E27FC236}">
+                <a16:creationId xmlns:a16="http://schemas.microsoft.com/office/drawing/2014/main" id="{4897D43F-CB4C-7FAC-9BFE-622996688744}"/>
+              </a:ext>
+            </a:extLst>
+          </p:cNvPr>
+          <p:cNvSpPr txBox="1">
+            <a:spLocks/>
+          </p:cNvSpPr>
+          <p:nvPr/>
+        </p:nvSpPr>
+        <p:spPr>
+          <a:xfrm>
+            <a:off x="9482194" y="6383335"/>
+            <a:ext cx="2602858" cy="402374"/>
+          </a:xfrm>
+          <a:prstGeom prst="rect">
+            <a:avLst/>
+          </a:prstGeom>
+        </p:spPr>
+        <p:txBody>
+          <a:bodyPr vert="horz" lIns="91440" tIns="45720" rIns="91440" bIns="45720" rtlCol="0" anchor="b">
+            <a:normAutofit fontScale="92500"/>
+          </a:bodyPr>
+          <a:lstStyle>
+            <a:lvl1pPr marL="0" indent="0" algn="l" defTabSz="914400" rtl="0" eaLnBrk="1" latinLnBrk="0" hangingPunct="1">
+              <a:lnSpc>
+                <a:spcPct val="110000"/>
+              </a:lnSpc>
+              <a:spcBef>
+                <a:spcPts val="1000"/>
+              </a:spcBef>
+              <a:buFont typeface="Arial" panose="020B0604020202020204" pitchFamily="34" charset="0"/>
+              <a:buNone/>
+              <a:defRPr sz="2200" kern="1200">
+                <a:solidFill>
+                  <a:schemeClr val="tx1"/>
+                </a:solidFill>
+                <a:latin typeface="+mn-lt"/>
+                <a:ea typeface="+mn-ea"/>
+                <a:cs typeface="+mn-cs"/>
+              </a:defRPr>
+            </a:lvl1pPr>
+            <a:lvl2pPr marL="228600" indent="0" algn="l" defTabSz="914400" rtl="0" eaLnBrk="1" latinLnBrk="0" hangingPunct="1">
+              <a:lnSpc>
+                <a:spcPct val="110000"/>
+              </a:lnSpc>
+              <a:spcBef>
+                <a:spcPts val="500"/>
+              </a:spcBef>
+              <a:buFont typeface="Arial" panose="020B0604020202020204" pitchFamily="34" charset="0"/>
+              <a:buNone/>
+              <a:defRPr sz="2000" kern="1200">
+                <a:solidFill>
+                  <a:schemeClr val="tx1"/>
+                </a:solidFill>
+                <a:latin typeface="+mn-lt"/>
+                <a:ea typeface="+mn-ea"/>
+                <a:cs typeface="+mn-cs"/>
+              </a:defRPr>
+            </a:lvl2pPr>
+            <a:lvl3pPr marL="457200" indent="0" algn="l" defTabSz="914400" rtl="0" eaLnBrk="1" latinLnBrk="0" hangingPunct="1">
+              <a:lnSpc>
+                <a:spcPct val="110000"/>
+              </a:lnSpc>
+              <a:spcBef>
+                <a:spcPts val="500"/>
+              </a:spcBef>
+              <a:buFont typeface="Arial" panose="020B0604020202020204" pitchFamily="34" charset="0"/>
+              <a:buNone/>
+              <a:defRPr sz="1800" kern="1200">
+                <a:solidFill>
+                  <a:schemeClr val="tx1"/>
+                </a:solidFill>
+                <a:latin typeface="+mn-lt"/>
+                <a:ea typeface="+mn-ea"/>
+                <a:cs typeface="+mn-cs"/>
+              </a:defRPr>
+            </a:lvl3pPr>
+            <a:lvl4pPr marL="685800" indent="0" algn="l" defTabSz="914400" rtl="0" eaLnBrk="1" latinLnBrk="0" hangingPunct="1">
+              <a:lnSpc>
+                <a:spcPct val="110000"/>
+              </a:lnSpc>
+              <a:spcBef>
+                <a:spcPts val="500"/>
+              </a:spcBef>
+              <a:buFont typeface="Arial" panose="020B0604020202020204" pitchFamily="34" charset="0"/>
+              <a:buNone/>
+              <a:defRPr sz="1600" kern="1200">
+                <a:solidFill>
+                  <a:schemeClr val="tx1"/>
+                </a:solidFill>
+                <a:latin typeface="+mn-lt"/>
+                <a:ea typeface="+mn-ea"/>
+                <a:cs typeface="+mn-cs"/>
+              </a:defRPr>
+            </a:lvl4pPr>
+            <a:lvl5pPr marL="914400" indent="0" algn="l" defTabSz="914400" rtl="0" eaLnBrk="1" latinLnBrk="0" hangingPunct="1">
+              <a:lnSpc>
+                <a:spcPct val="110000"/>
+              </a:lnSpc>
+              <a:spcBef>
+                <a:spcPts val="500"/>
+              </a:spcBef>
+              <a:buFont typeface="Arial" panose="020B0604020202020204" pitchFamily="34" charset="0"/>
+              <a:buNone/>
+              <a:defRPr sz="1600" kern="1200">
+                <a:solidFill>
+                  <a:schemeClr val="tx1"/>
+                </a:solidFill>
+                <a:latin typeface="+mn-lt"/>
+                <a:ea typeface="+mn-ea"/>
+                <a:cs typeface="+mn-cs"/>
+              </a:defRPr>
+            </a:lvl5pPr>
+            <a:lvl6pPr marL="2514600" indent="-228600" algn="l" defTabSz="914400" rtl="0" eaLnBrk="1" latinLnBrk="0" hangingPunct="1">
+              <a:lnSpc>
+                <a:spcPct val="90000"/>
+              </a:lnSpc>
+              <a:spcBef>
+                <a:spcPts val="500"/>
+              </a:spcBef>
+              <a:buFont typeface="Arial" panose="020B0604020202020204" pitchFamily="34" charset="0"/>
+              <a:buChar char="•"/>
+              <a:defRPr sz="1800" kern="1200">
+                <a:solidFill>
+                  <a:schemeClr val="tx1"/>
+                </a:solidFill>
+                <a:latin typeface="+mn-lt"/>
+                <a:ea typeface="+mn-ea"/>
+                <a:cs typeface="+mn-cs"/>
+              </a:defRPr>
+            </a:lvl6pPr>
+            <a:lvl7pPr marL="2971800" indent="-228600" algn="l" defTabSz="914400" rtl="0" eaLnBrk="1" latinLnBrk="0" hangingPunct="1">
+              <a:lnSpc>
+                <a:spcPct val="90000"/>
+              </a:lnSpc>
+              <a:spcBef>
+                <a:spcPts val="500"/>
+              </a:spcBef>
+              <a:buFont typeface="Arial" panose="020B0604020202020204" pitchFamily="34" charset="0"/>
+              <a:buChar char="•"/>
+              <a:defRPr sz="1800" kern="1200">
+                <a:solidFill>
+                  <a:schemeClr val="tx1"/>
+                </a:solidFill>
+                <a:latin typeface="+mn-lt"/>
+                <a:ea typeface="+mn-ea"/>
+                <a:cs typeface="+mn-cs"/>
+              </a:defRPr>
+            </a:lvl7pPr>
+            <a:lvl8pPr marL="3429000" indent="-228600" algn="l" defTabSz="914400" rtl="0" eaLnBrk="1" latinLnBrk="0" hangingPunct="1">
+              <a:lnSpc>
+                <a:spcPct val="90000"/>
+              </a:lnSpc>
+              <a:spcBef>
+                <a:spcPts val="500"/>
+              </a:spcBef>
+              <a:buFont typeface="Arial" panose="020B0604020202020204" pitchFamily="34" charset="0"/>
+              <a:buChar char="•"/>
+              <a:defRPr sz="1800" kern="1200">
+                <a:solidFill>
+                  <a:schemeClr val="tx1"/>
+                </a:solidFill>
+                <a:latin typeface="+mn-lt"/>
+                <a:ea typeface="+mn-ea"/>
+                <a:cs typeface="+mn-cs"/>
+              </a:defRPr>
+            </a:lvl8pPr>
+            <a:lvl9pPr marL="3886200" indent="-228600" algn="l" defTabSz="914400" rtl="0" eaLnBrk="1" latinLnBrk="0" hangingPunct="1">
+              <a:lnSpc>
+                <a:spcPct val="90000"/>
+              </a:lnSpc>
+              <a:spcBef>
+                <a:spcPts val="500"/>
+              </a:spcBef>
+              <a:buFont typeface="Arial" panose="020B0604020202020204" pitchFamily="34" charset="0"/>
+              <a:buChar char="•"/>
+              <a:defRPr sz="1800" kern="1200">
+                <a:solidFill>
+                  <a:schemeClr val="tx1"/>
+                </a:solidFill>
+                <a:latin typeface="+mn-lt"/>
+                <a:ea typeface="+mn-ea"/>
+                <a:cs typeface="+mn-cs"/>
+              </a:defRPr>
+            </a:lvl9pPr>
+          </a:lstStyle>
+          <a:p>
+            <a:r>
+              <a:rPr lang="fr-CH" sz="1400"/>
+              <a:t>Luca, Natasha, Sanjaey et Théo</a:t>
+            </a:r>
+          </a:p>
+        </p:txBody>
+      </p:sp>
+    </p:spTree>
+    <p:extLst>
+      <p:ext uri="{BB962C8B-B14F-4D97-AF65-F5344CB8AC3E}">
+        <p14:creationId xmlns:p14="http://schemas.microsoft.com/office/powerpoint/2010/main" val="903314845"/>
+      </p:ext>
+    </p:extLst>
+  </p:cSld>
+  <p:clrMapOvr>
+    <a:masterClrMapping/>
+  </p:clrMapOvr>
+</p:sld>
+</file>
+
+<file path=ppt/slides/slide6.xml><?xml version="1.0" encoding="utf-8"?>
+<p:sld xmlns:a="http://schemas.openxmlformats.org/drawingml/2006/main" xmlns:r="http://schemas.openxmlformats.org/officeDocument/2006/relationships" xmlns:p="http://schemas.openxmlformats.org/presentationml/2006/main">
+  <p:cSld>
+    <p:spTree>
+      <p:nvGrpSpPr>
+        <p:cNvPr id="1" name=""/>
+        <p:cNvGrpSpPr/>
+        <p:nvPr/>
+      </p:nvGrpSpPr>
+      <p:grpSpPr>
+        <a:xfrm>
+          <a:off x="0" y="0"/>
+          <a:ext cx="0" cy="0"/>
+          <a:chOff x="0" y="0"/>
+          <a:chExt cx="0" cy="0"/>
+        </a:xfrm>
+      </p:grpSpPr>
+      <p:sp>
+        <p:nvSpPr>
+          <p:cNvPr id="2" name="Titre 1">
+            <a:extLst>
+              <a:ext uri="{FF2B5EF4-FFF2-40B4-BE49-F238E27FC236}">
+                <a16:creationId xmlns:a16="http://schemas.microsoft.com/office/drawing/2014/main" id="{EB50BB06-F084-3392-6CC9-6C2843FFC6D7}"/>
+              </a:ext>
+            </a:extLst>
+          </p:cNvPr>
+          <p:cNvSpPr>
+            <a:spLocks noGrp="1"/>
+          </p:cNvSpPr>
+          <p:nvPr>
+            <p:ph type="title"/>
+          </p:nvPr>
+        </p:nvSpPr>
+        <p:spPr/>
+        <p:txBody>
+          <a:bodyPr/>
+          <a:lstStyle/>
+          <a:p>
+            <a:r>
+              <a:rPr lang="fr-FR"/>
+              <a:t>Base de données</a:t>
+            </a:r>
+          </a:p>
+        </p:txBody>
+      </p:sp>
+      <p:sp>
+        <p:nvSpPr>
+          <p:cNvPr id="3" name="Espace réservé du contenu 2">
+            <a:extLst>
+              <a:ext uri="{FF2B5EF4-FFF2-40B4-BE49-F238E27FC236}">
+                <a16:creationId xmlns:a16="http://schemas.microsoft.com/office/drawing/2014/main" id="{7D08FC83-C034-2BE1-4B10-C47C066A4250}"/>
+              </a:ext>
+            </a:extLst>
+          </p:cNvPr>
+          <p:cNvSpPr>
+            <a:spLocks noGrp="1"/>
+          </p:cNvSpPr>
+          <p:nvPr>
+            <p:ph idx="1"/>
+          </p:nvPr>
+        </p:nvSpPr>
+        <p:spPr>
+          <a:xfrm>
+            <a:off x="633150" y="2750126"/>
+            <a:ext cx="10509854" cy="3261789"/>
+          </a:xfrm>
+        </p:spPr>
+        <p:txBody>
+          <a:bodyPr vert="horz" lIns="91440" tIns="45720" rIns="91440" bIns="45720" rtlCol="0" anchor="t">
+            <a:normAutofit/>
+          </a:bodyPr>
+          <a:lstStyle/>
+          <a:p>
+            <a:r>
+              <a:rPr lang="fr-FR"/>
+              <a:t>PhpMyAdmin :</a:t>
+            </a:r>
+          </a:p>
+        </p:txBody>
+      </p:sp>
+      <p:sp>
+        <p:nvSpPr>
+          <p:cNvPr id="5" name="ZoneTexte 4">
+            <a:extLst>
+              <a:ext uri="{FF2B5EF4-FFF2-40B4-BE49-F238E27FC236}">
+                <a16:creationId xmlns:a16="http://schemas.microsoft.com/office/drawing/2014/main" id="{9FBC7DCF-30C9-ECDB-33EA-4D349628E9E4}"/>
+              </a:ext>
+            </a:extLst>
+          </p:cNvPr>
+          <p:cNvSpPr txBox="1"/>
+          <p:nvPr/>
+        </p:nvSpPr>
+        <p:spPr>
+          <a:xfrm>
+            <a:off x="37629" y="112887"/>
+            <a:ext cx="1335852" cy="369332"/>
+          </a:xfrm>
+          <a:prstGeom prst="rect">
+            <a:avLst/>
+          </a:prstGeom>
+          <a:noFill/>
+        </p:spPr>
+        <p:txBody>
+          <a:bodyPr rot="0" spcFirstLastPara="0" vertOverflow="overflow" horzOverflow="overflow" vert="horz" wrap="square" lIns="91440" tIns="45720" rIns="91440" bIns="45720" numCol="1" spcCol="0" rtlCol="0" fromWordArt="0" anchor="t" anchorCtr="0" forceAA="0" compatLnSpc="1">
+            <a:prstTxWarp prst="textNoShape">
+              <a:avLst/>
+            </a:prstTxWarp>
+            <a:spAutoFit/>
+          </a:bodyPr>
+          <a:lstStyle/>
+          <a:p>
+            <a:pPr algn="l"/>
+            <a:r>
+              <a:rPr lang="fr-FR"/>
+              <a:t>10.01.2023</a:t>
+            </a:r>
+          </a:p>
+        </p:txBody>
+      </p:sp>
+      <p:sp>
+        <p:nvSpPr>
+          <p:cNvPr id="7" name="ZoneTexte 6">
+            <a:extLst>
+              <a:ext uri="{FF2B5EF4-FFF2-40B4-BE49-F238E27FC236}">
+                <a16:creationId xmlns:a16="http://schemas.microsoft.com/office/drawing/2014/main" id="{B094A8BB-9D7D-8268-A622-05C14B7DFB87}"/>
+              </a:ext>
+            </a:extLst>
+          </p:cNvPr>
+          <p:cNvSpPr txBox="1"/>
+          <p:nvPr/>
+        </p:nvSpPr>
+        <p:spPr>
+          <a:xfrm>
+            <a:off x="11307703" y="112887"/>
+            <a:ext cx="714963" cy="369332"/>
+          </a:xfrm>
+          <a:prstGeom prst="rect">
+            <a:avLst/>
+          </a:prstGeom>
+          <a:noFill/>
+        </p:spPr>
+        <p:txBody>
+          <a:bodyPr rot="0" spcFirstLastPara="0" vertOverflow="overflow" horzOverflow="overflow" vert="horz" wrap="square" lIns="91440" tIns="45720" rIns="91440" bIns="45720" numCol="1" spcCol="0" rtlCol="0" fromWordArt="0" anchor="t" anchorCtr="0" forceAA="0" compatLnSpc="1">
+            <a:prstTxWarp prst="textNoShape">
+              <a:avLst/>
+            </a:prstTxWarp>
+            <a:spAutoFit/>
+          </a:bodyPr>
+          <a:lstStyle/>
+          <a:p>
+            <a:pPr algn="l"/>
+            <a:r>
+              <a:rPr lang="fr-FR"/>
+              <a:t>ETML</a:t>
+            </a:r>
+          </a:p>
+        </p:txBody>
+      </p:sp>
+      <p:sp>
+        <p:nvSpPr>
+          <p:cNvPr id="13" name="ZoneTexte 12">
+            <a:extLst>
+              <a:ext uri="{FF2B5EF4-FFF2-40B4-BE49-F238E27FC236}">
+                <a16:creationId xmlns:a16="http://schemas.microsoft.com/office/drawing/2014/main" id="{26D8673E-7665-C60F-078B-B6BE84DECD5D}"/>
+              </a:ext>
+            </a:extLst>
+          </p:cNvPr>
+          <p:cNvSpPr txBox="1"/>
+          <p:nvPr/>
+        </p:nvSpPr>
+        <p:spPr>
+          <a:xfrm>
+            <a:off x="37629" y="6415850"/>
+            <a:ext cx="884296" cy="369332"/>
+          </a:xfrm>
+          <a:prstGeom prst="rect">
+            <a:avLst/>
+          </a:prstGeom>
+          <a:noFill/>
+        </p:spPr>
+        <p:txBody>
+          <a:bodyPr rot="0" spcFirstLastPara="0" vertOverflow="overflow" horzOverflow="overflow" vert="horz" wrap="square" lIns="91440" tIns="45720" rIns="91440" bIns="45720" numCol="1" spcCol="0" rtlCol="0" fromWordArt="0" anchor="t" anchorCtr="0" forceAA="0" compatLnSpc="1">
+            <a:prstTxWarp prst="textNoShape">
+              <a:avLst/>
+            </a:prstTxWarp>
+            <a:spAutoFit/>
+          </a:bodyPr>
+          <a:lstStyle/>
+          <a:p>
+            <a:pPr algn="l"/>
+            <a:r>
+              <a:rPr lang="fr-FR"/>
+              <a:t>CIN2A</a:t>
+            </a:r>
+          </a:p>
+        </p:txBody>
+      </p:sp>
+      <p:sp>
+        <p:nvSpPr>
+          <p:cNvPr id="15" name="Sous-titre 2">
+            <a:extLst>
+              <a:ext uri="{FF2B5EF4-FFF2-40B4-BE49-F238E27FC236}">
+                <a16:creationId xmlns:a16="http://schemas.microsoft.com/office/drawing/2014/main" id="{5F688D58-78D2-2D53-ABD9-08AFDD7AD7D5}"/>
+              </a:ext>
+            </a:extLst>
+          </p:cNvPr>
+          <p:cNvSpPr txBox="1">
+            <a:spLocks/>
+          </p:cNvSpPr>
+          <p:nvPr/>
+        </p:nvSpPr>
+        <p:spPr>
+          <a:xfrm>
+            <a:off x="9482194" y="6383335"/>
+            <a:ext cx="2602858" cy="402374"/>
+          </a:xfrm>
+          <a:prstGeom prst="rect">
+            <a:avLst/>
+          </a:prstGeom>
+        </p:spPr>
+        <p:txBody>
+          <a:bodyPr vert="horz" lIns="91440" tIns="45720" rIns="91440" bIns="45720" rtlCol="0" anchor="b">
+            <a:normAutofit fontScale="92500"/>
+          </a:bodyPr>
+          <a:lstStyle>
+            <a:lvl1pPr marL="0" indent="0" algn="l" defTabSz="914400" rtl="0" eaLnBrk="1" latinLnBrk="0" hangingPunct="1">
+              <a:lnSpc>
+                <a:spcPct val="110000"/>
+              </a:lnSpc>
+              <a:spcBef>
+                <a:spcPts val="1000"/>
+              </a:spcBef>
+              <a:buFont typeface="Arial" panose="020B0604020202020204" pitchFamily="34" charset="0"/>
+              <a:buNone/>
+              <a:defRPr sz="2200" kern="1200">
+                <a:solidFill>
+                  <a:schemeClr val="tx1"/>
+                </a:solidFill>
+                <a:latin typeface="+mn-lt"/>
+                <a:ea typeface="+mn-ea"/>
+                <a:cs typeface="+mn-cs"/>
+              </a:defRPr>
+            </a:lvl1pPr>
+            <a:lvl2pPr marL="228600" indent="0" algn="l" defTabSz="914400" rtl="0" eaLnBrk="1" latinLnBrk="0" hangingPunct="1">
+              <a:lnSpc>
+                <a:spcPct val="110000"/>
+              </a:lnSpc>
+              <a:spcBef>
+                <a:spcPts val="500"/>
+              </a:spcBef>
+              <a:buFont typeface="Arial" panose="020B0604020202020204" pitchFamily="34" charset="0"/>
+              <a:buNone/>
+              <a:defRPr sz="2000" kern="1200">
+                <a:solidFill>
+                  <a:schemeClr val="tx1"/>
+                </a:solidFill>
+                <a:latin typeface="+mn-lt"/>
+                <a:ea typeface="+mn-ea"/>
+                <a:cs typeface="+mn-cs"/>
+              </a:defRPr>
+            </a:lvl2pPr>
+            <a:lvl3pPr marL="457200" indent="0" algn="l" defTabSz="914400" rtl="0" eaLnBrk="1" latinLnBrk="0" hangingPunct="1">
+              <a:lnSpc>
+                <a:spcPct val="110000"/>
+              </a:lnSpc>
+              <a:spcBef>
+                <a:spcPts val="500"/>
+              </a:spcBef>
+              <a:buFont typeface="Arial" panose="020B0604020202020204" pitchFamily="34" charset="0"/>
+              <a:buNone/>
+              <a:defRPr sz="1800" kern="1200">
+                <a:solidFill>
+                  <a:schemeClr val="tx1"/>
+                </a:solidFill>
+                <a:latin typeface="+mn-lt"/>
+                <a:ea typeface="+mn-ea"/>
+                <a:cs typeface="+mn-cs"/>
+              </a:defRPr>
+            </a:lvl3pPr>
+            <a:lvl4pPr marL="685800" indent="0" algn="l" defTabSz="914400" rtl="0" eaLnBrk="1" latinLnBrk="0" hangingPunct="1">
+              <a:lnSpc>
+                <a:spcPct val="110000"/>
+              </a:lnSpc>
+              <a:spcBef>
+                <a:spcPts val="500"/>
+              </a:spcBef>
+              <a:buFont typeface="Arial" panose="020B0604020202020204" pitchFamily="34" charset="0"/>
+              <a:buNone/>
+              <a:defRPr sz="1600" kern="1200">
+                <a:solidFill>
+                  <a:schemeClr val="tx1"/>
+                </a:solidFill>
+                <a:latin typeface="+mn-lt"/>
+                <a:ea typeface="+mn-ea"/>
+                <a:cs typeface="+mn-cs"/>
+              </a:defRPr>
+            </a:lvl4pPr>
+            <a:lvl5pPr marL="914400" indent="0" algn="l" defTabSz="914400" rtl="0" eaLnBrk="1" latinLnBrk="0" hangingPunct="1">
+              <a:lnSpc>
+                <a:spcPct val="110000"/>
+              </a:lnSpc>
+              <a:spcBef>
+                <a:spcPts val="500"/>
+              </a:spcBef>
+              <a:buFont typeface="Arial" panose="020B0604020202020204" pitchFamily="34" charset="0"/>
+              <a:buNone/>
+              <a:defRPr sz="1600" kern="1200">
+                <a:solidFill>
+                  <a:schemeClr val="tx1"/>
+                </a:solidFill>
+                <a:latin typeface="+mn-lt"/>
+                <a:ea typeface="+mn-ea"/>
+                <a:cs typeface="+mn-cs"/>
+              </a:defRPr>
+            </a:lvl5pPr>
+            <a:lvl6pPr marL="2514600" indent="-228600" algn="l" defTabSz="914400" rtl="0" eaLnBrk="1" latinLnBrk="0" hangingPunct="1">
+              <a:lnSpc>
+                <a:spcPct val="90000"/>
+              </a:lnSpc>
+              <a:spcBef>
+                <a:spcPts val="500"/>
+              </a:spcBef>
+              <a:buFont typeface="Arial" panose="020B0604020202020204" pitchFamily="34" charset="0"/>
+              <a:buChar char="•"/>
+              <a:defRPr sz="1800" kern="1200">
+                <a:solidFill>
+                  <a:schemeClr val="tx1"/>
+                </a:solidFill>
+                <a:latin typeface="+mn-lt"/>
+                <a:ea typeface="+mn-ea"/>
+                <a:cs typeface="+mn-cs"/>
+              </a:defRPr>
+            </a:lvl6pPr>
+            <a:lvl7pPr marL="2971800" indent="-228600" algn="l" defTabSz="914400" rtl="0" eaLnBrk="1" latinLnBrk="0" hangingPunct="1">
+              <a:lnSpc>
+                <a:spcPct val="90000"/>
+              </a:lnSpc>
+              <a:spcBef>
+                <a:spcPts val="500"/>
+              </a:spcBef>
+              <a:buFont typeface="Arial" panose="020B0604020202020204" pitchFamily="34" charset="0"/>
+              <a:buChar char="•"/>
+              <a:defRPr sz="1800" kern="1200">
+                <a:solidFill>
+                  <a:schemeClr val="tx1"/>
+                </a:solidFill>
+                <a:latin typeface="+mn-lt"/>
+                <a:ea typeface="+mn-ea"/>
+                <a:cs typeface="+mn-cs"/>
+              </a:defRPr>
+            </a:lvl7pPr>
+            <a:lvl8pPr marL="3429000" indent="-228600" algn="l" defTabSz="914400" rtl="0" eaLnBrk="1" latinLnBrk="0" hangingPunct="1">
+              <a:lnSpc>
+                <a:spcPct val="90000"/>
+              </a:lnSpc>
+              <a:spcBef>
+                <a:spcPts val="500"/>
+              </a:spcBef>
+              <a:buFont typeface="Arial" panose="020B0604020202020204" pitchFamily="34" charset="0"/>
+              <a:buChar char="•"/>
+              <a:defRPr sz="1800" kern="1200">
+                <a:solidFill>
+                  <a:schemeClr val="tx1"/>
+                </a:solidFill>
+                <a:latin typeface="+mn-lt"/>
+                <a:ea typeface="+mn-ea"/>
+                <a:cs typeface="+mn-cs"/>
+              </a:defRPr>
+            </a:lvl8pPr>
+            <a:lvl9pPr marL="3886200" indent="-228600" algn="l" defTabSz="914400" rtl="0" eaLnBrk="1" latinLnBrk="0" hangingPunct="1">
+              <a:lnSpc>
+                <a:spcPct val="90000"/>
+              </a:lnSpc>
+              <a:spcBef>
+                <a:spcPts val="500"/>
+              </a:spcBef>
+              <a:buFont typeface="Arial" panose="020B0604020202020204" pitchFamily="34" charset="0"/>
+              <a:buChar char="•"/>
+              <a:defRPr sz="1800" kern="1200">
+                <a:solidFill>
+                  <a:schemeClr val="tx1"/>
+                </a:solidFill>
+                <a:latin typeface="+mn-lt"/>
+                <a:ea typeface="+mn-ea"/>
+                <a:cs typeface="+mn-cs"/>
+              </a:defRPr>
+            </a:lvl9pPr>
+          </a:lstStyle>
+          <a:p>
+            <a:r>
+              <a:rPr lang="fr-CH" sz="1400"/>
+              <a:t>Luca, Natasha, Sanjaey et Théo</a:t>
+            </a:r>
+          </a:p>
+        </p:txBody>
+      </p:sp>
+      <p:pic>
+        <p:nvPicPr>
+          <p:cNvPr id="16" name="Image 16" descr="Une image contenant table&#10;&#10;Description générée automatiquement">
+            <a:extLst>
+              <a:ext uri="{FF2B5EF4-FFF2-40B4-BE49-F238E27FC236}">
+                <a16:creationId xmlns:a16="http://schemas.microsoft.com/office/drawing/2014/main" id="{7C3A2667-5115-2457-9CC8-706561DA2F49}"/>
+              </a:ext>
+            </a:extLst>
+          </p:cNvPr>
+          <p:cNvPicPr>
+            <a:picLocks noChangeAspect="1"/>
+          </p:cNvPicPr>
+          <p:nvPr/>
+        </p:nvPicPr>
+        <p:blipFill>
+          <a:blip r:embed="rId3"/>
+          <a:stretch>
+            <a:fillRect/>
+          </a:stretch>
+        </p:blipFill>
+        <p:spPr>
+          <a:xfrm>
+            <a:off x="2527464" y="2659034"/>
+            <a:ext cx="9096498" cy="3865519"/>
+          </a:xfrm>
+          <a:prstGeom prst="rect">
+            <a:avLst/>
+          </a:prstGeom>
+        </p:spPr>
+      </p:pic>
+    </p:spTree>
+    <p:extLst>
+      <p:ext uri="{BB962C8B-B14F-4D97-AF65-F5344CB8AC3E}">
+        <p14:creationId xmlns:p14="http://schemas.microsoft.com/office/powerpoint/2010/main" val="1750799354"/>
+      </p:ext>
+    </p:extLst>
+  </p:cSld>
+  <p:clrMapOvr>
+    <a:masterClrMapping/>
+  </p:clrMapOvr>
+</p:sld>
+</file>
+
+<file path=ppt/slides/slide7.xml><?xml version="1.0" encoding="utf-8"?>
+<p:sld xmlns:a="http://schemas.openxmlformats.org/drawingml/2006/main" xmlns:r="http://schemas.openxmlformats.org/officeDocument/2006/relationships" xmlns:p="http://schemas.openxmlformats.org/presentationml/2006/main">
+  <p:cSld>
+    <p:spTree>
+      <p:nvGrpSpPr>
+        <p:cNvPr id="1" name=""/>
+        <p:cNvGrpSpPr/>
+        <p:nvPr/>
+      </p:nvGrpSpPr>
+      <p:grpSpPr>
+        <a:xfrm>
+          <a:off x="0" y="0"/>
+          <a:ext cx="0" cy="0"/>
+          <a:chOff x="0" y="0"/>
+          <a:chExt cx="0" cy="0"/>
+        </a:xfrm>
+      </p:grpSpPr>
+      <p:sp>
+        <p:nvSpPr>
+          <p:cNvPr id="2" name="Titre 1">
+            <a:extLst>
+              <a:ext uri="{FF2B5EF4-FFF2-40B4-BE49-F238E27FC236}">
+                <a16:creationId xmlns:a16="http://schemas.microsoft.com/office/drawing/2014/main" id="{EB50BB06-F084-3392-6CC9-6C2843FFC6D7}"/>
+              </a:ext>
+            </a:extLst>
+          </p:cNvPr>
+          <p:cNvSpPr>
+            <a:spLocks noGrp="1"/>
+          </p:cNvSpPr>
+          <p:nvPr>
+            <p:ph type="title"/>
+          </p:nvPr>
+        </p:nvSpPr>
+        <p:spPr/>
+        <p:txBody>
+          <a:bodyPr/>
+          <a:lstStyle/>
+          <a:p>
+            <a:r>
+              <a:rPr lang="fr-FR"/>
+              <a:t>Base de données</a:t>
+            </a:r>
+          </a:p>
+        </p:txBody>
+      </p:sp>
+      <p:sp>
+        <p:nvSpPr>
+          <p:cNvPr id="3" name="Espace réservé du contenu 2">
+            <a:extLst>
+              <a:ext uri="{FF2B5EF4-FFF2-40B4-BE49-F238E27FC236}">
+                <a16:creationId xmlns:a16="http://schemas.microsoft.com/office/drawing/2014/main" id="{7D08FC83-C034-2BE1-4B10-C47C066A4250}"/>
+              </a:ext>
+            </a:extLst>
+          </p:cNvPr>
+          <p:cNvSpPr>
+            <a:spLocks noGrp="1"/>
+          </p:cNvSpPr>
+          <p:nvPr>
+            <p:ph idx="1"/>
+          </p:nvPr>
+        </p:nvSpPr>
+        <p:spPr>
+          <a:xfrm>
+            <a:off x="633150" y="2750126"/>
+            <a:ext cx="10509854" cy="3261789"/>
+          </a:xfrm>
+        </p:spPr>
+        <p:txBody>
+          <a:bodyPr vert="horz" lIns="91440" tIns="45720" rIns="91440" bIns="45720" rtlCol="0" anchor="t">
+            <a:normAutofit/>
+          </a:bodyPr>
+          <a:lstStyle/>
+          <a:p>
+            <a:r>
+              <a:rPr lang="fr-FR"/>
+              <a:t>MCD/MLD :</a:t>
+            </a:r>
+          </a:p>
+        </p:txBody>
+      </p:sp>
+      <p:sp>
+        <p:nvSpPr>
+          <p:cNvPr id="5" name="ZoneTexte 4">
+            <a:extLst>
+              <a:ext uri="{FF2B5EF4-FFF2-40B4-BE49-F238E27FC236}">
+                <a16:creationId xmlns:a16="http://schemas.microsoft.com/office/drawing/2014/main" id="{9FBC7DCF-30C9-ECDB-33EA-4D349628E9E4}"/>
+              </a:ext>
+            </a:extLst>
+          </p:cNvPr>
+          <p:cNvSpPr txBox="1"/>
+          <p:nvPr/>
+        </p:nvSpPr>
+        <p:spPr>
+          <a:xfrm>
+            <a:off x="37629" y="112887"/>
+            <a:ext cx="1335852" cy="369332"/>
+          </a:xfrm>
+          <a:prstGeom prst="rect">
+            <a:avLst/>
+          </a:prstGeom>
+          <a:noFill/>
+        </p:spPr>
+        <p:txBody>
+          <a:bodyPr rot="0" spcFirstLastPara="0" vertOverflow="overflow" horzOverflow="overflow" vert="horz" wrap="square" lIns="91440" tIns="45720" rIns="91440" bIns="45720" numCol="1" spcCol="0" rtlCol="0" fromWordArt="0" anchor="t" anchorCtr="0" forceAA="0" compatLnSpc="1">
+            <a:prstTxWarp prst="textNoShape">
+              <a:avLst/>
+            </a:prstTxWarp>
+            <a:spAutoFit/>
+          </a:bodyPr>
+          <a:lstStyle/>
+          <a:p>
+            <a:pPr algn="l"/>
+            <a:r>
+              <a:rPr lang="fr-FR"/>
+              <a:t>10.01.2023</a:t>
+            </a:r>
+          </a:p>
+        </p:txBody>
+      </p:sp>
+      <p:sp>
+        <p:nvSpPr>
+          <p:cNvPr id="7" name="ZoneTexte 6">
+            <a:extLst>
+              <a:ext uri="{FF2B5EF4-FFF2-40B4-BE49-F238E27FC236}">
+                <a16:creationId xmlns:a16="http://schemas.microsoft.com/office/drawing/2014/main" id="{B094A8BB-9D7D-8268-A622-05C14B7DFB87}"/>
+              </a:ext>
+            </a:extLst>
+          </p:cNvPr>
+          <p:cNvSpPr txBox="1"/>
+          <p:nvPr/>
+        </p:nvSpPr>
+        <p:spPr>
+          <a:xfrm>
+            <a:off x="11307703" y="112887"/>
+            <a:ext cx="714963" cy="369332"/>
+          </a:xfrm>
+          <a:prstGeom prst="rect">
+            <a:avLst/>
+          </a:prstGeom>
+          <a:noFill/>
+        </p:spPr>
+        <p:txBody>
+          <a:bodyPr rot="0" spcFirstLastPara="0" vertOverflow="overflow" horzOverflow="overflow" vert="horz" wrap="square" lIns="91440" tIns="45720" rIns="91440" bIns="45720" numCol="1" spcCol="0" rtlCol="0" fromWordArt="0" anchor="t" anchorCtr="0" forceAA="0" compatLnSpc="1">
+            <a:prstTxWarp prst="textNoShape">
+              <a:avLst/>
+            </a:prstTxWarp>
+            <a:spAutoFit/>
+          </a:bodyPr>
+          <a:lstStyle/>
+          <a:p>
+            <a:pPr algn="l"/>
+            <a:r>
+              <a:rPr lang="fr-FR"/>
+              <a:t>ETML</a:t>
+            </a:r>
+          </a:p>
+        </p:txBody>
+      </p:sp>
+      <p:sp>
+        <p:nvSpPr>
+          <p:cNvPr id="13" name="ZoneTexte 12">
+            <a:extLst>
+              <a:ext uri="{FF2B5EF4-FFF2-40B4-BE49-F238E27FC236}">
+                <a16:creationId xmlns:a16="http://schemas.microsoft.com/office/drawing/2014/main" id="{26D8673E-7665-C60F-078B-B6BE84DECD5D}"/>
+              </a:ext>
+            </a:extLst>
+          </p:cNvPr>
+          <p:cNvSpPr txBox="1"/>
+          <p:nvPr/>
+        </p:nvSpPr>
+        <p:spPr>
+          <a:xfrm>
+            <a:off x="37629" y="6415850"/>
+            <a:ext cx="884296" cy="369332"/>
+          </a:xfrm>
+          <a:prstGeom prst="rect">
+            <a:avLst/>
+          </a:prstGeom>
+          <a:noFill/>
+        </p:spPr>
+        <p:txBody>
+          <a:bodyPr rot="0" spcFirstLastPara="0" vertOverflow="overflow" horzOverflow="overflow" vert="horz" wrap="square" lIns="91440" tIns="45720" rIns="91440" bIns="45720" numCol="1" spcCol="0" rtlCol="0" fromWordArt="0" anchor="t" anchorCtr="0" forceAA="0" compatLnSpc="1">
+            <a:prstTxWarp prst="textNoShape">
+              <a:avLst/>
+            </a:prstTxWarp>
+            <a:spAutoFit/>
+          </a:bodyPr>
+          <a:lstStyle/>
+          <a:p>
+            <a:pPr algn="l"/>
+            <a:r>
+              <a:rPr lang="fr-FR"/>
+              <a:t>CIN2A</a:t>
+            </a:r>
+          </a:p>
+        </p:txBody>
+      </p:sp>
+      <p:sp>
+        <p:nvSpPr>
+          <p:cNvPr id="15" name="Sous-titre 2">
+            <a:extLst>
+              <a:ext uri="{FF2B5EF4-FFF2-40B4-BE49-F238E27FC236}">
+                <a16:creationId xmlns:a16="http://schemas.microsoft.com/office/drawing/2014/main" id="{5F688D58-78D2-2D53-ABD9-08AFDD7AD7D5}"/>
+              </a:ext>
+            </a:extLst>
+          </p:cNvPr>
+          <p:cNvSpPr txBox="1">
+            <a:spLocks/>
+          </p:cNvSpPr>
+          <p:nvPr/>
+        </p:nvSpPr>
+        <p:spPr>
+          <a:xfrm>
+            <a:off x="9482194" y="6383335"/>
+            <a:ext cx="2602858" cy="402374"/>
+          </a:xfrm>
+          <a:prstGeom prst="rect">
+            <a:avLst/>
+          </a:prstGeom>
+        </p:spPr>
+        <p:txBody>
+          <a:bodyPr vert="horz" lIns="91440" tIns="45720" rIns="91440" bIns="45720" rtlCol="0" anchor="b">
+            <a:normAutofit fontScale="92500"/>
+          </a:bodyPr>
+          <a:lstStyle>
+            <a:lvl1pPr marL="0" indent="0" algn="l" defTabSz="914400" rtl="0" eaLnBrk="1" latinLnBrk="0" hangingPunct="1">
+              <a:lnSpc>
+                <a:spcPct val="110000"/>
+              </a:lnSpc>
+              <a:spcBef>
+                <a:spcPts val="1000"/>
+              </a:spcBef>
+              <a:buFont typeface="Arial" panose="020B0604020202020204" pitchFamily="34" charset="0"/>
+              <a:buNone/>
+              <a:defRPr sz="2200" kern="1200">
+                <a:solidFill>
+                  <a:schemeClr val="tx1"/>
+                </a:solidFill>
+                <a:latin typeface="+mn-lt"/>
+                <a:ea typeface="+mn-ea"/>
+                <a:cs typeface="+mn-cs"/>
+              </a:defRPr>
+            </a:lvl1pPr>
+            <a:lvl2pPr marL="228600" indent="0" algn="l" defTabSz="914400" rtl="0" eaLnBrk="1" latinLnBrk="0" hangingPunct="1">
+              <a:lnSpc>
+                <a:spcPct val="110000"/>
+              </a:lnSpc>
+              <a:spcBef>
+                <a:spcPts val="500"/>
+              </a:spcBef>
+              <a:buFont typeface="Arial" panose="020B0604020202020204" pitchFamily="34" charset="0"/>
+              <a:buNone/>
+              <a:defRPr sz="2000" kern="1200">
+                <a:solidFill>
+                  <a:schemeClr val="tx1"/>
+                </a:solidFill>
+                <a:latin typeface="+mn-lt"/>
+                <a:ea typeface="+mn-ea"/>
+                <a:cs typeface="+mn-cs"/>
+              </a:defRPr>
+            </a:lvl2pPr>
+            <a:lvl3pPr marL="457200" indent="0" algn="l" defTabSz="914400" rtl="0" eaLnBrk="1" latinLnBrk="0" hangingPunct="1">
+              <a:lnSpc>
+                <a:spcPct val="110000"/>
+              </a:lnSpc>
+              <a:spcBef>
+                <a:spcPts val="500"/>
+              </a:spcBef>
+              <a:buFont typeface="Arial" panose="020B0604020202020204" pitchFamily="34" charset="0"/>
+              <a:buNone/>
+              <a:defRPr sz="1800" kern="1200">
+                <a:solidFill>
+                  <a:schemeClr val="tx1"/>
+                </a:solidFill>
+                <a:latin typeface="+mn-lt"/>
+                <a:ea typeface="+mn-ea"/>
+                <a:cs typeface="+mn-cs"/>
+              </a:defRPr>
+            </a:lvl3pPr>
+            <a:lvl4pPr marL="685800" indent="0" algn="l" defTabSz="914400" rtl="0" eaLnBrk="1" latinLnBrk="0" hangingPunct="1">
+              <a:lnSpc>
+                <a:spcPct val="110000"/>
+              </a:lnSpc>
+              <a:spcBef>
+                <a:spcPts val="500"/>
+              </a:spcBef>
+              <a:buFont typeface="Arial" panose="020B0604020202020204" pitchFamily="34" charset="0"/>
+              <a:buNone/>
+              <a:defRPr sz="1600" kern="1200">
+                <a:solidFill>
+                  <a:schemeClr val="tx1"/>
+                </a:solidFill>
+                <a:latin typeface="+mn-lt"/>
+                <a:ea typeface="+mn-ea"/>
+                <a:cs typeface="+mn-cs"/>
+              </a:defRPr>
+            </a:lvl4pPr>
+            <a:lvl5pPr marL="914400" indent="0" algn="l" defTabSz="914400" rtl="0" eaLnBrk="1" latinLnBrk="0" hangingPunct="1">
+              <a:lnSpc>
+                <a:spcPct val="110000"/>
+              </a:lnSpc>
+              <a:spcBef>
+                <a:spcPts val="500"/>
+              </a:spcBef>
+              <a:buFont typeface="Arial" panose="020B0604020202020204" pitchFamily="34" charset="0"/>
+              <a:buNone/>
+              <a:defRPr sz="1600" kern="1200">
+                <a:solidFill>
+                  <a:schemeClr val="tx1"/>
+                </a:solidFill>
+                <a:latin typeface="+mn-lt"/>
+                <a:ea typeface="+mn-ea"/>
+                <a:cs typeface="+mn-cs"/>
+              </a:defRPr>
+            </a:lvl5pPr>
+            <a:lvl6pPr marL="2514600" indent="-228600" algn="l" defTabSz="914400" rtl="0" eaLnBrk="1" latinLnBrk="0" hangingPunct="1">
+              <a:lnSpc>
+                <a:spcPct val="90000"/>
+              </a:lnSpc>
+              <a:spcBef>
+                <a:spcPts val="500"/>
+              </a:spcBef>
+              <a:buFont typeface="Arial" panose="020B0604020202020204" pitchFamily="34" charset="0"/>
+              <a:buChar char="•"/>
+              <a:defRPr sz="1800" kern="1200">
+                <a:solidFill>
+                  <a:schemeClr val="tx1"/>
+                </a:solidFill>
+                <a:latin typeface="+mn-lt"/>
+                <a:ea typeface="+mn-ea"/>
+                <a:cs typeface="+mn-cs"/>
+              </a:defRPr>
+            </a:lvl6pPr>
+            <a:lvl7pPr marL="2971800" indent="-228600" algn="l" defTabSz="914400" rtl="0" eaLnBrk="1" latinLnBrk="0" hangingPunct="1">
+              <a:lnSpc>
+                <a:spcPct val="90000"/>
+              </a:lnSpc>
+              <a:spcBef>
+                <a:spcPts val="500"/>
+              </a:spcBef>
+              <a:buFont typeface="Arial" panose="020B0604020202020204" pitchFamily="34" charset="0"/>
+              <a:buChar char="•"/>
+              <a:defRPr sz="1800" kern="1200">
+                <a:solidFill>
+                  <a:schemeClr val="tx1"/>
+                </a:solidFill>
+                <a:latin typeface="+mn-lt"/>
+                <a:ea typeface="+mn-ea"/>
+                <a:cs typeface="+mn-cs"/>
+              </a:defRPr>
+            </a:lvl7pPr>
+            <a:lvl8pPr marL="3429000" indent="-228600" algn="l" defTabSz="914400" rtl="0" eaLnBrk="1" latinLnBrk="0" hangingPunct="1">
+              <a:lnSpc>
+                <a:spcPct val="90000"/>
+              </a:lnSpc>
+              <a:spcBef>
+                <a:spcPts val="500"/>
+              </a:spcBef>
+              <a:buFont typeface="Arial" panose="020B0604020202020204" pitchFamily="34" charset="0"/>
+              <a:buChar char="•"/>
+              <a:defRPr sz="1800" kern="1200">
+                <a:solidFill>
+                  <a:schemeClr val="tx1"/>
+                </a:solidFill>
+                <a:latin typeface="+mn-lt"/>
+                <a:ea typeface="+mn-ea"/>
+                <a:cs typeface="+mn-cs"/>
+              </a:defRPr>
+            </a:lvl8pPr>
+            <a:lvl9pPr marL="3886200" indent="-228600" algn="l" defTabSz="914400" rtl="0" eaLnBrk="1" latinLnBrk="0" hangingPunct="1">
+              <a:lnSpc>
+                <a:spcPct val="90000"/>
+              </a:lnSpc>
+              <a:spcBef>
+                <a:spcPts val="500"/>
+              </a:spcBef>
+              <a:buFont typeface="Arial" panose="020B0604020202020204" pitchFamily="34" charset="0"/>
+              <a:buChar char="•"/>
+              <a:defRPr sz="1800" kern="1200">
+                <a:solidFill>
+                  <a:schemeClr val="tx1"/>
+                </a:solidFill>
+                <a:latin typeface="+mn-lt"/>
+                <a:ea typeface="+mn-ea"/>
+                <a:cs typeface="+mn-cs"/>
+              </a:defRPr>
+            </a:lvl9pPr>
+          </a:lstStyle>
+          <a:p>
+            <a:r>
+              <a:rPr lang="fr-CH" sz="1400"/>
+              <a:t>Luca, Natasha, Sanjaey et Théo</a:t>
+            </a:r>
+          </a:p>
+        </p:txBody>
+      </p:sp>
+      <p:pic>
+        <p:nvPicPr>
+          <p:cNvPr id="8" name="Image 8">
+            <a:extLst>
+              <a:ext uri="{FF2B5EF4-FFF2-40B4-BE49-F238E27FC236}">
+                <a16:creationId xmlns:a16="http://schemas.microsoft.com/office/drawing/2014/main" id="{5A70BC4B-4E2C-45A4-9E7E-1F7C7B5D122D}"/>
+              </a:ext>
+            </a:extLst>
+          </p:cNvPr>
+          <p:cNvPicPr>
+            <a:picLocks noChangeAspect="1"/>
+          </p:cNvPicPr>
+          <p:nvPr/>
+        </p:nvPicPr>
+        <p:blipFill>
+          <a:blip r:embed="rId2"/>
+          <a:stretch>
+            <a:fillRect/>
+          </a:stretch>
+        </p:blipFill>
+        <p:spPr>
+          <a:xfrm>
+            <a:off x="38100" y="3080628"/>
+            <a:ext cx="6010275" cy="3211344"/>
+          </a:xfrm>
+          <a:prstGeom prst="rect">
+            <a:avLst/>
+          </a:prstGeom>
+        </p:spPr>
+      </p:pic>
+      <p:pic>
+        <p:nvPicPr>
+          <p:cNvPr id="9" name="Image 9">
+            <a:extLst>
+              <a:ext uri="{FF2B5EF4-FFF2-40B4-BE49-F238E27FC236}">
+                <a16:creationId xmlns:a16="http://schemas.microsoft.com/office/drawing/2014/main" id="{8DCEDFF0-49B0-587A-E1C7-3ACFACDEFF2C}"/>
+              </a:ext>
+            </a:extLst>
+          </p:cNvPr>
+          <p:cNvPicPr>
+            <a:picLocks noChangeAspect="1"/>
+          </p:cNvPicPr>
+          <p:nvPr/>
+        </p:nvPicPr>
+        <p:blipFill>
+          <a:blip r:embed="rId3"/>
+          <a:stretch>
+            <a:fillRect/>
+          </a:stretch>
+        </p:blipFill>
+        <p:spPr>
+          <a:xfrm>
+            <a:off x="6353175" y="3081865"/>
+            <a:ext cx="5667375" cy="3199345"/>
+          </a:xfrm>
+          <a:prstGeom prst="rect">
+            <a:avLst/>
+          </a:prstGeom>
+        </p:spPr>
+      </p:pic>
+    </p:spTree>
+    <p:extLst>
+      <p:ext uri="{BB962C8B-B14F-4D97-AF65-F5344CB8AC3E}">
+        <p14:creationId xmlns:p14="http://schemas.microsoft.com/office/powerpoint/2010/main" val="2429557383"/>
+      </p:ext>
+    </p:extLst>
+  </p:cSld>
+  <p:clrMapOvr>
+    <a:masterClrMapping/>
+  </p:clrMapOvr>
+</p:sld>
+</file>
+
+<file path=ppt/slides/slide8.xml><?xml version="1.0" encoding="utf-8"?>
+<p:sld xmlns:a="http://schemas.openxmlformats.org/drawingml/2006/main" xmlns:r="http://schemas.openxmlformats.org/officeDocument/2006/relationships" xmlns:p="http://schemas.openxmlformats.org/presentationml/2006/main">
+  <p:cSld>
+    <p:spTree>
+      <p:nvGrpSpPr>
+        <p:cNvPr id="1" name=""/>
+        <p:cNvGrpSpPr/>
+        <p:nvPr/>
+      </p:nvGrpSpPr>
+      <p:grpSpPr>
+        <a:xfrm>
+          <a:off x="0" y="0"/>
+          <a:ext cx="0" cy="0"/>
+          <a:chOff x="0" y="0"/>
+          <a:chExt cx="0" cy="0"/>
+        </a:xfrm>
+      </p:grpSpPr>
+      <p:sp>
+        <p:nvSpPr>
+          <p:cNvPr id="2" name="Titre 1">
+            <a:extLst>
+              <a:ext uri="{FF2B5EF4-FFF2-40B4-BE49-F238E27FC236}">
+                <a16:creationId xmlns:a16="http://schemas.microsoft.com/office/drawing/2014/main" id="{7F04C049-9A7D-9EA2-8060-927F43694A39}"/>
+              </a:ext>
+            </a:extLst>
+          </p:cNvPr>
+          <p:cNvSpPr>
+            <a:spLocks noGrp="1"/>
+          </p:cNvSpPr>
+          <p:nvPr>
+            <p:ph type="title"/>
+          </p:nvPr>
+        </p:nvSpPr>
+        <p:spPr/>
+        <p:txBody>
+          <a:bodyPr/>
+          <a:lstStyle/>
+          <a:p>
+            <a:r>
+              <a:rPr lang="fr-FR"/>
+              <a:t>Création du site</a:t>
+            </a:r>
+          </a:p>
+        </p:txBody>
+      </p:sp>
+      <p:sp>
+        <p:nvSpPr>
+          <p:cNvPr id="3" name="Espace réservé du contenu 2">
+            <a:extLst>
+              <a:ext uri="{FF2B5EF4-FFF2-40B4-BE49-F238E27FC236}">
+                <a16:creationId xmlns:a16="http://schemas.microsoft.com/office/drawing/2014/main" id="{E7236232-8772-DB96-F08A-034BC6A7BC83}"/>
+              </a:ext>
+            </a:extLst>
+          </p:cNvPr>
+          <p:cNvSpPr>
+            <a:spLocks noGrp="1"/>
+          </p:cNvSpPr>
+          <p:nvPr>
+            <p:ph idx="1"/>
+          </p:nvPr>
+        </p:nvSpPr>
+        <p:spPr/>
+        <p:txBody>
+          <a:bodyPr vert="horz" lIns="91440" tIns="45720" rIns="91440" bIns="45720" rtlCol="0" anchor="t">
+            <a:normAutofit/>
+          </a:bodyPr>
+          <a:lstStyle/>
+          <a:p>
+            <a:r>
+              <a:rPr lang="fr-FR"/>
+              <a:t>HTML page accueil </a:t>
+            </a:r>
+          </a:p>
+        </p:txBody>
+      </p:sp>
+      <p:sp>
+        <p:nvSpPr>
+          <p:cNvPr id="6" name="ZoneTexte 5">
+            <a:extLst>
+              <a:ext uri="{FF2B5EF4-FFF2-40B4-BE49-F238E27FC236}">
+                <a16:creationId xmlns:a16="http://schemas.microsoft.com/office/drawing/2014/main" id="{CE8F962B-E1D4-4AB8-F26F-57941D5E5E8E}"/>
+              </a:ext>
+            </a:extLst>
+          </p:cNvPr>
+          <p:cNvSpPr txBox="1"/>
+          <p:nvPr/>
+        </p:nvSpPr>
+        <p:spPr>
+          <a:xfrm>
+            <a:off x="37629" y="112887"/>
+            <a:ext cx="1335852" cy="369332"/>
+          </a:xfrm>
+          <a:prstGeom prst="rect">
+            <a:avLst/>
+          </a:prstGeom>
+          <a:noFill/>
+        </p:spPr>
+        <p:txBody>
+          <a:bodyPr rot="0" spcFirstLastPara="0" vertOverflow="overflow" horzOverflow="overflow" vert="horz" wrap="square" lIns="91440" tIns="45720" rIns="91440" bIns="45720" numCol="1" spcCol="0" rtlCol="0" fromWordArt="0" anchor="t" anchorCtr="0" forceAA="0" compatLnSpc="1">
+            <a:prstTxWarp prst="textNoShape">
+              <a:avLst/>
+            </a:prstTxWarp>
+            <a:spAutoFit/>
+          </a:bodyPr>
+          <a:lstStyle/>
+          <a:p>
+            <a:pPr algn="l"/>
+            <a:r>
+              <a:rPr lang="fr-FR"/>
+              <a:t>10.01.2023</a:t>
+            </a:r>
+          </a:p>
+        </p:txBody>
+      </p:sp>
+      <p:sp>
+        <p:nvSpPr>
+          <p:cNvPr id="8" name="ZoneTexte 7">
+            <a:extLst>
+              <a:ext uri="{FF2B5EF4-FFF2-40B4-BE49-F238E27FC236}">
+                <a16:creationId xmlns:a16="http://schemas.microsoft.com/office/drawing/2014/main" id="{90E277A4-B4A9-98B6-9FED-59E0CDA7CC98}"/>
+              </a:ext>
+            </a:extLst>
+          </p:cNvPr>
+          <p:cNvSpPr txBox="1"/>
+          <p:nvPr/>
+        </p:nvSpPr>
+        <p:spPr>
+          <a:xfrm>
+            <a:off x="11307703" y="112887"/>
+            <a:ext cx="714963" cy="369332"/>
+          </a:xfrm>
+          <a:prstGeom prst="rect">
+            <a:avLst/>
+          </a:prstGeom>
+          <a:noFill/>
+        </p:spPr>
+        <p:txBody>
+          <a:bodyPr rot="0" spcFirstLastPara="0" vertOverflow="overflow" horzOverflow="overflow" vert="horz" wrap="square" lIns="91440" tIns="45720" rIns="91440" bIns="45720" numCol="1" spcCol="0" rtlCol="0" fromWordArt="0" anchor="t" anchorCtr="0" forceAA="0" compatLnSpc="1">
+            <a:prstTxWarp prst="textNoShape">
+              <a:avLst/>
+            </a:prstTxWarp>
+            <a:spAutoFit/>
+          </a:bodyPr>
+          <a:lstStyle/>
+          <a:p>
+            <a:pPr algn="l"/>
+            <a:r>
+              <a:rPr lang="fr-FR"/>
+              <a:t>ETML</a:t>
+            </a:r>
+          </a:p>
+        </p:txBody>
+      </p:sp>
+      <p:sp>
+        <p:nvSpPr>
+          <p:cNvPr id="10" name="ZoneTexte 9">
+            <a:extLst>
+              <a:ext uri="{FF2B5EF4-FFF2-40B4-BE49-F238E27FC236}">
+                <a16:creationId xmlns:a16="http://schemas.microsoft.com/office/drawing/2014/main" id="{0BC81D26-B6F7-0C55-C070-25A3A3EADCCE}"/>
+              </a:ext>
+            </a:extLst>
+          </p:cNvPr>
+          <p:cNvSpPr txBox="1"/>
+          <p:nvPr/>
+        </p:nvSpPr>
+        <p:spPr>
+          <a:xfrm>
+            <a:off x="37629" y="6415850"/>
+            <a:ext cx="884296" cy="369332"/>
+          </a:xfrm>
+          <a:prstGeom prst="rect">
+            <a:avLst/>
+          </a:prstGeom>
+          <a:noFill/>
+        </p:spPr>
+        <p:txBody>
+          <a:bodyPr rot="0" spcFirstLastPara="0" vertOverflow="overflow" horzOverflow="overflow" vert="horz" wrap="square" lIns="91440" tIns="45720" rIns="91440" bIns="45720" numCol="1" spcCol="0" rtlCol="0" fromWordArt="0" anchor="t" anchorCtr="0" forceAA="0" compatLnSpc="1">
+            <a:prstTxWarp prst="textNoShape">
+              <a:avLst/>
+            </a:prstTxWarp>
+            <a:spAutoFit/>
+          </a:bodyPr>
+          <a:lstStyle/>
+          <a:p>
+            <a:pPr algn="l"/>
+            <a:r>
+              <a:rPr lang="fr-FR"/>
+              <a:t>CIN2A</a:t>
+            </a:r>
+          </a:p>
+        </p:txBody>
+      </p:sp>
+      <p:sp>
+        <p:nvSpPr>
+          <p:cNvPr id="12" name="Sous-titre 2">
+            <a:extLst>
+              <a:ext uri="{FF2B5EF4-FFF2-40B4-BE49-F238E27FC236}">
+                <a16:creationId xmlns:a16="http://schemas.microsoft.com/office/drawing/2014/main" id="{E7AD663A-BA70-00AF-69B3-B8F19E27B332}"/>
+              </a:ext>
+            </a:extLst>
+          </p:cNvPr>
+          <p:cNvSpPr txBox="1">
+            <a:spLocks/>
+          </p:cNvSpPr>
+          <p:nvPr/>
+        </p:nvSpPr>
+        <p:spPr>
+          <a:xfrm>
+            <a:off x="9482194" y="6383335"/>
+            <a:ext cx="2602858" cy="402374"/>
+          </a:xfrm>
+          <a:prstGeom prst="rect">
+            <a:avLst/>
+          </a:prstGeom>
+        </p:spPr>
+        <p:txBody>
+          <a:bodyPr vert="horz" lIns="91440" tIns="45720" rIns="91440" bIns="45720" rtlCol="0" anchor="b">
+            <a:normAutofit fontScale="92500"/>
+          </a:bodyPr>
+          <a:lstStyle>
+            <a:lvl1pPr marL="0" indent="0" algn="l" defTabSz="914400" rtl="0" eaLnBrk="1" latinLnBrk="0" hangingPunct="1">
+              <a:lnSpc>
+                <a:spcPct val="110000"/>
+              </a:lnSpc>
+              <a:spcBef>
+                <a:spcPts val="1000"/>
+              </a:spcBef>
+              <a:buFont typeface="Arial" panose="020B0604020202020204" pitchFamily="34" charset="0"/>
+              <a:buNone/>
+              <a:defRPr sz="2200" kern="1200">
+                <a:solidFill>
+                  <a:schemeClr val="tx1"/>
+                </a:solidFill>
+                <a:latin typeface="+mn-lt"/>
+                <a:ea typeface="+mn-ea"/>
+                <a:cs typeface="+mn-cs"/>
+              </a:defRPr>
+            </a:lvl1pPr>
+            <a:lvl2pPr marL="228600" indent="0" algn="l" defTabSz="914400" rtl="0" eaLnBrk="1" latinLnBrk="0" hangingPunct="1">
+              <a:lnSpc>
+                <a:spcPct val="110000"/>
+              </a:lnSpc>
+              <a:spcBef>
+                <a:spcPts val="500"/>
+              </a:spcBef>
+              <a:buFont typeface="Arial" panose="020B0604020202020204" pitchFamily="34" charset="0"/>
+              <a:buNone/>
+              <a:defRPr sz="2000" kern="1200">
+                <a:solidFill>
+                  <a:schemeClr val="tx1"/>
+                </a:solidFill>
+                <a:latin typeface="+mn-lt"/>
+                <a:ea typeface="+mn-ea"/>
+                <a:cs typeface="+mn-cs"/>
+              </a:defRPr>
+            </a:lvl2pPr>
+            <a:lvl3pPr marL="457200" indent="0" algn="l" defTabSz="914400" rtl="0" eaLnBrk="1" latinLnBrk="0" hangingPunct="1">
+              <a:lnSpc>
+                <a:spcPct val="110000"/>
+              </a:lnSpc>
+              <a:spcBef>
+                <a:spcPts val="500"/>
+              </a:spcBef>
+              <a:buFont typeface="Arial" panose="020B0604020202020204" pitchFamily="34" charset="0"/>
+              <a:buNone/>
+              <a:defRPr sz="1800" kern="1200">
+                <a:solidFill>
+                  <a:schemeClr val="tx1"/>
+                </a:solidFill>
+                <a:latin typeface="+mn-lt"/>
+                <a:ea typeface="+mn-ea"/>
+                <a:cs typeface="+mn-cs"/>
+              </a:defRPr>
+            </a:lvl3pPr>
+            <a:lvl4pPr marL="685800" indent="0" algn="l" defTabSz="914400" rtl="0" eaLnBrk="1" latinLnBrk="0" hangingPunct="1">
+              <a:lnSpc>
+                <a:spcPct val="110000"/>
+              </a:lnSpc>
+              <a:spcBef>
+                <a:spcPts val="500"/>
+              </a:spcBef>
+              <a:buFont typeface="Arial" panose="020B0604020202020204" pitchFamily="34" charset="0"/>
+              <a:buNone/>
+              <a:defRPr sz="1600" kern="1200">
+                <a:solidFill>
+                  <a:schemeClr val="tx1"/>
+                </a:solidFill>
+                <a:latin typeface="+mn-lt"/>
+                <a:ea typeface="+mn-ea"/>
+                <a:cs typeface="+mn-cs"/>
+              </a:defRPr>
+            </a:lvl4pPr>
+            <a:lvl5pPr marL="914400" indent="0" algn="l" defTabSz="914400" rtl="0" eaLnBrk="1" latinLnBrk="0" hangingPunct="1">
+              <a:lnSpc>
+                <a:spcPct val="110000"/>
+              </a:lnSpc>
+              <a:spcBef>
+                <a:spcPts val="500"/>
+              </a:spcBef>
+              <a:buFont typeface="Arial" panose="020B0604020202020204" pitchFamily="34" charset="0"/>
+              <a:buNone/>
+              <a:defRPr sz="1600" kern="1200">
+                <a:solidFill>
+                  <a:schemeClr val="tx1"/>
+                </a:solidFill>
+                <a:latin typeface="+mn-lt"/>
+                <a:ea typeface="+mn-ea"/>
+                <a:cs typeface="+mn-cs"/>
+              </a:defRPr>
+            </a:lvl5pPr>
+            <a:lvl6pPr marL="2514600" indent="-228600" algn="l" defTabSz="914400" rtl="0" eaLnBrk="1" latinLnBrk="0" hangingPunct="1">
+              <a:lnSpc>
+                <a:spcPct val="90000"/>
+              </a:lnSpc>
+              <a:spcBef>
+                <a:spcPts val="500"/>
+              </a:spcBef>
+              <a:buFont typeface="Arial" panose="020B0604020202020204" pitchFamily="34" charset="0"/>
+              <a:buChar char="•"/>
+              <a:defRPr sz="1800" kern="1200">
+                <a:solidFill>
+                  <a:schemeClr val="tx1"/>
+                </a:solidFill>
+                <a:latin typeface="+mn-lt"/>
+                <a:ea typeface="+mn-ea"/>
+                <a:cs typeface="+mn-cs"/>
+              </a:defRPr>
+            </a:lvl6pPr>
+            <a:lvl7pPr marL="2971800" indent="-228600" algn="l" defTabSz="914400" rtl="0" eaLnBrk="1" latinLnBrk="0" hangingPunct="1">
+              <a:lnSpc>
+                <a:spcPct val="90000"/>
+              </a:lnSpc>
+              <a:spcBef>
+                <a:spcPts val="500"/>
+              </a:spcBef>
+              <a:buFont typeface="Arial" panose="020B0604020202020204" pitchFamily="34" charset="0"/>
+              <a:buChar char="•"/>
+              <a:defRPr sz="1800" kern="1200">
+                <a:solidFill>
+                  <a:schemeClr val="tx1"/>
+                </a:solidFill>
+                <a:latin typeface="+mn-lt"/>
+                <a:ea typeface="+mn-ea"/>
+                <a:cs typeface="+mn-cs"/>
+              </a:defRPr>
+            </a:lvl7pPr>
+            <a:lvl8pPr marL="3429000" indent="-228600" algn="l" defTabSz="914400" rtl="0" eaLnBrk="1" latinLnBrk="0" hangingPunct="1">
+              <a:lnSpc>
+                <a:spcPct val="90000"/>
+              </a:lnSpc>
+              <a:spcBef>
+                <a:spcPts val="500"/>
+              </a:spcBef>
+              <a:buFont typeface="Arial" panose="020B0604020202020204" pitchFamily="34" charset="0"/>
+              <a:buChar char="•"/>
+              <a:defRPr sz="1800" kern="1200">
+                <a:solidFill>
+                  <a:schemeClr val="tx1"/>
+                </a:solidFill>
+                <a:latin typeface="+mn-lt"/>
+                <a:ea typeface="+mn-ea"/>
+                <a:cs typeface="+mn-cs"/>
+              </a:defRPr>
+            </a:lvl8pPr>
+            <a:lvl9pPr marL="3886200" indent="-228600" algn="l" defTabSz="914400" rtl="0" eaLnBrk="1" latinLnBrk="0" hangingPunct="1">
+              <a:lnSpc>
+                <a:spcPct val="90000"/>
+              </a:lnSpc>
+              <a:spcBef>
+                <a:spcPts val="500"/>
+              </a:spcBef>
+              <a:buFont typeface="Arial" panose="020B0604020202020204" pitchFamily="34" charset="0"/>
+              <a:buChar char="•"/>
+              <a:defRPr sz="1800" kern="1200">
+                <a:solidFill>
+                  <a:schemeClr val="tx1"/>
+                </a:solidFill>
+                <a:latin typeface="+mn-lt"/>
+                <a:ea typeface="+mn-ea"/>
+                <a:cs typeface="+mn-cs"/>
+              </a:defRPr>
+            </a:lvl9pPr>
+          </a:lstStyle>
+          <a:p>
+            <a:r>
+              <a:rPr lang="fr-CH" sz="1400"/>
+              <a:t>Luca, Natasha, Sanjaey et Théo</a:t>
+            </a:r>
+          </a:p>
+        </p:txBody>
+      </p:sp>
+      <p:pic>
+        <p:nvPicPr>
+          <p:cNvPr id="4" name="Image 4" descr="Une image contenant texte&#10;&#10;Description générée automatiquement">
+            <a:extLst>
+              <a:ext uri="{FF2B5EF4-FFF2-40B4-BE49-F238E27FC236}">
+                <a16:creationId xmlns:a16="http://schemas.microsoft.com/office/drawing/2014/main" id="{53CAF064-3157-07A3-CBDB-F3D268FF3054}"/>
+              </a:ext>
+            </a:extLst>
+          </p:cNvPr>
+          <p:cNvPicPr>
+            <a:picLocks noChangeAspect="1"/>
+          </p:cNvPicPr>
+          <p:nvPr/>
+        </p:nvPicPr>
+        <p:blipFill>
+          <a:blip r:embed="rId2"/>
+          <a:stretch>
+            <a:fillRect/>
+          </a:stretch>
+        </p:blipFill>
+        <p:spPr>
+          <a:xfrm>
+            <a:off x="3517076" y="2659241"/>
+            <a:ext cx="8017821" cy="3904685"/>
+          </a:xfrm>
+          <a:prstGeom prst="rect">
+            <a:avLst/>
+          </a:prstGeom>
+        </p:spPr>
+      </p:pic>
+    </p:spTree>
+    <p:extLst>
+      <p:ext uri="{BB962C8B-B14F-4D97-AF65-F5344CB8AC3E}">
+        <p14:creationId xmlns:p14="http://schemas.microsoft.com/office/powerpoint/2010/main" val="1610194782"/>
+      </p:ext>
+    </p:extLst>
+  </p:cSld>
+  <p:clrMapOvr>
+    <a:masterClrMapping/>
+  </p:clrMapOvr>
+</p:sld>
+</file>
+
+<file path=ppt/slides/slide9.xml><?xml version="1.0" encoding="utf-8"?>
+<p:sld xmlns:a="http://schemas.openxmlformats.org/drawingml/2006/main" xmlns:r="http://schemas.openxmlformats.org/officeDocument/2006/relationships" xmlns:p="http://schemas.openxmlformats.org/presentationml/2006/main">
+  <p:cSld>
+    <p:spTree>
+      <p:nvGrpSpPr>
+        <p:cNvPr id="1" name=""/>
+        <p:cNvGrpSpPr/>
+        <p:nvPr/>
+      </p:nvGrpSpPr>
+      <p:grpSpPr>
+        <a:xfrm>
+          <a:off x="0" y="0"/>
+          <a:ext cx="0" cy="0"/>
+          <a:chOff x="0" y="0"/>
+          <a:chExt cx="0" cy="0"/>
+        </a:xfrm>
+      </p:grpSpPr>
+      <p:sp>
+        <p:nvSpPr>
+          <p:cNvPr id="2" name="Titre 1">
+            <a:extLst>
+              <a:ext uri="{FF2B5EF4-FFF2-40B4-BE49-F238E27FC236}">
+                <a16:creationId xmlns:a16="http://schemas.microsoft.com/office/drawing/2014/main" id="{7F04C049-9A7D-9EA2-8060-927F43694A39}"/>
+              </a:ext>
+            </a:extLst>
+          </p:cNvPr>
+          <p:cNvSpPr>
+            <a:spLocks noGrp="1"/>
+          </p:cNvSpPr>
+          <p:nvPr>
+            <p:ph type="title"/>
+          </p:nvPr>
+        </p:nvSpPr>
+        <p:spPr/>
+        <p:txBody>
+          <a:bodyPr/>
+          <a:lstStyle/>
+          <a:p>
+            <a:r>
+              <a:rPr lang="fr-FR"/>
+              <a:t>Création du site</a:t>
+            </a:r>
+          </a:p>
+        </p:txBody>
+      </p:sp>
+      <p:sp>
+        <p:nvSpPr>
+          <p:cNvPr id="3" name="Espace réservé du contenu 2">
+            <a:extLst>
+              <a:ext uri="{FF2B5EF4-FFF2-40B4-BE49-F238E27FC236}">
+                <a16:creationId xmlns:a16="http://schemas.microsoft.com/office/drawing/2014/main" id="{E7236232-8772-DB96-F08A-034BC6A7BC83}"/>
+              </a:ext>
+            </a:extLst>
+          </p:cNvPr>
+          <p:cNvSpPr>
+            <a:spLocks noGrp="1"/>
+          </p:cNvSpPr>
+          <p:nvPr>
+            <p:ph idx="1"/>
+          </p:nvPr>
+        </p:nvSpPr>
+        <p:spPr/>
+        <p:txBody>
+          <a:bodyPr vert="horz" lIns="91440" tIns="45720" rIns="91440" bIns="45720" rtlCol="0" anchor="t">
+            <a:normAutofit/>
+          </a:bodyPr>
+          <a:lstStyle/>
+          <a:p>
+            <a:r>
+              <a:rPr lang="fr-FR"/>
+              <a:t>HTML page ajout imprimante</a:t>
+            </a:r>
+          </a:p>
+        </p:txBody>
+      </p:sp>
+      <p:sp>
+        <p:nvSpPr>
+          <p:cNvPr id="6" name="ZoneTexte 5">
+            <a:extLst>
+              <a:ext uri="{FF2B5EF4-FFF2-40B4-BE49-F238E27FC236}">
+                <a16:creationId xmlns:a16="http://schemas.microsoft.com/office/drawing/2014/main" id="{CE8F962B-E1D4-4AB8-F26F-57941D5E5E8E}"/>
+              </a:ext>
+            </a:extLst>
+          </p:cNvPr>
+          <p:cNvSpPr txBox="1"/>
+          <p:nvPr/>
+        </p:nvSpPr>
+        <p:spPr>
+          <a:xfrm>
+            <a:off x="37629" y="112887"/>
+            <a:ext cx="1335852" cy="369332"/>
+          </a:xfrm>
+          <a:prstGeom prst="rect">
+            <a:avLst/>
+          </a:prstGeom>
+          <a:noFill/>
+        </p:spPr>
+        <p:txBody>
+          <a:bodyPr rot="0" spcFirstLastPara="0" vertOverflow="overflow" horzOverflow="overflow" vert="horz" wrap="square" lIns="91440" tIns="45720" rIns="91440" bIns="45720" numCol="1" spcCol="0" rtlCol="0" fromWordArt="0" anchor="t" anchorCtr="0" forceAA="0" compatLnSpc="1">
+            <a:prstTxWarp prst="textNoShape">
+              <a:avLst/>
+            </a:prstTxWarp>
+            <a:spAutoFit/>
+          </a:bodyPr>
+          <a:lstStyle/>
+          <a:p>
+            <a:pPr algn="l"/>
+            <a:r>
+              <a:rPr lang="fr-FR"/>
+              <a:t>10.01.2023</a:t>
+            </a:r>
+          </a:p>
+        </p:txBody>
+      </p:sp>
+      <p:sp>
+        <p:nvSpPr>
+          <p:cNvPr id="8" name="ZoneTexte 7">
+            <a:extLst>
+              <a:ext uri="{FF2B5EF4-FFF2-40B4-BE49-F238E27FC236}">
+                <a16:creationId xmlns:a16="http://schemas.microsoft.com/office/drawing/2014/main" id="{90E277A4-B4A9-98B6-9FED-59E0CDA7CC98}"/>
+              </a:ext>
+            </a:extLst>
+          </p:cNvPr>
+          <p:cNvSpPr txBox="1"/>
+          <p:nvPr/>
+        </p:nvSpPr>
+        <p:spPr>
+          <a:xfrm>
+            <a:off x="11307703" y="112887"/>
+            <a:ext cx="714963" cy="369332"/>
+          </a:xfrm>
+          <a:prstGeom prst="rect">
+            <a:avLst/>
+          </a:prstGeom>
+          <a:noFill/>
+        </p:spPr>
+        <p:txBody>
+          <a:bodyPr rot="0" spcFirstLastPara="0" vertOverflow="overflow" horzOverflow="overflow" vert="horz" wrap="square" lIns="91440" tIns="45720" rIns="91440" bIns="45720" numCol="1" spcCol="0" rtlCol="0" fromWordArt="0" anchor="t" anchorCtr="0" forceAA="0" compatLnSpc="1">
+            <a:prstTxWarp prst="textNoShape">
+              <a:avLst/>
+            </a:prstTxWarp>
+            <a:spAutoFit/>
+          </a:bodyPr>
+          <a:lstStyle/>
+          <a:p>
+            <a:pPr algn="l"/>
+            <a:r>
+              <a:rPr lang="fr-FR"/>
+              <a:t>ETML</a:t>
+            </a:r>
+          </a:p>
+        </p:txBody>
+      </p:sp>
+      <p:sp>
+        <p:nvSpPr>
+          <p:cNvPr id="10" name="ZoneTexte 9">
+            <a:extLst>
+              <a:ext uri="{FF2B5EF4-FFF2-40B4-BE49-F238E27FC236}">
+                <a16:creationId xmlns:a16="http://schemas.microsoft.com/office/drawing/2014/main" id="{0BC81D26-B6F7-0C55-C070-25A3A3EADCCE}"/>
+              </a:ext>
+            </a:extLst>
+          </p:cNvPr>
+          <p:cNvSpPr txBox="1"/>
+          <p:nvPr/>
+        </p:nvSpPr>
+        <p:spPr>
+          <a:xfrm>
+            <a:off x="37629" y="6415850"/>
+            <a:ext cx="884296" cy="369332"/>
+          </a:xfrm>
+          <a:prstGeom prst="rect">
+            <a:avLst/>
+          </a:prstGeom>
+          <a:noFill/>
+        </p:spPr>
+        <p:txBody>
+          <a:bodyPr rot="0" spcFirstLastPara="0" vertOverflow="overflow" horzOverflow="overflow" vert="horz" wrap="square" lIns="91440" tIns="45720" rIns="91440" bIns="45720" numCol="1" spcCol="0" rtlCol="0" fromWordArt="0" anchor="t" anchorCtr="0" forceAA="0" compatLnSpc="1">
+            <a:prstTxWarp prst="textNoShape">
+              <a:avLst/>
+            </a:prstTxWarp>
+            <a:spAutoFit/>
+          </a:bodyPr>
+          <a:lstStyle/>
+          <a:p>
+            <a:pPr algn="l"/>
+            <a:r>
+              <a:rPr lang="fr-FR"/>
+              <a:t>CIN2A</a:t>
+            </a:r>
+          </a:p>
+        </p:txBody>
+      </p:sp>
+      <p:sp>
+        <p:nvSpPr>
+          <p:cNvPr id="12" name="Sous-titre 2">
+            <a:extLst>
+              <a:ext uri="{FF2B5EF4-FFF2-40B4-BE49-F238E27FC236}">
+                <a16:creationId xmlns:a16="http://schemas.microsoft.com/office/drawing/2014/main" id="{E7AD663A-BA70-00AF-69B3-B8F19E27B332}"/>
+              </a:ext>
+            </a:extLst>
+          </p:cNvPr>
+          <p:cNvSpPr txBox="1">
+            <a:spLocks/>
+          </p:cNvSpPr>
+          <p:nvPr/>
+        </p:nvSpPr>
+        <p:spPr>
+          <a:xfrm>
+            <a:off x="9482194" y="6383335"/>
+            <a:ext cx="2602858" cy="402374"/>
+          </a:xfrm>
+          <a:prstGeom prst="rect">
+            <a:avLst/>
+          </a:prstGeom>
+        </p:spPr>
+        <p:txBody>
+          <a:bodyPr vert="horz" lIns="91440" tIns="45720" rIns="91440" bIns="45720" rtlCol="0" anchor="b">
+            <a:normAutofit fontScale="92500"/>
+          </a:bodyPr>
+          <a:lstStyle>
+            <a:lvl1pPr marL="0" indent="0" algn="l" defTabSz="914400" rtl="0" eaLnBrk="1" latinLnBrk="0" hangingPunct="1">
+              <a:lnSpc>
+                <a:spcPct val="110000"/>
+              </a:lnSpc>
+              <a:spcBef>
+                <a:spcPts val="1000"/>
+              </a:spcBef>
+              <a:buFont typeface="Arial" panose="020B0604020202020204" pitchFamily="34" charset="0"/>
+              <a:buNone/>
+              <a:defRPr sz="2200" kern="1200">
+                <a:solidFill>
+                  <a:schemeClr val="tx1"/>
+                </a:solidFill>
+                <a:latin typeface="+mn-lt"/>
+                <a:ea typeface="+mn-ea"/>
+                <a:cs typeface="+mn-cs"/>
+              </a:defRPr>
+            </a:lvl1pPr>
+            <a:lvl2pPr marL="228600" indent="0" algn="l" defTabSz="914400" rtl="0" eaLnBrk="1" latinLnBrk="0" hangingPunct="1">
+              <a:lnSpc>
+                <a:spcPct val="110000"/>
+              </a:lnSpc>
+              <a:spcBef>
+                <a:spcPts val="500"/>
+              </a:spcBef>
+              <a:buFont typeface="Arial" panose="020B0604020202020204" pitchFamily="34" charset="0"/>
+              <a:buNone/>
+              <a:defRPr sz="2000" kern="1200">
+                <a:solidFill>
+                  <a:schemeClr val="tx1"/>
+                </a:solidFill>
+                <a:latin typeface="+mn-lt"/>
+                <a:ea typeface="+mn-ea"/>
+                <a:cs typeface="+mn-cs"/>
+              </a:defRPr>
+            </a:lvl2pPr>
+            <a:lvl3pPr marL="457200" indent="0" algn="l" defTabSz="914400" rtl="0" eaLnBrk="1" latinLnBrk="0" hangingPunct="1">
+              <a:lnSpc>
+                <a:spcPct val="110000"/>
+              </a:lnSpc>
+              <a:spcBef>
+                <a:spcPts val="500"/>
+              </a:spcBef>
+              <a:buFont typeface="Arial" panose="020B0604020202020204" pitchFamily="34" charset="0"/>
+              <a:buNone/>
+              <a:defRPr sz="1800" kern="1200">
+                <a:solidFill>
+                  <a:schemeClr val="tx1"/>
+                </a:solidFill>
+                <a:latin typeface="+mn-lt"/>
+                <a:ea typeface="+mn-ea"/>
+                <a:cs typeface="+mn-cs"/>
+              </a:defRPr>
+            </a:lvl3pPr>
+            <a:lvl4pPr marL="685800" indent="0" algn="l" defTabSz="914400" rtl="0" eaLnBrk="1" latinLnBrk="0" hangingPunct="1">
+              <a:lnSpc>
+                <a:spcPct val="110000"/>
+              </a:lnSpc>
+              <a:spcBef>
+                <a:spcPts val="500"/>
+              </a:spcBef>
+              <a:buFont typeface="Arial" panose="020B0604020202020204" pitchFamily="34" charset="0"/>
+              <a:buNone/>
+              <a:defRPr sz="1600" kern="1200">
+                <a:solidFill>
+                  <a:schemeClr val="tx1"/>
+                </a:solidFill>
+                <a:latin typeface="+mn-lt"/>
+                <a:ea typeface="+mn-ea"/>
+                <a:cs typeface="+mn-cs"/>
+              </a:defRPr>
+            </a:lvl4pPr>
+            <a:lvl5pPr marL="914400" indent="0" algn="l" defTabSz="914400" rtl="0" eaLnBrk="1" latinLnBrk="0" hangingPunct="1">
+              <a:lnSpc>
+                <a:spcPct val="110000"/>
+              </a:lnSpc>
+              <a:spcBef>
+                <a:spcPts val="500"/>
+              </a:spcBef>
+              <a:buFont typeface="Arial" panose="020B0604020202020204" pitchFamily="34" charset="0"/>
+              <a:buNone/>
+              <a:defRPr sz="1600" kern="1200">
+                <a:solidFill>
+                  <a:schemeClr val="tx1"/>
+                </a:solidFill>
+                <a:latin typeface="+mn-lt"/>
+                <a:ea typeface="+mn-ea"/>
+                <a:cs typeface="+mn-cs"/>
+              </a:defRPr>
+            </a:lvl5pPr>
+            <a:lvl6pPr marL="2514600" indent="-228600" algn="l" defTabSz="914400" rtl="0" eaLnBrk="1" latinLnBrk="0" hangingPunct="1">
+              <a:lnSpc>
+                <a:spcPct val="90000"/>
+              </a:lnSpc>
+              <a:spcBef>
+                <a:spcPts val="500"/>
+              </a:spcBef>
+              <a:buFont typeface="Arial" panose="020B0604020202020204" pitchFamily="34" charset="0"/>
+              <a:buChar char="•"/>
+              <a:defRPr sz="1800" kern="1200">
+                <a:solidFill>
+                  <a:schemeClr val="tx1"/>
+                </a:solidFill>
+                <a:latin typeface="+mn-lt"/>
+                <a:ea typeface="+mn-ea"/>
+                <a:cs typeface="+mn-cs"/>
+              </a:defRPr>
+            </a:lvl6pPr>
+            <a:lvl7pPr marL="2971800" indent="-228600" algn="l" defTabSz="914400" rtl="0" eaLnBrk="1" latinLnBrk="0" hangingPunct="1">
+              <a:lnSpc>
+                <a:spcPct val="90000"/>
+              </a:lnSpc>
+              <a:spcBef>
+                <a:spcPts val="500"/>
+              </a:spcBef>
+              <a:buFont typeface="Arial" panose="020B0604020202020204" pitchFamily="34" charset="0"/>
+              <a:buChar char="•"/>
+              <a:defRPr sz="1800" kern="1200">
+                <a:solidFill>
+                  <a:schemeClr val="tx1"/>
+                </a:solidFill>
+                <a:latin typeface="+mn-lt"/>
+                <a:ea typeface="+mn-ea"/>
+                <a:cs typeface="+mn-cs"/>
+              </a:defRPr>
+            </a:lvl7pPr>
+            <a:lvl8pPr marL="3429000" indent="-228600" algn="l" defTabSz="914400" rtl="0" eaLnBrk="1" latinLnBrk="0" hangingPunct="1">
+              <a:lnSpc>
+                <a:spcPct val="90000"/>
+              </a:lnSpc>
+              <a:spcBef>
+                <a:spcPts val="500"/>
+              </a:spcBef>
+              <a:buFont typeface="Arial" panose="020B0604020202020204" pitchFamily="34" charset="0"/>
+              <a:buChar char="•"/>
+              <a:defRPr sz="1800" kern="1200">
+                <a:solidFill>
+                  <a:schemeClr val="tx1"/>
+                </a:solidFill>
+                <a:latin typeface="+mn-lt"/>
+                <a:ea typeface="+mn-ea"/>
+                <a:cs typeface="+mn-cs"/>
+              </a:defRPr>
+            </a:lvl8pPr>
+            <a:lvl9pPr marL="3886200" indent="-228600" algn="l" defTabSz="914400" rtl="0" eaLnBrk="1" latinLnBrk="0" hangingPunct="1">
+              <a:lnSpc>
+                <a:spcPct val="90000"/>
+              </a:lnSpc>
+              <a:spcBef>
+                <a:spcPts val="500"/>
+              </a:spcBef>
+              <a:buFont typeface="Arial" panose="020B0604020202020204" pitchFamily="34" charset="0"/>
+              <a:buChar char="•"/>
+              <a:defRPr sz="1800" kern="1200">
+                <a:solidFill>
+                  <a:schemeClr val="tx1"/>
+                </a:solidFill>
+                <a:latin typeface="+mn-lt"/>
+                <a:ea typeface="+mn-ea"/>
+                <a:cs typeface="+mn-cs"/>
+              </a:defRPr>
+            </a:lvl9pPr>
+          </a:lstStyle>
+          <a:p>
+            <a:r>
+              <a:rPr lang="fr-CH" sz="1400"/>
+              <a:t>Luca, Natasha, Sanjaey et Théo</a:t>
+            </a:r>
+          </a:p>
+        </p:txBody>
+      </p:sp>
+      <p:pic>
+        <p:nvPicPr>
+          <p:cNvPr id="5" name="Image 6" descr="Une image contenant table&#10;&#10;Description générée automatiquement">
+            <a:extLst>
+              <a:ext uri="{FF2B5EF4-FFF2-40B4-BE49-F238E27FC236}">
+                <a16:creationId xmlns:a16="http://schemas.microsoft.com/office/drawing/2014/main" id="{0FD4F215-A783-3B91-ECF5-4524E5CAA883}"/>
+              </a:ext>
+            </a:extLst>
+          </p:cNvPr>
+          <p:cNvPicPr>
+            <a:picLocks noChangeAspect="1"/>
+          </p:cNvPicPr>
+          <p:nvPr/>
+        </p:nvPicPr>
+        <p:blipFill>
+          <a:blip r:embed="rId2"/>
+          <a:stretch>
+            <a:fillRect/>
+          </a:stretch>
+        </p:blipFill>
+        <p:spPr>
+          <a:xfrm>
+            <a:off x="4338452" y="2749735"/>
+            <a:ext cx="7206342" cy="3505985"/>
+          </a:xfrm>
+          <a:prstGeom prst="rect">
+            <a:avLst/>
+          </a:prstGeom>
+        </p:spPr>
+      </p:pic>
+    </p:spTree>
+    <p:extLst>
+      <p:ext uri="{BB962C8B-B14F-4D97-AF65-F5344CB8AC3E}">
+        <p14:creationId xmlns:p14="http://schemas.microsoft.com/office/powerpoint/2010/main" val="2065694854"/>
       </p:ext>
     </p:extLst>
   </p:cSld>
@@ -5730,4 +12799,299 @@
     </a:ext>
   </a:extLst>
 </a:theme>
+</file>
+
+<file path=ppt/theme/theme2.xml><?xml version="1.0" encoding="utf-8"?>
+<a:theme xmlns:a="http://schemas.openxmlformats.org/drawingml/2006/main" name="Thème Office 2013 : 2022">
+  <a:themeElements>
+    <a:clrScheme name="Office">
+      <a:dk1>
+        <a:sysClr val="windowText" lastClr="000000"/>
+      </a:dk1>
+      <a:lt1>
+        <a:sysClr val="window" lastClr="FFFFFF"/>
+      </a:lt1>
+      <a:dk2>
+        <a:srgbClr val="44546A"/>
+      </a:dk2>
+      <a:lt2>
+        <a:srgbClr val="E7E6E6"/>
+      </a:lt2>
+      <a:accent1>
+        <a:srgbClr val="4472C4"/>
+      </a:accent1>
+      <a:accent2>
+        <a:srgbClr val="ED7D31"/>
+      </a:accent2>
+      <a:accent3>
+        <a:srgbClr val="A5A5A5"/>
+      </a:accent3>
+      <a:accent4>
+        <a:srgbClr val="FFC000"/>
+      </a:accent4>
+      <a:accent5>
+        <a:srgbClr val="5B9BD5"/>
+      </a:accent5>
+      <a:accent6>
+        <a:srgbClr val="70AD47"/>
+      </a:accent6>
+      <a:hlink>
+        <a:srgbClr val="0563C1"/>
+      </a:hlink>
+      <a:folHlink>
+        <a:srgbClr val="954F72"/>
+      </a:folHlink>
+    </a:clrScheme>
+    <a:fontScheme name="Office">
+      <a:majorFont>
+        <a:latin typeface="Calibri Light" panose="020F0302020204030204"/>
+        <a:ea typeface=""/>
+        <a:cs typeface=""/>
+        <a:font script="Jpan" typeface="游ゴシック Light"/>
+        <a:font script="Hang" typeface="맑은 고딕"/>
+        <a:font script="Hans" typeface="等线 Light"/>
+        <a:font script="Hant" typeface="新細明體"/>
+        <a:font script="Arab" typeface="Times New Roman"/>
+        <a:font script="Hebr" typeface="Times New Roman"/>
+        <a:font script="Thai" typeface="Angsana New"/>
+        <a:font script="Ethi" typeface="Nyala"/>
+        <a:font script="Beng" typeface="Vrinda"/>
+        <a:font script="Gujr" typeface="Shruti"/>
+        <a:font script="Khmr" typeface="MoolBoran"/>
+        <a:font script="Knda" typeface="Tunga"/>
+        <a:font script="Guru" typeface="Raavi"/>
+        <a:font script="Cans" typeface="Euphemia"/>
+        <a:font script="Cher" typeface="Plantagenet Cherokee"/>
+        <a:font script="Yiii" typeface="Microsoft Yi Baiti"/>
+        <a:font script="Tibt" typeface="Microsoft Himalaya"/>
+        <a:font script="Thaa" typeface="MV Boli"/>
+        <a:font script="Deva" typeface="Mangal"/>
+        <a:font script="Telu" typeface="Gautami"/>
+        <a:font script="Taml" typeface="Latha"/>
+        <a:font script="Syrc" typeface="Estrangelo Edessa"/>
+        <a:font script="Orya" typeface="Kalinga"/>
+        <a:font script="Mlym" typeface="Kartika"/>
+        <a:font script="Laoo" typeface="DokChampa"/>
+        <a:font script="Sinh" typeface="Iskoola Pota"/>
+        <a:font script="Mong" typeface="Mongolian Baiti"/>
+        <a:font script="Viet" typeface="Times New Roman"/>
+        <a:font script="Uigh" typeface="Microsoft Uighur"/>
+        <a:font script="Geor" typeface="Sylfaen"/>
+        <a:font script="Armn" typeface="Arial"/>
+        <a:font script="Bugi" typeface="Leelawadee UI"/>
+        <a:font script="Bopo" typeface="Microsoft JhengHei"/>
+        <a:font script="Java" typeface="Javanese Text"/>
+        <a:font script="Lisu" typeface="Segoe UI"/>
+        <a:font script="Mymr" typeface="Myanmar Text"/>
+        <a:font script="Nkoo" typeface="Ebrima"/>
+        <a:font script="Olck" typeface="Nirmala UI"/>
+        <a:font script="Osma" typeface="Ebrima"/>
+        <a:font script="Phag" typeface="Phagspa"/>
+        <a:font script="Syrn" typeface="Estrangelo Edessa"/>
+        <a:font script="Syrj" typeface="Estrangelo Edessa"/>
+        <a:font script="Syre" typeface="Estrangelo Edessa"/>
+        <a:font script="Sora" typeface="Nirmala UI"/>
+        <a:font script="Tale" typeface="Microsoft Tai Le"/>
+        <a:font script="Talu" typeface="Microsoft New Tai Lue"/>
+        <a:font script="Tfng" typeface="Ebrima"/>
+      </a:majorFont>
+      <a:minorFont>
+        <a:latin typeface="Calibri" panose="020F0502020204030204"/>
+        <a:ea typeface=""/>
+        <a:cs typeface=""/>
+        <a:font script="Jpan" typeface="游ゴシック"/>
+        <a:font script="Hang" typeface="맑은 고딕"/>
+        <a:font script="Hans" typeface="等线"/>
+        <a:font script="Hant" typeface="新細明體"/>
+        <a:font script="Arab" typeface="Arial"/>
+        <a:font script="Hebr" typeface="Arial"/>
+        <a:font script="Thai" typeface="Cordia New"/>
+        <a:font script="Ethi" typeface="Nyala"/>
+        <a:font script="Beng" typeface="Vrinda"/>
+        <a:font script="Gujr" typeface="Shruti"/>
+        <a:font script="Khmr" typeface="DaunPenh"/>
+        <a:font script="Knda" typeface="Tunga"/>
+        <a:font script="Guru" typeface="Raavi"/>
+        <a:font script="Cans" typeface="Euphemia"/>
+        <a:font script="Cher" typeface="Plantagenet Cherokee"/>
+        <a:font script="Yiii" typeface="Microsoft Yi Baiti"/>
+        <a:font script="Tibt" typeface="Microsoft Himalaya"/>
+        <a:font script="Thaa" typeface="MV Boli"/>
+        <a:font script="Deva" typeface="Mangal"/>
+        <a:font script="Telu" typeface="Gautami"/>
+        <a:font script="Taml" typeface="Latha"/>
+        <a:font script="Syrc" typeface="Estrangelo Edessa"/>
+        <a:font script="Orya" typeface="Kalinga"/>
+        <a:font script="Mlym" typeface="Kartika"/>
+        <a:font script="Laoo" typeface="DokChampa"/>
+        <a:font script="Sinh" typeface="Iskoola Pota"/>
+        <a:font script="Mong" typeface="Mongolian Baiti"/>
+        <a:font script="Viet" typeface="Arial"/>
+        <a:font script="Uigh" typeface="Microsoft Uighur"/>
+        <a:font script="Geor" typeface="Sylfaen"/>
+        <a:font script="Armn" typeface="Arial"/>
+        <a:font script="Bugi" typeface="Leelawadee UI"/>
+        <a:font script="Bopo" typeface="Microsoft JhengHei"/>
+        <a:font script="Java" typeface="Javanese Text"/>
+        <a:font script="Lisu" typeface="Segoe UI"/>
+        <a:font script="Mymr" typeface="Myanmar Text"/>
+        <a:font script="Nkoo" typeface="Ebrima"/>
+        <a:font script="Olck" typeface="Nirmala UI"/>
+        <a:font script="Osma" typeface="Ebrima"/>
+        <a:font script="Phag" typeface="Phagspa"/>
+        <a:font script="Syrn" typeface="Estrangelo Edessa"/>
+        <a:font script="Syrj" typeface="Estrangelo Edessa"/>
+        <a:font script="Syre" typeface="Estrangelo Edessa"/>
+        <a:font script="Sora" typeface="Nirmala UI"/>
+        <a:font script="Tale" typeface="Microsoft Tai Le"/>
+        <a:font script="Talu" typeface="Microsoft New Tai Lue"/>
+        <a:font script="Tfng" typeface="Ebrima"/>
+      </a:minorFont>
+    </a:fontScheme>
+    <a:fmtScheme name="Office">
+      <a:fillStyleLst>
+        <a:solidFill>
+          <a:schemeClr val="phClr"/>
+        </a:solidFill>
+        <a:gradFill rotWithShape="1">
+          <a:gsLst>
+            <a:gs pos="0">
+              <a:schemeClr val="phClr">
+                <a:lumMod val="110000"/>
+                <a:satMod val="105000"/>
+                <a:tint val="67000"/>
+              </a:schemeClr>
+            </a:gs>
+            <a:gs pos="50000">
+              <a:schemeClr val="phClr">
+                <a:lumMod val="105000"/>
+                <a:satMod val="103000"/>
+                <a:tint val="73000"/>
+              </a:schemeClr>
+            </a:gs>
+            <a:gs pos="100000">
+              <a:schemeClr val="phClr">
+                <a:lumMod val="105000"/>
+                <a:satMod val="109000"/>
+                <a:tint val="81000"/>
+              </a:schemeClr>
+            </a:gs>
+          </a:gsLst>
+          <a:lin ang="5400000" scaled="0"/>
+        </a:gradFill>
+        <a:gradFill rotWithShape="1">
+          <a:gsLst>
+            <a:gs pos="0">
+              <a:schemeClr val="phClr">
+                <a:satMod val="103000"/>
+                <a:lumMod val="102000"/>
+                <a:tint val="94000"/>
+              </a:schemeClr>
+            </a:gs>
+            <a:gs pos="50000">
+              <a:schemeClr val="phClr">
+                <a:satMod val="110000"/>
+                <a:lumMod val="100000"/>
+                <a:shade val="100000"/>
+              </a:schemeClr>
+            </a:gs>
+            <a:gs pos="100000">
+              <a:schemeClr val="phClr">
+                <a:lumMod val="99000"/>
+                <a:satMod val="120000"/>
+                <a:shade val="78000"/>
+              </a:schemeClr>
+            </a:gs>
+          </a:gsLst>
+          <a:lin ang="5400000" scaled="0"/>
+        </a:gradFill>
+      </a:fillStyleLst>
+      <a:lnStyleLst>
+        <a:ln w="6350" cap="flat" cmpd="sng" algn="ctr">
+          <a:solidFill>
+            <a:schemeClr val="phClr"/>
+          </a:solidFill>
+          <a:prstDash val="solid"/>
+          <a:miter lim="800000"/>
+        </a:ln>
+        <a:ln w="12700" cap="flat" cmpd="sng" algn="ctr">
+          <a:solidFill>
+            <a:schemeClr val="phClr"/>
+          </a:solidFill>
+          <a:prstDash val="solid"/>
+          <a:miter lim="800000"/>
+        </a:ln>
+        <a:ln w="19050" cap="flat" cmpd="sng" algn="ctr">
+          <a:solidFill>
+            <a:schemeClr val="phClr"/>
+          </a:solidFill>
+          <a:prstDash val="solid"/>
+          <a:miter lim="800000"/>
+        </a:ln>
+      </a:lnStyleLst>
+      <a:effectStyleLst>
+        <a:effectStyle>
+          <a:effectLst/>
+        </a:effectStyle>
+        <a:effectStyle>
+          <a:effectLst/>
+        </a:effectStyle>
+        <a:effectStyle>
+          <a:effectLst>
+            <a:outerShdw blurRad="57150" dist="19050" dir="5400000" algn="ctr" rotWithShape="0">
+              <a:srgbClr val="000000">
+                <a:alpha val="63000"/>
+              </a:srgbClr>
+            </a:outerShdw>
+          </a:effectLst>
+        </a:effectStyle>
+      </a:effectStyleLst>
+      <a:bgFillStyleLst>
+        <a:solidFill>
+          <a:schemeClr val="phClr"/>
+        </a:solidFill>
+        <a:solidFill>
+          <a:schemeClr val="phClr">
+            <a:tint val="95000"/>
+            <a:satMod val="170000"/>
+          </a:schemeClr>
+        </a:solidFill>
+        <a:gradFill rotWithShape="1">
+          <a:gsLst>
+            <a:gs pos="0">
+              <a:schemeClr val="phClr">
+                <a:tint val="93000"/>
+                <a:satMod val="150000"/>
+                <a:shade val="98000"/>
+                <a:lumMod val="102000"/>
+              </a:schemeClr>
+            </a:gs>
+            <a:gs pos="50000">
+              <a:schemeClr val="phClr">
+                <a:tint val="98000"/>
+                <a:satMod val="130000"/>
+                <a:shade val="90000"/>
+                <a:lumMod val="103000"/>
+              </a:schemeClr>
+            </a:gs>
+            <a:gs pos="100000">
+              <a:schemeClr val="phClr">
+                <a:shade val="63000"/>
+                <a:satMod val="120000"/>
+              </a:schemeClr>
+            </a:gs>
+          </a:gsLst>
+          <a:lin ang="5400000" scaled="0"/>
+        </a:gradFill>
+      </a:bgFillStyleLst>
+    </a:fmtScheme>
+  </a:themeElements>
+  <a:objectDefaults/>
+  <a:extraClrSchemeLst/>
+  <a:extLst>
+    <a:ext uri="{05A4C25C-085E-4340-85A3-A5531E510DB2}">
+      <thm15:themeFamily xmlns:thm15="http://schemas.microsoft.com/office/thememl/2012/main" name="Office Theme 2013 - 2022" id="{62F939B6-93AF-4DB8-9C6B-D6C7DFDC589F}" vid="{4A3C46E8-61CC-4603-A589-7422A47A8E4A}"/>
+    </a:ext>
+  </a:extLst>
+</a:theme>
 </file>